--- a/Scala/Spark常用算子.pptx
+++ b/Scala/Spark常用算子.pptx
@@ -9,36 +9,41 @@
     <p:sldMasterId id="2147484106" r:id="rId5"/>
   </p:sldMasterIdLst>
   <p:notesMasterIdLst>
-    <p:notesMasterId r:id="rId30"/>
+    <p:notesMasterId r:id="rId35"/>
   </p:notesMasterIdLst>
   <p:handoutMasterIdLst>
-    <p:handoutMasterId r:id="rId31"/>
+    <p:handoutMasterId r:id="rId36"/>
   </p:handoutMasterIdLst>
   <p:sldIdLst>
     <p:sldId id="262" r:id="rId6"/>
     <p:sldId id="336" r:id="rId7"/>
     <p:sldId id="311" r:id="rId8"/>
-    <p:sldId id="325" r:id="rId9"/>
-    <p:sldId id="327" r:id="rId10"/>
-    <p:sldId id="342" r:id="rId11"/>
-    <p:sldId id="343" r:id="rId12"/>
-    <p:sldId id="344" r:id="rId13"/>
-    <p:sldId id="345" r:id="rId14"/>
-    <p:sldId id="346" r:id="rId15"/>
-    <p:sldId id="347" r:id="rId16"/>
-    <p:sldId id="348" r:id="rId17"/>
-    <p:sldId id="349" r:id="rId18"/>
-    <p:sldId id="350" r:id="rId19"/>
-    <p:sldId id="351" r:id="rId20"/>
-    <p:sldId id="352" r:id="rId21"/>
-    <p:sldId id="353" r:id="rId22"/>
-    <p:sldId id="354" r:id="rId23"/>
-    <p:sldId id="355" r:id="rId24"/>
-    <p:sldId id="357" r:id="rId25"/>
-    <p:sldId id="356" r:id="rId26"/>
-    <p:sldId id="358" r:id="rId27"/>
-    <p:sldId id="359" r:id="rId28"/>
-    <p:sldId id="360" r:id="rId29"/>
+    <p:sldId id="361" r:id="rId9"/>
+    <p:sldId id="362" r:id="rId10"/>
+    <p:sldId id="363" r:id="rId11"/>
+    <p:sldId id="364" r:id="rId12"/>
+    <p:sldId id="365" r:id="rId13"/>
+    <p:sldId id="325" r:id="rId14"/>
+    <p:sldId id="327" r:id="rId15"/>
+    <p:sldId id="342" r:id="rId16"/>
+    <p:sldId id="343" r:id="rId17"/>
+    <p:sldId id="344" r:id="rId18"/>
+    <p:sldId id="345" r:id="rId19"/>
+    <p:sldId id="346" r:id="rId20"/>
+    <p:sldId id="347" r:id="rId21"/>
+    <p:sldId id="348" r:id="rId22"/>
+    <p:sldId id="349" r:id="rId23"/>
+    <p:sldId id="350" r:id="rId24"/>
+    <p:sldId id="351" r:id="rId25"/>
+    <p:sldId id="352" r:id="rId26"/>
+    <p:sldId id="353" r:id="rId27"/>
+    <p:sldId id="354" r:id="rId28"/>
+    <p:sldId id="355" r:id="rId29"/>
+    <p:sldId id="357" r:id="rId30"/>
+    <p:sldId id="356" r:id="rId31"/>
+    <p:sldId id="358" r:id="rId32"/>
+    <p:sldId id="359" r:id="rId33"/>
+    <p:sldId id="360" r:id="rId34"/>
   </p:sldIdLst>
   <p:sldSz cx="9144000" cy="6858000" type="screen4x3"/>
   <p:notesSz cx="6797675" cy="9926638"/>
@@ -3516,6 +3521,13 @@
         </dgm:presLayoutVars>
       </dgm:prSet>
       <dgm:spPr/>
+      <dgm:t>
+        <a:bodyPr/>
+        <a:lstStyle/>
+        <a:p>
+          <a:endParaRPr lang="zh-CN" altLang="en-US"/>
+        </a:p>
+      </dgm:t>
     </dgm:pt>
     <dgm:pt modelId="{AA1CC62F-D708-4CE8-9FE4-746995F44CDC}" type="pres">
       <dgm:prSet presAssocID="{23C41DA6-FD18-4181-BB81-95535B28BA58}" presName="linNode" presStyleCnt="0"/>
@@ -3632,21 +3644,21 @@
     </dgm:pt>
   </dgm:ptLst>
   <dgm:cxnLst>
+    <dgm:cxn modelId="{80A4F14E-B297-4006-B2CE-07D5669694AE}" type="presOf" srcId="{8909294F-9964-45B9-AED5-168C3D453CF8}" destId="{0CDA32F2-6D74-4969-8CAE-86785363410D}" srcOrd="0" destOrd="0" presId="urn:microsoft.com/office/officeart/2005/8/layout/vList5"/>
+    <dgm:cxn modelId="{1E69EF04-2CFD-46BC-B221-0E2B7B872B91}" type="presOf" srcId="{FB928A83-8935-4DEE-8456-EFDC7F53A77C}" destId="{C0815660-FDD1-4EB1-B8C8-6623C51270BF}" srcOrd="0" destOrd="0" presId="urn:microsoft.com/office/officeart/2005/8/layout/vList5"/>
+    <dgm:cxn modelId="{47116292-E492-4D17-8F8D-49CE4C5E8190}" srcId="{1DFB8779-B59F-4B96-9332-4D04830B3E8C}" destId="{2D05E9D7-6AA8-4C2B-95BD-6D3AA5459AEA}" srcOrd="0" destOrd="0" parTransId="{C474F987-16BF-40AE-AB85-A6EECD911705}" sibTransId="{6646931B-6CDB-45ED-8EEC-89259373DBEF}"/>
+    <dgm:cxn modelId="{EBD20F8D-6722-4A84-9F92-E0E296B6DBC0}" type="presOf" srcId="{2D05E9D7-6AA8-4C2B-95BD-6D3AA5459AEA}" destId="{27023BBC-367C-40AF-A98E-EA5F1DA9599F}" srcOrd="0" destOrd="0" presId="urn:microsoft.com/office/officeart/2005/8/layout/vList5"/>
+    <dgm:cxn modelId="{9A76E041-5DA4-4FB6-B087-892082B315E4}" srcId="{FB928A83-8935-4DEE-8456-EFDC7F53A77C}" destId="{23C41DA6-FD18-4181-BB81-95535B28BA58}" srcOrd="0" destOrd="0" parTransId="{1ABC5CA6-9C72-4022-A663-CE3B50BCFD42}" sibTransId="{A14FD308-058B-46BD-9DBA-62B5DAAE3E66}"/>
+    <dgm:cxn modelId="{D23F19F9-E83E-4B46-8AFF-753C7A94479A}" type="presOf" srcId="{BCF30EBE-1F94-43FE-9D86-9DA715D9F6B7}" destId="{23A2065E-FE11-4509-A60B-166927C3CCC6}" srcOrd="0" destOrd="0" presId="urn:microsoft.com/office/officeart/2005/8/layout/vList5"/>
+    <dgm:cxn modelId="{917B65CB-3AFA-4427-9EC3-DC1595159085}" srcId="{BCF30EBE-1F94-43FE-9D86-9DA715D9F6B7}" destId="{9658FFC4-DAB9-4035-B57D-ED66CBB42E8B}" srcOrd="0" destOrd="0" parTransId="{C340E301-8C62-4D29-8534-C2C8515D7177}" sibTransId="{6CE07680-CEC6-4F9B-82ED-569D1F99E537}"/>
+    <dgm:cxn modelId="{9B77EA31-1B04-49CD-9462-C00FE6CD249F}" type="presOf" srcId="{9658FFC4-DAB9-4035-B57D-ED66CBB42E8B}" destId="{E7CAD3C6-AB42-40D2-9910-503D40C67663}" srcOrd="0" destOrd="0" presId="urn:microsoft.com/office/officeart/2005/8/layout/vList5"/>
+    <dgm:cxn modelId="{33AC3E51-EE37-4AAF-90BD-DC7E2CAD3BE5}" srcId="{BCF30EBE-1F94-43FE-9D86-9DA715D9F6B7}" destId="{4AAEC18E-3C92-4DD8-BF8D-8259CCD8E219}" srcOrd="1" destOrd="0" parTransId="{0EFB485B-48C4-4BCF-8C82-22A6CD2EE934}" sibTransId="{B8A4F3E1-B059-4852-ABE2-210A414F634B}"/>
+    <dgm:cxn modelId="{32E297A6-4AB4-4EFD-882F-F8B606642F9C}" type="presOf" srcId="{1DFB8779-B59F-4B96-9332-4D04830B3E8C}" destId="{6D99CF34-DA87-48CA-87A4-882E321CFBE2}" srcOrd="0" destOrd="0" presId="urn:microsoft.com/office/officeart/2005/8/layout/vList5"/>
+    <dgm:cxn modelId="{0F06582D-BC3B-4493-8EC8-1FDC9B0CD6EA}" type="presOf" srcId="{4AAEC18E-3C92-4DD8-BF8D-8259CCD8E219}" destId="{E7CAD3C6-AB42-40D2-9910-503D40C67663}" srcOrd="0" destOrd="1" presId="urn:microsoft.com/office/officeart/2005/8/layout/vList5"/>
+    <dgm:cxn modelId="{4E9ADFEB-B652-4ACF-8B01-60DF90917FC5}" type="presOf" srcId="{23C41DA6-FD18-4181-BB81-95535B28BA58}" destId="{735015C0-911F-44E6-A014-926EE4A9CEB3}" srcOrd="0" destOrd="0" presId="urn:microsoft.com/office/officeart/2005/8/layout/vList5"/>
+    <dgm:cxn modelId="{D68C378D-95C6-4C62-B96F-3AED56E36597}" srcId="{FB928A83-8935-4DEE-8456-EFDC7F53A77C}" destId="{BCF30EBE-1F94-43FE-9D86-9DA715D9F6B7}" srcOrd="2" destOrd="0" parTransId="{28377E7B-8C43-43A0-995B-8AA8F0DC1344}" sibTransId="{5CA559A5-40F8-494A-B222-C3749A8246F9}"/>
+    <dgm:cxn modelId="{00A6A8E5-332D-43FB-A576-75E7FCE707B9}" srcId="{23C41DA6-FD18-4181-BB81-95535B28BA58}" destId="{8909294F-9964-45B9-AED5-168C3D453CF8}" srcOrd="0" destOrd="0" parTransId="{BF5A8B78-622F-4EE0-BF17-52F6045D30AA}" sibTransId="{8D37F75D-7CF3-4B02-8B18-E8B72D245DA5}"/>
     <dgm:cxn modelId="{D8D9BB73-713A-406F-AEE5-752F35137BD6}" srcId="{FB928A83-8935-4DEE-8456-EFDC7F53A77C}" destId="{1DFB8779-B59F-4B96-9332-4D04830B3E8C}" srcOrd="1" destOrd="0" parTransId="{8F826B14-0856-4B8E-9625-AA190FE94B99}" sibTransId="{E84B9F96-6A90-4CE9-8F61-13C2F7D69A6B}"/>
-    <dgm:cxn modelId="{4E9ADFEB-B652-4ACF-8B01-60DF90917FC5}" type="presOf" srcId="{23C41DA6-FD18-4181-BB81-95535B28BA58}" destId="{735015C0-911F-44E6-A014-926EE4A9CEB3}" srcOrd="0" destOrd="0" presId="urn:microsoft.com/office/officeart/2005/8/layout/vList5"/>
-    <dgm:cxn modelId="{9B77EA31-1B04-49CD-9462-C00FE6CD249F}" type="presOf" srcId="{9658FFC4-DAB9-4035-B57D-ED66CBB42E8B}" destId="{E7CAD3C6-AB42-40D2-9910-503D40C67663}" srcOrd="0" destOrd="0" presId="urn:microsoft.com/office/officeart/2005/8/layout/vList5"/>
-    <dgm:cxn modelId="{32E297A6-4AB4-4EFD-882F-F8B606642F9C}" type="presOf" srcId="{1DFB8779-B59F-4B96-9332-4D04830B3E8C}" destId="{6D99CF34-DA87-48CA-87A4-882E321CFBE2}" srcOrd="0" destOrd="0" presId="urn:microsoft.com/office/officeart/2005/8/layout/vList5"/>
-    <dgm:cxn modelId="{917B65CB-3AFA-4427-9EC3-DC1595159085}" srcId="{BCF30EBE-1F94-43FE-9D86-9DA715D9F6B7}" destId="{9658FFC4-DAB9-4035-B57D-ED66CBB42E8B}" srcOrd="0" destOrd="0" parTransId="{C340E301-8C62-4D29-8534-C2C8515D7177}" sibTransId="{6CE07680-CEC6-4F9B-82ED-569D1F99E537}"/>
-    <dgm:cxn modelId="{D23F19F9-E83E-4B46-8AFF-753C7A94479A}" type="presOf" srcId="{BCF30EBE-1F94-43FE-9D86-9DA715D9F6B7}" destId="{23A2065E-FE11-4509-A60B-166927C3CCC6}" srcOrd="0" destOrd="0" presId="urn:microsoft.com/office/officeart/2005/8/layout/vList5"/>
-    <dgm:cxn modelId="{9A76E041-5DA4-4FB6-B087-892082B315E4}" srcId="{FB928A83-8935-4DEE-8456-EFDC7F53A77C}" destId="{23C41DA6-FD18-4181-BB81-95535B28BA58}" srcOrd="0" destOrd="0" parTransId="{1ABC5CA6-9C72-4022-A663-CE3B50BCFD42}" sibTransId="{A14FD308-058B-46BD-9DBA-62B5DAAE3E66}"/>
-    <dgm:cxn modelId="{1E69EF04-2CFD-46BC-B221-0E2B7B872B91}" type="presOf" srcId="{FB928A83-8935-4DEE-8456-EFDC7F53A77C}" destId="{C0815660-FDD1-4EB1-B8C8-6623C51270BF}" srcOrd="0" destOrd="0" presId="urn:microsoft.com/office/officeart/2005/8/layout/vList5"/>
-    <dgm:cxn modelId="{33AC3E51-EE37-4AAF-90BD-DC7E2CAD3BE5}" srcId="{BCF30EBE-1F94-43FE-9D86-9DA715D9F6B7}" destId="{4AAEC18E-3C92-4DD8-BF8D-8259CCD8E219}" srcOrd="1" destOrd="0" parTransId="{0EFB485B-48C4-4BCF-8C82-22A6CD2EE934}" sibTransId="{B8A4F3E1-B059-4852-ABE2-210A414F634B}"/>
-    <dgm:cxn modelId="{00A6A8E5-332D-43FB-A576-75E7FCE707B9}" srcId="{23C41DA6-FD18-4181-BB81-95535B28BA58}" destId="{8909294F-9964-45B9-AED5-168C3D453CF8}" srcOrd="0" destOrd="0" parTransId="{BF5A8B78-622F-4EE0-BF17-52F6045D30AA}" sibTransId="{8D37F75D-7CF3-4B02-8B18-E8B72D245DA5}"/>
-    <dgm:cxn modelId="{47116292-E492-4D17-8F8D-49CE4C5E8190}" srcId="{1DFB8779-B59F-4B96-9332-4D04830B3E8C}" destId="{2D05E9D7-6AA8-4C2B-95BD-6D3AA5459AEA}" srcOrd="0" destOrd="0" parTransId="{C474F987-16BF-40AE-AB85-A6EECD911705}" sibTransId="{6646931B-6CDB-45ED-8EEC-89259373DBEF}"/>
-    <dgm:cxn modelId="{80A4F14E-B297-4006-B2CE-07D5669694AE}" type="presOf" srcId="{8909294F-9964-45B9-AED5-168C3D453CF8}" destId="{0CDA32F2-6D74-4969-8CAE-86785363410D}" srcOrd="0" destOrd="0" presId="urn:microsoft.com/office/officeart/2005/8/layout/vList5"/>
-    <dgm:cxn modelId="{EBD20F8D-6722-4A84-9F92-E0E296B6DBC0}" type="presOf" srcId="{2D05E9D7-6AA8-4C2B-95BD-6D3AA5459AEA}" destId="{27023BBC-367C-40AF-A98E-EA5F1DA9599F}" srcOrd="0" destOrd="0" presId="urn:microsoft.com/office/officeart/2005/8/layout/vList5"/>
-    <dgm:cxn modelId="{0F06582D-BC3B-4493-8EC8-1FDC9B0CD6EA}" type="presOf" srcId="{4AAEC18E-3C92-4DD8-BF8D-8259CCD8E219}" destId="{E7CAD3C6-AB42-40D2-9910-503D40C67663}" srcOrd="0" destOrd="1" presId="urn:microsoft.com/office/officeart/2005/8/layout/vList5"/>
-    <dgm:cxn modelId="{D68C378D-95C6-4C62-B96F-3AED56E36597}" srcId="{FB928A83-8935-4DEE-8456-EFDC7F53A77C}" destId="{BCF30EBE-1F94-43FE-9D86-9DA715D9F6B7}" srcOrd="2" destOrd="0" parTransId="{28377E7B-8C43-43A0-995B-8AA8F0DC1344}" sibTransId="{5CA559A5-40F8-494A-B222-C3749A8246F9}"/>
     <dgm:cxn modelId="{2EE1AF00-4A98-4BC4-8D51-075EF89025E2}" type="presParOf" srcId="{C0815660-FDD1-4EB1-B8C8-6623C51270BF}" destId="{AA1CC62F-D708-4CE8-9FE4-746995F44CDC}" srcOrd="0" destOrd="0" presId="urn:microsoft.com/office/officeart/2005/8/layout/vList5"/>
     <dgm:cxn modelId="{BE70EEDA-2750-44D5-BDFE-A32195B1D8E9}" type="presParOf" srcId="{AA1CC62F-D708-4CE8-9FE4-746995F44CDC}" destId="{735015C0-911F-44E6-A014-926EE4A9CEB3}" srcOrd="0" destOrd="0" presId="urn:microsoft.com/office/officeart/2005/8/layout/vList5"/>
     <dgm:cxn modelId="{F533E474-D40A-4DC8-AE4C-F7BEB663BCBF}" type="presParOf" srcId="{AA1CC62F-D708-4CE8-9FE4-746995F44CDC}" destId="{0CDA32F2-6D74-4969-8CAE-86785363410D}" srcOrd="1" destOrd="0" presId="urn:microsoft.com/office/officeart/2005/8/layout/vList5"/>
@@ -3816,6 +3828,13 @@
         </dgm:presLayoutVars>
       </dgm:prSet>
       <dgm:spPr/>
+      <dgm:t>
+        <a:bodyPr/>
+        <a:lstStyle/>
+        <a:p>
+          <a:endParaRPr lang="zh-CN" altLang="en-US"/>
+        </a:p>
+      </dgm:t>
     </dgm:pt>
     <dgm:pt modelId="{CCB5E38E-3CD6-45B8-B5B8-F329B77966AE}" type="pres">
       <dgm:prSet presAssocID="{4F939C18-D58D-40FE-9486-23DECEF6E749}" presName="composite" presStyleCnt="0"/>
@@ -3830,6 +3849,13 @@
         </dgm:presLayoutVars>
       </dgm:prSet>
       <dgm:spPr/>
+      <dgm:t>
+        <a:bodyPr/>
+        <a:lstStyle/>
+        <a:p>
+          <a:endParaRPr lang="zh-CN" altLang="en-US"/>
+        </a:p>
+      </dgm:t>
     </dgm:pt>
     <dgm:pt modelId="{5DD4BB9E-56F9-4646-BA5E-1A9436E54AE7}" type="pres">
       <dgm:prSet presAssocID="{4F939C18-D58D-40FE-9486-23DECEF6E749}" presName="Childtext1" presStyleLbl="revTx" presStyleIdx="0" presStyleCnt="3">
@@ -3859,6 +3885,13 @@
     <dgm:pt modelId="{33C1D851-D28B-4355-86F4-ABE569B48B54}" type="pres">
       <dgm:prSet presAssocID="{F940FEF4-A126-40AD-A0E4-10429BF8AFB8}" presName="Accent1Text" presStyleLbl="node1" presStyleIdx="1" presStyleCnt="6"/>
       <dgm:spPr/>
+      <dgm:t>
+        <a:bodyPr/>
+        <a:lstStyle/>
+        <a:p>
+          <a:endParaRPr lang="zh-CN" altLang="en-US"/>
+        </a:p>
+      </dgm:t>
     </dgm:pt>
     <dgm:pt modelId="{83318DE6-9648-41D3-B8B5-4B605970AA58}" type="pres">
       <dgm:prSet presAssocID="{F940FEF4-A126-40AD-A0E4-10429BF8AFB8}" presName="spaceBetweenRectangles" presStyleCnt="0"/>
@@ -3984,16 +4017,16 @@
     </dgm:pt>
   </dgm:ptLst>
   <dgm:cxnLst>
+    <dgm:cxn modelId="{574E1805-E540-4555-B75C-854E310CB29B}" srcId="{15A6B82C-7D3B-47CB-8139-2E6527B77150}" destId="{DB0204D1-8C57-4A21-8E8B-DB95C8F49DB7}" srcOrd="1" destOrd="0" parTransId="{7103A84F-FC34-4EFE-B878-FFCE83759EAE}" sibTransId="{0EFA272D-14AC-4AE9-980C-6087079BB43E}"/>
+    <dgm:cxn modelId="{6C5DD010-7CEC-4D35-8C6C-ADCE4C212713}" type="presOf" srcId="{F940FEF4-A126-40AD-A0E4-10429BF8AFB8}" destId="{33C1D851-D28B-4355-86F4-ABE569B48B54}" srcOrd="0" destOrd="0" presId="urn:microsoft.com/office/officeart/2008/layout/AlternatingHexagons"/>
+    <dgm:cxn modelId="{9158336C-4F79-48F5-B493-A09C3E367BBF}" type="presOf" srcId="{9D84B5BE-D0BF-41AB-A7E6-D960DA165A96}" destId="{F8B80A88-04DF-4E5B-B9DE-088648CA8A3A}" srcOrd="0" destOrd="0" presId="urn:microsoft.com/office/officeart/2008/layout/AlternatingHexagons"/>
+    <dgm:cxn modelId="{918DCDCD-22E3-4709-8718-400D8ACCAB77}" type="presOf" srcId="{4F939C18-D58D-40FE-9486-23DECEF6E749}" destId="{851F20AA-6E3F-4F0D-9DE5-9E637392E2D2}" srcOrd="0" destOrd="0" presId="urn:microsoft.com/office/officeart/2008/layout/AlternatingHexagons"/>
+    <dgm:cxn modelId="{16AA12C8-D300-43CE-9375-7BBB14882190}" srcId="{15A6B82C-7D3B-47CB-8139-2E6527B77150}" destId="{4F939C18-D58D-40FE-9486-23DECEF6E749}" srcOrd="0" destOrd="0" parTransId="{1E80E025-31C9-402B-9B36-6021D61F0DF8}" sibTransId="{F940FEF4-A126-40AD-A0E4-10429BF8AFB8}"/>
     <dgm:cxn modelId="{2ADAC60D-5955-4363-94F5-233ADE15D9A6}" srcId="{15A6B82C-7D3B-47CB-8139-2E6527B77150}" destId="{D51D4197-3510-4385-ACED-5E28F38E887D}" srcOrd="2" destOrd="0" parTransId="{6560ADA5-6A0E-4AF3-BD31-B57CA7747DB7}" sibTransId="{9D84B5BE-D0BF-41AB-A7E6-D960DA165A96}"/>
+    <dgm:cxn modelId="{A00C5838-6A8D-4A30-BD67-FE22821A2827}" type="presOf" srcId="{0EFA272D-14AC-4AE9-980C-6087079BB43E}" destId="{94A25387-344B-4E1B-962C-A8C211C729CA}" srcOrd="0" destOrd="0" presId="urn:microsoft.com/office/officeart/2008/layout/AlternatingHexagons"/>
     <dgm:cxn modelId="{3C5D00B7-6AA2-465F-A077-71F90FF2E94F}" type="presOf" srcId="{D51D4197-3510-4385-ACED-5E28F38E887D}" destId="{0A5BC26A-4395-45A0-AD0D-270A0AD87DE9}" srcOrd="0" destOrd="0" presId="urn:microsoft.com/office/officeart/2008/layout/AlternatingHexagons"/>
     <dgm:cxn modelId="{0CF6C40B-5A4A-4561-B1E9-75198B6E1285}" type="presOf" srcId="{15A6B82C-7D3B-47CB-8139-2E6527B77150}" destId="{08EF2453-8A61-4707-93A4-314F7FD875BB}" srcOrd="0" destOrd="0" presId="urn:microsoft.com/office/officeart/2008/layout/AlternatingHexagons"/>
-    <dgm:cxn modelId="{A00C5838-6A8D-4A30-BD67-FE22821A2827}" type="presOf" srcId="{0EFA272D-14AC-4AE9-980C-6087079BB43E}" destId="{94A25387-344B-4E1B-962C-A8C211C729CA}" srcOrd="0" destOrd="0" presId="urn:microsoft.com/office/officeart/2008/layout/AlternatingHexagons"/>
-    <dgm:cxn modelId="{6C5DD010-7CEC-4D35-8C6C-ADCE4C212713}" type="presOf" srcId="{F940FEF4-A126-40AD-A0E4-10429BF8AFB8}" destId="{33C1D851-D28B-4355-86F4-ABE569B48B54}" srcOrd="0" destOrd="0" presId="urn:microsoft.com/office/officeart/2008/layout/AlternatingHexagons"/>
-    <dgm:cxn modelId="{574E1805-E540-4555-B75C-854E310CB29B}" srcId="{15A6B82C-7D3B-47CB-8139-2E6527B77150}" destId="{DB0204D1-8C57-4A21-8E8B-DB95C8F49DB7}" srcOrd="1" destOrd="0" parTransId="{7103A84F-FC34-4EFE-B878-FFCE83759EAE}" sibTransId="{0EFA272D-14AC-4AE9-980C-6087079BB43E}"/>
-    <dgm:cxn modelId="{918DCDCD-22E3-4709-8718-400D8ACCAB77}" type="presOf" srcId="{4F939C18-D58D-40FE-9486-23DECEF6E749}" destId="{851F20AA-6E3F-4F0D-9DE5-9E637392E2D2}" srcOrd="0" destOrd="0" presId="urn:microsoft.com/office/officeart/2008/layout/AlternatingHexagons"/>
-    <dgm:cxn modelId="{16AA12C8-D300-43CE-9375-7BBB14882190}" srcId="{15A6B82C-7D3B-47CB-8139-2E6527B77150}" destId="{4F939C18-D58D-40FE-9486-23DECEF6E749}" srcOrd="0" destOrd="0" parTransId="{1E80E025-31C9-402B-9B36-6021D61F0DF8}" sibTransId="{F940FEF4-A126-40AD-A0E4-10429BF8AFB8}"/>
     <dgm:cxn modelId="{D05703C7-9BF4-4378-840D-9E5264992E33}" type="presOf" srcId="{DB0204D1-8C57-4A21-8E8B-DB95C8F49DB7}" destId="{81E15477-C27D-4EAF-BC71-E9F87DCBE4F5}" srcOrd="0" destOrd="0" presId="urn:microsoft.com/office/officeart/2008/layout/AlternatingHexagons"/>
-    <dgm:cxn modelId="{9158336C-4F79-48F5-B493-A09C3E367BBF}" type="presOf" srcId="{9D84B5BE-D0BF-41AB-A7E6-D960DA165A96}" destId="{F8B80A88-04DF-4E5B-B9DE-088648CA8A3A}" srcOrd="0" destOrd="0" presId="urn:microsoft.com/office/officeart/2008/layout/AlternatingHexagons"/>
     <dgm:cxn modelId="{230D174C-BDD3-473E-915C-7B10DF953BC7}" type="presParOf" srcId="{08EF2453-8A61-4707-93A4-314F7FD875BB}" destId="{CCB5E38E-3CD6-45B8-B5B8-F329B77966AE}" srcOrd="0" destOrd="0" presId="urn:microsoft.com/office/officeart/2008/layout/AlternatingHexagons"/>
     <dgm:cxn modelId="{904614A6-F052-47C2-8601-2A368CB52348}" type="presParOf" srcId="{CCB5E38E-3CD6-45B8-B5B8-F329B77966AE}" destId="{851F20AA-6E3F-4F0D-9DE5-9E637392E2D2}" srcOrd="0" destOrd="0" presId="urn:microsoft.com/office/officeart/2008/layout/AlternatingHexagons"/>
     <dgm:cxn modelId="{BCA3F7F5-6862-4FA1-9C38-A5D8728617B1}" type="presParOf" srcId="{CCB5E38E-3CD6-45B8-B5B8-F329B77966AE}" destId="{5DD4BB9E-56F9-4646-BA5E-1A9436E54AE7}" srcOrd="1" destOrd="0" presId="urn:microsoft.com/office/officeart/2008/layout/AlternatingHexagons"/>
@@ -4172,6 +4205,13 @@
         </dgm:presLayoutVars>
       </dgm:prSet>
       <dgm:spPr/>
+      <dgm:t>
+        <a:bodyPr/>
+        <a:lstStyle/>
+        <a:p>
+          <a:endParaRPr lang="zh-CN" altLang="en-US"/>
+        </a:p>
+      </dgm:t>
     </dgm:pt>
     <dgm:pt modelId="{CCB5E38E-3CD6-45B8-B5B8-F329B77966AE}" type="pres">
       <dgm:prSet presAssocID="{4F939C18-D58D-40FE-9486-23DECEF6E749}" presName="composite" presStyleCnt="0"/>
@@ -4222,6 +4262,13 @@
     <dgm:pt modelId="{33C1D851-D28B-4355-86F4-ABE569B48B54}" type="pres">
       <dgm:prSet presAssocID="{F940FEF4-A126-40AD-A0E4-10429BF8AFB8}" presName="Accent1Text" presStyleLbl="node1" presStyleIdx="1" presStyleCnt="6"/>
       <dgm:spPr/>
+      <dgm:t>
+        <a:bodyPr/>
+        <a:lstStyle/>
+        <a:p>
+          <a:endParaRPr lang="zh-CN" altLang="en-US"/>
+        </a:p>
+      </dgm:t>
     </dgm:pt>
     <dgm:pt modelId="{83318DE6-9648-41D3-B8B5-4B605970AA58}" type="pres">
       <dgm:prSet presAssocID="{F940FEF4-A126-40AD-A0E4-10429BF8AFB8}" presName="spaceBetweenRectangles" presStyleCnt="0"/>
@@ -4352,8 +4399,8 @@
     <dgm:cxn modelId="{9158336C-4F79-48F5-B493-A09C3E367BBF}" type="presOf" srcId="{9D84B5BE-D0BF-41AB-A7E6-D960DA165A96}" destId="{F8B80A88-04DF-4E5B-B9DE-088648CA8A3A}" srcOrd="0" destOrd="0" presId="urn:microsoft.com/office/officeart/2008/layout/AlternatingHexagons"/>
     <dgm:cxn modelId="{918DCDCD-22E3-4709-8718-400D8ACCAB77}" type="presOf" srcId="{4F939C18-D58D-40FE-9486-23DECEF6E749}" destId="{851F20AA-6E3F-4F0D-9DE5-9E637392E2D2}" srcOrd="0" destOrd="0" presId="urn:microsoft.com/office/officeart/2008/layout/AlternatingHexagons"/>
     <dgm:cxn modelId="{16AA12C8-D300-43CE-9375-7BBB14882190}" srcId="{15A6B82C-7D3B-47CB-8139-2E6527B77150}" destId="{4F939C18-D58D-40FE-9486-23DECEF6E749}" srcOrd="0" destOrd="0" parTransId="{1E80E025-31C9-402B-9B36-6021D61F0DF8}" sibTransId="{F940FEF4-A126-40AD-A0E4-10429BF8AFB8}"/>
+    <dgm:cxn modelId="{2ADAC60D-5955-4363-94F5-233ADE15D9A6}" srcId="{15A6B82C-7D3B-47CB-8139-2E6527B77150}" destId="{D51D4197-3510-4385-ACED-5E28F38E887D}" srcOrd="2" destOrd="0" parTransId="{6560ADA5-6A0E-4AF3-BD31-B57CA7747DB7}" sibTransId="{9D84B5BE-D0BF-41AB-A7E6-D960DA165A96}"/>
     <dgm:cxn modelId="{A00C5838-6A8D-4A30-BD67-FE22821A2827}" type="presOf" srcId="{0EFA272D-14AC-4AE9-980C-6087079BB43E}" destId="{94A25387-344B-4E1B-962C-A8C211C729CA}" srcOrd="0" destOrd="0" presId="urn:microsoft.com/office/officeart/2008/layout/AlternatingHexagons"/>
-    <dgm:cxn modelId="{2ADAC60D-5955-4363-94F5-233ADE15D9A6}" srcId="{15A6B82C-7D3B-47CB-8139-2E6527B77150}" destId="{D51D4197-3510-4385-ACED-5E28F38E887D}" srcOrd="2" destOrd="0" parTransId="{6560ADA5-6A0E-4AF3-BD31-B57CA7747DB7}" sibTransId="{9D84B5BE-D0BF-41AB-A7E6-D960DA165A96}"/>
     <dgm:cxn modelId="{3C5D00B7-6AA2-465F-A077-71F90FF2E94F}" type="presOf" srcId="{D51D4197-3510-4385-ACED-5E28F38E887D}" destId="{0A5BC26A-4395-45A0-AD0D-270A0AD87DE9}" srcOrd="0" destOrd="0" presId="urn:microsoft.com/office/officeart/2008/layout/AlternatingHexagons"/>
     <dgm:cxn modelId="{0CF6C40B-5A4A-4561-B1E9-75198B6E1285}" type="presOf" srcId="{15A6B82C-7D3B-47CB-8139-2E6527B77150}" destId="{08EF2453-8A61-4707-93A4-314F7FD875BB}" srcOrd="0" destOrd="0" presId="urn:microsoft.com/office/officeart/2008/layout/AlternatingHexagons"/>
     <dgm:cxn modelId="{D05703C7-9BF4-4378-840D-9E5264992E33}" type="presOf" srcId="{DB0204D1-8C57-4A21-8E8B-DB95C8F49DB7}" destId="{81E15477-C27D-4EAF-BC71-E9F87DCBE4F5}" srcOrd="0" destOrd="0" presId="urn:microsoft.com/office/officeart/2008/layout/AlternatingHexagons"/>
@@ -4535,6 +4582,13 @@
         </dgm:presLayoutVars>
       </dgm:prSet>
       <dgm:spPr/>
+      <dgm:t>
+        <a:bodyPr/>
+        <a:lstStyle/>
+        <a:p>
+          <a:endParaRPr lang="zh-CN" altLang="en-US"/>
+        </a:p>
+      </dgm:t>
     </dgm:pt>
     <dgm:pt modelId="{CCB5E38E-3CD6-45B8-B5B8-F329B77966AE}" type="pres">
       <dgm:prSet presAssocID="{4F939C18-D58D-40FE-9486-23DECEF6E749}" presName="composite" presStyleCnt="0"/>
@@ -4818,12 +4872,12 @@
         <a:fontRef idx="minor"/>
       </dsp:style>
       <dsp:txBody>
-        <a:bodyPr spcFirstLastPara="0" vert="horz" wrap="square" lIns="60960" tIns="30480" rIns="60960" bIns="30480" numCol="1" spcCol="1270" anchor="ctr" anchorCtr="0">
+        <a:bodyPr spcFirstLastPara="0" vert="horz" wrap="square" lIns="53340" tIns="26670" rIns="53340" bIns="26670" numCol="1" spcCol="1270" anchor="ctr" anchorCtr="0">
           <a:noAutofit/>
         </a:bodyPr>
         <a:lstStyle/>
         <a:p>
-          <a:pPr marL="171450" lvl="1" indent="-171450" algn="l" defTabSz="711200">
+          <a:pPr marL="114300" lvl="1" indent="-114300" algn="l" defTabSz="622300">
             <a:lnSpc>
               <a:spcPct val="90000"/>
             </a:lnSpc>
@@ -4836,10 +4890,10 @@
             <a:buChar char="••"/>
           </a:pPr>
           <a:r>
-            <a:rPr lang="zh-CN" altLang="en-US" sz="1600" b="0" i="0" kern="1200" dirty="0" smtClean="0"/>
+            <a:rPr lang="zh-CN" altLang="en-US" sz="1400" b="0" i="0" kern="1200" dirty="0" smtClean="0"/>
             <a:t>从现有数据集创建新数据集</a:t>
           </a:r>
-          <a:endParaRPr lang="zh-CN" altLang="en-US" sz="1600" kern="1200" dirty="0"/>
+          <a:endParaRPr lang="zh-CN" altLang="en-US" sz="1400" kern="1200" dirty="0"/>
         </a:p>
       </dsp:txBody>
       <dsp:txXfrm rot="-5400000">
@@ -4994,12 +5048,12 @@
         <a:fontRef idx="minor"/>
       </dsp:style>
       <dsp:txBody>
-        <a:bodyPr spcFirstLastPara="0" vert="horz" wrap="square" lIns="60960" tIns="30480" rIns="60960" bIns="30480" numCol="1" spcCol="1270" anchor="ctr" anchorCtr="0">
+        <a:bodyPr spcFirstLastPara="0" vert="horz" wrap="square" lIns="53340" tIns="26670" rIns="53340" bIns="26670" numCol="1" spcCol="1270" anchor="ctr" anchorCtr="0">
           <a:noAutofit/>
         </a:bodyPr>
         <a:lstStyle/>
         <a:p>
-          <a:pPr marL="171450" lvl="1" indent="-171450" algn="l" defTabSz="711200">
+          <a:pPr marL="114300" lvl="1" indent="-114300" algn="l" defTabSz="622300">
             <a:lnSpc>
               <a:spcPct val="90000"/>
             </a:lnSpc>
@@ -5012,10 +5066,10 @@
             <a:buChar char="••"/>
           </a:pPr>
           <a:r>
-            <a:rPr lang="zh-CN" altLang="en-US" sz="1600" b="0" i="0" kern="1200" dirty="0" smtClean="0"/>
+            <a:rPr lang="zh-CN" altLang="en-US" sz="1400" b="0" i="0" kern="1200" dirty="0" smtClean="0"/>
             <a:t>在数据集上运行计算后将值返回到驱动程序</a:t>
           </a:r>
-          <a:endParaRPr lang="zh-CN" altLang="en-US" sz="1600" kern="1200" dirty="0"/>
+          <a:endParaRPr lang="zh-CN" altLang="en-US" sz="1400" kern="1200" dirty="0"/>
         </a:p>
       </dsp:txBody>
       <dsp:txXfrm rot="-5400000">
@@ -5170,12 +5224,12 @@
         <a:fontRef idx="minor"/>
       </dsp:style>
       <dsp:txBody>
-        <a:bodyPr spcFirstLastPara="0" vert="horz" wrap="square" lIns="60960" tIns="30480" rIns="60960" bIns="30480" numCol="1" spcCol="1270" anchor="ctr" anchorCtr="0">
+        <a:bodyPr spcFirstLastPara="0" vert="horz" wrap="square" lIns="53340" tIns="26670" rIns="53340" bIns="26670" numCol="1" spcCol="1270" anchor="ctr" anchorCtr="0">
           <a:noAutofit/>
         </a:bodyPr>
         <a:lstStyle/>
         <a:p>
-          <a:pPr marL="171450" lvl="1" indent="-171450" algn="l" defTabSz="711200">
+          <a:pPr marL="114300" lvl="1" indent="-114300" algn="l" defTabSz="622300">
             <a:lnSpc>
               <a:spcPct val="90000"/>
             </a:lnSpc>
@@ -5188,17 +5242,17 @@
             <a:buChar char="••"/>
           </a:pPr>
           <a:r>
-            <a:rPr lang="en-US" sz="1600" b="0" i="1" kern="1200" dirty="0" smtClean="0"/>
+            <a:rPr lang="en-US" sz="1400" b="0" i="1" kern="1200" dirty="0" smtClean="0"/>
             <a:t>Transformations</a:t>
           </a:r>
           <a:r>
-            <a:rPr lang="zh-CN" altLang="en-US" sz="1600" kern="1200" dirty="0" smtClean="0"/>
+            <a:rPr lang="zh-CN" altLang="en-US" sz="1400" kern="1200" dirty="0" smtClean="0"/>
             <a:t>操作并不会立即执行</a:t>
           </a:r>
-          <a:endParaRPr lang="zh-CN" altLang="en-US" sz="1600" kern="1200" dirty="0"/>
+          <a:endParaRPr lang="zh-CN" altLang="en-US" sz="1400" kern="1200" dirty="0"/>
         </a:p>
         <a:p>
-          <a:pPr marL="171450" lvl="1" indent="-171450" algn="l" defTabSz="711200">
+          <a:pPr marL="114300" lvl="1" indent="-114300" algn="l" defTabSz="622300">
             <a:lnSpc>
               <a:spcPct val="90000"/>
             </a:lnSpc>
@@ -5211,18 +5265,18 @@
             <a:buChar char="••"/>
           </a:pPr>
           <a:r>
-            <a:rPr lang="zh-CN" altLang="en-US" sz="1600" b="0" i="0" kern="1200" dirty="0" smtClean="0"/>
+            <a:rPr lang="zh-CN" altLang="en-US" sz="1400" b="0" i="0" kern="1200" dirty="0" smtClean="0"/>
             <a:t>仅当执行</a:t>
           </a:r>
           <a:r>
-            <a:rPr lang="en-US" altLang="zh-CN" sz="1600" b="0" i="0" kern="1200" dirty="0" smtClean="0"/>
+            <a:rPr lang="en-US" altLang="zh-CN" sz="1400" b="0" i="0" kern="1200" dirty="0" smtClean="0"/>
             <a:t>action</a:t>
           </a:r>
           <a:r>
-            <a:rPr lang="zh-CN" altLang="en-US" sz="1600" b="0" i="0" kern="1200" dirty="0" smtClean="0"/>
+            <a:rPr lang="zh-CN" altLang="en-US" sz="1400" b="0" i="0" kern="1200" dirty="0" smtClean="0"/>
             <a:t>操作才将结果返回到驱动程序时才会计算转换。</a:t>
           </a:r>
-          <a:endParaRPr lang="zh-CN" altLang="en-US" sz="1600" kern="1200" dirty="0"/>
+          <a:endParaRPr lang="zh-CN" altLang="en-US" sz="1400" kern="1200" dirty="0"/>
         </a:p>
       </dsp:txBody>
       <dsp:txXfrm rot="-5400000">
@@ -12663,7 +12717,7 @@
               <a:pPr>
                 <a:defRPr/>
               </a:pPr>
-              <a:t>2018/12/13</a:t>
+              <a:t>2019/1/2</a:t>
             </a:fld>
             <a:endParaRPr lang="en-US" altLang="zh-CN" dirty="0"/>
           </a:p>
@@ -12939,7 +12993,7 @@
             <a:fld id="{CF01BC75-03AA-4997-A092-C90D85226FF4}" type="datetimeFigureOut">
               <a:rPr lang="zh-CN" altLang="en-US"/>
               <a:pPr/>
-              <a:t>2018/12/13</a:t>
+              <a:t>2019/1/2</a:t>
             </a:fld>
             <a:endParaRPr lang="en-US" altLang="zh-CN" dirty="0"/>
           </a:p>
@@ -13896,7 +13950,7 @@
             <a:fld id="{E3D1208B-ABB5-48F0-93EC-79B837E3F925}" type="slidenum">
               <a:rPr lang="zh-CN" altLang="en-US" smtClean="0"/>
               <a:pPr/>
-              <a:t>5</a:t>
+              <a:t>10</a:t>
             </a:fld>
             <a:endParaRPr lang="en-US" altLang="zh-CN" dirty="0"/>
           </a:p>
@@ -14232,7 +14286,7 @@
             <a:fld id="{E3D1208B-ABB5-48F0-93EC-79B837E3F925}" type="slidenum">
               <a:rPr lang="zh-CN" altLang="en-US" smtClean="0"/>
               <a:pPr/>
-              <a:t>6</a:t>
+              <a:t>11</a:t>
             </a:fld>
             <a:endParaRPr lang="en-US" altLang="zh-CN" dirty="0"/>
           </a:p>
@@ -14995,7 +15049,7 @@
             <a:fld id="{AD50CF4D-4196-4228-82E4-ECE1290848B6}" type="datetimeFigureOut">
               <a:rPr lang="zh-CN" altLang="en-US" smtClean="0"/>
               <a:pPr/>
-              <a:t>2018/12/13</a:t>
+              <a:t>2019/1/2</a:t>
             </a:fld>
             <a:endParaRPr lang="zh-CN" altLang="en-US"/>
           </a:p>
@@ -15115,7 +15169,7 @@
             <a:fld id="{AD50CF4D-4196-4228-82E4-ECE1290848B6}" type="datetimeFigureOut">
               <a:rPr lang="zh-CN" altLang="en-US" smtClean="0"/>
               <a:pPr/>
-              <a:t>2018/12/13</a:t>
+              <a:t>2019/1/2</a:t>
             </a:fld>
             <a:endParaRPr lang="zh-CN" altLang="en-US"/>
           </a:p>
@@ -15212,7 +15266,7 @@
             <a:fld id="{AD50CF4D-4196-4228-82E4-ECE1290848B6}" type="datetimeFigureOut">
               <a:rPr lang="zh-CN" altLang="en-US" smtClean="0"/>
               <a:pPr/>
-              <a:t>2018/12/13</a:t>
+              <a:t>2019/1/2</a:t>
             </a:fld>
             <a:endParaRPr lang="zh-CN" altLang="en-US"/>
           </a:p>
@@ -15491,7 +15545,7 @@
             <a:fld id="{AD50CF4D-4196-4228-82E4-ECE1290848B6}" type="datetimeFigureOut">
               <a:rPr lang="zh-CN" altLang="en-US" smtClean="0"/>
               <a:pPr/>
-              <a:t>2018/12/13</a:t>
+              <a:t>2019/1/2</a:t>
             </a:fld>
             <a:endParaRPr lang="zh-CN" altLang="en-US"/>
           </a:p>
@@ -15746,7 +15800,7 @@
             <a:fld id="{AD50CF4D-4196-4228-82E4-ECE1290848B6}" type="datetimeFigureOut">
               <a:rPr lang="zh-CN" altLang="en-US" smtClean="0"/>
               <a:pPr/>
-              <a:t>2018/12/13</a:t>
+              <a:t>2019/1/2</a:t>
             </a:fld>
             <a:endParaRPr lang="zh-CN" altLang="en-US"/>
           </a:p>
@@ -15918,7 +15972,7 @@
             <a:fld id="{AD50CF4D-4196-4228-82E4-ECE1290848B6}" type="datetimeFigureOut">
               <a:rPr lang="zh-CN" altLang="en-US" smtClean="0"/>
               <a:pPr/>
-              <a:t>2018/12/13</a:t>
+              <a:t>2019/1/2</a:t>
             </a:fld>
             <a:endParaRPr lang="zh-CN" altLang="en-US"/>
           </a:p>
@@ -16100,7 +16154,7 @@
             <a:fld id="{AD50CF4D-4196-4228-82E4-ECE1290848B6}" type="datetimeFigureOut">
               <a:rPr lang="zh-CN" altLang="en-US" smtClean="0"/>
               <a:pPr/>
-              <a:t>2018/12/13</a:t>
+              <a:t>2019/1/2</a:t>
             </a:fld>
             <a:endParaRPr lang="zh-CN" altLang="en-US"/>
           </a:p>
@@ -17009,7 +17063,7 @@
             <a:fld id="{AD50CF4D-4196-4228-82E4-ECE1290848B6}" type="datetimeFigureOut">
               <a:rPr lang="zh-CN" altLang="en-US" smtClean="0"/>
               <a:pPr/>
-              <a:t>2018/12/13</a:t>
+              <a:t>2019/1/2</a:t>
             </a:fld>
             <a:endParaRPr lang="zh-CN" altLang="en-US"/>
           </a:p>
@@ -17181,7 +17235,7 @@
             <a:fld id="{AD50CF4D-4196-4228-82E4-ECE1290848B6}" type="datetimeFigureOut">
               <a:rPr lang="zh-CN" altLang="en-US" smtClean="0"/>
               <a:pPr/>
-              <a:t>2018/12/13</a:t>
+              <a:t>2019/1/2</a:t>
             </a:fld>
             <a:endParaRPr lang="zh-CN" altLang="en-US"/>
           </a:p>
@@ -17429,7 +17483,7 @@
             <a:fld id="{AD50CF4D-4196-4228-82E4-ECE1290848B6}" type="datetimeFigureOut">
               <a:rPr lang="zh-CN" altLang="en-US" smtClean="0"/>
               <a:pPr/>
-              <a:t>2018/12/13</a:t>
+              <a:t>2019/1/2</a:t>
             </a:fld>
             <a:endParaRPr lang="zh-CN" altLang="en-US"/>
           </a:p>
@@ -17663,7 +17717,7 @@
             <a:fld id="{AD50CF4D-4196-4228-82E4-ECE1290848B6}" type="datetimeFigureOut">
               <a:rPr lang="zh-CN" altLang="en-US" smtClean="0"/>
               <a:pPr/>
-              <a:t>2018/12/13</a:t>
+              <a:t>2019/1/2</a:t>
             </a:fld>
             <a:endParaRPr lang="zh-CN" altLang="en-US"/>
           </a:p>
@@ -20852,7 +20906,7 @@
             <a:fld id="{AD50CF4D-4196-4228-82E4-ECE1290848B6}" type="datetimeFigureOut">
               <a:rPr lang="zh-CN" altLang="en-US" smtClean="0"/>
               <a:pPr/>
-              <a:t>2018/12/13</a:t>
+              <a:t>2019/1/2</a:t>
             </a:fld>
             <a:endParaRPr lang="zh-CN" altLang="en-US"/>
           </a:p>
@@ -21329,7 +21383,7 @@
                 </a:solidFill>
               </a:rPr>
               <a:pPr/>
-              <a:t>2018年12月13日</a:t>
+              <a:t>2019年1月2日</a:t>
             </a:fld>
             <a:endParaRPr lang="zh-CN" altLang="en-US" dirty="0">
               <a:solidFill>
@@ -21559,6 +21613,2304 @@
       </p:grpSpPr>
       <p:sp>
         <p:nvSpPr>
+          <p:cNvPr id="4" name="标题 3"/>
+          <p:cNvSpPr>
+            <a:spLocks noGrp="1"/>
+          </p:cNvSpPr>
+          <p:nvPr>
+            <p:ph type="title"/>
+          </p:nvPr>
+        </p:nvSpPr>
+        <p:spPr/>
+        <p:txBody>
+          <a:bodyPr/>
+          <a:lstStyle/>
+          <a:p>
+            <a:r>
+              <a:rPr lang="en-US" altLang="zh-CN" dirty="0" smtClean="0">
+                <a:solidFill>
+                  <a:schemeClr val="tx1"/>
+                </a:solidFill>
+              </a:rPr>
+              <a:t>map</a:t>
+            </a:r>
+            <a:endParaRPr lang="zh-CN" altLang="en-US" dirty="0">
+              <a:solidFill>
+                <a:schemeClr val="tx1"/>
+              </a:solidFill>
+            </a:endParaRPr>
+          </a:p>
+        </p:txBody>
+      </p:sp>
+      <p:pic>
+        <p:nvPicPr>
+          <p:cNvPr id="23" name="图片 22"/>
+          <p:cNvPicPr>
+            <a:picLocks noChangeAspect="1"/>
+          </p:cNvPicPr>
+          <p:nvPr/>
+        </p:nvPicPr>
+        <p:blipFill>
+          <a:blip r:embed="rId3"/>
+          <a:stretch>
+            <a:fillRect/>
+          </a:stretch>
+        </p:blipFill>
+        <p:spPr>
+          <a:xfrm>
+            <a:off x="1804088" y="2238313"/>
+            <a:ext cx="4617783" cy="3309890"/>
+          </a:xfrm>
+          <a:prstGeom prst="rect">
+            <a:avLst/>
+          </a:prstGeom>
+        </p:spPr>
+      </p:pic>
+      <p:sp>
+        <p:nvSpPr>
+          <p:cNvPr id="3" name="Rectangle 2"/>
+          <p:cNvSpPr>
+            <a:spLocks noChangeArrowheads="1"/>
+          </p:cNvSpPr>
+          <p:nvPr/>
+        </p:nvSpPr>
+        <p:spPr bwMode="auto">
+          <a:xfrm>
+            <a:off x="1315844" y="1005384"/>
+            <a:ext cx="5384807" cy="646331"/>
+          </a:xfrm>
+          <a:prstGeom prst="rect">
+            <a:avLst/>
+          </a:prstGeom>
+          <a:solidFill>
+            <a:srgbClr val="2B2B2B"/>
+          </a:solidFill>
+          <a:ln>
+            <a:noFill/>
+          </a:ln>
+          <a:effectLst/>
+          <a:extLst>
+            <a:ext uri="{91240B29-F687-4F45-9708-019B960494DF}">
+              <a14:hiddenLine xmlns:a14="http://schemas.microsoft.com/office/drawing/2010/main" w="9525">
+                <a:solidFill>
+                  <a:schemeClr val="tx1"/>
+                </a:solidFill>
+                <a:miter lim="800000"/>
+                <a:headEnd/>
+                <a:tailEnd/>
+              </a14:hiddenLine>
+            </a:ext>
+            <a:ext uri="{AF507438-7753-43E0-B8FC-AC1667EBCBE1}">
+              <a14:hiddenEffects xmlns:a14="http://schemas.microsoft.com/office/drawing/2010/main">
+                <a:effectLst>
+                  <a:outerShdw dist="35921" dir="2700000" algn="ctr" rotWithShape="0">
+                    <a:schemeClr val="bg2"/>
+                  </a:outerShdw>
+                </a:effectLst>
+              </a14:hiddenEffects>
+            </a:ext>
+          </a:extLst>
+        </p:spPr>
+        <p:txBody>
+          <a:bodyPr vert="horz" wrap="none" lIns="91440" tIns="45720" rIns="91440" bIns="45720" numCol="1" anchor="ctr" anchorCtr="0" compatLnSpc="1">
+            <a:prstTxWarp prst="textNoShape">
+              <a:avLst/>
+            </a:prstTxWarp>
+            <a:spAutoFit/>
+          </a:bodyPr>
+          <a:lstStyle/>
+          <a:p>
+            <a:pPr marL="0" marR="0" lvl="0" indent="0" algn="l" defTabSz="914400" rtl="0" eaLnBrk="0" fontAlgn="base" latinLnBrk="0" hangingPunct="0">
+              <a:lnSpc>
+                <a:spcPct val="100000"/>
+              </a:lnSpc>
+              <a:spcBef>
+                <a:spcPct val="0"/>
+              </a:spcBef>
+              <a:spcAft>
+                <a:spcPct val="0"/>
+              </a:spcAft>
+              <a:buClrTx/>
+              <a:buSzTx/>
+              <a:buFontTx/>
+              <a:buNone/>
+              <a:tabLst/>
+            </a:pPr>
+            <a:r>
+              <a:rPr kumimoji="0" lang="zh-CN" altLang="zh-CN" b="1" i="0" u="none" strike="noStrike" cap="none" normalizeH="0" baseline="0" dirty="0" smtClean="0">
+                <a:ln>
+                  <a:noFill/>
+                </a:ln>
+                <a:solidFill>
+                  <a:srgbClr val="CC7832"/>
+                </a:solidFill>
+                <a:effectLst/>
+                <a:latin typeface="宋体" panose="02010600030101010101" pitchFamily="2" charset="-122"/>
+              </a:rPr>
+              <a:t>var </a:t>
+            </a:r>
+            <a:r>
+              <a:rPr kumimoji="0" lang="zh-CN" altLang="zh-CN" b="0" i="0" u="none" strike="noStrike" cap="none" normalizeH="0" baseline="0" dirty="0" smtClean="0">
+                <a:ln>
+                  <a:noFill/>
+                </a:ln>
+                <a:solidFill>
+                  <a:srgbClr val="A9B7C6"/>
+                </a:solidFill>
+                <a:effectLst/>
+                <a:latin typeface="宋体" panose="02010600030101010101" pitchFamily="2" charset="-122"/>
+              </a:rPr>
+              <a:t>rdd1 = sc.parallelize(</a:t>
+            </a:r>
+            <a:r>
+              <a:rPr kumimoji="0" lang="zh-CN" altLang="zh-CN" b="0" i="1" u="none" strike="noStrike" cap="none" normalizeH="0" baseline="0" dirty="0" smtClean="0">
+                <a:ln>
+                  <a:noFill/>
+                </a:ln>
+                <a:solidFill>
+                  <a:srgbClr val="9876AA"/>
+                </a:solidFill>
+                <a:effectLst/>
+                <a:latin typeface="宋体" panose="02010600030101010101" pitchFamily="2" charset="-122"/>
+              </a:rPr>
+              <a:t>List</a:t>
+            </a:r>
+            <a:r>
+              <a:rPr kumimoji="0" lang="zh-CN" altLang="zh-CN" b="0" i="0" u="none" strike="noStrike" cap="none" normalizeH="0" baseline="0" dirty="0" smtClean="0">
+                <a:ln>
+                  <a:noFill/>
+                </a:ln>
+                <a:solidFill>
+                  <a:srgbClr val="A9B7C6"/>
+                </a:solidFill>
+                <a:effectLst/>
+                <a:latin typeface="宋体" panose="02010600030101010101" pitchFamily="2" charset="-122"/>
+              </a:rPr>
+              <a:t>(</a:t>
+            </a:r>
+            <a:r>
+              <a:rPr kumimoji="0" lang="zh-CN" altLang="zh-CN" b="0" i="0" u="none" strike="noStrike" cap="none" normalizeH="0" baseline="0" dirty="0" smtClean="0">
+                <a:ln>
+                  <a:noFill/>
+                </a:ln>
+                <a:solidFill>
+                  <a:srgbClr val="6897BB"/>
+                </a:solidFill>
+                <a:effectLst/>
+                <a:latin typeface="宋体" panose="02010600030101010101" pitchFamily="2" charset="-122"/>
+              </a:rPr>
+              <a:t>1</a:t>
+            </a:r>
+            <a:r>
+              <a:rPr kumimoji="0" lang="zh-CN" altLang="zh-CN" b="0" i="0" u="none" strike="noStrike" cap="none" normalizeH="0" baseline="0" dirty="0" smtClean="0">
+                <a:ln>
+                  <a:noFill/>
+                </a:ln>
+                <a:solidFill>
+                  <a:srgbClr val="CC7832"/>
+                </a:solidFill>
+                <a:effectLst/>
+                <a:latin typeface="宋体" panose="02010600030101010101" pitchFamily="2" charset="-122"/>
+              </a:rPr>
+              <a:t>,</a:t>
+            </a:r>
+            <a:r>
+              <a:rPr kumimoji="0" lang="zh-CN" altLang="zh-CN" b="0" i="0" u="none" strike="noStrike" cap="none" normalizeH="0" baseline="0" dirty="0" smtClean="0">
+                <a:ln>
+                  <a:noFill/>
+                </a:ln>
+                <a:solidFill>
+                  <a:srgbClr val="6897BB"/>
+                </a:solidFill>
+                <a:effectLst/>
+                <a:latin typeface="宋体" panose="02010600030101010101" pitchFamily="2" charset="-122"/>
+              </a:rPr>
+              <a:t>2</a:t>
+            </a:r>
+            <a:r>
+              <a:rPr kumimoji="0" lang="zh-CN" altLang="zh-CN" b="0" i="0" u="none" strike="noStrike" cap="none" normalizeH="0" baseline="0" dirty="0" smtClean="0">
+                <a:ln>
+                  <a:noFill/>
+                </a:ln>
+                <a:solidFill>
+                  <a:srgbClr val="CC7832"/>
+                </a:solidFill>
+                <a:effectLst/>
+                <a:latin typeface="宋体" panose="02010600030101010101" pitchFamily="2" charset="-122"/>
+              </a:rPr>
+              <a:t>,</a:t>
+            </a:r>
+            <a:r>
+              <a:rPr kumimoji="0" lang="zh-CN" altLang="zh-CN" b="0" i="0" u="none" strike="noStrike" cap="none" normalizeH="0" baseline="0" dirty="0" smtClean="0">
+                <a:ln>
+                  <a:noFill/>
+                </a:ln>
+                <a:solidFill>
+                  <a:srgbClr val="6897BB"/>
+                </a:solidFill>
+                <a:effectLst/>
+                <a:latin typeface="宋体" panose="02010600030101010101" pitchFamily="2" charset="-122"/>
+              </a:rPr>
+              <a:t>3</a:t>
+            </a:r>
+            <a:r>
+              <a:rPr kumimoji="0" lang="zh-CN" altLang="zh-CN" b="0" i="0" u="none" strike="noStrike" cap="none" normalizeH="0" baseline="0" dirty="0" smtClean="0">
+                <a:ln>
+                  <a:noFill/>
+                </a:ln>
+                <a:solidFill>
+                  <a:srgbClr val="CC7832"/>
+                </a:solidFill>
+                <a:effectLst/>
+                <a:latin typeface="宋体" panose="02010600030101010101" pitchFamily="2" charset="-122"/>
+              </a:rPr>
+              <a:t>,</a:t>
+            </a:r>
+            <a:r>
+              <a:rPr kumimoji="0" lang="zh-CN" altLang="zh-CN" b="0" i="0" u="none" strike="noStrike" cap="none" normalizeH="0" baseline="0" dirty="0" smtClean="0">
+                <a:ln>
+                  <a:noFill/>
+                </a:ln>
+                <a:solidFill>
+                  <a:srgbClr val="6897BB"/>
+                </a:solidFill>
+                <a:effectLst/>
+                <a:latin typeface="宋体" panose="02010600030101010101" pitchFamily="2" charset="-122"/>
+              </a:rPr>
+              <a:t>4</a:t>
+            </a:r>
+            <a:r>
+              <a:rPr kumimoji="0" lang="zh-CN" altLang="zh-CN" b="0" i="0" u="none" strike="noStrike" cap="none" normalizeH="0" baseline="0" dirty="0" smtClean="0">
+                <a:ln>
+                  <a:noFill/>
+                </a:ln>
+                <a:solidFill>
+                  <a:srgbClr val="CC7832"/>
+                </a:solidFill>
+                <a:effectLst/>
+                <a:latin typeface="宋体" panose="02010600030101010101" pitchFamily="2" charset="-122"/>
+              </a:rPr>
+              <a:t>,</a:t>
+            </a:r>
+            <a:r>
+              <a:rPr kumimoji="0" lang="zh-CN" altLang="zh-CN" b="0" i="0" u="none" strike="noStrike" cap="none" normalizeH="0" baseline="0" dirty="0" smtClean="0">
+                <a:ln>
+                  <a:noFill/>
+                </a:ln>
+                <a:solidFill>
+                  <a:srgbClr val="6897BB"/>
+                </a:solidFill>
+                <a:effectLst/>
+                <a:latin typeface="宋体" panose="02010600030101010101" pitchFamily="2" charset="-122"/>
+              </a:rPr>
+              <a:t>5</a:t>
+            </a:r>
+            <a:r>
+              <a:rPr kumimoji="0" lang="zh-CN" altLang="zh-CN" b="0" i="0" u="none" strike="noStrike" cap="none" normalizeH="0" baseline="0" dirty="0" smtClean="0">
+                <a:ln>
+                  <a:noFill/>
+                </a:ln>
+                <a:solidFill>
+                  <a:srgbClr val="CC7832"/>
+                </a:solidFill>
+                <a:effectLst/>
+                <a:latin typeface="宋体" panose="02010600030101010101" pitchFamily="2" charset="-122"/>
+              </a:rPr>
+              <a:t>,</a:t>
+            </a:r>
+            <a:r>
+              <a:rPr kumimoji="0" lang="zh-CN" altLang="zh-CN" b="0" i="0" u="none" strike="noStrike" cap="none" normalizeH="0" baseline="0" dirty="0" smtClean="0">
+                <a:ln>
+                  <a:noFill/>
+                </a:ln>
+                <a:solidFill>
+                  <a:srgbClr val="6897BB"/>
+                </a:solidFill>
+                <a:effectLst/>
+                <a:latin typeface="宋体" panose="02010600030101010101" pitchFamily="2" charset="-122"/>
+              </a:rPr>
+              <a:t>6</a:t>
+            </a:r>
+            <a:r>
+              <a:rPr kumimoji="0" lang="zh-CN" altLang="zh-CN" b="0" i="0" u="none" strike="noStrike" cap="none" normalizeH="0" baseline="0" dirty="0" smtClean="0">
+                <a:ln>
+                  <a:noFill/>
+                </a:ln>
+                <a:solidFill>
+                  <a:srgbClr val="A9B7C6"/>
+                </a:solidFill>
+                <a:effectLst/>
+                <a:latin typeface="宋体" panose="02010600030101010101" pitchFamily="2" charset="-122"/>
+              </a:rPr>
+              <a:t>))</a:t>
+            </a:r>
+            <a:r>
+              <a:rPr kumimoji="0" lang="zh-CN" altLang="zh-CN" b="0" i="0" u="none" strike="noStrike" cap="none" normalizeH="0" baseline="0" dirty="0" smtClean="0">
+                <a:ln>
+                  <a:noFill/>
+                </a:ln>
+                <a:solidFill>
+                  <a:srgbClr val="CC7832"/>
+                </a:solidFill>
+                <a:effectLst/>
+                <a:latin typeface="宋体" panose="02010600030101010101" pitchFamily="2" charset="-122"/>
+              </a:rPr>
+              <a:t>;</a:t>
+            </a:r>
+            <a:br>
+              <a:rPr kumimoji="0" lang="zh-CN" altLang="zh-CN" b="0" i="0" u="none" strike="noStrike" cap="none" normalizeH="0" baseline="0" dirty="0" smtClean="0">
+                <a:ln>
+                  <a:noFill/>
+                </a:ln>
+                <a:solidFill>
+                  <a:srgbClr val="CC7832"/>
+                </a:solidFill>
+                <a:effectLst/>
+                <a:latin typeface="宋体" panose="02010600030101010101" pitchFamily="2" charset="-122"/>
+              </a:rPr>
+            </a:br>
+            <a:r>
+              <a:rPr kumimoji="0" lang="zh-CN" altLang="zh-CN" b="0" i="0" u="none" strike="noStrike" cap="none" normalizeH="0" baseline="0" dirty="0" smtClean="0">
+                <a:ln>
+                  <a:noFill/>
+                </a:ln>
+                <a:solidFill>
+                  <a:srgbClr val="A9B7C6"/>
+                </a:solidFill>
+                <a:effectLst/>
+                <a:latin typeface="宋体" panose="02010600030101010101" pitchFamily="2" charset="-122"/>
+              </a:rPr>
+              <a:t>rdd1.map(e=&gt;e*</a:t>
+            </a:r>
+            <a:r>
+              <a:rPr kumimoji="0" lang="zh-CN" altLang="zh-CN" b="0" i="0" u="none" strike="noStrike" cap="none" normalizeH="0" baseline="0" dirty="0" smtClean="0">
+                <a:ln>
+                  <a:noFill/>
+                </a:ln>
+                <a:solidFill>
+                  <a:srgbClr val="6897BB"/>
+                </a:solidFill>
+                <a:effectLst/>
+                <a:latin typeface="宋体" panose="02010600030101010101" pitchFamily="2" charset="-122"/>
+              </a:rPr>
+              <a:t>2</a:t>
+            </a:r>
+            <a:r>
+              <a:rPr kumimoji="0" lang="zh-CN" altLang="zh-CN" b="0" i="0" u="none" strike="noStrike" cap="none" normalizeH="0" baseline="0" dirty="0" smtClean="0">
+                <a:ln>
+                  <a:noFill/>
+                </a:ln>
+                <a:solidFill>
+                  <a:srgbClr val="A9B7C6"/>
+                </a:solidFill>
+                <a:effectLst/>
+                <a:latin typeface="宋体" panose="02010600030101010101" pitchFamily="2" charset="-122"/>
+              </a:rPr>
+              <a:t>).collect().foreach(</a:t>
+            </a:r>
+            <a:r>
+              <a:rPr kumimoji="0" lang="zh-CN" altLang="zh-CN" b="0" i="1" u="none" strike="noStrike" cap="none" normalizeH="0" baseline="0" dirty="0" smtClean="0">
+                <a:ln>
+                  <a:noFill/>
+                </a:ln>
+                <a:solidFill>
+                  <a:srgbClr val="A9B7C6"/>
+                </a:solidFill>
+                <a:effectLst/>
+                <a:latin typeface="宋体" panose="02010600030101010101" pitchFamily="2" charset="-122"/>
+              </a:rPr>
+              <a:t>println</a:t>
+            </a:r>
+            <a:r>
+              <a:rPr kumimoji="0" lang="zh-CN" altLang="zh-CN" b="0" i="0" u="none" strike="noStrike" cap="none" normalizeH="0" baseline="0" dirty="0" smtClean="0">
+                <a:ln>
+                  <a:noFill/>
+                </a:ln>
+                <a:solidFill>
+                  <a:srgbClr val="A9B7C6"/>
+                </a:solidFill>
+                <a:effectLst/>
+                <a:latin typeface="宋体" panose="02010600030101010101" pitchFamily="2" charset="-122"/>
+              </a:rPr>
+              <a:t>)</a:t>
+            </a:r>
+            <a:endParaRPr kumimoji="0" lang="zh-CN" altLang="zh-CN" b="0" i="0" u="none" strike="noStrike" cap="none" normalizeH="0" baseline="0" dirty="0" smtClean="0">
+              <a:ln>
+                <a:noFill/>
+              </a:ln>
+              <a:solidFill>
+                <a:schemeClr val="tx1"/>
+              </a:solidFill>
+              <a:effectLst/>
+              <a:latin typeface="Arial" panose="020B0604020202020204" pitchFamily="34" charset="0"/>
+            </a:endParaRPr>
+          </a:p>
+        </p:txBody>
+      </p:sp>
+    </p:spTree>
+    <p:extLst>
+      <p:ext uri="{BB962C8B-B14F-4D97-AF65-F5344CB8AC3E}">
+        <p14:creationId xmlns:p14="http://schemas.microsoft.com/office/powerpoint/2010/main" val="4272339566"/>
+      </p:ext>
+    </p:extLst>
+  </p:cSld>
+  <p:clrMapOvr>
+    <a:masterClrMapping/>
+  </p:clrMapOvr>
+  <p:timing>
+    <p:tnLst>
+      <p:par>
+        <p:cTn id="1" dur="indefinite" restart="never" nodeType="tmRoot"/>
+      </p:par>
+    </p:tnLst>
+  </p:timing>
+</p:sld>
+</file>
+
+<file path=ppt/slides/slide11.xml><?xml version="1.0" encoding="utf-8"?>
+<p:sld xmlns:a="http://schemas.openxmlformats.org/drawingml/2006/main" xmlns:r="http://schemas.openxmlformats.org/officeDocument/2006/relationships" xmlns:p="http://schemas.openxmlformats.org/presentationml/2006/main">
+  <p:cSld>
+    <p:spTree>
+      <p:nvGrpSpPr>
+        <p:cNvPr id="1" name=""/>
+        <p:cNvGrpSpPr/>
+        <p:nvPr/>
+      </p:nvGrpSpPr>
+      <p:grpSpPr>
+        <a:xfrm>
+          <a:off x="0" y="0"/>
+          <a:ext cx="0" cy="0"/>
+          <a:chOff x="0" y="0"/>
+          <a:chExt cx="0" cy="0"/>
+        </a:xfrm>
+      </p:grpSpPr>
+      <p:sp>
+        <p:nvSpPr>
+          <p:cNvPr id="3" name="标题 2"/>
+          <p:cNvSpPr>
+            <a:spLocks noGrp="1"/>
+          </p:cNvSpPr>
+          <p:nvPr>
+            <p:ph type="title"/>
+          </p:nvPr>
+        </p:nvSpPr>
+        <p:spPr>
+          <a:xfrm>
+            <a:off x="260291" y="234375"/>
+            <a:ext cx="6649794" cy="478145"/>
+          </a:xfrm>
+        </p:spPr>
+        <p:txBody>
+          <a:bodyPr/>
+          <a:lstStyle/>
+          <a:p>
+            <a:r>
+              <a:rPr lang="en-US" altLang="zh-CN" dirty="0" err="1" smtClean="0">
+                <a:solidFill>
+                  <a:schemeClr val="tx1"/>
+                </a:solidFill>
+              </a:rPr>
+              <a:t>flatMap</a:t>
+            </a:r>
+            <a:endParaRPr lang="zh-CN" altLang="en-US" dirty="0">
+              <a:solidFill>
+                <a:schemeClr val="tx1"/>
+              </a:solidFill>
+            </a:endParaRPr>
+          </a:p>
+        </p:txBody>
+      </p:sp>
+      <p:pic>
+        <p:nvPicPr>
+          <p:cNvPr id="35" name="图片 34"/>
+          <p:cNvPicPr>
+            <a:picLocks noChangeAspect="1"/>
+          </p:cNvPicPr>
+          <p:nvPr/>
+        </p:nvPicPr>
+        <p:blipFill>
+          <a:blip r:embed="rId3"/>
+          <a:stretch>
+            <a:fillRect/>
+          </a:stretch>
+        </p:blipFill>
+        <p:spPr>
+          <a:xfrm>
+            <a:off x="2079745" y="2341196"/>
+            <a:ext cx="4658233" cy="3338884"/>
+          </a:xfrm>
+          <a:prstGeom prst="rect">
+            <a:avLst/>
+          </a:prstGeom>
+        </p:spPr>
+      </p:pic>
+      <p:sp>
+        <p:nvSpPr>
+          <p:cNvPr id="2" name="Rectangle 1"/>
+          <p:cNvSpPr>
+            <a:spLocks noChangeArrowheads="1"/>
+          </p:cNvSpPr>
+          <p:nvPr/>
+        </p:nvSpPr>
+        <p:spPr bwMode="auto">
+          <a:xfrm>
+            <a:off x="1081669" y="1027636"/>
+            <a:ext cx="6654386" cy="646331"/>
+          </a:xfrm>
+          <a:prstGeom prst="rect">
+            <a:avLst/>
+          </a:prstGeom>
+          <a:solidFill>
+            <a:srgbClr val="2B2B2B"/>
+          </a:solidFill>
+          <a:ln>
+            <a:noFill/>
+          </a:ln>
+          <a:effectLst/>
+          <a:extLst>
+            <a:ext uri="{91240B29-F687-4F45-9708-019B960494DF}">
+              <a14:hiddenLine xmlns:a14="http://schemas.microsoft.com/office/drawing/2010/main" w="9525">
+                <a:solidFill>
+                  <a:schemeClr val="tx1"/>
+                </a:solidFill>
+                <a:miter lim="800000"/>
+                <a:headEnd/>
+                <a:tailEnd/>
+              </a14:hiddenLine>
+            </a:ext>
+            <a:ext uri="{AF507438-7753-43E0-B8FC-AC1667EBCBE1}">
+              <a14:hiddenEffects xmlns:a14="http://schemas.microsoft.com/office/drawing/2010/main">
+                <a:effectLst>
+                  <a:outerShdw dist="35921" dir="2700000" algn="ctr" rotWithShape="0">
+                    <a:schemeClr val="bg2"/>
+                  </a:outerShdw>
+                </a:effectLst>
+              </a14:hiddenEffects>
+            </a:ext>
+          </a:extLst>
+        </p:spPr>
+        <p:txBody>
+          <a:bodyPr vert="horz" wrap="none" lIns="91440" tIns="45720" rIns="91440" bIns="45720" numCol="1" anchor="ctr" anchorCtr="0" compatLnSpc="1">
+            <a:prstTxWarp prst="textNoShape">
+              <a:avLst/>
+            </a:prstTxWarp>
+            <a:spAutoFit/>
+          </a:bodyPr>
+          <a:lstStyle/>
+          <a:p>
+            <a:pPr marL="0" marR="0" lvl="0" indent="0" algn="l" defTabSz="914400" rtl="0" eaLnBrk="0" fontAlgn="base" latinLnBrk="0" hangingPunct="0">
+              <a:lnSpc>
+                <a:spcPct val="100000"/>
+              </a:lnSpc>
+              <a:spcBef>
+                <a:spcPct val="0"/>
+              </a:spcBef>
+              <a:spcAft>
+                <a:spcPct val="0"/>
+              </a:spcAft>
+              <a:buClrTx/>
+              <a:buSzTx/>
+              <a:buFontTx/>
+              <a:buNone/>
+              <a:tabLst/>
+            </a:pPr>
+            <a:r>
+              <a:rPr kumimoji="0" lang="zh-CN" altLang="zh-CN" b="1" i="0" u="none" strike="noStrike" cap="none" normalizeH="0" baseline="0" dirty="0" smtClean="0">
+                <a:ln>
+                  <a:noFill/>
+                </a:ln>
+                <a:solidFill>
+                  <a:srgbClr val="CC7832"/>
+                </a:solidFill>
+                <a:effectLst/>
+                <a:latin typeface="宋体" panose="02010600030101010101" pitchFamily="2" charset="-122"/>
+              </a:rPr>
+              <a:t>var </a:t>
+            </a:r>
+            <a:r>
+              <a:rPr kumimoji="0" lang="zh-CN" altLang="zh-CN" b="0" i="0" u="none" strike="noStrike" cap="none" normalizeH="0" baseline="0" dirty="0" smtClean="0">
+                <a:ln>
+                  <a:noFill/>
+                </a:ln>
+                <a:solidFill>
+                  <a:srgbClr val="A9B7C6"/>
+                </a:solidFill>
+                <a:effectLst/>
+                <a:latin typeface="宋体" panose="02010600030101010101" pitchFamily="2" charset="-122"/>
+              </a:rPr>
+              <a:t>rdd1 = sc.parallelize(</a:t>
+            </a:r>
+            <a:r>
+              <a:rPr kumimoji="0" lang="zh-CN" altLang="zh-CN" b="0" i="1" u="none" strike="noStrike" cap="none" normalizeH="0" baseline="0" dirty="0" smtClean="0">
+                <a:ln>
+                  <a:noFill/>
+                </a:ln>
+                <a:solidFill>
+                  <a:srgbClr val="9876AA"/>
+                </a:solidFill>
+                <a:effectLst/>
+                <a:latin typeface="宋体" panose="02010600030101010101" pitchFamily="2" charset="-122"/>
+              </a:rPr>
+              <a:t>List</a:t>
+            </a:r>
+            <a:r>
+              <a:rPr kumimoji="0" lang="zh-CN" altLang="zh-CN" b="0" i="0" u="none" strike="noStrike" cap="none" normalizeH="0" baseline="0" dirty="0" smtClean="0">
+                <a:ln>
+                  <a:noFill/>
+                </a:ln>
+                <a:solidFill>
+                  <a:srgbClr val="A9B7C6"/>
+                </a:solidFill>
+                <a:effectLst/>
+                <a:latin typeface="宋体" panose="02010600030101010101" pitchFamily="2" charset="-122"/>
+              </a:rPr>
+              <a:t>(</a:t>
+            </a:r>
+            <a:r>
+              <a:rPr kumimoji="0" lang="zh-CN" altLang="zh-CN" b="0" i="1" u="none" strike="noStrike" cap="none" normalizeH="0" baseline="0" dirty="0" smtClean="0">
+                <a:ln>
+                  <a:noFill/>
+                </a:ln>
+                <a:solidFill>
+                  <a:srgbClr val="9876AA"/>
+                </a:solidFill>
+                <a:effectLst/>
+                <a:latin typeface="宋体" panose="02010600030101010101" pitchFamily="2" charset="-122"/>
+              </a:rPr>
+              <a:t>List</a:t>
+            </a:r>
+            <a:r>
+              <a:rPr kumimoji="0" lang="zh-CN" altLang="zh-CN" b="0" i="0" u="none" strike="noStrike" cap="none" normalizeH="0" baseline="0" dirty="0" smtClean="0">
+                <a:ln>
+                  <a:noFill/>
+                </a:ln>
+                <a:solidFill>
+                  <a:srgbClr val="A9B7C6"/>
+                </a:solidFill>
+                <a:effectLst/>
+                <a:latin typeface="宋体" panose="02010600030101010101" pitchFamily="2" charset="-122"/>
+              </a:rPr>
+              <a:t>(</a:t>
+            </a:r>
+            <a:r>
+              <a:rPr kumimoji="0" lang="zh-CN" altLang="zh-CN" b="0" i="0" u="none" strike="noStrike" cap="none" normalizeH="0" baseline="0" dirty="0" smtClean="0">
+                <a:ln>
+                  <a:noFill/>
+                </a:ln>
+                <a:solidFill>
+                  <a:srgbClr val="6897BB"/>
+                </a:solidFill>
+                <a:effectLst/>
+                <a:latin typeface="宋体" panose="02010600030101010101" pitchFamily="2" charset="-122"/>
+              </a:rPr>
+              <a:t>1</a:t>
+            </a:r>
+            <a:r>
+              <a:rPr kumimoji="0" lang="zh-CN" altLang="zh-CN" b="0" i="0" u="none" strike="noStrike" cap="none" normalizeH="0" baseline="0" dirty="0" smtClean="0">
+                <a:ln>
+                  <a:noFill/>
+                </a:ln>
+                <a:solidFill>
+                  <a:srgbClr val="CC7832"/>
+                </a:solidFill>
+                <a:effectLst/>
+                <a:latin typeface="宋体" panose="02010600030101010101" pitchFamily="2" charset="-122"/>
+              </a:rPr>
+              <a:t>,</a:t>
+            </a:r>
+            <a:r>
+              <a:rPr kumimoji="0" lang="zh-CN" altLang="zh-CN" b="0" i="0" u="none" strike="noStrike" cap="none" normalizeH="0" baseline="0" dirty="0" smtClean="0">
+                <a:ln>
+                  <a:noFill/>
+                </a:ln>
+                <a:solidFill>
+                  <a:srgbClr val="6897BB"/>
+                </a:solidFill>
+                <a:effectLst/>
+                <a:latin typeface="宋体" panose="02010600030101010101" pitchFamily="2" charset="-122"/>
+              </a:rPr>
+              <a:t>2</a:t>
+            </a:r>
+            <a:r>
+              <a:rPr kumimoji="0" lang="zh-CN" altLang="zh-CN" b="0" i="0" u="none" strike="noStrike" cap="none" normalizeH="0" baseline="0" dirty="0" smtClean="0">
+                <a:ln>
+                  <a:noFill/>
+                </a:ln>
+                <a:solidFill>
+                  <a:srgbClr val="CC7832"/>
+                </a:solidFill>
+                <a:effectLst/>
+                <a:latin typeface="宋体" panose="02010600030101010101" pitchFamily="2" charset="-122"/>
+              </a:rPr>
+              <a:t>,</a:t>
+            </a:r>
+            <a:r>
+              <a:rPr kumimoji="0" lang="zh-CN" altLang="zh-CN" b="0" i="0" u="none" strike="noStrike" cap="none" normalizeH="0" baseline="0" dirty="0" smtClean="0">
+                <a:ln>
+                  <a:noFill/>
+                </a:ln>
+                <a:solidFill>
+                  <a:srgbClr val="6897BB"/>
+                </a:solidFill>
+                <a:effectLst/>
+                <a:latin typeface="宋体" panose="02010600030101010101" pitchFamily="2" charset="-122"/>
+              </a:rPr>
+              <a:t>3</a:t>
+            </a:r>
+            <a:r>
+              <a:rPr kumimoji="0" lang="zh-CN" altLang="zh-CN" b="0" i="0" u="none" strike="noStrike" cap="none" normalizeH="0" baseline="0" dirty="0" smtClean="0">
+                <a:ln>
+                  <a:noFill/>
+                </a:ln>
+                <a:solidFill>
+                  <a:srgbClr val="A9B7C6"/>
+                </a:solidFill>
+                <a:effectLst/>
+                <a:latin typeface="宋体" panose="02010600030101010101" pitchFamily="2" charset="-122"/>
+              </a:rPr>
+              <a:t>)</a:t>
+            </a:r>
+            <a:r>
+              <a:rPr kumimoji="0" lang="zh-CN" altLang="zh-CN" b="0" i="0" u="none" strike="noStrike" cap="none" normalizeH="0" baseline="0" dirty="0" smtClean="0">
+                <a:ln>
+                  <a:noFill/>
+                </a:ln>
+                <a:solidFill>
+                  <a:srgbClr val="CC7832"/>
+                </a:solidFill>
+                <a:effectLst/>
+                <a:latin typeface="宋体" panose="02010600030101010101" pitchFamily="2" charset="-122"/>
+              </a:rPr>
+              <a:t>,</a:t>
+            </a:r>
+            <a:r>
+              <a:rPr kumimoji="0" lang="zh-CN" altLang="zh-CN" b="0" i="1" u="none" strike="noStrike" cap="none" normalizeH="0" baseline="0" dirty="0" smtClean="0">
+                <a:ln>
+                  <a:noFill/>
+                </a:ln>
+                <a:solidFill>
+                  <a:srgbClr val="9876AA"/>
+                </a:solidFill>
+                <a:effectLst/>
+                <a:latin typeface="宋体" panose="02010600030101010101" pitchFamily="2" charset="-122"/>
+              </a:rPr>
+              <a:t>List</a:t>
+            </a:r>
+            <a:r>
+              <a:rPr kumimoji="0" lang="zh-CN" altLang="zh-CN" b="0" i="0" u="none" strike="noStrike" cap="none" normalizeH="0" baseline="0" dirty="0" smtClean="0">
+                <a:ln>
+                  <a:noFill/>
+                </a:ln>
+                <a:solidFill>
+                  <a:srgbClr val="A9B7C6"/>
+                </a:solidFill>
+                <a:effectLst/>
+                <a:latin typeface="宋体" panose="02010600030101010101" pitchFamily="2" charset="-122"/>
+              </a:rPr>
+              <a:t>(</a:t>
+            </a:r>
+            <a:r>
+              <a:rPr kumimoji="0" lang="zh-CN" altLang="zh-CN" b="0" i="0" u="none" strike="noStrike" cap="none" normalizeH="0" baseline="0" dirty="0" smtClean="0">
+                <a:ln>
+                  <a:noFill/>
+                </a:ln>
+                <a:solidFill>
+                  <a:srgbClr val="6897BB"/>
+                </a:solidFill>
+                <a:effectLst/>
+                <a:latin typeface="宋体" panose="02010600030101010101" pitchFamily="2" charset="-122"/>
+              </a:rPr>
+              <a:t>4</a:t>
+            </a:r>
+            <a:r>
+              <a:rPr kumimoji="0" lang="zh-CN" altLang="zh-CN" b="0" i="0" u="none" strike="noStrike" cap="none" normalizeH="0" baseline="0" dirty="0" smtClean="0">
+                <a:ln>
+                  <a:noFill/>
+                </a:ln>
+                <a:solidFill>
+                  <a:srgbClr val="CC7832"/>
+                </a:solidFill>
+                <a:effectLst/>
+                <a:latin typeface="宋体" panose="02010600030101010101" pitchFamily="2" charset="-122"/>
+              </a:rPr>
+              <a:t>,</a:t>
+            </a:r>
+            <a:r>
+              <a:rPr kumimoji="0" lang="zh-CN" altLang="zh-CN" b="0" i="0" u="none" strike="noStrike" cap="none" normalizeH="0" baseline="0" dirty="0" smtClean="0">
+                <a:ln>
+                  <a:noFill/>
+                </a:ln>
+                <a:solidFill>
+                  <a:srgbClr val="6897BB"/>
+                </a:solidFill>
+                <a:effectLst/>
+                <a:latin typeface="宋体" panose="02010600030101010101" pitchFamily="2" charset="-122"/>
+              </a:rPr>
+              <a:t>5</a:t>
+            </a:r>
+            <a:r>
+              <a:rPr lang="en-US" altLang="zh-CN" dirty="0">
+                <a:solidFill>
+                  <a:srgbClr val="CC7832"/>
+                </a:solidFill>
+                <a:latin typeface="宋体" panose="02010600030101010101" pitchFamily="2" charset="-122"/>
+              </a:rPr>
+              <a:t>,</a:t>
+            </a:r>
+            <a:r>
+              <a:rPr kumimoji="0" lang="en-US" altLang="zh-CN" b="0" i="0" u="none" strike="noStrike" cap="none" normalizeH="0" baseline="0" dirty="0" smtClean="0">
+                <a:ln>
+                  <a:noFill/>
+                </a:ln>
+                <a:solidFill>
+                  <a:srgbClr val="6897BB"/>
+                </a:solidFill>
+                <a:effectLst/>
+                <a:latin typeface="宋体" panose="02010600030101010101" pitchFamily="2" charset="-122"/>
+              </a:rPr>
+              <a:t>6</a:t>
+            </a:r>
+            <a:r>
+              <a:rPr kumimoji="0" lang="zh-CN" altLang="zh-CN" b="0" i="0" u="none" strike="noStrike" cap="none" normalizeH="0" baseline="0" dirty="0" smtClean="0">
+                <a:ln>
+                  <a:noFill/>
+                </a:ln>
+                <a:solidFill>
+                  <a:srgbClr val="A9B7C6"/>
+                </a:solidFill>
+                <a:effectLst/>
+                <a:latin typeface="宋体" panose="02010600030101010101" pitchFamily="2" charset="-122"/>
+              </a:rPr>
+              <a:t>)))</a:t>
+            </a:r>
+            <a:br>
+              <a:rPr kumimoji="0" lang="zh-CN" altLang="zh-CN" b="0" i="0" u="none" strike="noStrike" cap="none" normalizeH="0" baseline="0" dirty="0" smtClean="0">
+                <a:ln>
+                  <a:noFill/>
+                </a:ln>
+                <a:solidFill>
+                  <a:srgbClr val="A9B7C6"/>
+                </a:solidFill>
+                <a:effectLst/>
+                <a:latin typeface="宋体" panose="02010600030101010101" pitchFamily="2" charset="-122"/>
+              </a:rPr>
+            </a:br>
+            <a:r>
+              <a:rPr kumimoji="0" lang="zh-CN" altLang="zh-CN" b="0" i="0" u="none" strike="noStrike" cap="none" normalizeH="0" baseline="0" dirty="0" smtClean="0">
+                <a:ln>
+                  <a:noFill/>
+                </a:ln>
+                <a:solidFill>
+                  <a:srgbClr val="A9B7C6"/>
+                </a:solidFill>
+                <a:effectLst/>
+                <a:latin typeface="宋体" panose="02010600030101010101" pitchFamily="2" charset="-122"/>
+              </a:rPr>
+              <a:t>rdd1.flatMap(e=&gt;e).foreach(</a:t>
+            </a:r>
+            <a:r>
+              <a:rPr kumimoji="0" lang="zh-CN" altLang="zh-CN" b="0" i="1" u="none" strike="noStrike" cap="none" normalizeH="0" baseline="0" dirty="0" smtClean="0">
+                <a:ln>
+                  <a:noFill/>
+                </a:ln>
+                <a:solidFill>
+                  <a:srgbClr val="A9B7C6"/>
+                </a:solidFill>
+                <a:effectLst/>
+                <a:latin typeface="宋体" panose="02010600030101010101" pitchFamily="2" charset="-122"/>
+              </a:rPr>
+              <a:t>println</a:t>
+            </a:r>
+            <a:r>
+              <a:rPr kumimoji="0" lang="zh-CN" altLang="zh-CN" b="0" i="0" u="none" strike="noStrike" cap="none" normalizeH="0" baseline="0" dirty="0" smtClean="0">
+                <a:ln>
+                  <a:noFill/>
+                </a:ln>
+                <a:solidFill>
+                  <a:srgbClr val="A9B7C6"/>
+                </a:solidFill>
+                <a:effectLst/>
+                <a:latin typeface="宋体" panose="02010600030101010101" pitchFamily="2" charset="-122"/>
+              </a:rPr>
+              <a:t>)</a:t>
+            </a:r>
+            <a:endParaRPr kumimoji="0" lang="zh-CN" altLang="zh-CN" b="0" i="0" u="none" strike="noStrike" cap="none" normalizeH="0" baseline="0" dirty="0" smtClean="0">
+              <a:ln>
+                <a:noFill/>
+              </a:ln>
+              <a:solidFill>
+                <a:schemeClr val="tx1"/>
+              </a:solidFill>
+              <a:effectLst/>
+              <a:latin typeface="Arial" panose="020B0604020202020204" pitchFamily="34" charset="0"/>
+            </a:endParaRPr>
+          </a:p>
+        </p:txBody>
+      </p:sp>
+    </p:spTree>
+    <p:extLst>
+      <p:ext uri="{BB962C8B-B14F-4D97-AF65-F5344CB8AC3E}">
+        <p14:creationId xmlns:p14="http://schemas.microsoft.com/office/powerpoint/2010/main" val="1619154400"/>
+      </p:ext>
+    </p:extLst>
+  </p:cSld>
+  <p:clrMapOvr>
+    <a:masterClrMapping/>
+  </p:clrMapOvr>
+  <p:timing>
+    <p:tnLst>
+      <p:par>
+        <p:cTn id="1" dur="indefinite" restart="never" nodeType="tmRoot"/>
+      </p:par>
+    </p:tnLst>
+  </p:timing>
+</p:sld>
+</file>
+
+<file path=ppt/slides/slide12.xml><?xml version="1.0" encoding="utf-8"?>
+<p:sld xmlns:a="http://schemas.openxmlformats.org/drawingml/2006/main" xmlns:r="http://schemas.openxmlformats.org/officeDocument/2006/relationships" xmlns:p="http://schemas.openxmlformats.org/presentationml/2006/main">
+  <p:cSld>
+    <p:spTree>
+      <p:nvGrpSpPr>
+        <p:cNvPr id="1" name=""/>
+        <p:cNvGrpSpPr/>
+        <p:nvPr/>
+      </p:nvGrpSpPr>
+      <p:grpSpPr>
+        <a:xfrm>
+          <a:off x="0" y="0"/>
+          <a:ext cx="0" cy="0"/>
+          <a:chOff x="0" y="0"/>
+          <a:chExt cx="0" cy="0"/>
+        </a:xfrm>
+      </p:grpSpPr>
+      <p:sp>
+        <p:nvSpPr>
+          <p:cNvPr id="2" name="标题 1"/>
+          <p:cNvSpPr>
+            <a:spLocks noGrp="1"/>
+          </p:cNvSpPr>
+          <p:nvPr>
+            <p:ph type="title"/>
+          </p:nvPr>
+        </p:nvSpPr>
+        <p:spPr/>
+        <p:txBody>
+          <a:bodyPr/>
+          <a:lstStyle/>
+          <a:p>
+            <a:r>
+              <a:rPr lang="en-US" altLang="zh-CN" b="0" dirty="0" err="1" smtClean="0">
+                <a:solidFill>
+                  <a:schemeClr val="tx1"/>
+                </a:solidFill>
+              </a:rPr>
+              <a:t>mapPartitions</a:t>
+            </a:r>
+            <a:endParaRPr lang="zh-CN" altLang="en-US" dirty="0">
+              <a:solidFill>
+                <a:schemeClr val="tx1"/>
+              </a:solidFill>
+            </a:endParaRPr>
+          </a:p>
+        </p:txBody>
+      </p:sp>
+      <p:pic>
+        <p:nvPicPr>
+          <p:cNvPr id="25" name="图片 24"/>
+          <p:cNvPicPr>
+            <a:picLocks noChangeAspect="1"/>
+          </p:cNvPicPr>
+          <p:nvPr/>
+        </p:nvPicPr>
+        <p:blipFill>
+          <a:blip r:embed="rId2"/>
+          <a:stretch>
+            <a:fillRect/>
+          </a:stretch>
+        </p:blipFill>
+        <p:spPr>
+          <a:xfrm>
+            <a:off x="1890076" y="1979839"/>
+            <a:ext cx="5092943" cy="3745535"/>
+          </a:xfrm>
+          <a:prstGeom prst="rect">
+            <a:avLst/>
+          </a:prstGeom>
+        </p:spPr>
+      </p:pic>
+      <p:sp>
+        <p:nvSpPr>
+          <p:cNvPr id="3" name="Rectangle 1"/>
+          <p:cNvSpPr>
+            <a:spLocks noChangeArrowheads="1"/>
+          </p:cNvSpPr>
+          <p:nvPr/>
+        </p:nvSpPr>
+        <p:spPr bwMode="auto">
+          <a:xfrm>
+            <a:off x="1010946" y="1053792"/>
+            <a:ext cx="7051386" cy="584775"/>
+          </a:xfrm>
+          <a:prstGeom prst="rect">
+            <a:avLst/>
+          </a:prstGeom>
+          <a:solidFill>
+            <a:srgbClr val="2B2B2B"/>
+          </a:solidFill>
+          <a:ln>
+            <a:noFill/>
+          </a:ln>
+          <a:effectLst/>
+          <a:extLst>
+            <a:ext uri="{91240B29-F687-4F45-9708-019B960494DF}">
+              <a14:hiddenLine xmlns:a14="http://schemas.microsoft.com/office/drawing/2010/main" w="9525">
+                <a:solidFill>
+                  <a:schemeClr val="tx1"/>
+                </a:solidFill>
+                <a:miter lim="800000"/>
+                <a:headEnd/>
+                <a:tailEnd/>
+              </a14:hiddenLine>
+            </a:ext>
+            <a:ext uri="{AF507438-7753-43E0-B8FC-AC1667EBCBE1}">
+              <a14:hiddenEffects xmlns:a14="http://schemas.microsoft.com/office/drawing/2010/main">
+                <a:effectLst>
+                  <a:outerShdw dist="35921" dir="2700000" algn="ctr" rotWithShape="0">
+                    <a:schemeClr val="bg2"/>
+                  </a:outerShdw>
+                </a:effectLst>
+              </a14:hiddenEffects>
+            </a:ext>
+          </a:extLst>
+        </p:spPr>
+        <p:txBody>
+          <a:bodyPr vert="horz" wrap="square" lIns="91440" tIns="45720" rIns="91440" bIns="45720" numCol="1" anchor="ctr" anchorCtr="0" compatLnSpc="1">
+            <a:prstTxWarp prst="textNoShape">
+              <a:avLst/>
+            </a:prstTxWarp>
+            <a:spAutoFit/>
+          </a:bodyPr>
+          <a:lstStyle/>
+          <a:p>
+            <a:pPr marL="0" marR="0" lvl="0" indent="0" algn="l" defTabSz="914400" rtl="0" eaLnBrk="0" fontAlgn="base" latinLnBrk="0" hangingPunct="0">
+              <a:lnSpc>
+                <a:spcPct val="100000"/>
+              </a:lnSpc>
+              <a:spcBef>
+                <a:spcPct val="0"/>
+              </a:spcBef>
+              <a:spcAft>
+                <a:spcPct val="0"/>
+              </a:spcAft>
+              <a:buClrTx/>
+              <a:buSzTx/>
+              <a:buFontTx/>
+              <a:buNone/>
+              <a:tabLst/>
+            </a:pPr>
+            <a:r>
+              <a:rPr kumimoji="0" lang="zh-CN" altLang="zh-CN" sz="1600" b="1" i="0" u="none" strike="noStrike" cap="none" normalizeH="0" baseline="0" dirty="0" smtClean="0">
+                <a:ln>
+                  <a:noFill/>
+                </a:ln>
+                <a:solidFill>
+                  <a:srgbClr val="CC7832"/>
+                </a:solidFill>
+                <a:effectLst/>
+                <a:latin typeface="宋体" panose="02010600030101010101" pitchFamily="2" charset="-122"/>
+              </a:rPr>
+              <a:t>var </a:t>
+            </a:r>
+            <a:r>
+              <a:rPr kumimoji="0" lang="zh-CN" altLang="zh-CN" sz="1600" b="0" i="0" u="none" strike="noStrike" cap="none" normalizeH="0" baseline="0" dirty="0" smtClean="0">
+                <a:ln>
+                  <a:noFill/>
+                </a:ln>
+                <a:solidFill>
+                  <a:srgbClr val="A9B7C6"/>
+                </a:solidFill>
+                <a:effectLst/>
+                <a:latin typeface="宋体" panose="02010600030101010101" pitchFamily="2" charset="-122"/>
+              </a:rPr>
+              <a:t>rdd1:RDD[</a:t>
+            </a:r>
+            <a:r>
+              <a:rPr kumimoji="0" lang="zh-CN" altLang="zh-CN" sz="1600" b="0" i="0" u="none" strike="noStrike" cap="none" normalizeH="0" baseline="0" dirty="0" smtClean="0">
+                <a:ln>
+                  <a:noFill/>
+                </a:ln>
+                <a:solidFill>
+                  <a:srgbClr val="CC7832"/>
+                </a:solidFill>
+                <a:effectLst/>
+                <a:latin typeface="宋体" panose="02010600030101010101" pitchFamily="2" charset="-122"/>
+              </a:rPr>
+              <a:t>Int</a:t>
+            </a:r>
+            <a:r>
+              <a:rPr kumimoji="0" lang="zh-CN" altLang="zh-CN" sz="1600" b="0" i="0" u="none" strike="noStrike" cap="none" normalizeH="0" baseline="0" dirty="0" smtClean="0">
+                <a:ln>
+                  <a:noFill/>
+                </a:ln>
+                <a:solidFill>
+                  <a:srgbClr val="A9B7C6"/>
+                </a:solidFill>
+                <a:effectLst/>
+                <a:latin typeface="宋体" panose="02010600030101010101" pitchFamily="2" charset="-122"/>
+              </a:rPr>
+              <a:t>] = sc.parallelize(</a:t>
+            </a:r>
+            <a:r>
+              <a:rPr kumimoji="0" lang="zh-CN" altLang="zh-CN" sz="1600" b="0" i="1" u="none" strike="noStrike" cap="none" normalizeH="0" baseline="0" dirty="0" smtClean="0">
+                <a:ln>
+                  <a:noFill/>
+                </a:ln>
+                <a:solidFill>
+                  <a:srgbClr val="A9B7C6"/>
+                </a:solidFill>
+                <a:effectLst/>
+                <a:latin typeface="宋体" panose="02010600030101010101" pitchFamily="2" charset="-122"/>
+              </a:rPr>
+              <a:t>Array</a:t>
+            </a:r>
+            <a:r>
+              <a:rPr kumimoji="0" lang="zh-CN" altLang="zh-CN" sz="1600" b="0" i="0" u="none" strike="noStrike" cap="none" normalizeH="0" baseline="0" dirty="0" smtClean="0">
+                <a:ln>
+                  <a:noFill/>
+                </a:ln>
+                <a:solidFill>
+                  <a:srgbClr val="A9B7C6"/>
+                </a:solidFill>
+                <a:effectLst/>
+                <a:latin typeface="宋体" panose="02010600030101010101" pitchFamily="2" charset="-122"/>
+              </a:rPr>
+              <a:t>(</a:t>
+            </a:r>
+            <a:r>
+              <a:rPr kumimoji="0" lang="zh-CN" altLang="zh-CN" sz="1600" b="0" i="0" u="none" strike="noStrike" cap="none" normalizeH="0" baseline="0" dirty="0" smtClean="0">
+                <a:ln>
+                  <a:noFill/>
+                </a:ln>
+                <a:solidFill>
+                  <a:srgbClr val="6897BB"/>
+                </a:solidFill>
+                <a:effectLst/>
+                <a:latin typeface="宋体" panose="02010600030101010101" pitchFamily="2" charset="-122"/>
+              </a:rPr>
+              <a:t>1</a:t>
+            </a:r>
+            <a:r>
+              <a:rPr kumimoji="0" lang="zh-CN" altLang="zh-CN" sz="1600" b="0" i="0" u="none" strike="noStrike" cap="none" normalizeH="0" baseline="0" dirty="0" smtClean="0">
+                <a:ln>
+                  <a:noFill/>
+                </a:ln>
+                <a:solidFill>
+                  <a:srgbClr val="CC7832"/>
+                </a:solidFill>
+                <a:effectLst/>
+                <a:latin typeface="宋体" panose="02010600030101010101" pitchFamily="2" charset="-122"/>
+              </a:rPr>
+              <a:t>,</a:t>
+            </a:r>
+            <a:r>
+              <a:rPr kumimoji="0" lang="zh-CN" altLang="zh-CN" sz="1600" b="0" i="0" u="none" strike="noStrike" cap="none" normalizeH="0" baseline="0" dirty="0" smtClean="0">
+                <a:ln>
+                  <a:noFill/>
+                </a:ln>
+                <a:solidFill>
+                  <a:srgbClr val="6897BB"/>
+                </a:solidFill>
+                <a:effectLst/>
+                <a:latin typeface="宋体" panose="02010600030101010101" pitchFamily="2" charset="-122"/>
+              </a:rPr>
+              <a:t>2</a:t>
+            </a:r>
+            <a:r>
+              <a:rPr kumimoji="0" lang="zh-CN" altLang="zh-CN" sz="1600" b="0" i="0" u="none" strike="noStrike" cap="none" normalizeH="0" baseline="0" dirty="0" smtClean="0">
+                <a:ln>
+                  <a:noFill/>
+                </a:ln>
+                <a:solidFill>
+                  <a:srgbClr val="CC7832"/>
+                </a:solidFill>
+                <a:effectLst/>
+                <a:latin typeface="宋体" panose="02010600030101010101" pitchFamily="2" charset="-122"/>
+              </a:rPr>
+              <a:t>,</a:t>
+            </a:r>
+            <a:r>
+              <a:rPr kumimoji="0" lang="zh-CN" altLang="zh-CN" sz="1600" b="0" i="0" u="none" strike="noStrike" cap="none" normalizeH="0" baseline="0" dirty="0" smtClean="0">
+                <a:ln>
+                  <a:noFill/>
+                </a:ln>
+                <a:solidFill>
+                  <a:srgbClr val="6897BB"/>
+                </a:solidFill>
+                <a:effectLst/>
+                <a:latin typeface="宋体" panose="02010600030101010101" pitchFamily="2" charset="-122"/>
+              </a:rPr>
+              <a:t>3</a:t>
+            </a:r>
+            <a:r>
+              <a:rPr kumimoji="0" lang="zh-CN" altLang="zh-CN" sz="1600" b="0" i="0" u="none" strike="noStrike" cap="none" normalizeH="0" baseline="0" dirty="0" smtClean="0">
+                <a:ln>
+                  <a:noFill/>
+                </a:ln>
+                <a:solidFill>
+                  <a:srgbClr val="CC7832"/>
+                </a:solidFill>
+                <a:effectLst/>
+                <a:latin typeface="宋体" panose="02010600030101010101" pitchFamily="2" charset="-122"/>
+              </a:rPr>
+              <a:t>,</a:t>
+            </a:r>
+            <a:r>
+              <a:rPr kumimoji="0" lang="zh-CN" altLang="zh-CN" sz="1600" b="0" i="0" u="none" strike="noStrike" cap="none" normalizeH="0" baseline="0" dirty="0" smtClean="0">
+                <a:ln>
+                  <a:noFill/>
+                </a:ln>
+                <a:solidFill>
+                  <a:srgbClr val="6897BB"/>
+                </a:solidFill>
+                <a:effectLst/>
+                <a:latin typeface="宋体" panose="02010600030101010101" pitchFamily="2" charset="-122"/>
+              </a:rPr>
+              <a:t>4</a:t>
+            </a:r>
+            <a:r>
+              <a:rPr kumimoji="0" lang="zh-CN" altLang="zh-CN" sz="1600" b="0" i="0" u="none" strike="noStrike" cap="none" normalizeH="0" baseline="0" dirty="0" smtClean="0">
+                <a:ln>
+                  <a:noFill/>
+                </a:ln>
+                <a:solidFill>
+                  <a:srgbClr val="CC7832"/>
+                </a:solidFill>
+                <a:effectLst/>
+                <a:latin typeface="宋体" panose="02010600030101010101" pitchFamily="2" charset="-122"/>
+              </a:rPr>
+              <a:t>,</a:t>
+            </a:r>
+            <a:r>
+              <a:rPr kumimoji="0" lang="zh-CN" altLang="zh-CN" sz="1600" b="0" i="0" u="none" strike="noStrike" cap="none" normalizeH="0" baseline="0" dirty="0" smtClean="0">
+                <a:ln>
+                  <a:noFill/>
+                </a:ln>
+                <a:solidFill>
+                  <a:srgbClr val="6897BB"/>
+                </a:solidFill>
+                <a:effectLst/>
+                <a:latin typeface="宋体" panose="02010600030101010101" pitchFamily="2" charset="-122"/>
+              </a:rPr>
+              <a:t>5</a:t>
+            </a:r>
+            <a:r>
+              <a:rPr kumimoji="0" lang="zh-CN" altLang="zh-CN" sz="1600" b="0" i="0" u="none" strike="noStrike" cap="none" normalizeH="0" baseline="0" dirty="0" smtClean="0">
+                <a:ln>
+                  <a:noFill/>
+                </a:ln>
+                <a:solidFill>
+                  <a:srgbClr val="CC7832"/>
+                </a:solidFill>
+                <a:effectLst/>
+                <a:latin typeface="宋体" panose="02010600030101010101" pitchFamily="2" charset="-122"/>
+              </a:rPr>
+              <a:t>,</a:t>
+            </a:r>
+            <a:r>
+              <a:rPr kumimoji="0" lang="zh-CN" altLang="zh-CN" sz="1600" b="0" i="0" u="none" strike="noStrike" cap="none" normalizeH="0" baseline="0" dirty="0" smtClean="0">
+                <a:ln>
+                  <a:noFill/>
+                </a:ln>
+                <a:solidFill>
+                  <a:srgbClr val="6897BB"/>
+                </a:solidFill>
+                <a:effectLst/>
+                <a:latin typeface="宋体" panose="02010600030101010101" pitchFamily="2" charset="-122"/>
+              </a:rPr>
+              <a:t>6</a:t>
+            </a:r>
+            <a:r>
+              <a:rPr kumimoji="0" lang="zh-CN" altLang="zh-CN" sz="1600" b="0" i="0" u="none" strike="noStrike" cap="none" normalizeH="0" baseline="0" dirty="0" smtClean="0">
+                <a:ln>
+                  <a:noFill/>
+                </a:ln>
+                <a:solidFill>
+                  <a:srgbClr val="CC7832"/>
+                </a:solidFill>
+                <a:effectLst/>
+                <a:latin typeface="宋体" panose="02010600030101010101" pitchFamily="2" charset="-122"/>
+              </a:rPr>
+              <a:t>,</a:t>
+            </a:r>
+            <a:r>
+              <a:rPr kumimoji="0" lang="zh-CN" altLang="zh-CN" sz="1600" b="0" i="0" u="none" strike="noStrike" cap="none" normalizeH="0" baseline="0" dirty="0" smtClean="0">
+                <a:ln>
+                  <a:noFill/>
+                </a:ln>
+                <a:solidFill>
+                  <a:srgbClr val="6897BB"/>
+                </a:solidFill>
+                <a:effectLst/>
+                <a:latin typeface="宋体" panose="02010600030101010101" pitchFamily="2" charset="-122"/>
+              </a:rPr>
+              <a:t>7</a:t>
+            </a:r>
+            <a:r>
+              <a:rPr kumimoji="0" lang="zh-CN" altLang="zh-CN" sz="1600" b="0" i="0" u="none" strike="noStrike" cap="none" normalizeH="0" baseline="0" dirty="0" smtClean="0">
+                <a:ln>
+                  <a:noFill/>
+                </a:ln>
+                <a:solidFill>
+                  <a:srgbClr val="CC7832"/>
+                </a:solidFill>
+                <a:effectLst/>
+                <a:latin typeface="宋体" panose="02010600030101010101" pitchFamily="2" charset="-122"/>
+              </a:rPr>
+              <a:t>,</a:t>
+            </a:r>
+            <a:r>
+              <a:rPr kumimoji="0" lang="zh-CN" altLang="zh-CN" sz="1600" b="0" i="0" u="none" strike="noStrike" cap="none" normalizeH="0" baseline="0" dirty="0" smtClean="0">
+                <a:ln>
+                  <a:noFill/>
+                </a:ln>
+                <a:solidFill>
+                  <a:srgbClr val="6897BB"/>
+                </a:solidFill>
+                <a:effectLst/>
+                <a:latin typeface="宋体" panose="02010600030101010101" pitchFamily="2" charset="-122"/>
+              </a:rPr>
+              <a:t>8</a:t>
+            </a:r>
+            <a:r>
+              <a:rPr kumimoji="0" lang="zh-CN" altLang="zh-CN" sz="1600" b="0" i="0" u="none" strike="noStrike" cap="none" normalizeH="0" baseline="0" dirty="0" smtClean="0">
+                <a:ln>
+                  <a:noFill/>
+                </a:ln>
+                <a:solidFill>
+                  <a:srgbClr val="CC7832"/>
+                </a:solidFill>
+                <a:effectLst/>
+                <a:latin typeface="宋体" panose="02010600030101010101" pitchFamily="2" charset="-122"/>
+              </a:rPr>
+              <a:t>,</a:t>
+            </a:r>
+            <a:r>
+              <a:rPr kumimoji="0" lang="zh-CN" altLang="zh-CN" sz="1600" b="0" i="0" u="none" strike="noStrike" cap="none" normalizeH="0" baseline="0" dirty="0" smtClean="0">
+                <a:ln>
+                  <a:noFill/>
+                </a:ln>
+                <a:solidFill>
+                  <a:srgbClr val="6897BB"/>
+                </a:solidFill>
+                <a:effectLst/>
+                <a:latin typeface="宋体" panose="02010600030101010101" pitchFamily="2" charset="-122"/>
+              </a:rPr>
+              <a:t>9</a:t>
+            </a:r>
+            <a:r>
+              <a:rPr kumimoji="0" lang="zh-CN" altLang="zh-CN" sz="1600" b="0" i="0" u="none" strike="noStrike" cap="none" normalizeH="0" baseline="0" dirty="0" smtClean="0">
+                <a:ln>
+                  <a:noFill/>
+                </a:ln>
+                <a:solidFill>
+                  <a:srgbClr val="A9B7C6"/>
+                </a:solidFill>
+                <a:effectLst/>
+                <a:latin typeface="宋体" panose="02010600030101010101" pitchFamily="2" charset="-122"/>
+              </a:rPr>
+              <a:t>)</a:t>
+            </a:r>
+            <a:r>
+              <a:rPr kumimoji="0" lang="zh-CN" altLang="zh-CN" sz="1600" b="0" i="0" u="none" strike="noStrike" cap="none" normalizeH="0" baseline="0" dirty="0" smtClean="0">
+                <a:ln>
+                  <a:noFill/>
+                </a:ln>
+                <a:solidFill>
+                  <a:srgbClr val="CC7832"/>
+                </a:solidFill>
+                <a:effectLst/>
+                <a:latin typeface="宋体" panose="02010600030101010101" pitchFamily="2" charset="-122"/>
+              </a:rPr>
+              <a:t>,</a:t>
+            </a:r>
+            <a:r>
+              <a:rPr kumimoji="0" lang="zh-CN" altLang="zh-CN" sz="1600" b="0" i="0" u="none" strike="noStrike" cap="none" normalizeH="0" baseline="0" dirty="0" smtClean="0">
+                <a:ln>
+                  <a:noFill/>
+                </a:ln>
+                <a:solidFill>
+                  <a:srgbClr val="6897BB"/>
+                </a:solidFill>
+                <a:effectLst/>
+                <a:latin typeface="宋体" panose="02010600030101010101" pitchFamily="2" charset="-122"/>
+              </a:rPr>
+              <a:t>3</a:t>
+            </a:r>
+            <a:r>
+              <a:rPr kumimoji="0" lang="zh-CN" altLang="zh-CN" sz="1600" b="0" i="0" u="none" strike="noStrike" cap="none" normalizeH="0" baseline="0" dirty="0" smtClean="0">
+                <a:ln>
+                  <a:noFill/>
+                </a:ln>
+                <a:solidFill>
+                  <a:srgbClr val="A9B7C6"/>
+                </a:solidFill>
+                <a:effectLst/>
+                <a:latin typeface="宋体" panose="02010600030101010101" pitchFamily="2" charset="-122"/>
+              </a:rPr>
+              <a:t>)</a:t>
+            </a:r>
+            <a:br>
+              <a:rPr kumimoji="0" lang="zh-CN" altLang="zh-CN" sz="1600" b="0" i="0" u="none" strike="noStrike" cap="none" normalizeH="0" baseline="0" dirty="0" smtClean="0">
+                <a:ln>
+                  <a:noFill/>
+                </a:ln>
+                <a:solidFill>
+                  <a:srgbClr val="A9B7C6"/>
+                </a:solidFill>
+                <a:effectLst/>
+                <a:latin typeface="宋体" panose="02010600030101010101" pitchFamily="2" charset="-122"/>
+              </a:rPr>
+            </a:br>
+            <a:r>
+              <a:rPr kumimoji="0" lang="zh-CN" altLang="zh-CN" sz="1600" b="0" i="0" u="none" strike="noStrike" cap="none" normalizeH="0" baseline="0" dirty="0" smtClean="0">
+                <a:ln>
+                  <a:noFill/>
+                </a:ln>
+                <a:solidFill>
+                  <a:srgbClr val="A9B7C6"/>
+                </a:solidFill>
+                <a:effectLst/>
+                <a:latin typeface="宋体" panose="02010600030101010101" pitchFamily="2" charset="-122"/>
+              </a:rPr>
+              <a:t>rdd1.mapPartitions(</a:t>
+            </a:r>
+            <a:r>
+              <a:rPr kumimoji="0" lang="zh-CN" altLang="zh-CN" sz="1600" b="0" i="1" u="none" strike="noStrike" cap="none" normalizeH="0" baseline="0" dirty="0" smtClean="0">
+                <a:ln>
+                  <a:noFill/>
+                </a:ln>
+                <a:solidFill>
+                  <a:srgbClr val="A9B7C6"/>
+                </a:solidFill>
+                <a:effectLst/>
+                <a:latin typeface="宋体" panose="02010600030101010101" pitchFamily="2" charset="-122"/>
+              </a:rPr>
+              <a:t>function</a:t>
+            </a:r>
+            <a:r>
+              <a:rPr kumimoji="0" lang="zh-CN" altLang="zh-CN" sz="1600" b="0" i="0" u="none" strike="noStrike" cap="none" normalizeH="0" baseline="0" dirty="0" smtClean="0">
+                <a:ln>
+                  <a:noFill/>
+                </a:ln>
+                <a:solidFill>
+                  <a:srgbClr val="A9B7C6"/>
+                </a:solidFill>
+                <a:effectLst/>
+                <a:latin typeface="宋体" panose="02010600030101010101" pitchFamily="2" charset="-122"/>
+              </a:rPr>
+              <a:t>).glom().foreach(</a:t>
+            </a:r>
+            <a:r>
+              <a:rPr kumimoji="0" lang="zh-CN" altLang="zh-CN" sz="1600" b="0" i="1" u="none" strike="noStrike" cap="none" normalizeH="0" baseline="0" dirty="0" smtClean="0">
+                <a:ln>
+                  <a:noFill/>
+                </a:ln>
+                <a:solidFill>
+                  <a:srgbClr val="A9B7C6"/>
+                </a:solidFill>
+                <a:effectLst/>
+                <a:latin typeface="宋体" panose="02010600030101010101" pitchFamily="2" charset="-122"/>
+              </a:rPr>
+              <a:t>println</a:t>
+            </a:r>
+            <a:r>
+              <a:rPr kumimoji="0" lang="zh-CN" altLang="zh-CN" sz="1600" b="0" i="0" u="none" strike="noStrike" cap="none" normalizeH="0" baseline="0" dirty="0" smtClean="0">
+                <a:ln>
+                  <a:noFill/>
+                </a:ln>
+                <a:solidFill>
+                  <a:srgbClr val="A9B7C6"/>
+                </a:solidFill>
+                <a:effectLst/>
+                <a:latin typeface="宋体" panose="02010600030101010101" pitchFamily="2" charset="-122"/>
+              </a:rPr>
+              <a:t>)</a:t>
+            </a:r>
+            <a:endParaRPr kumimoji="0" lang="zh-CN" altLang="zh-CN" sz="1600" b="0" i="0" u="none" strike="noStrike" cap="none" normalizeH="0" baseline="0" dirty="0" smtClean="0">
+              <a:ln>
+                <a:noFill/>
+              </a:ln>
+              <a:solidFill>
+                <a:schemeClr val="tx1"/>
+              </a:solidFill>
+              <a:effectLst/>
+              <a:latin typeface="Arial" panose="020B0604020202020204" pitchFamily="34" charset="0"/>
+            </a:endParaRPr>
+          </a:p>
+        </p:txBody>
+      </p:sp>
+    </p:spTree>
+    <p:extLst>
+      <p:ext uri="{BB962C8B-B14F-4D97-AF65-F5344CB8AC3E}">
+        <p14:creationId xmlns:p14="http://schemas.microsoft.com/office/powerpoint/2010/main" val="2003544624"/>
+      </p:ext>
+    </p:extLst>
+  </p:cSld>
+  <p:clrMapOvr>
+    <a:masterClrMapping/>
+  </p:clrMapOvr>
+  <p:timing>
+    <p:tnLst>
+      <p:par>
+        <p:cTn id="1" dur="indefinite" restart="never" nodeType="tmRoot"/>
+      </p:par>
+    </p:tnLst>
+  </p:timing>
+</p:sld>
+</file>
+
+<file path=ppt/slides/slide13.xml><?xml version="1.0" encoding="utf-8"?>
+<p:sld xmlns:a="http://schemas.openxmlformats.org/drawingml/2006/main" xmlns:r="http://schemas.openxmlformats.org/officeDocument/2006/relationships" xmlns:p="http://schemas.openxmlformats.org/presentationml/2006/main">
+  <p:cSld>
+    <p:spTree>
+      <p:nvGrpSpPr>
+        <p:cNvPr id="1" name=""/>
+        <p:cNvGrpSpPr/>
+        <p:nvPr/>
+      </p:nvGrpSpPr>
+      <p:grpSpPr>
+        <a:xfrm>
+          <a:off x="0" y="0"/>
+          <a:ext cx="0" cy="0"/>
+          <a:chOff x="0" y="0"/>
+          <a:chExt cx="0" cy="0"/>
+        </a:xfrm>
+      </p:grpSpPr>
+      <p:sp>
+        <p:nvSpPr>
+          <p:cNvPr id="2" name="标题 1"/>
+          <p:cNvSpPr>
+            <a:spLocks noGrp="1"/>
+          </p:cNvSpPr>
+          <p:nvPr>
+            <p:ph type="title"/>
+          </p:nvPr>
+        </p:nvSpPr>
+        <p:spPr/>
+        <p:txBody>
+          <a:bodyPr/>
+          <a:lstStyle/>
+          <a:p>
+            <a:r>
+              <a:rPr lang="en-US" altLang="zh-CN" dirty="0" smtClean="0">
+                <a:solidFill>
+                  <a:schemeClr val="tx1"/>
+                </a:solidFill>
+              </a:rPr>
+              <a:t>glom</a:t>
+            </a:r>
+            <a:endParaRPr lang="zh-CN" altLang="en-US" dirty="0">
+              <a:solidFill>
+                <a:schemeClr val="tx1"/>
+              </a:solidFill>
+            </a:endParaRPr>
+          </a:p>
+        </p:txBody>
+      </p:sp>
+      <p:pic>
+        <p:nvPicPr>
+          <p:cNvPr id="28" name="图片 27"/>
+          <p:cNvPicPr>
+            <a:picLocks noChangeAspect="1"/>
+          </p:cNvPicPr>
+          <p:nvPr/>
+        </p:nvPicPr>
+        <p:blipFill>
+          <a:blip r:embed="rId2"/>
+          <a:stretch>
+            <a:fillRect/>
+          </a:stretch>
+        </p:blipFill>
+        <p:spPr>
+          <a:xfrm>
+            <a:off x="1634098" y="2309183"/>
+            <a:ext cx="5196517" cy="3821707"/>
+          </a:xfrm>
+          <a:prstGeom prst="rect">
+            <a:avLst/>
+          </a:prstGeom>
+        </p:spPr>
+      </p:pic>
+      <p:sp>
+        <p:nvSpPr>
+          <p:cNvPr id="3" name="Rectangle 1"/>
+          <p:cNvSpPr>
+            <a:spLocks noChangeArrowheads="1"/>
+          </p:cNvSpPr>
+          <p:nvPr/>
+        </p:nvSpPr>
+        <p:spPr bwMode="auto">
+          <a:xfrm>
+            <a:off x="840153" y="904419"/>
+            <a:ext cx="7512109" cy="1200329"/>
+          </a:xfrm>
+          <a:prstGeom prst="rect">
+            <a:avLst/>
+          </a:prstGeom>
+          <a:solidFill>
+            <a:srgbClr val="2B2B2B"/>
+          </a:solidFill>
+          <a:ln>
+            <a:noFill/>
+          </a:ln>
+          <a:effectLst/>
+          <a:extLst>
+            <a:ext uri="{91240B29-F687-4F45-9708-019B960494DF}">
+              <a14:hiddenLine xmlns:a14="http://schemas.microsoft.com/office/drawing/2010/main" w="9525">
+                <a:solidFill>
+                  <a:schemeClr val="tx1"/>
+                </a:solidFill>
+                <a:miter lim="800000"/>
+                <a:headEnd/>
+                <a:tailEnd/>
+              </a14:hiddenLine>
+            </a:ext>
+            <a:ext uri="{AF507438-7753-43E0-B8FC-AC1667EBCBE1}">
+              <a14:hiddenEffects xmlns:a14="http://schemas.microsoft.com/office/drawing/2010/main">
+                <a:effectLst>
+                  <a:outerShdw dist="35921" dir="2700000" algn="ctr" rotWithShape="0">
+                    <a:schemeClr val="bg2"/>
+                  </a:outerShdw>
+                </a:effectLst>
+              </a14:hiddenEffects>
+            </a:ext>
+          </a:extLst>
+        </p:spPr>
+        <p:txBody>
+          <a:bodyPr vert="horz" wrap="square" lIns="91440" tIns="45720" rIns="91440" bIns="45720" numCol="1" anchor="ctr" anchorCtr="0" compatLnSpc="1">
+            <a:prstTxWarp prst="textNoShape">
+              <a:avLst/>
+            </a:prstTxWarp>
+            <a:spAutoFit/>
+          </a:bodyPr>
+          <a:lstStyle/>
+          <a:p>
+            <a:pPr marL="0" marR="0" lvl="0" indent="0" algn="l" defTabSz="914400" rtl="0" eaLnBrk="0" fontAlgn="base" latinLnBrk="0" hangingPunct="0">
+              <a:lnSpc>
+                <a:spcPct val="100000"/>
+              </a:lnSpc>
+              <a:spcBef>
+                <a:spcPct val="0"/>
+              </a:spcBef>
+              <a:spcAft>
+                <a:spcPct val="0"/>
+              </a:spcAft>
+              <a:buClrTx/>
+              <a:buSzTx/>
+              <a:buFontTx/>
+              <a:buNone/>
+              <a:tabLst/>
+            </a:pPr>
+            <a:r>
+              <a:rPr kumimoji="0" lang="zh-CN" altLang="zh-CN" b="1" i="0" u="none" strike="noStrike" cap="none" normalizeH="0" baseline="0" dirty="0" smtClean="0">
+                <a:ln>
+                  <a:noFill/>
+                </a:ln>
+                <a:solidFill>
+                  <a:srgbClr val="CC7832"/>
+                </a:solidFill>
+                <a:effectLst/>
+                <a:latin typeface="宋体" panose="02010600030101010101" pitchFamily="2" charset="-122"/>
+              </a:rPr>
+              <a:t>var </a:t>
+            </a:r>
+            <a:r>
+              <a:rPr kumimoji="0" lang="zh-CN" altLang="zh-CN" b="0" i="0" u="none" strike="noStrike" cap="none" normalizeH="0" baseline="0" dirty="0" smtClean="0">
+                <a:ln>
+                  <a:noFill/>
+                </a:ln>
+                <a:solidFill>
+                  <a:srgbClr val="A9B7C6"/>
+                </a:solidFill>
+                <a:effectLst/>
+                <a:latin typeface="宋体" panose="02010600030101010101" pitchFamily="2" charset="-122"/>
+              </a:rPr>
+              <a:t>data = </a:t>
+            </a:r>
+            <a:r>
+              <a:rPr kumimoji="0" lang="zh-CN" altLang="zh-CN" b="0" i="1" u="none" strike="noStrike" cap="none" normalizeH="0" baseline="0" dirty="0" smtClean="0">
+                <a:ln>
+                  <a:noFill/>
+                </a:ln>
+                <a:solidFill>
+                  <a:srgbClr val="9876AA"/>
+                </a:solidFill>
+                <a:effectLst/>
+                <a:latin typeface="宋体" panose="02010600030101010101" pitchFamily="2" charset="-122"/>
+              </a:rPr>
+              <a:t>List</a:t>
+            </a:r>
+            <a:r>
+              <a:rPr kumimoji="0" lang="zh-CN" altLang="zh-CN" b="0" i="0" u="none" strike="noStrike" cap="none" normalizeH="0" baseline="0" dirty="0" smtClean="0">
+                <a:ln>
+                  <a:noFill/>
+                </a:ln>
+                <a:solidFill>
+                  <a:srgbClr val="A9B7C6"/>
+                </a:solidFill>
+                <a:effectLst/>
+                <a:latin typeface="宋体" panose="02010600030101010101" pitchFamily="2" charset="-122"/>
+              </a:rPr>
+              <a:t>(</a:t>
+            </a:r>
+            <a:r>
+              <a:rPr kumimoji="0" lang="zh-CN" altLang="zh-CN" b="0" i="0" u="none" strike="noStrike" cap="none" normalizeH="0" baseline="0" dirty="0" smtClean="0">
+                <a:ln>
+                  <a:noFill/>
+                </a:ln>
+                <a:solidFill>
+                  <a:srgbClr val="6897BB"/>
+                </a:solidFill>
+                <a:effectLst/>
+                <a:latin typeface="宋体" panose="02010600030101010101" pitchFamily="2" charset="-122"/>
+              </a:rPr>
+              <a:t>1</a:t>
+            </a:r>
+            <a:r>
+              <a:rPr kumimoji="0" lang="zh-CN" altLang="zh-CN" b="0" i="0" u="none" strike="noStrike" cap="none" normalizeH="0" baseline="0" dirty="0" smtClean="0">
+                <a:ln>
+                  <a:noFill/>
+                </a:ln>
+                <a:solidFill>
+                  <a:srgbClr val="CC7832"/>
+                </a:solidFill>
+                <a:effectLst/>
+                <a:latin typeface="宋体" panose="02010600030101010101" pitchFamily="2" charset="-122"/>
+              </a:rPr>
+              <a:t>,</a:t>
+            </a:r>
+            <a:r>
+              <a:rPr kumimoji="0" lang="zh-CN" altLang="zh-CN" b="0" i="0" u="none" strike="noStrike" cap="none" normalizeH="0" baseline="0" dirty="0" smtClean="0">
+                <a:ln>
+                  <a:noFill/>
+                </a:ln>
+                <a:solidFill>
+                  <a:srgbClr val="6897BB"/>
+                </a:solidFill>
+                <a:effectLst/>
+                <a:latin typeface="宋体" panose="02010600030101010101" pitchFamily="2" charset="-122"/>
+              </a:rPr>
+              <a:t>2</a:t>
+            </a:r>
+            <a:r>
+              <a:rPr kumimoji="0" lang="zh-CN" altLang="zh-CN" b="0" i="0" u="none" strike="noStrike" cap="none" normalizeH="0" baseline="0" dirty="0" smtClean="0">
+                <a:ln>
+                  <a:noFill/>
+                </a:ln>
+                <a:solidFill>
+                  <a:srgbClr val="CC7832"/>
+                </a:solidFill>
+                <a:effectLst/>
+                <a:latin typeface="宋体" panose="02010600030101010101" pitchFamily="2" charset="-122"/>
+              </a:rPr>
+              <a:t>,</a:t>
+            </a:r>
+            <a:r>
+              <a:rPr kumimoji="0" lang="zh-CN" altLang="zh-CN" b="0" i="0" u="none" strike="noStrike" cap="none" normalizeH="0" baseline="0" dirty="0" smtClean="0">
+                <a:ln>
+                  <a:noFill/>
+                </a:ln>
+                <a:solidFill>
+                  <a:srgbClr val="6897BB"/>
+                </a:solidFill>
+                <a:effectLst/>
+                <a:latin typeface="宋体" panose="02010600030101010101" pitchFamily="2" charset="-122"/>
+              </a:rPr>
+              <a:t>3</a:t>
+            </a:r>
+            <a:r>
+              <a:rPr kumimoji="0" lang="zh-CN" altLang="zh-CN" b="0" i="0" u="none" strike="noStrike" cap="none" normalizeH="0" baseline="0" dirty="0" smtClean="0">
+                <a:ln>
+                  <a:noFill/>
+                </a:ln>
+                <a:solidFill>
+                  <a:srgbClr val="CC7832"/>
+                </a:solidFill>
+                <a:effectLst/>
+                <a:latin typeface="宋体" panose="02010600030101010101" pitchFamily="2" charset="-122"/>
+              </a:rPr>
+              <a:t>,</a:t>
+            </a:r>
+            <a:r>
+              <a:rPr kumimoji="0" lang="zh-CN" altLang="zh-CN" b="0" i="0" u="none" strike="noStrike" cap="none" normalizeH="0" baseline="0" dirty="0" smtClean="0">
+                <a:ln>
+                  <a:noFill/>
+                </a:ln>
+                <a:solidFill>
+                  <a:srgbClr val="6897BB"/>
+                </a:solidFill>
+                <a:effectLst/>
+                <a:latin typeface="宋体" panose="02010600030101010101" pitchFamily="2" charset="-122"/>
+              </a:rPr>
+              <a:t>4</a:t>
+            </a:r>
+            <a:r>
+              <a:rPr kumimoji="0" lang="zh-CN" altLang="zh-CN" b="0" i="0" u="none" strike="noStrike" cap="none" normalizeH="0" baseline="0" dirty="0" smtClean="0">
+                <a:ln>
+                  <a:noFill/>
+                </a:ln>
+                <a:solidFill>
+                  <a:srgbClr val="CC7832"/>
+                </a:solidFill>
+                <a:effectLst/>
+                <a:latin typeface="宋体" panose="02010600030101010101" pitchFamily="2" charset="-122"/>
+              </a:rPr>
+              <a:t>,</a:t>
+            </a:r>
+            <a:r>
+              <a:rPr kumimoji="0" lang="zh-CN" altLang="zh-CN" b="0" i="0" u="none" strike="noStrike" cap="none" normalizeH="0" baseline="0" dirty="0" smtClean="0">
+                <a:ln>
+                  <a:noFill/>
+                </a:ln>
+                <a:solidFill>
+                  <a:srgbClr val="6897BB"/>
+                </a:solidFill>
+                <a:effectLst/>
+                <a:latin typeface="宋体" panose="02010600030101010101" pitchFamily="2" charset="-122"/>
+              </a:rPr>
+              <a:t>5</a:t>
+            </a:r>
+            <a:r>
+              <a:rPr kumimoji="0" lang="zh-CN" altLang="zh-CN" b="0" i="0" u="none" strike="noStrike" cap="none" normalizeH="0" baseline="0" dirty="0" smtClean="0">
+                <a:ln>
+                  <a:noFill/>
+                </a:ln>
+                <a:solidFill>
+                  <a:srgbClr val="CC7832"/>
+                </a:solidFill>
+                <a:effectLst/>
+                <a:latin typeface="宋体" panose="02010600030101010101" pitchFamily="2" charset="-122"/>
+              </a:rPr>
+              <a:t>,</a:t>
+            </a:r>
+            <a:r>
+              <a:rPr kumimoji="0" lang="zh-CN" altLang="zh-CN" b="0" i="0" u="none" strike="noStrike" cap="none" normalizeH="0" baseline="0" dirty="0" smtClean="0">
+                <a:ln>
+                  <a:noFill/>
+                </a:ln>
+                <a:solidFill>
+                  <a:srgbClr val="6897BB"/>
+                </a:solidFill>
+                <a:effectLst/>
+                <a:latin typeface="宋体" panose="02010600030101010101" pitchFamily="2" charset="-122"/>
+              </a:rPr>
+              <a:t>6</a:t>
+            </a:r>
+            <a:r>
+              <a:rPr kumimoji="0" lang="zh-CN" altLang="zh-CN" b="0" i="0" u="none" strike="noStrike" cap="none" normalizeH="0" baseline="0" dirty="0" smtClean="0">
+                <a:ln>
+                  <a:noFill/>
+                </a:ln>
+                <a:solidFill>
+                  <a:srgbClr val="A9B7C6"/>
+                </a:solidFill>
+                <a:effectLst/>
+                <a:latin typeface="宋体" panose="02010600030101010101" pitchFamily="2" charset="-122"/>
+              </a:rPr>
+              <a:t>)</a:t>
+            </a:r>
+            <a:r>
+              <a:rPr kumimoji="0" lang="zh-CN" altLang="zh-CN" b="0" i="0" u="none" strike="noStrike" cap="none" normalizeH="0" baseline="0" dirty="0" smtClean="0">
+                <a:ln>
+                  <a:noFill/>
+                </a:ln>
+                <a:solidFill>
+                  <a:srgbClr val="CC7832"/>
+                </a:solidFill>
+                <a:effectLst/>
+                <a:latin typeface="宋体" panose="02010600030101010101" pitchFamily="2" charset="-122"/>
+              </a:rPr>
+              <a:t>;</a:t>
+            </a:r>
+            <a:r>
+              <a:rPr kumimoji="0" lang="zh-CN" altLang="zh-CN" b="0" i="0" u="none" strike="noStrike" cap="none" normalizeH="0" baseline="0" dirty="0" smtClean="0">
+                <a:ln>
+                  <a:noFill/>
+                </a:ln>
+                <a:solidFill>
+                  <a:srgbClr val="808080"/>
+                </a:solidFill>
+                <a:effectLst/>
+                <a:latin typeface="宋体" panose="02010600030101010101" pitchFamily="2" charset="-122"/>
+              </a:rPr>
+              <a:t>//[1,2,3,4,5,6]</a:t>
+            </a:r>
+            <a:br>
+              <a:rPr kumimoji="0" lang="zh-CN" altLang="zh-CN" b="0" i="0" u="none" strike="noStrike" cap="none" normalizeH="0" baseline="0" dirty="0" smtClean="0">
+                <a:ln>
+                  <a:noFill/>
+                </a:ln>
+                <a:solidFill>
+                  <a:srgbClr val="808080"/>
+                </a:solidFill>
+                <a:effectLst/>
+                <a:latin typeface="宋体" panose="02010600030101010101" pitchFamily="2" charset="-122"/>
+              </a:rPr>
+            </a:br>
+            <a:r>
+              <a:rPr kumimoji="0" lang="zh-CN" altLang="zh-CN" b="1" i="0" u="none" strike="noStrike" cap="none" normalizeH="0" baseline="0" dirty="0" smtClean="0">
+                <a:ln>
+                  <a:noFill/>
+                </a:ln>
+                <a:solidFill>
+                  <a:srgbClr val="CC7832"/>
+                </a:solidFill>
+                <a:effectLst/>
+                <a:latin typeface="宋体" panose="02010600030101010101" pitchFamily="2" charset="-122"/>
+              </a:rPr>
+              <a:t>var </a:t>
+            </a:r>
+            <a:r>
+              <a:rPr kumimoji="0" lang="zh-CN" altLang="zh-CN" b="0" i="0" u="none" strike="noStrike" cap="none" normalizeH="0" baseline="0" dirty="0" smtClean="0">
+                <a:ln>
+                  <a:noFill/>
+                </a:ln>
+                <a:solidFill>
+                  <a:srgbClr val="A9B7C6"/>
+                </a:solidFill>
+                <a:effectLst/>
+                <a:latin typeface="宋体" panose="02010600030101010101" pitchFamily="2" charset="-122"/>
+              </a:rPr>
+              <a:t>rdd2 = sc.parallelize(data</a:t>
+            </a:r>
+            <a:r>
+              <a:rPr kumimoji="0" lang="zh-CN" altLang="zh-CN" b="0" i="0" u="none" strike="noStrike" cap="none" normalizeH="0" baseline="0" dirty="0" smtClean="0">
+                <a:ln>
+                  <a:noFill/>
+                </a:ln>
+                <a:solidFill>
+                  <a:srgbClr val="CC7832"/>
+                </a:solidFill>
+                <a:effectLst/>
+                <a:latin typeface="宋体" panose="02010600030101010101" pitchFamily="2" charset="-122"/>
+              </a:rPr>
+              <a:t>,</a:t>
+            </a:r>
+            <a:r>
+              <a:rPr kumimoji="0" lang="zh-CN" altLang="zh-CN" b="0" i="0" u="none" strike="noStrike" cap="none" normalizeH="0" baseline="0" dirty="0" smtClean="0">
+                <a:ln>
+                  <a:noFill/>
+                </a:ln>
+                <a:solidFill>
+                  <a:srgbClr val="6897BB"/>
+                </a:solidFill>
+                <a:effectLst/>
+                <a:latin typeface="宋体" panose="02010600030101010101" pitchFamily="2" charset="-122"/>
+              </a:rPr>
+              <a:t>2</a:t>
+            </a:r>
+            <a:r>
+              <a:rPr kumimoji="0" lang="zh-CN" altLang="zh-CN" b="0" i="0" u="none" strike="noStrike" cap="none" normalizeH="0" baseline="0" dirty="0" smtClean="0">
+                <a:ln>
+                  <a:noFill/>
+                </a:ln>
+                <a:solidFill>
+                  <a:srgbClr val="A9B7C6"/>
+                </a:solidFill>
+                <a:effectLst/>
+                <a:latin typeface="宋体" panose="02010600030101010101" pitchFamily="2" charset="-122"/>
+              </a:rPr>
+              <a:t>)</a:t>
+            </a:r>
+            <a:br>
+              <a:rPr kumimoji="0" lang="zh-CN" altLang="zh-CN" b="0" i="0" u="none" strike="noStrike" cap="none" normalizeH="0" baseline="0" dirty="0" smtClean="0">
+                <a:ln>
+                  <a:noFill/>
+                </a:ln>
+                <a:solidFill>
+                  <a:srgbClr val="A9B7C6"/>
+                </a:solidFill>
+                <a:effectLst/>
+                <a:latin typeface="宋体" panose="02010600030101010101" pitchFamily="2" charset="-122"/>
+              </a:rPr>
+            </a:br>
+            <a:r>
+              <a:rPr kumimoji="0" lang="zh-CN" altLang="zh-CN" b="0" i="0" u="none" strike="noStrike" cap="none" normalizeH="0" baseline="0" dirty="0" smtClean="0">
+                <a:ln>
+                  <a:noFill/>
+                </a:ln>
+                <a:solidFill>
+                  <a:srgbClr val="A9B7C6"/>
+                </a:solidFill>
+                <a:effectLst/>
+                <a:latin typeface="宋体" panose="02010600030101010101" pitchFamily="2" charset="-122"/>
+              </a:rPr>
+              <a:t>rdd2.glom().collect().foreach(e=&gt;{e.foreach(</a:t>
+            </a:r>
+            <a:r>
+              <a:rPr kumimoji="0" lang="zh-CN" altLang="zh-CN" b="0" i="1" u="none" strike="noStrike" cap="none" normalizeH="0" baseline="0" dirty="0" smtClean="0">
+                <a:ln>
+                  <a:noFill/>
+                </a:ln>
+                <a:solidFill>
+                  <a:srgbClr val="A9B7C6"/>
+                </a:solidFill>
+                <a:effectLst/>
+                <a:latin typeface="宋体" panose="02010600030101010101" pitchFamily="2" charset="-122"/>
+              </a:rPr>
+              <a:t>print</a:t>
+            </a:r>
+            <a:r>
+              <a:rPr kumimoji="0" lang="zh-CN" altLang="zh-CN" b="0" i="0" u="none" strike="noStrike" cap="none" normalizeH="0" baseline="0" dirty="0" smtClean="0">
+                <a:ln>
+                  <a:noFill/>
+                </a:ln>
+                <a:solidFill>
+                  <a:srgbClr val="A9B7C6"/>
+                </a:solidFill>
+                <a:effectLst/>
+                <a:latin typeface="宋体" panose="02010600030101010101" pitchFamily="2" charset="-122"/>
+              </a:rPr>
+              <a:t>)</a:t>
+            </a:r>
+            <a:r>
+              <a:rPr kumimoji="0" lang="zh-CN" altLang="zh-CN" b="0" i="0" u="none" strike="noStrike" cap="none" normalizeH="0" baseline="0" dirty="0" smtClean="0">
+                <a:ln>
+                  <a:noFill/>
+                </a:ln>
+                <a:solidFill>
+                  <a:srgbClr val="CC7832"/>
+                </a:solidFill>
+                <a:effectLst/>
+                <a:latin typeface="宋体" panose="02010600030101010101" pitchFamily="2" charset="-122"/>
+              </a:rPr>
+              <a:t>;</a:t>
+            </a:r>
+            <a:r>
+              <a:rPr kumimoji="0" lang="zh-CN" altLang="zh-CN" b="0" i="1" u="none" strike="noStrike" cap="none" normalizeH="0" baseline="0" dirty="0" smtClean="0">
+                <a:ln>
+                  <a:noFill/>
+                </a:ln>
+                <a:solidFill>
+                  <a:srgbClr val="A9B7C6"/>
+                </a:solidFill>
+                <a:effectLst/>
+                <a:latin typeface="宋体" panose="02010600030101010101" pitchFamily="2" charset="-122"/>
+              </a:rPr>
+              <a:t>println</a:t>
+            </a:r>
+            <a:r>
+              <a:rPr kumimoji="0" lang="zh-CN" altLang="zh-CN" b="0" i="0" u="none" strike="noStrike" cap="none" normalizeH="0" baseline="0" dirty="0" smtClean="0">
+                <a:ln>
+                  <a:noFill/>
+                </a:ln>
+                <a:solidFill>
+                  <a:srgbClr val="A9B7C6"/>
+                </a:solidFill>
+                <a:effectLst/>
+                <a:latin typeface="宋体" panose="02010600030101010101" pitchFamily="2" charset="-122"/>
+              </a:rPr>
+              <a:t>()})</a:t>
+            </a:r>
+            <a:r>
+              <a:rPr kumimoji="0" lang="zh-CN" altLang="zh-CN" b="0" i="0" u="none" strike="noStrike" cap="none" normalizeH="0" baseline="0" dirty="0" smtClean="0">
+                <a:ln>
+                  <a:noFill/>
+                </a:ln>
+                <a:solidFill>
+                  <a:srgbClr val="CC7832"/>
+                </a:solidFill>
+                <a:effectLst/>
+                <a:latin typeface="宋体" panose="02010600030101010101" pitchFamily="2" charset="-122"/>
+              </a:rPr>
+              <a:t>;</a:t>
+            </a:r>
+            <a:endParaRPr kumimoji="0" lang="en-US" altLang="zh-CN" b="0" i="0" u="none" strike="noStrike" cap="none" normalizeH="0" baseline="0" dirty="0" smtClean="0">
+              <a:ln>
+                <a:noFill/>
+              </a:ln>
+              <a:solidFill>
+                <a:srgbClr val="CC7832"/>
+              </a:solidFill>
+              <a:effectLst/>
+              <a:latin typeface="宋体" panose="02010600030101010101" pitchFamily="2" charset="-122"/>
+            </a:endParaRPr>
+          </a:p>
+          <a:p>
+            <a:pPr marL="0" marR="0" lvl="0" indent="0" algn="l" defTabSz="914400" rtl="0" eaLnBrk="0" fontAlgn="base" latinLnBrk="0" hangingPunct="0">
+              <a:lnSpc>
+                <a:spcPct val="100000"/>
+              </a:lnSpc>
+              <a:spcBef>
+                <a:spcPct val="0"/>
+              </a:spcBef>
+              <a:spcAft>
+                <a:spcPct val="0"/>
+              </a:spcAft>
+              <a:buClrTx/>
+              <a:buSzTx/>
+              <a:buFontTx/>
+              <a:buNone/>
+              <a:tabLst/>
+            </a:pPr>
+            <a:r>
+              <a:rPr kumimoji="0" lang="zh-CN" altLang="zh-CN" b="0" i="0" u="none" strike="noStrike" cap="none" normalizeH="0" baseline="0" dirty="0" smtClean="0">
+                <a:ln>
+                  <a:noFill/>
+                </a:ln>
+                <a:solidFill>
+                  <a:srgbClr val="808080"/>
+                </a:solidFill>
+                <a:effectLst/>
+                <a:latin typeface="宋体" panose="02010600030101010101" pitchFamily="2" charset="-122"/>
+              </a:rPr>
+              <a:t>//[[1,2,3],[4,5,6]]</a:t>
+            </a:r>
+            <a:endParaRPr kumimoji="0" lang="zh-CN" altLang="zh-CN" b="0" i="0" u="none" strike="noStrike" cap="none" normalizeH="0" baseline="0" dirty="0" smtClean="0">
+              <a:ln>
+                <a:noFill/>
+              </a:ln>
+              <a:solidFill>
+                <a:schemeClr val="tx1"/>
+              </a:solidFill>
+              <a:effectLst/>
+              <a:latin typeface="Arial" panose="020B0604020202020204" pitchFamily="34" charset="0"/>
+            </a:endParaRPr>
+          </a:p>
+        </p:txBody>
+      </p:sp>
+    </p:spTree>
+    <p:extLst>
+      <p:ext uri="{BB962C8B-B14F-4D97-AF65-F5344CB8AC3E}">
+        <p14:creationId xmlns:p14="http://schemas.microsoft.com/office/powerpoint/2010/main" val="1130408027"/>
+      </p:ext>
+    </p:extLst>
+  </p:cSld>
+  <p:clrMapOvr>
+    <a:masterClrMapping/>
+  </p:clrMapOvr>
+  <p:timing>
+    <p:tnLst>
+      <p:par>
+        <p:cTn id="1" dur="indefinite" restart="never" nodeType="tmRoot"/>
+      </p:par>
+    </p:tnLst>
+  </p:timing>
+</p:sld>
+</file>
+
+<file path=ppt/slides/slide14.xml><?xml version="1.0" encoding="utf-8"?>
+<p:sld xmlns:a="http://schemas.openxmlformats.org/drawingml/2006/main" xmlns:r="http://schemas.openxmlformats.org/officeDocument/2006/relationships" xmlns:p="http://schemas.openxmlformats.org/presentationml/2006/main">
+  <p:cSld>
+    <p:spTree>
+      <p:nvGrpSpPr>
+        <p:cNvPr id="1" name=""/>
+        <p:cNvGrpSpPr/>
+        <p:nvPr/>
+      </p:nvGrpSpPr>
+      <p:grpSpPr>
+        <a:xfrm>
+          <a:off x="0" y="0"/>
+          <a:ext cx="0" cy="0"/>
+          <a:chOff x="0" y="0"/>
+          <a:chExt cx="0" cy="0"/>
+        </a:xfrm>
+      </p:grpSpPr>
+      <p:sp>
+        <p:nvSpPr>
+          <p:cNvPr id="2" name="标题 1"/>
+          <p:cNvSpPr>
+            <a:spLocks noGrp="1"/>
+          </p:cNvSpPr>
+          <p:nvPr>
+            <p:ph type="title"/>
+          </p:nvPr>
+        </p:nvSpPr>
+        <p:spPr/>
+        <p:txBody>
+          <a:bodyPr/>
+          <a:lstStyle/>
+          <a:p>
+            <a:r>
+              <a:rPr lang="en-US" altLang="zh-CN" dirty="0" smtClean="0">
+                <a:solidFill>
+                  <a:schemeClr val="tx1"/>
+                </a:solidFill>
+              </a:rPr>
+              <a:t>union</a:t>
+            </a:r>
+            <a:endParaRPr lang="zh-CN" altLang="en-US" dirty="0">
+              <a:solidFill>
+                <a:schemeClr val="tx1"/>
+              </a:solidFill>
+            </a:endParaRPr>
+          </a:p>
+        </p:txBody>
+      </p:sp>
+      <p:pic>
+        <p:nvPicPr>
+          <p:cNvPr id="3" name="图片 2"/>
+          <p:cNvPicPr>
+            <a:picLocks noChangeAspect="1"/>
+          </p:cNvPicPr>
+          <p:nvPr/>
+        </p:nvPicPr>
+        <p:blipFill>
+          <a:blip r:embed="rId2"/>
+          <a:stretch>
+            <a:fillRect/>
+          </a:stretch>
+        </p:blipFill>
+        <p:spPr>
+          <a:xfrm>
+            <a:off x="1990609" y="1582917"/>
+            <a:ext cx="5069947" cy="3623173"/>
+          </a:xfrm>
+          <a:prstGeom prst="rect">
+            <a:avLst/>
+          </a:prstGeom>
+        </p:spPr>
+      </p:pic>
+    </p:spTree>
+    <p:extLst>
+      <p:ext uri="{BB962C8B-B14F-4D97-AF65-F5344CB8AC3E}">
+        <p14:creationId xmlns:p14="http://schemas.microsoft.com/office/powerpoint/2010/main" val="909164799"/>
+      </p:ext>
+    </p:extLst>
+  </p:cSld>
+  <p:clrMapOvr>
+    <a:masterClrMapping/>
+  </p:clrMapOvr>
+  <p:timing>
+    <p:tnLst>
+      <p:par>
+        <p:cTn id="1" dur="indefinite" restart="never" nodeType="tmRoot"/>
+      </p:par>
+    </p:tnLst>
+  </p:timing>
+</p:sld>
+</file>
+
+<file path=ppt/slides/slide15.xml><?xml version="1.0" encoding="utf-8"?>
+<p:sld xmlns:a="http://schemas.openxmlformats.org/drawingml/2006/main" xmlns:r="http://schemas.openxmlformats.org/officeDocument/2006/relationships" xmlns:p="http://schemas.openxmlformats.org/presentationml/2006/main">
+  <p:cSld>
+    <p:spTree>
+      <p:nvGrpSpPr>
+        <p:cNvPr id="1" name=""/>
+        <p:cNvGrpSpPr/>
+        <p:nvPr/>
+      </p:nvGrpSpPr>
+      <p:grpSpPr>
+        <a:xfrm>
+          <a:off x="0" y="0"/>
+          <a:ext cx="0" cy="0"/>
+          <a:chOff x="0" y="0"/>
+          <a:chExt cx="0" cy="0"/>
+        </a:xfrm>
+      </p:grpSpPr>
+      <p:sp>
+        <p:nvSpPr>
           <p:cNvPr id="2" name="标题 1"/>
           <p:cNvSpPr>
             <a:spLocks noGrp="1"/>
@@ -21632,7 +23984,7 @@
 </p:sld>
 </file>
 
-<file path=ppt/slides/slide11.xml><?xml version="1.0" encoding="utf-8"?>
+<file path=ppt/slides/slide16.xml><?xml version="1.0" encoding="utf-8"?>
 <p:sld xmlns:a="http://schemas.openxmlformats.org/drawingml/2006/main" xmlns:r="http://schemas.openxmlformats.org/officeDocument/2006/relationships" xmlns:p="http://schemas.openxmlformats.org/presentationml/2006/main">
   <p:cSld>
     <p:spTree>
@@ -21696,7 +24048,7 @@
         </p:blipFill>
         <p:spPr>
           <a:xfrm>
-            <a:off x="2289174" y="1804685"/>
+            <a:off x="2197584" y="2295338"/>
             <a:ext cx="4775892" cy="3058075"/>
           </a:xfrm>
           <a:prstGeom prst="rect">
@@ -21704,6 +24056,258 @@
           </a:prstGeom>
         </p:spPr>
       </p:pic>
+      <p:sp>
+        <p:nvSpPr>
+          <p:cNvPr id="4" name="Rectangle 1"/>
+          <p:cNvSpPr>
+            <a:spLocks noChangeArrowheads="1"/>
+          </p:cNvSpPr>
+          <p:nvPr/>
+        </p:nvSpPr>
+        <p:spPr bwMode="auto">
+          <a:xfrm>
+            <a:off x="662680" y="1319263"/>
+            <a:ext cx="7845699" cy="369332"/>
+          </a:xfrm>
+          <a:prstGeom prst="rect">
+            <a:avLst/>
+          </a:prstGeom>
+          <a:solidFill>
+            <a:srgbClr val="2B2B2B"/>
+          </a:solidFill>
+          <a:ln>
+            <a:noFill/>
+          </a:ln>
+          <a:effectLst/>
+          <a:extLst>
+            <a:ext uri="{91240B29-F687-4F45-9708-019B960494DF}">
+              <a14:hiddenLine xmlns:a14="http://schemas.microsoft.com/office/drawing/2010/main" w="9525">
+                <a:solidFill>
+                  <a:schemeClr val="tx1"/>
+                </a:solidFill>
+                <a:miter lim="800000"/>
+                <a:headEnd/>
+                <a:tailEnd/>
+              </a14:hiddenLine>
+            </a:ext>
+            <a:ext uri="{AF507438-7753-43E0-B8FC-AC1667EBCBE1}">
+              <a14:hiddenEffects xmlns:a14="http://schemas.microsoft.com/office/drawing/2010/main">
+                <a:effectLst>
+                  <a:outerShdw dist="35921" dir="2700000" algn="ctr" rotWithShape="0">
+                    <a:schemeClr val="bg2"/>
+                  </a:outerShdw>
+                </a:effectLst>
+              </a14:hiddenEffects>
+            </a:ext>
+          </a:extLst>
+        </p:spPr>
+        <p:txBody>
+          <a:bodyPr vert="horz" wrap="square" lIns="91440" tIns="45720" rIns="91440" bIns="45720" numCol="1" anchor="ctr" anchorCtr="0" compatLnSpc="1">
+            <a:prstTxWarp prst="textNoShape">
+              <a:avLst/>
+            </a:prstTxWarp>
+            <a:spAutoFit/>
+          </a:bodyPr>
+          <a:lstStyle/>
+          <a:p>
+            <a:pPr marL="0" marR="0" lvl="0" indent="0" algn="l" defTabSz="914400" rtl="0" eaLnBrk="0" fontAlgn="base" latinLnBrk="0" hangingPunct="0">
+              <a:lnSpc>
+                <a:spcPct val="100000"/>
+              </a:lnSpc>
+              <a:spcBef>
+                <a:spcPct val="0"/>
+              </a:spcBef>
+              <a:spcAft>
+                <a:spcPct val="0"/>
+              </a:spcAft>
+              <a:buClrTx/>
+              <a:buSzTx/>
+              <a:buFontTx/>
+              <a:buNone/>
+              <a:tabLst/>
+            </a:pPr>
+            <a:r>
+              <a:rPr kumimoji="0" lang="zh-CN" altLang="zh-CN" b="0" i="0" u="none" strike="noStrike" cap="none" normalizeH="0" baseline="0" dirty="0" smtClean="0">
+                <a:ln>
+                  <a:noFill/>
+                </a:ln>
+                <a:solidFill>
+                  <a:srgbClr val="A9B7C6"/>
+                </a:solidFill>
+                <a:effectLst/>
+                <a:latin typeface="宋体" panose="02010600030101010101" pitchFamily="2" charset="-122"/>
+              </a:rPr>
+              <a:t>rdd1.groupBy(e=&gt;{</a:t>
+            </a:r>
+            <a:r>
+              <a:rPr kumimoji="0" lang="zh-CN" altLang="zh-CN" b="1" i="0" u="none" strike="noStrike" cap="none" normalizeH="0" baseline="0" dirty="0" smtClean="0">
+                <a:ln>
+                  <a:noFill/>
+                </a:ln>
+                <a:solidFill>
+                  <a:srgbClr val="CC7832"/>
+                </a:solidFill>
+                <a:effectLst/>
+                <a:latin typeface="宋体" panose="02010600030101010101" pitchFamily="2" charset="-122"/>
+              </a:rPr>
+              <a:t>if </a:t>
+            </a:r>
+            <a:r>
+              <a:rPr kumimoji="0" lang="zh-CN" altLang="zh-CN" b="0" i="0" u="none" strike="noStrike" cap="none" normalizeH="0" baseline="0" dirty="0" smtClean="0">
+                <a:ln>
+                  <a:noFill/>
+                </a:ln>
+                <a:solidFill>
+                  <a:srgbClr val="A9B7C6"/>
+                </a:solidFill>
+                <a:effectLst/>
+                <a:latin typeface="宋体" panose="02010600030101010101" pitchFamily="2" charset="-122"/>
+              </a:rPr>
+              <a:t>(e%</a:t>
+            </a:r>
+            <a:r>
+              <a:rPr kumimoji="0" lang="zh-CN" altLang="zh-CN" b="0" i="0" u="none" strike="noStrike" cap="none" normalizeH="0" baseline="0" dirty="0" smtClean="0">
+                <a:ln>
+                  <a:noFill/>
+                </a:ln>
+                <a:solidFill>
+                  <a:srgbClr val="6897BB"/>
+                </a:solidFill>
+                <a:effectLst/>
+                <a:latin typeface="宋体" panose="02010600030101010101" pitchFamily="2" charset="-122"/>
+              </a:rPr>
+              <a:t>2</a:t>
+            </a:r>
+            <a:r>
+              <a:rPr kumimoji="0" lang="zh-CN" altLang="zh-CN" b="0" i="0" u="none" strike="noStrike" cap="none" normalizeH="0" baseline="0" dirty="0" smtClean="0">
+                <a:ln>
+                  <a:noFill/>
+                </a:ln>
+                <a:solidFill>
+                  <a:srgbClr val="A9B7C6"/>
+                </a:solidFill>
+                <a:effectLst/>
+                <a:latin typeface="宋体" panose="02010600030101010101" pitchFamily="2" charset="-122"/>
+              </a:rPr>
+              <a:t>==</a:t>
+            </a:r>
+            <a:r>
+              <a:rPr kumimoji="0" lang="zh-CN" altLang="zh-CN" b="0" i="0" u="none" strike="noStrike" cap="none" normalizeH="0" baseline="0" dirty="0" smtClean="0">
+                <a:ln>
+                  <a:noFill/>
+                </a:ln>
+                <a:solidFill>
+                  <a:srgbClr val="6897BB"/>
+                </a:solidFill>
+                <a:effectLst/>
+                <a:latin typeface="宋体" panose="02010600030101010101" pitchFamily="2" charset="-122"/>
+              </a:rPr>
+              <a:t>0</a:t>
+            </a:r>
+            <a:r>
+              <a:rPr kumimoji="0" lang="zh-CN" altLang="zh-CN" b="0" i="0" u="none" strike="noStrike" cap="none" normalizeH="0" baseline="0" dirty="0" smtClean="0">
+                <a:ln>
+                  <a:noFill/>
+                </a:ln>
+                <a:solidFill>
+                  <a:srgbClr val="A9B7C6"/>
+                </a:solidFill>
+                <a:effectLst/>
+                <a:latin typeface="宋体" panose="02010600030101010101" pitchFamily="2" charset="-122"/>
+              </a:rPr>
+              <a:t>)</a:t>
+            </a:r>
+            <a:r>
+              <a:rPr kumimoji="0" lang="zh-CN" altLang="zh-CN" b="0" i="0" u="none" strike="noStrike" cap="none" normalizeH="0" baseline="0" dirty="0" smtClean="0">
+                <a:ln>
+                  <a:noFill/>
+                </a:ln>
+                <a:solidFill>
+                  <a:srgbClr val="6A8759"/>
+                </a:solidFill>
+                <a:effectLst/>
+                <a:latin typeface="宋体" panose="02010600030101010101" pitchFamily="2" charset="-122"/>
+              </a:rPr>
+              <a:t>"even" </a:t>
+            </a:r>
+            <a:r>
+              <a:rPr kumimoji="0" lang="zh-CN" altLang="zh-CN" b="1" i="0" u="none" strike="noStrike" cap="none" normalizeH="0" baseline="0" dirty="0" smtClean="0">
+                <a:ln>
+                  <a:noFill/>
+                </a:ln>
+                <a:solidFill>
+                  <a:srgbClr val="CC7832"/>
+                </a:solidFill>
+                <a:effectLst/>
+                <a:latin typeface="宋体" panose="02010600030101010101" pitchFamily="2" charset="-122"/>
+              </a:rPr>
+              <a:t>else </a:t>
+            </a:r>
+            <a:r>
+              <a:rPr kumimoji="0" lang="zh-CN" altLang="zh-CN" b="0" i="0" u="none" strike="noStrike" cap="none" normalizeH="0" baseline="0" dirty="0" smtClean="0">
+                <a:ln>
+                  <a:noFill/>
+                </a:ln>
+                <a:solidFill>
+                  <a:srgbClr val="6A8759"/>
+                </a:solidFill>
+                <a:effectLst/>
+                <a:latin typeface="宋体" panose="02010600030101010101" pitchFamily="2" charset="-122"/>
+              </a:rPr>
+              <a:t>"odd"</a:t>
+            </a:r>
+            <a:r>
+              <a:rPr kumimoji="0" lang="zh-CN" altLang="zh-CN" b="0" i="0" u="none" strike="noStrike" cap="none" normalizeH="0" baseline="0" dirty="0" smtClean="0">
+                <a:ln>
+                  <a:noFill/>
+                </a:ln>
+                <a:solidFill>
+                  <a:srgbClr val="A9B7C6"/>
+                </a:solidFill>
+                <a:effectLst/>
+                <a:latin typeface="宋体" panose="02010600030101010101" pitchFamily="2" charset="-122"/>
+              </a:rPr>
+              <a:t>}).foreach(</a:t>
+            </a:r>
+            <a:r>
+              <a:rPr kumimoji="0" lang="zh-CN" altLang="zh-CN" b="0" i="1" u="none" strike="noStrike" cap="none" normalizeH="0" baseline="0" dirty="0" smtClean="0">
+                <a:ln>
+                  <a:noFill/>
+                </a:ln>
+                <a:solidFill>
+                  <a:srgbClr val="A9B7C6"/>
+                </a:solidFill>
+                <a:effectLst/>
+                <a:latin typeface="宋体" panose="02010600030101010101" pitchFamily="2" charset="-122"/>
+              </a:rPr>
+              <a:t>println</a:t>
+            </a:r>
+            <a:r>
+              <a:rPr kumimoji="0" lang="zh-CN" altLang="zh-CN" b="0" i="0" u="none" strike="noStrike" cap="none" normalizeH="0" baseline="0" dirty="0" smtClean="0">
+                <a:ln>
+                  <a:noFill/>
+                </a:ln>
+                <a:solidFill>
+                  <a:srgbClr val="A9B7C6"/>
+                </a:solidFill>
+                <a:effectLst/>
+                <a:latin typeface="宋体" panose="02010600030101010101" pitchFamily="2" charset="-122"/>
+              </a:rPr>
+              <a:t>)</a:t>
+            </a:r>
+            <a:endParaRPr kumimoji="0" lang="zh-CN" altLang="zh-CN" b="0" i="0" u="none" strike="noStrike" cap="none" normalizeH="0" baseline="0" dirty="0" smtClean="0">
+              <a:ln>
+                <a:noFill/>
+              </a:ln>
+              <a:solidFill>
+                <a:schemeClr val="tx1"/>
+              </a:solidFill>
+              <a:effectLst/>
+              <a:latin typeface="Arial" panose="020B0604020202020204" pitchFamily="34" charset="0"/>
+            </a:endParaRPr>
+          </a:p>
+        </p:txBody>
+      </p:sp>
     </p:spTree>
     <p:extLst>
       <p:ext uri="{BB962C8B-B14F-4D97-AF65-F5344CB8AC3E}">
@@ -21724,7 +24328,7 @@
 </p:sld>
 </file>
 
-<file path=ppt/slides/slide12.xml><?xml version="1.0" encoding="utf-8"?>
+<file path=ppt/slides/slide17.xml><?xml version="1.0" encoding="utf-8"?>
 <p:sld xmlns:a="http://schemas.openxmlformats.org/drawingml/2006/main" xmlns:r="http://schemas.openxmlformats.org/officeDocument/2006/relationships" xmlns:p="http://schemas.openxmlformats.org/presentationml/2006/main">
   <p:cSld>
     <p:spTree>
@@ -21788,7 +24392,7 @@
         </p:blipFill>
         <p:spPr>
           <a:xfrm>
-            <a:off x="2505891" y="2070904"/>
+            <a:off x="2282867" y="2483499"/>
             <a:ext cx="3808126" cy="2438400"/>
           </a:xfrm>
           <a:prstGeom prst="rect">
@@ -21796,6 +24400,400 @@
           </a:prstGeom>
         </p:spPr>
       </p:pic>
+      <p:sp>
+        <p:nvSpPr>
+          <p:cNvPr id="4" name="Rectangle 1"/>
+          <p:cNvSpPr>
+            <a:spLocks noChangeArrowheads="1"/>
+          </p:cNvSpPr>
+          <p:nvPr/>
+        </p:nvSpPr>
+        <p:spPr bwMode="auto">
+          <a:xfrm>
+            <a:off x="1494262" y="1132069"/>
+            <a:ext cx="5731727" cy="646331"/>
+          </a:xfrm>
+          <a:prstGeom prst="rect">
+            <a:avLst/>
+          </a:prstGeom>
+          <a:solidFill>
+            <a:srgbClr val="2B2B2B"/>
+          </a:solidFill>
+          <a:ln>
+            <a:noFill/>
+          </a:ln>
+          <a:effectLst/>
+          <a:extLst>
+            <a:ext uri="{91240B29-F687-4F45-9708-019B960494DF}">
+              <a14:hiddenLine xmlns:a14="http://schemas.microsoft.com/office/drawing/2010/main" w="9525">
+                <a:solidFill>
+                  <a:schemeClr val="tx1"/>
+                </a:solidFill>
+                <a:miter lim="800000"/>
+                <a:headEnd/>
+                <a:tailEnd/>
+              </a14:hiddenLine>
+            </a:ext>
+            <a:ext uri="{AF507438-7753-43E0-B8FC-AC1667EBCBE1}">
+              <a14:hiddenEffects xmlns:a14="http://schemas.microsoft.com/office/drawing/2010/main">
+                <a:effectLst>
+                  <a:outerShdw dist="35921" dir="2700000" algn="ctr" rotWithShape="0">
+                    <a:schemeClr val="bg2"/>
+                  </a:outerShdw>
+                </a:effectLst>
+              </a14:hiddenEffects>
+            </a:ext>
+          </a:extLst>
+        </p:spPr>
+        <p:txBody>
+          <a:bodyPr vert="horz" wrap="square" lIns="91440" tIns="45720" rIns="91440" bIns="45720" numCol="1" anchor="ctr" anchorCtr="0" compatLnSpc="1">
+            <a:prstTxWarp prst="textNoShape">
+              <a:avLst/>
+            </a:prstTxWarp>
+            <a:spAutoFit/>
+          </a:bodyPr>
+          <a:lstStyle/>
+          <a:p>
+            <a:pPr marL="0" marR="0" lvl="0" indent="0" algn="l" defTabSz="914400" rtl="0" eaLnBrk="0" fontAlgn="base" latinLnBrk="0" hangingPunct="0">
+              <a:lnSpc>
+                <a:spcPct val="100000"/>
+              </a:lnSpc>
+              <a:spcBef>
+                <a:spcPct val="0"/>
+              </a:spcBef>
+              <a:spcAft>
+                <a:spcPct val="0"/>
+              </a:spcAft>
+              <a:buClrTx/>
+              <a:buSzTx/>
+              <a:buFontTx/>
+              <a:buNone/>
+              <a:tabLst/>
+            </a:pPr>
+            <a:r>
+              <a:rPr kumimoji="0" lang="zh-CN" altLang="zh-CN" b="1" i="0" u="none" strike="noStrike" cap="none" normalizeH="0" baseline="0" dirty="0" smtClean="0">
+                <a:ln>
+                  <a:noFill/>
+                </a:ln>
+                <a:solidFill>
+                  <a:srgbClr val="CC7832"/>
+                </a:solidFill>
+                <a:effectLst/>
+                <a:latin typeface="宋体" panose="02010600030101010101" pitchFamily="2" charset="-122"/>
+              </a:rPr>
+              <a:t>var </a:t>
+            </a:r>
+            <a:r>
+              <a:rPr kumimoji="0" lang="zh-CN" altLang="zh-CN" b="0" i="0" u="none" strike="noStrike" cap="none" normalizeH="0" baseline="0" dirty="0" smtClean="0">
+                <a:ln>
+                  <a:noFill/>
+                </a:ln>
+                <a:solidFill>
+                  <a:srgbClr val="A9B7C6"/>
+                </a:solidFill>
+                <a:effectLst/>
+                <a:latin typeface="宋体" panose="02010600030101010101" pitchFamily="2" charset="-122"/>
+              </a:rPr>
+              <a:t>rdd1 = sc.parallelize(</a:t>
+            </a:r>
+            <a:r>
+              <a:rPr kumimoji="0" lang="zh-CN" altLang="zh-CN" b="0" i="1" u="none" strike="noStrike" cap="none" normalizeH="0" baseline="0" dirty="0" smtClean="0">
+                <a:ln>
+                  <a:noFill/>
+                </a:ln>
+                <a:solidFill>
+                  <a:srgbClr val="9876AA"/>
+                </a:solidFill>
+                <a:effectLst/>
+                <a:latin typeface="宋体" panose="02010600030101010101" pitchFamily="2" charset="-122"/>
+              </a:rPr>
+              <a:t>List</a:t>
+            </a:r>
+            <a:r>
+              <a:rPr kumimoji="0" lang="zh-CN" altLang="zh-CN" b="0" i="0" u="none" strike="noStrike" cap="none" normalizeH="0" baseline="0" dirty="0" smtClean="0">
+                <a:ln>
+                  <a:noFill/>
+                </a:ln>
+                <a:solidFill>
+                  <a:srgbClr val="A9B7C6"/>
+                </a:solidFill>
+                <a:effectLst/>
+                <a:latin typeface="宋体" panose="02010600030101010101" pitchFamily="2" charset="-122"/>
+              </a:rPr>
+              <a:t>(</a:t>
+            </a:r>
+            <a:r>
+              <a:rPr kumimoji="0" lang="zh-CN" altLang="zh-CN" b="0" i="0" u="none" strike="noStrike" cap="none" normalizeH="0" baseline="0" dirty="0" smtClean="0">
+                <a:ln>
+                  <a:noFill/>
+                </a:ln>
+                <a:solidFill>
+                  <a:srgbClr val="6897BB"/>
+                </a:solidFill>
+                <a:effectLst/>
+                <a:latin typeface="宋体" panose="02010600030101010101" pitchFamily="2" charset="-122"/>
+              </a:rPr>
+              <a:t>1</a:t>
+            </a:r>
+            <a:r>
+              <a:rPr kumimoji="0" lang="zh-CN" altLang="zh-CN" b="0" i="0" u="none" strike="noStrike" cap="none" normalizeH="0" baseline="0" dirty="0" smtClean="0">
+                <a:ln>
+                  <a:noFill/>
+                </a:ln>
+                <a:solidFill>
+                  <a:srgbClr val="CC7832"/>
+                </a:solidFill>
+                <a:effectLst/>
+                <a:latin typeface="宋体" panose="02010600030101010101" pitchFamily="2" charset="-122"/>
+              </a:rPr>
+              <a:t>,</a:t>
+            </a:r>
+            <a:r>
+              <a:rPr kumimoji="0" lang="zh-CN" altLang="zh-CN" b="0" i="0" u="none" strike="noStrike" cap="none" normalizeH="0" baseline="0" dirty="0" smtClean="0">
+                <a:ln>
+                  <a:noFill/>
+                </a:ln>
+                <a:solidFill>
+                  <a:srgbClr val="6897BB"/>
+                </a:solidFill>
+                <a:effectLst/>
+                <a:latin typeface="宋体" panose="02010600030101010101" pitchFamily="2" charset="-122"/>
+              </a:rPr>
+              <a:t>2</a:t>
+            </a:r>
+            <a:r>
+              <a:rPr kumimoji="0" lang="zh-CN" altLang="zh-CN" b="0" i="0" u="none" strike="noStrike" cap="none" normalizeH="0" baseline="0" dirty="0" smtClean="0">
+                <a:ln>
+                  <a:noFill/>
+                </a:ln>
+                <a:solidFill>
+                  <a:srgbClr val="CC7832"/>
+                </a:solidFill>
+                <a:effectLst/>
+                <a:latin typeface="宋体" panose="02010600030101010101" pitchFamily="2" charset="-122"/>
+              </a:rPr>
+              <a:t>,</a:t>
+            </a:r>
+            <a:r>
+              <a:rPr kumimoji="0" lang="zh-CN" altLang="zh-CN" b="0" i="0" u="none" strike="noStrike" cap="none" normalizeH="0" baseline="0" dirty="0" smtClean="0">
+                <a:ln>
+                  <a:noFill/>
+                </a:ln>
+                <a:solidFill>
+                  <a:srgbClr val="6897BB"/>
+                </a:solidFill>
+                <a:effectLst/>
+                <a:latin typeface="宋体" panose="02010600030101010101" pitchFamily="2" charset="-122"/>
+              </a:rPr>
+              <a:t>3</a:t>
+            </a:r>
+            <a:r>
+              <a:rPr kumimoji="0" lang="zh-CN" altLang="zh-CN" b="0" i="0" u="none" strike="noStrike" cap="none" normalizeH="0" baseline="0" dirty="0" smtClean="0">
+                <a:ln>
+                  <a:noFill/>
+                </a:ln>
+                <a:solidFill>
+                  <a:srgbClr val="CC7832"/>
+                </a:solidFill>
+                <a:effectLst/>
+                <a:latin typeface="宋体" panose="02010600030101010101" pitchFamily="2" charset="-122"/>
+              </a:rPr>
+              <a:t>,</a:t>
+            </a:r>
+            <a:r>
+              <a:rPr kumimoji="0" lang="zh-CN" altLang="zh-CN" b="0" i="0" u="none" strike="noStrike" cap="none" normalizeH="0" baseline="0" dirty="0" smtClean="0">
+                <a:ln>
+                  <a:noFill/>
+                </a:ln>
+                <a:solidFill>
+                  <a:srgbClr val="6897BB"/>
+                </a:solidFill>
+                <a:effectLst/>
+                <a:latin typeface="宋体" panose="02010600030101010101" pitchFamily="2" charset="-122"/>
+              </a:rPr>
+              <a:t>4</a:t>
+            </a:r>
+            <a:r>
+              <a:rPr kumimoji="0" lang="zh-CN" altLang="zh-CN" b="0" i="0" u="none" strike="noStrike" cap="none" normalizeH="0" baseline="0" dirty="0" smtClean="0">
+                <a:ln>
+                  <a:noFill/>
+                </a:ln>
+                <a:solidFill>
+                  <a:srgbClr val="CC7832"/>
+                </a:solidFill>
+                <a:effectLst/>
+                <a:latin typeface="宋体" panose="02010600030101010101" pitchFamily="2" charset="-122"/>
+              </a:rPr>
+              <a:t>,</a:t>
+            </a:r>
+            <a:r>
+              <a:rPr kumimoji="0" lang="zh-CN" altLang="zh-CN" b="0" i="0" u="none" strike="noStrike" cap="none" normalizeH="0" baseline="0" dirty="0" smtClean="0">
+                <a:ln>
+                  <a:noFill/>
+                </a:ln>
+                <a:solidFill>
+                  <a:srgbClr val="6897BB"/>
+                </a:solidFill>
+                <a:effectLst/>
+                <a:latin typeface="宋体" panose="02010600030101010101" pitchFamily="2" charset="-122"/>
+              </a:rPr>
+              <a:t>5</a:t>
+            </a:r>
+            <a:r>
+              <a:rPr kumimoji="0" lang="zh-CN" altLang="zh-CN" b="0" i="0" u="none" strike="noStrike" cap="none" normalizeH="0" baseline="0" dirty="0" smtClean="0">
+                <a:ln>
+                  <a:noFill/>
+                </a:ln>
+                <a:solidFill>
+                  <a:srgbClr val="CC7832"/>
+                </a:solidFill>
+                <a:effectLst/>
+                <a:latin typeface="宋体" panose="02010600030101010101" pitchFamily="2" charset="-122"/>
+              </a:rPr>
+              <a:t>,</a:t>
+            </a:r>
+            <a:r>
+              <a:rPr kumimoji="0" lang="zh-CN" altLang="zh-CN" b="0" i="0" u="none" strike="noStrike" cap="none" normalizeH="0" baseline="0" dirty="0" smtClean="0">
+                <a:ln>
+                  <a:noFill/>
+                </a:ln>
+                <a:solidFill>
+                  <a:srgbClr val="6897BB"/>
+                </a:solidFill>
+                <a:effectLst/>
+                <a:latin typeface="宋体" panose="02010600030101010101" pitchFamily="2" charset="-122"/>
+              </a:rPr>
+              <a:t>6</a:t>
+            </a:r>
+            <a:r>
+              <a:rPr kumimoji="0" lang="zh-CN" altLang="zh-CN" b="0" i="0" u="none" strike="noStrike" cap="none" normalizeH="0" baseline="0" dirty="0" smtClean="0">
+                <a:ln>
+                  <a:noFill/>
+                </a:ln>
+                <a:solidFill>
+                  <a:srgbClr val="A9B7C6"/>
+                </a:solidFill>
+                <a:effectLst/>
+                <a:latin typeface="宋体" panose="02010600030101010101" pitchFamily="2" charset="-122"/>
+              </a:rPr>
+              <a:t>))</a:t>
+            </a:r>
+            <a:br>
+              <a:rPr kumimoji="0" lang="zh-CN" altLang="zh-CN" b="0" i="0" u="none" strike="noStrike" cap="none" normalizeH="0" baseline="0" dirty="0" smtClean="0">
+                <a:ln>
+                  <a:noFill/>
+                </a:ln>
+                <a:solidFill>
+                  <a:srgbClr val="A9B7C6"/>
+                </a:solidFill>
+                <a:effectLst/>
+                <a:latin typeface="宋体" panose="02010600030101010101" pitchFamily="2" charset="-122"/>
+              </a:rPr>
+            </a:br>
+            <a:r>
+              <a:rPr kumimoji="0" lang="zh-CN" altLang="zh-CN" b="0" i="0" u="none" strike="noStrike" cap="none" normalizeH="0" baseline="0" dirty="0" smtClean="0">
+                <a:ln>
+                  <a:noFill/>
+                </a:ln>
+                <a:solidFill>
+                  <a:srgbClr val="A9B7C6"/>
+                </a:solidFill>
+                <a:effectLst/>
+                <a:latin typeface="宋体" panose="02010600030101010101" pitchFamily="2" charset="-122"/>
+              </a:rPr>
+              <a:t>rdd1.filter(e=&gt;e%</a:t>
+            </a:r>
+            <a:r>
+              <a:rPr kumimoji="0" lang="zh-CN" altLang="zh-CN" b="0" i="0" u="none" strike="noStrike" cap="none" normalizeH="0" baseline="0" dirty="0" smtClean="0">
+                <a:ln>
+                  <a:noFill/>
+                </a:ln>
+                <a:solidFill>
+                  <a:srgbClr val="6897BB"/>
+                </a:solidFill>
+                <a:effectLst/>
+                <a:latin typeface="宋体" panose="02010600030101010101" pitchFamily="2" charset="-122"/>
+              </a:rPr>
+              <a:t>2</a:t>
+            </a:r>
+            <a:r>
+              <a:rPr kumimoji="0" lang="zh-CN" altLang="zh-CN" b="0" i="0" u="none" strike="noStrike" cap="none" normalizeH="0" baseline="0" dirty="0" smtClean="0">
+                <a:ln>
+                  <a:noFill/>
+                </a:ln>
+                <a:solidFill>
+                  <a:srgbClr val="A9B7C6"/>
+                </a:solidFill>
+                <a:effectLst/>
+                <a:latin typeface="宋体" panose="02010600030101010101" pitchFamily="2" charset="-122"/>
+              </a:rPr>
+              <a:t>==</a:t>
+            </a:r>
+            <a:r>
+              <a:rPr kumimoji="0" lang="zh-CN" altLang="zh-CN" b="0" i="0" u="none" strike="noStrike" cap="none" normalizeH="0" baseline="0" dirty="0" smtClean="0">
+                <a:ln>
+                  <a:noFill/>
+                </a:ln>
+                <a:solidFill>
+                  <a:srgbClr val="6897BB"/>
+                </a:solidFill>
+                <a:effectLst/>
+                <a:latin typeface="宋体" panose="02010600030101010101" pitchFamily="2" charset="-122"/>
+              </a:rPr>
+              <a:t>0</a:t>
+            </a:r>
+            <a:r>
+              <a:rPr kumimoji="0" lang="zh-CN" altLang="zh-CN" b="0" i="0" u="none" strike="noStrike" cap="none" normalizeH="0" baseline="0" dirty="0" smtClean="0">
+                <a:ln>
+                  <a:noFill/>
+                </a:ln>
+                <a:solidFill>
+                  <a:srgbClr val="A9B7C6"/>
+                </a:solidFill>
+                <a:effectLst/>
+                <a:latin typeface="宋体" panose="02010600030101010101" pitchFamily="2" charset="-122"/>
+              </a:rPr>
+              <a:t>).foreach(</a:t>
+            </a:r>
+            <a:r>
+              <a:rPr kumimoji="0" lang="zh-CN" altLang="zh-CN" b="0" i="1" u="none" strike="noStrike" cap="none" normalizeH="0" baseline="0" dirty="0" smtClean="0">
+                <a:ln>
+                  <a:noFill/>
+                </a:ln>
+                <a:solidFill>
+                  <a:srgbClr val="A9B7C6"/>
+                </a:solidFill>
+                <a:effectLst/>
+                <a:latin typeface="宋体" panose="02010600030101010101" pitchFamily="2" charset="-122"/>
+              </a:rPr>
+              <a:t>println</a:t>
+            </a:r>
+            <a:r>
+              <a:rPr kumimoji="0" lang="zh-CN" altLang="zh-CN" b="0" i="0" u="none" strike="noStrike" cap="none" normalizeH="0" baseline="0" dirty="0" smtClean="0">
+                <a:ln>
+                  <a:noFill/>
+                </a:ln>
+                <a:solidFill>
+                  <a:srgbClr val="A9B7C6"/>
+                </a:solidFill>
+                <a:effectLst/>
+                <a:latin typeface="宋体" panose="02010600030101010101" pitchFamily="2" charset="-122"/>
+              </a:rPr>
+              <a:t>)</a:t>
+            </a:r>
+            <a:endParaRPr kumimoji="0" lang="zh-CN" altLang="zh-CN" b="0" i="0" u="none" strike="noStrike" cap="none" normalizeH="0" baseline="0" dirty="0" smtClean="0">
+              <a:ln>
+                <a:noFill/>
+              </a:ln>
+              <a:solidFill>
+                <a:schemeClr val="tx1"/>
+              </a:solidFill>
+              <a:effectLst/>
+              <a:latin typeface="Arial" panose="020B0604020202020204" pitchFamily="34" charset="0"/>
+            </a:endParaRPr>
+          </a:p>
+        </p:txBody>
+      </p:sp>
     </p:spTree>
     <p:extLst>
       <p:ext uri="{BB962C8B-B14F-4D97-AF65-F5344CB8AC3E}">
@@ -21816,7 +24814,7 @@
 </p:sld>
 </file>
 
-<file path=ppt/slides/slide13.xml><?xml version="1.0" encoding="utf-8"?>
+<file path=ppt/slides/slide18.xml><?xml version="1.0" encoding="utf-8"?>
 <p:sld xmlns:a="http://schemas.openxmlformats.org/drawingml/2006/main" xmlns:r="http://schemas.openxmlformats.org/officeDocument/2006/relationships" xmlns:p="http://schemas.openxmlformats.org/presentationml/2006/main">
   <p:cSld>
     <p:spTree>
@@ -21880,7 +24878,7 @@
         </p:blipFill>
         <p:spPr>
           <a:xfrm>
-            <a:off x="2188131" y="1746813"/>
+            <a:off x="2020863" y="1813720"/>
             <a:ext cx="4668228" cy="3346048"/>
           </a:xfrm>
           <a:prstGeom prst="rect">
@@ -21908,7 +24906,7 @@
 </p:sld>
 </file>
 
-<file path=ppt/slides/slide14.xml><?xml version="1.0" encoding="utf-8"?>
+<file path=ppt/slides/slide19.xml><?xml version="1.0" encoding="utf-8"?>
 <p:sld xmlns:a="http://schemas.openxmlformats.org/drawingml/2006/main" xmlns:r="http://schemas.openxmlformats.org/officeDocument/2006/relationships" xmlns:p="http://schemas.openxmlformats.org/presentationml/2006/main">
   <p:cSld>
     <p:spTree>
@@ -21972,7 +24970,7 @@
         </p:blipFill>
         <p:spPr>
           <a:xfrm>
-            <a:off x="2357641" y="1631468"/>
+            <a:off x="1655115" y="2113995"/>
             <a:ext cx="4545378" cy="3901034"/>
           </a:xfrm>
           <a:prstGeom prst="rect">
@@ -21980,6 +24978,438 @@
           </a:prstGeom>
         </p:spPr>
       </p:pic>
+      <p:sp>
+        <p:nvSpPr>
+          <p:cNvPr id="4" name="Rectangle 1"/>
+          <p:cNvSpPr>
+            <a:spLocks noChangeArrowheads="1"/>
+          </p:cNvSpPr>
+          <p:nvPr/>
+        </p:nvSpPr>
+        <p:spPr bwMode="auto">
+          <a:xfrm>
+            <a:off x="1392771" y="712520"/>
+            <a:ext cx="5493812" cy="923330"/>
+          </a:xfrm>
+          <a:prstGeom prst="rect">
+            <a:avLst/>
+          </a:prstGeom>
+          <a:solidFill>
+            <a:srgbClr val="2B2B2B"/>
+          </a:solidFill>
+          <a:ln>
+            <a:noFill/>
+          </a:ln>
+          <a:effectLst/>
+          <a:extLst>
+            <a:ext uri="{91240B29-F687-4F45-9708-019B960494DF}">
+              <a14:hiddenLine xmlns:a14="http://schemas.microsoft.com/office/drawing/2010/main" w="9525">
+                <a:solidFill>
+                  <a:schemeClr val="tx1"/>
+                </a:solidFill>
+                <a:miter lim="800000"/>
+                <a:headEnd/>
+                <a:tailEnd/>
+              </a14:hiddenLine>
+            </a:ext>
+            <a:ext uri="{AF507438-7753-43E0-B8FC-AC1667EBCBE1}">
+              <a14:hiddenEffects xmlns:a14="http://schemas.microsoft.com/office/drawing/2010/main">
+                <a:effectLst>
+                  <a:outerShdw dist="35921" dir="2700000" algn="ctr" rotWithShape="0">
+                    <a:schemeClr val="bg2"/>
+                  </a:outerShdw>
+                </a:effectLst>
+              </a14:hiddenEffects>
+            </a:ext>
+          </a:extLst>
+        </p:spPr>
+        <p:txBody>
+          <a:bodyPr vert="horz" wrap="none" lIns="91440" tIns="45720" rIns="91440" bIns="45720" numCol="1" anchor="ctr" anchorCtr="0" compatLnSpc="1">
+            <a:prstTxWarp prst="textNoShape">
+              <a:avLst/>
+            </a:prstTxWarp>
+            <a:spAutoFit/>
+          </a:bodyPr>
+          <a:lstStyle/>
+          <a:p>
+            <a:pPr marL="0" marR="0" lvl="0" indent="0" algn="l" defTabSz="914400" rtl="0" eaLnBrk="0" fontAlgn="base" latinLnBrk="0" hangingPunct="0">
+              <a:lnSpc>
+                <a:spcPct val="100000"/>
+              </a:lnSpc>
+              <a:spcBef>
+                <a:spcPct val="0"/>
+              </a:spcBef>
+              <a:spcAft>
+                <a:spcPct val="0"/>
+              </a:spcAft>
+              <a:buClrTx/>
+              <a:buSzTx/>
+              <a:buFontTx/>
+              <a:buNone/>
+              <a:tabLst/>
+            </a:pPr>
+            <a:r>
+              <a:rPr kumimoji="0" lang="zh-CN" altLang="zh-CN" b="1" i="0" u="none" strike="noStrike" cap="none" normalizeH="0" baseline="0" dirty="0" smtClean="0">
+                <a:ln>
+                  <a:noFill/>
+                </a:ln>
+                <a:solidFill>
+                  <a:srgbClr val="CC7832"/>
+                </a:solidFill>
+                <a:effectLst/>
+                <a:latin typeface="宋体" panose="02010600030101010101" pitchFamily="2" charset="-122"/>
+              </a:rPr>
+              <a:t>var </a:t>
+            </a:r>
+            <a:r>
+              <a:rPr kumimoji="0" lang="zh-CN" altLang="zh-CN" b="0" i="0" u="none" strike="noStrike" cap="none" normalizeH="0" baseline="0" dirty="0" smtClean="0">
+                <a:ln>
+                  <a:noFill/>
+                </a:ln>
+                <a:solidFill>
+                  <a:srgbClr val="A9B7C6"/>
+                </a:solidFill>
+                <a:effectLst/>
+                <a:latin typeface="宋体" panose="02010600030101010101" pitchFamily="2" charset="-122"/>
+              </a:rPr>
+              <a:t>rdd1 = sc.parallelize(</a:t>
+            </a:r>
+            <a:r>
+              <a:rPr kumimoji="0" lang="zh-CN" altLang="zh-CN" b="0" i="1" u="none" strike="noStrike" cap="none" normalizeH="0" baseline="0" dirty="0" smtClean="0">
+                <a:ln>
+                  <a:noFill/>
+                </a:ln>
+                <a:solidFill>
+                  <a:srgbClr val="9876AA"/>
+                </a:solidFill>
+                <a:effectLst/>
+                <a:latin typeface="宋体" panose="02010600030101010101" pitchFamily="2" charset="-122"/>
+              </a:rPr>
+              <a:t>List</a:t>
+            </a:r>
+            <a:r>
+              <a:rPr kumimoji="0" lang="zh-CN" altLang="zh-CN" b="0" i="0" u="none" strike="noStrike" cap="none" normalizeH="0" baseline="0" dirty="0" smtClean="0">
+                <a:ln>
+                  <a:noFill/>
+                </a:ln>
+                <a:solidFill>
+                  <a:srgbClr val="A9B7C6"/>
+                </a:solidFill>
+                <a:effectLst/>
+                <a:latin typeface="宋体" panose="02010600030101010101" pitchFamily="2" charset="-122"/>
+              </a:rPr>
+              <a:t>(</a:t>
+            </a:r>
+            <a:r>
+              <a:rPr kumimoji="0" lang="zh-CN" altLang="zh-CN" b="0" i="0" u="none" strike="noStrike" cap="none" normalizeH="0" baseline="0" dirty="0" smtClean="0">
+                <a:ln>
+                  <a:noFill/>
+                </a:ln>
+                <a:solidFill>
+                  <a:srgbClr val="6897BB"/>
+                </a:solidFill>
+                <a:effectLst/>
+                <a:latin typeface="宋体" panose="02010600030101010101" pitchFamily="2" charset="-122"/>
+              </a:rPr>
+              <a:t>1</a:t>
+            </a:r>
+            <a:r>
+              <a:rPr kumimoji="0" lang="zh-CN" altLang="zh-CN" b="0" i="0" u="none" strike="noStrike" cap="none" normalizeH="0" baseline="0" dirty="0" smtClean="0">
+                <a:ln>
+                  <a:noFill/>
+                </a:ln>
+                <a:solidFill>
+                  <a:srgbClr val="CC7832"/>
+                </a:solidFill>
+                <a:effectLst/>
+                <a:latin typeface="宋体" panose="02010600030101010101" pitchFamily="2" charset="-122"/>
+              </a:rPr>
+              <a:t>,</a:t>
+            </a:r>
+            <a:r>
+              <a:rPr kumimoji="0" lang="zh-CN" altLang="zh-CN" b="0" i="0" u="none" strike="noStrike" cap="none" normalizeH="0" baseline="0" dirty="0" smtClean="0">
+                <a:ln>
+                  <a:noFill/>
+                </a:ln>
+                <a:solidFill>
+                  <a:srgbClr val="6897BB"/>
+                </a:solidFill>
+                <a:effectLst/>
+                <a:latin typeface="宋体" panose="02010600030101010101" pitchFamily="2" charset="-122"/>
+              </a:rPr>
+              <a:t>2</a:t>
+            </a:r>
+            <a:r>
+              <a:rPr kumimoji="0" lang="zh-CN" altLang="zh-CN" b="0" i="0" u="none" strike="noStrike" cap="none" normalizeH="0" baseline="0" dirty="0" smtClean="0">
+                <a:ln>
+                  <a:noFill/>
+                </a:ln>
+                <a:solidFill>
+                  <a:srgbClr val="CC7832"/>
+                </a:solidFill>
+                <a:effectLst/>
+                <a:latin typeface="宋体" panose="02010600030101010101" pitchFamily="2" charset="-122"/>
+              </a:rPr>
+              <a:t>,</a:t>
+            </a:r>
+            <a:r>
+              <a:rPr kumimoji="0" lang="zh-CN" altLang="zh-CN" b="0" i="0" u="none" strike="noStrike" cap="none" normalizeH="0" baseline="0" dirty="0" smtClean="0">
+                <a:ln>
+                  <a:noFill/>
+                </a:ln>
+                <a:solidFill>
+                  <a:srgbClr val="6897BB"/>
+                </a:solidFill>
+                <a:effectLst/>
+                <a:latin typeface="宋体" panose="02010600030101010101" pitchFamily="2" charset="-122"/>
+              </a:rPr>
+              <a:t>3</a:t>
+            </a:r>
+            <a:r>
+              <a:rPr kumimoji="0" lang="zh-CN" altLang="zh-CN" b="0" i="0" u="none" strike="noStrike" cap="none" normalizeH="0" baseline="0" dirty="0" smtClean="0">
+                <a:ln>
+                  <a:noFill/>
+                </a:ln>
+                <a:solidFill>
+                  <a:srgbClr val="A9B7C6"/>
+                </a:solidFill>
+                <a:effectLst/>
+                <a:latin typeface="宋体" panose="02010600030101010101" pitchFamily="2" charset="-122"/>
+              </a:rPr>
+              <a:t>))</a:t>
+            </a:r>
+            <a:r>
+              <a:rPr kumimoji="0" lang="zh-CN" altLang="zh-CN" b="0" i="0" u="none" strike="noStrike" cap="none" normalizeH="0" baseline="0" dirty="0" smtClean="0">
+                <a:ln>
+                  <a:noFill/>
+                </a:ln>
+                <a:solidFill>
+                  <a:srgbClr val="CC7832"/>
+                </a:solidFill>
+                <a:effectLst/>
+                <a:latin typeface="宋体" panose="02010600030101010101" pitchFamily="2" charset="-122"/>
+              </a:rPr>
+              <a:t>;</a:t>
+            </a:r>
+            <a:br>
+              <a:rPr kumimoji="0" lang="zh-CN" altLang="zh-CN" b="0" i="0" u="none" strike="noStrike" cap="none" normalizeH="0" baseline="0" dirty="0" smtClean="0">
+                <a:ln>
+                  <a:noFill/>
+                </a:ln>
+                <a:solidFill>
+                  <a:srgbClr val="CC7832"/>
+                </a:solidFill>
+                <a:effectLst/>
+                <a:latin typeface="宋体" panose="02010600030101010101" pitchFamily="2" charset="-122"/>
+              </a:rPr>
+            </a:br>
+            <a:r>
+              <a:rPr kumimoji="0" lang="zh-CN" altLang="zh-CN" b="1" i="0" u="none" strike="noStrike" cap="none" normalizeH="0" baseline="0" dirty="0" smtClean="0">
+                <a:ln>
+                  <a:noFill/>
+                </a:ln>
+                <a:solidFill>
+                  <a:srgbClr val="CC7832"/>
+                </a:solidFill>
+                <a:effectLst/>
+                <a:latin typeface="宋体" panose="02010600030101010101" pitchFamily="2" charset="-122"/>
+              </a:rPr>
+              <a:t>var </a:t>
+            </a:r>
+            <a:r>
+              <a:rPr kumimoji="0" lang="zh-CN" altLang="zh-CN" b="0" i="0" u="none" strike="noStrike" cap="none" normalizeH="0" baseline="0" dirty="0" smtClean="0">
+                <a:ln>
+                  <a:noFill/>
+                </a:ln>
+                <a:solidFill>
+                  <a:srgbClr val="A9B7C6"/>
+                </a:solidFill>
+                <a:effectLst/>
+                <a:latin typeface="宋体" panose="02010600030101010101" pitchFamily="2" charset="-122"/>
+              </a:rPr>
+              <a:t>rdd2 = sc.parallelize(</a:t>
+            </a:r>
+            <a:r>
+              <a:rPr kumimoji="0" lang="zh-CN" altLang="zh-CN" b="0" i="1" u="none" strike="noStrike" cap="none" normalizeH="0" baseline="0" dirty="0" smtClean="0">
+                <a:ln>
+                  <a:noFill/>
+                </a:ln>
+                <a:solidFill>
+                  <a:srgbClr val="9876AA"/>
+                </a:solidFill>
+                <a:effectLst/>
+                <a:latin typeface="宋体" panose="02010600030101010101" pitchFamily="2" charset="-122"/>
+              </a:rPr>
+              <a:t>List</a:t>
+            </a:r>
+            <a:r>
+              <a:rPr kumimoji="0" lang="zh-CN" altLang="zh-CN" b="0" i="0" u="none" strike="noStrike" cap="none" normalizeH="0" baseline="0" dirty="0" smtClean="0">
+                <a:ln>
+                  <a:noFill/>
+                </a:ln>
+                <a:solidFill>
+                  <a:srgbClr val="A9B7C6"/>
+                </a:solidFill>
+                <a:effectLst/>
+                <a:latin typeface="宋体" panose="02010600030101010101" pitchFamily="2" charset="-122"/>
+              </a:rPr>
+              <a:t>(</a:t>
+            </a:r>
+            <a:r>
+              <a:rPr kumimoji="0" lang="zh-CN" altLang="zh-CN" b="0" i="0" u="none" strike="noStrike" cap="none" normalizeH="0" baseline="0" dirty="0" smtClean="0">
+                <a:ln>
+                  <a:noFill/>
+                </a:ln>
+                <a:solidFill>
+                  <a:srgbClr val="6897BB"/>
+                </a:solidFill>
+                <a:effectLst/>
+                <a:latin typeface="宋体" panose="02010600030101010101" pitchFamily="2" charset="-122"/>
+              </a:rPr>
+              <a:t>2</a:t>
+            </a:r>
+            <a:r>
+              <a:rPr kumimoji="0" lang="zh-CN" altLang="zh-CN" b="0" i="0" u="none" strike="noStrike" cap="none" normalizeH="0" baseline="0" dirty="0" smtClean="0">
+                <a:ln>
+                  <a:noFill/>
+                </a:ln>
+                <a:solidFill>
+                  <a:srgbClr val="CC7832"/>
+                </a:solidFill>
+                <a:effectLst/>
+                <a:latin typeface="宋体" panose="02010600030101010101" pitchFamily="2" charset="-122"/>
+              </a:rPr>
+              <a:t>,</a:t>
+            </a:r>
+            <a:r>
+              <a:rPr kumimoji="0" lang="zh-CN" altLang="zh-CN" b="0" i="0" u="none" strike="noStrike" cap="none" normalizeH="0" baseline="0" dirty="0" smtClean="0">
+                <a:ln>
+                  <a:noFill/>
+                </a:ln>
+                <a:solidFill>
+                  <a:srgbClr val="6897BB"/>
+                </a:solidFill>
+                <a:effectLst/>
+                <a:latin typeface="宋体" panose="02010600030101010101" pitchFamily="2" charset="-122"/>
+              </a:rPr>
+              <a:t>3</a:t>
+            </a:r>
+            <a:r>
+              <a:rPr kumimoji="0" lang="zh-CN" altLang="zh-CN" b="0" i="0" u="none" strike="noStrike" cap="none" normalizeH="0" baseline="0" dirty="0" smtClean="0">
+                <a:ln>
+                  <a:noFill/>
+                </a:ln>
+                <a:solidFill>
+                  <a:srgbClr val="CC7832"/>
+                </a:solidFill>
+                <a:effectLst/>
+                <a:latin typeface="宋体" panose="02010600030101010101" pitchFamily="2" charset="-122"/>
+              </a:rPr>
+              <a:t>,</a:t>
+            </a:r>
+            <a:r>
+              <a:rPr kumimoji="0" lang="zh-CN" altLang="zh-CN" b="0" i="0" u="none" strike="noStrike" cap="none" normalizeH="0" baseline="0" dirty="0" smtClean="0">
+                <a:ln>
+                  <a:noFill/>
+                </a:ln>
+                <a:solidFill>
+                  <a:srgbClr val="6897BB"/>
+                </a:solidFill>
+                <a:effectLst/>
+                <a:latin typeface="宋体" panose="02010600030101010101" pitchFamily="2" charset="-122"/>
+              </a:rPr>
+              <a:t>4</a:t>
+            </a:r>
+            <a:r>
+              <a:rPr kumimoji="0" lang="zh-CN" altLang="zh-CN" b="0" i="0" u="none" strike="noStrike" cap="none" normalizeH="0" baseline="0" dirty="0" smtClean="0">
+                <a:ln>
+                  <a:noFill/>
+                </a:ln>
+                <a:solidFill>
+                  <a:srgbClr val="A9B7C6"/>
+                </a:solidFill>
+                <a:effectLst/>
+                <a:latin typeface="宋体" panose="02010600030101010101" pitchFamily="2" charset="-122"/>
+              </a:rPr>
+              <a:t>))</a:t>
+            </a:r>
+            <a:r>
+              <a:rPr kumimoji="0" lang="zh-CN" altLang="zh-CN" b="0" i="0" u="none" strike="noStrike" cap="none" normalizeH="0" baseline="0" dirty="0" smtClean="0">
+                <a:ln>
+                  <a:noFill/>
+                </a:ln>
+                <a:solidFill>
+                  <a:srgbClr val="CC7832"/>
+                </a:solidFill>
+                <a:effectLst/>
+                <a:latin typeface="宋体" panose="02010600030101010101" pitchFamily="2" charset="-122"/>
+              </a:rPr>
+              <a:t>;</a:t>
+            </a:r>
+            <a:br>
+              <a:rPr kumimoji="0" lang="zh-CN" altLang="zh-CN" b="0" i="0" u="none" strike="noStrike" cap="none" normalizeH="0" baseline="0" dirty="0" smtClean="0">
+                <a:ln>
+                  <a:noFill/>
+                </a:ln>
+                <a:solidFill>
+                  <a:srgbClr val="CC7832"/>
+                </a:solidFill>
+                <a:effectLst/>
+                <a:latin typeface="宋体" panose="02010600030101010101" pitchFamily="2" charset="-122"/>
+              </a:rPr>
+            </a:br>
+            <a:r>
+              <a:rPr kumimoji="0" lang="zh-CN" altLang="zh-CN" b="0" i="0" u="none" strike="noStrike" cap="none" normalizeH="0" baseline="0" dirty="0" smtClean="0">
+                <a:ln>
+                  <a:noFill/>
+                </a:ln>
+                <a:solidFill>
+                  <a:srgbClr val="A9B7C6"/>
+                </a:solidFill>
+                <a:effectLst/>
+                <a:latin typeface="宋体" panose="02010600030101010101" pitchFamily="2" charset="-122"/>
+              </a:rPr>
+              <a:t>rdd1.subtract(rdd2).collect().foreach(</a:t>
+            </a:r>
+            <a:r>
+              <a:rPr kumimoji="0" lang="zh-CN" altLang="zh-CN" b="0" i="1" u="none" strike="noStrike" cap="none" normalizeH="0" baseline="0" dirty="0" smtClean="0">
+                <a:ln>
+                  <a:noFill/>
+                </a:ln>
+                <a:solidFill>
+                  <a:srgbClr val="A9B7C6"/>
+                </a:solidFill>
+                <a:effectLst/>
+                <a:latin typeface="宋体" panose="02010600030101010101" pitchFamily="2" charset="-122"/>
+              </a:rPr>
+              <a:t>println</a:t>
+            </a:r>
+            <a:r>
+              <a:rPr kumimoji="0" lang="zh-CN" altLang="zh-CN" b="0" i="0" u="none" strike="noStrike" cap="none" normalizeH="0" baseline="0" dirty="0" smtClean="0">
+                <a:ln>
+                  <a:noFill/>
+                </a:ln>
+                <a:solidFill>
+                  <a:srgbClr val="A9B7C6"/>
+                </a:solidFill>
+                <a:effectLst/>
+                <a:latin typeface="宋体" panose="02010600030101010101" pitchFamily="2" charset="-122"/>
+              </a:rPr>
+              <a:t>)</a:t>
+            </a:r>
+            <a:endParaRPr kumimoji="0" lang="zh-CN" altLang="zh-CN" b="0" i="0" u="none" strike="noStrike" cap="none" normalizeH="0" baseline="0" dirty="0" smtClean="0">
+              <a:ln>
+                <a:noFill/>
+              </a:ln>
+              <a:solidFill>
+                <a:schemeClr val="tx1"/>
+              </a:solidFill>
+              <a:effectLst/>
+              <a:latin typeface="Arial" panose="020B0604020202020204" pitchFamily="34" charset="0"/>
+            </a:endParaRPr>
+          </a:p>
+        </p:txBody>
+      </p:sp>
     </p:spTree>
     <p:extLst>
       <p:ext uri="{BB962C8B-B14F-4D97-AF65-F5344CB8AC3E}">
@@ -22000,7 +25430,206 @@
 </p:sld>
 </file>
 
-<file path=ppt/slides/slide15.xml><?xml version="1.0" encoding="utf-8"?>
+<file path=ppt/slides/slide2.xml><?xml version="1.0" encoding="utf-8"?>
+<p:sld xmlns:a="http://schemas.openxmlformats.org/drawingml/2006/main" xmlns:r="http://schemas.openxmlformats.org/officeDocument/2006/relationships" xmlns:p="http://schemas.openxmlformats.org/presentationml/2006/main">
+  <p:cSld>
+    <p:spTree>
+      <p:nvGrpSpPr>
+        <p:cNvPr id="1" name=""/>
+        <p:cNvGrpSpPr/>
+        <p:nvPr/>
+      </p:nvGrpSpPr>
+      <p:grpSpPr>
+        <a:xfrm>
+          <a:off x="0" y="0"/>
+          <a:ext cx="0" cy="0"/>
+          <a:chOff x="0" y="0"/>
+          <a:chExt cx="0" cy="0"/>
+        </a:xfrm>
+      </p:grpSpPr>
+      <p:sp>
+        <p:nvSpPr>
+          <p:cNvPr id="2" name="标题 1"/>
+          <p:cNvSpPr>
+            <a:spLocks noGrp="1"/>
+          </p:cNvSpPr>
+          <p:nvPr>
+            <p:ph type="title"/>
+          </p:nvPr>
+        </p:nvSpPr>
+        <p:spPr/>
+        <p:txBody>
+          <a:bodyPr/>
+          <a:lstStyle/>
+          <a:p>
+            <a:r>
+              <a:rPr lang="en-US" altLang="zh-CN" dirty="0" smtClean="0">
+                <a:solidFill>
+                  <a:schemeClr val="tx1"/>
+                </a:solidFill>
+              </a:rPr>
+              <a:t>RDD</a:t>
+            </a:r>
+            <a:endParaRPr lang="zh-CN" altLang="en-US" dirty="0">
+              <a:solidFill>
+                <a:schemeClr val="tx1"/>
+              </a:solidFill>
+            </a:endParaRPr>
+          </a:p>
+        </p:txBody>
+      </p:sp>
+      <p:sp>
+        <p:nvSpPr>
+          <p:cNvPr id="18" name="文本框 17"/>
+          <p:cNvSpPr txBox="1"/>
+          <p:nvPr/>
+        </p:nvSpPr>
+        <p:spPr>
+          <a:xfrm>
+            <a:off x="1435410" y="1523945"/>
+            <a:ext cx="4328216" cy="2400657"/>
+          </a:xfrm>
+          <a:prstGeom prst="rect">
+            <a:avLst/>
+          </a:prstGeom>
+          <a:noFill/>
+        </p:spPr>
+        <p:txBody>
+          <a:bodyPr wrap="square" rtlCol="0">
+            <a:spAutoFit/>
+          </a:bodyPr>
+          <a:lstStyle/>
+          <a:p>
+            <a:pPr>
+              <a:lnSpc>
+                <a:spcPct val="150000"/>
+              </a:lnSpc>
+            </a:pPr>
+            <a:r>
+              <a:rPr lang="en-US" altLang="zh-CN" sz="2000" dirty="0" smtClean="0">
+                <a:latin typeface="微软雅黑" panose="020B0503020204020204" pitchFamily="34" charset="-122"/>
+                <a:ea typeface="微软雅黑" panose="020B0503020204020204" pitchFamily="34" charset="-122"/>
+              </a:rPr>
+              <a:t>Resilient Distributed Dataset</a:t>
+            </a:r>
+            <a:r>
+              <a:rPr lang="zh-CN" altLang="en-US" sz="2000" dirty="0" smtClean="0">
+                <a:latin typeface="微软雅黑" panose="020B0503020204020204" pitchFamily="34" charset="-122"/>
+                <a:ea typeface="微软雅黑" panose="020B0503020204020204" pitchFamily="34" charset="-122"/>
+              </a:rPr>
+              <a:t>， </a:t>
+            </a:r>
+            <a:r>
+              <a:rPr lang="en-US" altLang="zh-CN" sz="2000" dirty="0" smtClean="0">
+                <a:latin typeface="微软雅黑" panose="020B0503020204020204" pitchFamily="34" charset="-122"/>
+                <a:ea typeface="微软雅黑" panose="020B0503020204020204" pitchFamily="34" charset="-122"/>
+              </a:rPr>
+              <a:t>RDD</a:t>
+            </a:r>
+            <a:r>
+              <a:rPr lang="zh-CN" altLang="en-US" sz="2000" dirty="0" smtClean="0">
+                <a:latin typeface="微软雅黑" panose="020B0503020204020204" pitchFamily="34" charset="-122"/>
+                <a:ea typeface="微软雅黑" panose="020B0503020204020204" pitchFamily="34" charset="-122"/>
+              </a:rPr>
+              <a:t>表示分布在多个计算节点上可以并行操作的元素集合，是</a:t>
+            </a:r>
+            <a:r>
+              <a:rPr lang="en-US" altLang="zh-CN" sz="2000" dirty="0" smtClean="0">
+                <a:latin typeface="微软雅黑" panose="020B0503020204020204" pitchFamily="34" charset="-122"/>
+                <a:ea typeface="微软雅黑" panose="020B0503020204020204" pitchFamily="34" charset="-122"/>
+              </a:rPr>
+              <a:t>Spark</a:t>
+            </a:r>
+            <a:r>
+              <a:rPr lang="zh-CN" altLang="en-US" sz="2000" dirty="0" smtClean="0">
+                <a:latin typeface="微软雅黑" panose="020B0503020204020204" pitchFamily="34" charset="-122"/>
+                <a:ea typeface="微软雅黑" panose="020B0503020204020204" pitchFamily="34" charset="-122"/>
+              </a:rPr>
+              <a:t>主要的编程抽象</a:t>
+            </a:r>
+            <a:r>
+              <a:rPr lang="zh-CN" altLang="en-US" sz="2000" dirty="0">
+                <a:latin typeface="微软雅黑" panose="020B0503020204020204" pitchFamily="34" charset="-122"/>
+                <a:ea typeface="微软雅黑" panose="020B0503020204020204" pitchFamily="34" charset="-122"/>
+              </a:rPr>
+              <a:t>。</a:t>
+            </a:r>
+          </a:p>
+          <a:p>
+            <a:pPr>
+              <a:lnSpc>
+                <a:spcPct val="150000"/>
+              </a:lnSpc>
+            </a:pPr>
+            <a:endParaRPr lang="zh-CN" altLang="en-US" sz="2000" dirty="0">
+              <a:latin typeface="微软雅黑" panose="020B0503020204020204" pitchFamily="34" charset="-122"/>
+              <a:ea typeface="微软雅黑" panose="020B0503020204020204" pitchFamily="34" charset="-122"/>
+            </a:endParaRPr>
+          </a:p>
+        </p:txBody>
+      </p:sp>
+      <p:pic>
+        <p:nvPicPr>
+          <p:cNvPr id="1026" name="Picture 2" descr="https://ss1.bdstatic.com/70cFuXSh_Q1YnxGkpoWK1HF6hhy/it/u=2293173642,1232128481&amp;fm=27&amp;gp=0.jpg"/>
+          <p:cNvPicPr>
+            <a:picLocks noChangeAspect="1" noChangeArrowheads="1"/>
+          </p:cNvPicPr>
+          <p:nvPr/>
+        </p:nvPicPr>
+        <p:blipFill>
+          <a:blip r:embed="rId3">
+            <a:extLst>
+              <a:ext uri="{28A0092B-C50C-407E-A947-70E740481C1C}">
+                <a14:useLocalDpi xmlns:a14="http://schemas.microsoft.com/office/drawing/2010/main" val="0"/>
+              </a:ext>
+            </a:extLst>
+          </a:blip>
+          <a:srcRect/>
+          <a:stretch>
+            <a:fillRect/>
+          </a:stretch>
+        </p:blipFill>
+        <p:spPr bwMode="auto">
+          <a:xfrm>
+            <a:off x="6446970" y="3159344"/>
+            <a:ext cx="2400313" cy="2400313"/>
+          </a:xfrm>
+          <a:prstGeom prst="rect">
+            <a:avLst/>
+          </a:prstGeom>
+          <a:noFill/>
+          <a:extLst>
+            <a:ext uri="{909E8E84-426E-40DD-AFC4-6F175D3DCCD1}">
+              <a14:hiddenFill xmlns:a14="http://schemas.microsoft.com/office/drawing/2010/main">
+                <a:solidFill>
+                  <a:srgbClr val="FFFFFF"/>
+                </a:solidFill>
+              </a14:hiddenFill>
+            </a:ext>
+          </a:extLst>
+        </p:spPr>
+      </p:pic>
+    </p:spTree>
+    <p:extLst>
+      <p:ext uri="{BB962C8B-B14F-4D97-AF65-F5344CB8AC3E}">
+        <p14:creationId xmlns:p14="http://schemas.microsoft.com/office/powerpoint/2010/main" val="1606824111"/>
+      </p:ext>
+    </p:extLst>
+  </p:cSld>
+  <p:clrMapOvr>
+    <a:masterClrMapping/>
+  </p:clrMapOvr>
+  <p:timing>
+    <p:tnLst>
+      <p:par>
+        <p:cTn id="1" dur="indefinite" restart="never" nodeType="tmRoot"/>
+      </p:par>
+    </p:tnLst>
+  </p:timing>
+</p:sld>
+</file>
+
+<file path=ppt/slides/slide20.xml><?xml version="1.0" encoding="utf-8"?>
 <p:sld xmlns:a="http://schemas.openxmlformats.org/drawingml/2006/main" xmlns:r="http://schemas.openxmlformats.org/officeDocument/2006/relationships" xmlns:p="http://schemas.openxmlformats.org/presentationml/2006/main">
   <p:cSld>
     <p:spTree>
@@ -22352,7 +25981,7 @@
 </p:sld>
 </file>
 
-<file path=ppt/slides/slide16.xml><?xml version="1.0" encoding="utf-8"?>
+<file path=ppt/slides/slide21.xml><?xml version="1.0" encoding="utf-8"?>
 <p:sld xmlns:a="http://schemas.openxmlformats.org/drawingml/2006/main" xmlns:r="http://schemas.openxmlformats.org/officeDocument/2006/relationships" xmlns:p="http://schemas.openxmlformats.org/presentationml/2006/main">
   <p:cSld>
     <p:spTree>
@@ -22475,7 +26104,7 @@
 </p:sld>
 </file>
 
-<file path=ppt/slides/slide17.xml><?xml version="1.0" encoding="utf-8"?>
+<file path=ppt/slides/slide22.xml><?xml version="1.0" encoding="utf-8"?>
 <p:sld xmlns:a="http://schemas.openxmlformats.org/drawingml/2006/main" xmlns:r="http://schemas.openxmlformats.org/officeDocument/2006/relationships" xmlns:p="http://schemas.openxmlformats.org/presentationml/2006/main">
   <p:cSld>
     <p:spTree>
@@ -22539,7 +26168,7 @@
         </p:blipFill>
         <p:spPr>
           <a:xfrm>
-            <a:off x="821803" y="2981216"/>
+            <a:off x="721442" y="2869704"/>
             <a:ext cx="7482559" cy="3315263"/>
           </a:xfrm>
           <a:prstGeom prst="rect">
@@ -22575,142 +26204,613 @@
       </p:sp>
       <p:sp>
         <p:nvSpPr>
-          <p:cNvPr id="12" name="矩形 11"/>
-          <p:cNvSpPr/>
+          <p:cNvPr id="5" name="Rectangle 2"/>
+          <p:cNvSpPr>
+            <a:spLocks noChangeArrowheads="1"/>
+          </p:cNvSpPr>
           <p:nvPr/>
         </p:nvSpPr>
-        <p:spPr>
+        <p:spPr bwMode="auto">
           <a:xfrm>
-            <a:off x="821803" y="672892"/>
-            <a:ext cx="4572000" cy="2308324"/>
+            <a:off x="138633" y="1108204"/>
+            <a:ext cx="8964313" cy="1477328"/>
           </a:xfrm>
           <a:prstGeom prst="rect">
             <a:avLst/>
           </a:prstGeom>
+          <a:solidFill>
+            <a:srgbClr val="2B2B2B"/>
+          </a:solidFill>
+          <a:ln>
+            <a:noFill/>
+          </a:ln>
+          <a:effectLst/>
+          <a:extLst>
+            <a:ext uri="{91240B29-F687-4F45-9708-019B960494DF}">
+              <a14:hiddenLine xmlns:a14="http://schemas.microsoft.com/office/drawing/2010/main" w="9525">
+                <a:solidFill>
+                  <a:schemeClr val="tx1"/>
+                </a:solidFill>
+                <a:miter lim="800000"/>
+                <a:headEnd/>
+                <a:tailEnd/>
+              </a14:hiddenLine>
+            </a:ext>
+            <a:ext uri="{AF507438-7753-43E0-B8FC-AC1667EBCBE1}">
+              <a14:hiddenEffects xmlns:a14="http://schemas.microsoft.com/office/drawing/2010/main">
+                <a:effectLst>
+                  <a:outerShdw dist="35921" dir="2700000" algn="ctr" rotWithShape="0">
+                    <a:schemeClr val="bg2"/>
+                  </a:outerShdw>
+                </a:effectLst>
+              </a14:hiddenEffects>
+            </a:ext>
+          </a:extLst>
         </p:spPr>
         <p:txBody>
-          <a:bodyPr>
+          <a:bodyPr vert="horz" wrap="none" lIns="91440" tIns="45720" rIns="91440" bIns="45720" numCol="1" anchor="ctr" anchorCtr="0" compatLnSpc="1">
+            <a:prstTxWarp prst="textNoShape">
+              <a:avLst/>
+            </a:prstTxWarp>
             <a:spAutoFit/>
           </a:bodyPr>
           <a:lstStyle/>
           <a:p>
-            <a:r>
-              <a:rPr lang="en-US" altLang="zh-CN" dirty="0"/>
+            <a:pPr marL="0" marR="0" lvl="0" indent="0" algn="l" defTabSz="914400" rtl="0" eaLnBrk="0" fontAlgn="base" latinLnBrk="0" hangingPunct="0">
+              <a:lnSpc>
+                <a:spcPct val="100000"/>
+              </a:lnSpc>
+              <a:spcBef>
+                <a:spcPct val="0"/>
+              </a:spcBef>
+              <a:spcAft>
+                <a:spcPct val="0"/>
+              </a:spcAft>
+              <a:buClrTx/>
+              <a:buSzTx/>
+              <a:buFontTx/>
+              <a:buNone/>
+              <a:tabLst/>
+            </a:pPr>
+            <a:r>
+              <a:rPr kumimoji="0" lang="zh-CN" altLang="zh-CN" b="0" i="0" u="none" strike="noStrike" cap="none" normalizeH="0" baseline="0" dirty="0" smtClean="0">
+                <a:ln>
+                  <a:noFill/>
+                </a:ln>
+                <a:solidFill>
+                  <a:srgbClr val="A9B7C6"/>
+                </a:solidFill>
+                <a:effectLst/>
+                <a:latin typeface="宋体" panose="02010600030101010101" pitchFamily="2" charset="-122"/>
+              </a:rPr>
               <a:t>d1.combineByKey(</a:t>
             </a:r>
-          </a:p>
-          <a:p>
-            <a:r>
-              <a:rPr lang="en-US" altLang="zh-CN" dirty="0"/>
-              <a:t>      score =&gt; (1, score),</a:t>
-            </a:r>
-          </a:p>
-          <a:p>
-            <a:r>
-              <a:rPr lang="en-US" altLang="zh-CN" dirty="0"/>
-              <a:t>      (c1: </a:t>
-            </a:r>
-            <a:r>
-              <a:rPr lang="en-US" altLang="zh-CN" dirty="0" err="1"/>
+            <a:br>
+              <a:rPr kumimoji="0" lang="zh-CN" altLang="zh-CN" b="0" i="0" u="none" strike="noStrike" cap="none" normalizeH="0" baseline="0" dirty="0" smtClean="0">
+                <a:ln>
+                  <a:noFill/>
+                </a:ln>
+                <a:solidFill>
+                  <a:srgbClr val="A9B7C6"/>
+                </a:solidFill>
+                <a:effectLst/>
+                <a:latin typeface="宋体" panose="02010600030101010101" pitchFamily="2" charset="-122"/>
+              </a:rPr>
+            </a:br>
+            <a:r>
+              <a:rPr kumimoji="0" lang="zh-CN" altLang="zh-CN" b="0" i="0" u="none" strike="noStrike" cap="none" normalizeH="0" baseline="0" dirty="0" smtClean="0">
+                <a:ln>
+                  <a:noFill/>
+                </a:ln>
+                <a:solidFill>
+                  <a:srgbClr val="A9B7C6"/>
+                </a:solidFill>
+                <a:effectLst/>
+                <a:latin typeface="宋体" panose="02010600030101010101" pitchFamily="2" charset="-122"/>
+              </a:rPr>
+              <a:t>  score =&gt; (</a:t>
+            </a:r>
+            <a:r>
+              <a:rPr kumimoji="0" lang="zh-CN" altLang="zh-CN" b="0" i="0" u="none" strike="noStrike" cap="none" normalizeH="0" baseline="0" dirty="0" smtClean="0">
+                <a:ln>
+                  <a:noFill/>
+                </a:ln>
+                <a:solidFill>
+                  <a:srgbClr val="6897BB"/>
+                </a:solidFill>
+                <a:effectLst/>
+                <a:latin typeface="宋体" panose="02010600030101010101" pitchFamily="2" charset="-122"/>
+              </a:rPr>
+              <a:t>1</a:t>
+            </a:r>
+            <a:r>
+              <a:rPr kumimoji="0" lang="zh-CN" altLang="zh-CN" b="0" i="0" u="none" strike="noStrike" cap="none" normalizeH="0" baseline="0" dirty="0" smtClean="0">
+                <a:ln>
+                  <a:noFill/>
+                </a:ln>
+                <a:solidFill>
+                  <a:srgbClr val="CC7832"/>
+                </a:solidFill>
+                <a:effectLst/>
+                <a:latin typeface="宋体" panose="02010600030101010101" pitchFamily="2" charset="-122"/>
+              </a:rPr>
+              <a:t>, </a:t>
+            </a:r>
+            <a:r>
+              <a:rPr kumimoji="0" lang="zh-CN" altLang="zh-CN" b="0" i="0" u="none" strike="noStrike" cap="none" normalizeH="0" baseline="0" dirty="0" smtClean="0">
+                <a:ln>
+                  <a:noFill/>
+                </a:ln>
+                <a:solidFill>
+                  <a:srgbClr val="A9B7C6"/>
+                </a:solidFill>
+                <a:effectLst/>
+                <a:latin typeface="宋体" panose="02010600030101010101" pitchFamily="2" charset="-122"/>
+              </a:rPr>
+              <a:t>score)</a:t>
+            </a:r>
+            <a:r>
+              <a:rPr kumimoji="0" lang="zh-CN" altLang="zh-CN" b="0" i="0" u="none" strike="noStrike" cap="none" normalizeH="0" baseline="0" dirty="0" smtClean="0">
+                <a:ln>
+                  <a:noFill/>
+                </a:ln>
+                <a:solidFill>
+                  <a:srgbClr val="CC7832"/>
+                </a:solidFill>
+                <a:effectLst/>
+                <a:latin typeface="宋体" panose="02010600030101010101" pitchFamily="2" charset="-122"/>
+              </a:rPr>
+              <a:t>,</a:t>
+            </a:r>
+            <a:br>
+              <a:rPr kumimoji="0" lang="zh-CN" altLang="zh-CN" b="0" i="0" u="none" strike="noStrike" cap="none" normalizeH="0" baseline="0" dirty="0" smtClean="0">
+                <a:ln>
+                  <a:noFill/>
+                </a:ln>
+                <a:solidFill>
+                  <a:srgbClr val="CC7832"/>
+                </a:solidFill>
+                <a:effectLst/>
+                <a:latin typeface="宋体" panose="02010600030101010101" pitchFamily="2" charset="-122"/>
+              </a:rPr>
+            </a:br>
+            <a:r>
+              <a:rPr kumimoji="0" lang="zh-CN" altLang="zh-CN" b="0" i="0" u="none" strike="noStrike" cap="none" normalizeH="0" baseline="0" dirty="0" smtClean="0">
+                <a:ln>
+                  <a:noFill/>
+                </a:ln>
+                <a:solidFill>
+                  <a:srgbClr val="CC7832"/>
+                </a:solidFill>
+                <a:effectLst/>
+                <a:latin typeface="宋体" panose="02010600030101010101" pitchFamily="2" charset="-122"/>
+              </a:rPr>
+              <a:t>  </a:t>
+            </a:r>
+            <a:r>
+              <a:rPr kumimoji="0" lang="zh-CN" altLang="zh-CN" b="0" i="0" u="none" strike="noStrike" cap="none" normalizeH="0" baseline="0" dirty="0" smtClean="0">
+                <a:ln>
+                  <a:noFill/>
+                </a:ln>
+                <a:solidFill>
+                  <a:srgbClr val="A9B7C6"/>
+                </a:solidFill>
+                <a:effectLst/>
+                <a:latin typeface="宋体" panose="02010600030101010101" pitchFamily="2" charset="-122"/>
+              </a:rPr>
+              <a:t>(c1: </a:t>
+            </a:r>
+            <a:r>
+              <a:rPr kumimoji="0" lang="zh-CN" altLang="zh-CN" b="0" i="0" u="none" strike="noStrike" cap="none" normalizeH="0" baseline="0" dirty="0" smtClean="0">
+                <a:ln>
+                  <a:noFill/>
+                </a:ln>
+                <a:solidFill>
+                  <a:srgbClr val="4E807D"/>
+                </a:solidFill>
+                <a:effectLst/>
+                <a:latin typeface="宋体" panose="02010600030101010101" pitchFamily="2" charset="-122"/>
+              </a:rPr>
               <a:t>MVType</a:t>
             </a:r>
             <a:r>
-              <a:rPr lang="en-US" altLang="zh-CN" dirty="0"/>
+              <a:rPr kumimoji="0" lang="zh-CN" altLang="zh-CN" b="0" i="0" u="none" strike="noStrike" cap="none" normalizeH="0" baseline="0" dirty="0" smtClean="0">
+                <a:ln>
+                  <a:noFill/>
+                </a:ln>
+                <a:solidFill>
+                  <a:srgbClr val="CC7832"/>
+                </a:solidFill>
+                <a:effectLst/>
+                <a:latin typeface="宋体" panose="02010600030101010101" pitchFamily="2" charset="-122"/>
+              </a:rPr>
               <a:t>, </a:t>
             </a:r>
             <a:r>
-              <a:rPr lang="en-US" altLang="zh-CN" dirty="0" err="1"/>
-              <a:t>newScore</a:t>
-            </a:r>
-            <a:r>
-              <a:rPr lang="en-US" altLang="zh-CN" dirty="0"/>
-              <a:t>) =&gt; (c1._1 + 1, c1._2 + </a:t>
-            </a:r>
-            <a:r>
-              <a:rPr lang="en-US" altLang="zh-CN" dirty="0" err="1"/>
-              <a:t>newScore</a:t>
-            </a:r>
-            <a:r>
-              <a:rPr lang="en-US" altLang="zh-CN" dirty="0"/>
-              <a:t>),</a:t>
-            </a:r>
-          </a:p>
-          <a:p>
-            <a:r>
-              <a:rPr lang="en-US" altLang="zh-CN" dirty="0"/>
-              <a:t>      (c1: </a:t>
-            </a:r>
-            <a:r>
-              <a:rPr lang="en-US" altLang="zh-CN" dirty="0" err="1"/>
+              <a:rPr kumimoji="0" lang="zh-CN" altLang="zh-CN" b="0" i="0" u="none" strike="noStrike" cap="none" normalizeH="0" baseline="0" dirty="0" smtClean="0">
+                <a:ln>
+                  <a:noFill/>
+                </a:ln>
+                <a:solidFill>
+                  <a:srgbClr val="A9B7C6"/>
+                </a:solidFill>
+                <a:effectLst/>
+                <a:latin typeface="宋体" panose="02010600030101010101" pitchFamily="2" charset="-122"/>
+              </a:rPr>
+              <a:t>newScore) =&gt; (c1._1 + </a:t>
+            </a:r>
+            <a:r>
+              <a:rPr kumimoji="0" lang="zh-CN" altLang="zh-CN" b="0" i="0" u="none" strike="noStrike" cap="none" normalizeH="0" baseline="0" dirty="0" smtClean="0">
+                <a:ln>
+                  <a:noFill/>
+                </a:ln>
+                <a:solidFill>
+                  <a:srgbClr val="6897BB"/>
+                </a:solidFill>
+                <a:effectLst/>
+                <a:latin typeface="宋体" panose="02010600030101010101" pitchFamily="2" charset="-122"/>
+              </a:rPr>
+              <a:t>1</a:t>
+            </a:r>
+            <a:r>
+              <a:rPr kumimoji="0" lang="zh-CN" altLang="zh-CN" b="0" i="0" u="none" strike="noStrike" cap="none" normalizeH="0" baseline="0" dirty="0" smtClean="0">
+                <a:ln>
+                  <a:noFill/>
+                </a:ln>
+                <a:solidFill>
+                  <a:srgbClr val="CC7832"/>
+                </a:solidFill>
+                <a:effectLst/>
+                <a:latin typeface="宋体" panose="02010600030101010101" pitchFamily="2" charset="-122"/>
+              </a:rPr>
+              <a:t>, </a:t>
+            </a:r>
+            <a:r>
+              <a:rPr kumimoji="0" lang="zh-CN" altLang="zh-CN" b="0" i="0" u="none" strike="noStrike" cap="none" normalizeH="0" baseline="0" dirty="0" smtClean="0">
+                <a:ln>
+                  <a:noFill/>
+                </a:ln>
+                <a:solidFill>
+                  <a:srgbClr val="A9B7C6"/>
+                </a:solidFill>
+                <a:effectLst/>
+                <a:latin typeface="宋体" panose="02010600030101010101" pitchFamily="2" charset="-122"/>
+              </a:rPr>
+              <a:t>c1._2 + newScore)</a:t>
+            </a:r>
+            <a:r>
+              <a:rPr kumimoji="0" lang="zh-CN" altLang="zh-CN" b="0" i="0" u="none" strike="noStrike" cap="none" normalizeH="0" baseline="0" dirty="0" smtClean="0">
+                <a:ln>
+                  <a:noFill/>
+                </a:ln>
+                <a:solidFill>
+                  <a:srgbClr val="CC7832"/>
+                </a:solidFill>
+                <a:effectLst/>
+                <a:latin typeface="宋体" panose="02010600030101010101" pitchFamily="2" charset="-122"/>
+              </a:rPr>
+              <a:t>,</a:t>
+            </a:r>
+            <a:br>
+              <a:rPr kumimoji="0" lang="zh-CN" altLang="zh-CN" b="0" i="0" u="none" strike="noStrike" cap="none" normalizeH="0" baseline="0" dirty="0" smtClean="0">
+                <a:ln>
+                  <a:noFill/>
+                </a:ln>
+                <a:solidFill>
+                  <a:srgbClr val="CC7832"/>
+                </a:solidFill>
+                <a:effectLst/>
+                <a:latin typeface="宋体" panose="02010600030101010101" pitchFamily="2" charset="-122"/>
+              </a:rPr>
+            </a:br>
+            <a:r>
+              <a:rPr kumimoji="0" lang="zh-CN" altLang="zh-CN" b="0" i="0" u="none" strike="noStrike" cap="none" normalizeH="0" baseline="0" dirty="0" smtClean="0">
+                <a:ln>
+                  <a:noFill/>
+                </a:ln>
+                <a:solidFill>
+                  <a:srgbClr val="CC7832"/>
+                </a:solidFill>
+                <a:effectLst/>
+                <a:latin typeface="宋体" panose="02010600030101010101" pitchFamily="2" charset="-122"/>
+              </a:rPr>
+              <a:t>  </a:t>
+            </a:r>
+            <a:r>
+              <a:rPr kumimoji="0" lang="zh-CN" altLang="zh-CN" b="0" i="0" u="none" strike="noStrike" cap="none" normalizeH="0" baseline="0" dirty="0" smtClean="0">
+                <a:ln>
+                  <a:noFill/>
+                </a:ln>
+                <a:solidFill>
+                  <a:srgbClr val="A9B7C6"/>
+                </a:solidFill>
+                <a:effectLst/>
+                <a:latin typeface="宋体" panose="02010600030101010101" pitchFamily="2" charset="-122"/>
+              </a:rPr>
+              <a:t>(c1: </a:t>
+            </a:r>
+            <a:r>
+              <a:rPr kumimoji="0" lang="zh-CN" altLang="zh-CN" b="0" i="0" u="none" strike="noStrike" cap="none" normalizeH="0" baseline="0" dirty="0" smtClean="0">
+                <a:ln>
+                  <a:noFill/>
+                </a:ln>
+                <a:solidFill>
+                  <a:srgbClr val="4E807D"/>
+                </a:solidFill>
+                <a:effectLst/>
+                <a:latin typeface="宋体" panose="02010600030101010101" pitchFamily="2" charset="-122"/>
+              </a:rPr>
               <a:t>MVType</a:t>
             </a:r>
             <a:r>
-              <a:rPr lang="en-US" altLang="zh-CN" dirty="0"/>
-              <a:t>, c2: </a:t>
-            </a:r>
-            <a:r>
-              <a:rPr lang="en-US" altLang="zh-CN" dirty="0" err="1"/>
+              <a:rPr kumimoji="0" lang="zh-CN" altLang="zh-CN" b="0" i="0" u="none" strike="noStrike" cap="none" normalizeH="0" baseline="0" dirty="0" smtClean="0">
+                <a:ln>
+                  <a:noFill/>
+                </a:ln>
+                <a:solidFill>
+                  <a:srgbClr val="CC7832"/>
+                </a:solidFill>
+                <a:effectLst/>
+                <a:latin typeface="宋体" panose="02010600030101010101" pitchFamily="2" charset="-122"/>
+              </a:rPr>
+              <a:t>, </a:t>
+            </a:r>
+            <a:r>
+              <a:rPr kumimoji="0" lang="zh-CN" altLang="zh-CN" b="0" i="0" u="none" strike="noStrike" cap="none" normalizeH="0" baseline="0" dirty="0" smtClean="0">
+                <a:ln>
+                  <a:noFill/>
+                </a:ln>
+                <a:solidFill>
+                  <a:srgbClr val="A9B7C6"/>
+                </a:solidFill>
+                <a:effectLst/>
+                <a:latin typeface="宋体" panose="02010600030101010101" pitchFamily="2" charset="-122"/>
+              </a:rPr>
+              <a:t>c2: </a:t>
+            </a:r>
+            <a:r>
+              <a:rPr kumimoji="0" lang="zh-CN" altLang="zh-CN" b="0" i="0" u="none" strike="noStrike" cap="none" normalizeH="0" baseline="0" dirty="0" smtClean="0">
+                <a:ln>
+                  <a:noFill/>
+                </a:ln>
+                <a:solidFill>
+                  <a:srgbClr val="4E807D"/>
+                </a:solidFill>
+                <a:effectLst/>
+                <a:latin typeface="宋体" panose="02010600030101010101" pitchFamily="2" charset="-122"/>
+              </a:rPr>
               <a:t>MVType</a:t>
             </a:r>
             <a:r>
-              <a:rPr lang="en-US" altLang="zh-CN" dirty="0"/>
-              <a:t>) =&gt; (c1._1 + c2._1, c1._2 + c2._2)</a:t>
-            </a:r>
-          </a:p>
-          <a:p>
-            <a:r>
-              <a:rPr lang="en-US" altLang="zh-CN" dirty="0"/>
-              <a:t>    ).map { case (name, (</a:t>
-            </a:r>
-            <a:r>
-              <a:rPr lang="en-US" altLang="zh-CN" dirty="0" err="1"/>
-              <a:t>num</a:t>
-            </a:r>
-            <a:r>
-              <a:rPr lang="en-US" altLang="zh-CN" dirty="0"/>
+              <a:rPr kumimoji="0" lang="zh-CN" altLang="zh-CN" b="0" i="0" u="none" strike="noStrike" cap="none" normalizeH="0" baseline="0" dirty="0" smtClean="0">
+                <a:ln>
+                  <a:noFill/>
+                </a:ln>
+                <a:solidFill>
+                  <a:srgbClr val="A9B7C6"/>
+                </a:solidFill>
+                <a:effectLst/>
+                <a:latin typeface="宋体" panose="02010600030101010101" pitchFamily="2" charset="-122"/>
+              </a:rPr>
+              <a:t>) =&gt; (c1._1 + c2._1</a:t>
+            </a:r>
+            <a:r>
+              <a:rPr kumimoji="0" lang="zh-CN" altLang="zh-CN" b="0" i="0" u="none" strike="noStrike" cap="none" normalizeH="0" baseline="0" dirty="0" smtClean="0">
+                <a:ln>
+                  <a:noFill/>
+                </a:ln>
+                <a:solidFill>
+                  <a:srgbClr val="CC7832"/>
+                </a:solidFill>
+                <a:effectLst/>
+                <a:latin typeface="宋体" panose="02010600030101010101" pitchFamily="2" charset="-122"/>
+              </a:rPr>
               <a:t>, </a:t>
             </a:r>
             <a:r>
-              <a:rPr lang="en-US" altLang="zh-CN" dirty="0" err="1"/>
-              <a:t>socre</a:t>
-            </a:r>
-            <a:r>
-              <a:rPr lang="en-US" altLang="zh-CN" dirty="0"/>
-              <a:t>)) =&gt; (name, </a:t>
-            </a:r>
-            <a:r>
-              <a:rPr lang="en-US" altLang="zh-CN" dirty="0" err="1"/>
-              <a:t>socre</a:t>
-            </a:r>
-            <a:r>
-              <a:rPr lang="en-US" altLang="zh-CN" dirty="0"/>
-              <a:t> / </a:t>
-            </a:r>
-            <a:r>
-              <a:rPr lang="en-US" altLang="zh-CN" dirty="0" err="1"/>
-              <a:t>num</a:t>
-            </a:r>
-            <a:r>
-              <a:rPr lang="en-US" altLang="zh-CN" dirty="0"/>
-              <a:t>) }.</a:t>
-            </a:r>
-            <a:r>
-              <a:rPr lang="en-US" altLang="zh-CN" dirty="0" err="1"/>
-              <a:t>foreach</a:t>
-            </a:r>
-            <a:r>
-              <a:rPr lang="en-US" altLang="zh-CN" dirty="0"/>
-              <a:t>(</a:t>
-            </a:r>
-            <a:r>
-              <a:rPr lang="en-US" altLang="zh-CN" dirty="0" err="1"/>
+              <a:rPr kumimoji="0" lang="zh-CN" altLang="zh-CN" b="0" i="0" u="none" strike="noStrike" cap="none" normalizeH="0" baseline="0" dirty="0" smtClean="0">
+                <a:ln>
+                  <a:noFill/>
+                </a:ln>
+                <a:solidFill>
+                  <a:srgbClr val="A9B7C6"/>
+                </a:solidFill>
+                <a:effectLst/>
+                <a:latin typeface="宋体" panose="02010600030101010101" pitchFamily="2" charset="-122"/>
+              </a:rPr>
+              <a:t>c1._2 + c2._2)</a:t>
+            </a:r>
+            <a:br>
+              <a:rPr kumimoji="0" lang="zh-CN" altLang="zh-CN" b="0" i="0" u="none" strike="noStrike" cap="none" normalizeH="0" baseline="0" dirty="0" smtClean="0">
+                <a:ln>
+                  <a:noFill/>
+                </a:ln>
+                <a:solidFill>
+                  <a:srgbClr val="A9B7C6"/>
+                </a:solidFill>
+                <a:effectLst/>
+                <a:latin typeface="宋体" panose="02010600030101010101" pitchFamily="2" charset="-122"/>
+              </a:rPr>
+            </a:br>
+            <a:r>
+              <a:rPr kumimoji="0" lang="zh-CN" altLang="zh-CN" b="0" i="0" u="none" strike="noStrike" cap="none" normalizeH="0" baseline="0" dirty="0" smtClean="0">
+                <a:ln>
+                  <a:noFill/>
+                </a:ln>
+                <a:solidFill>
+                  <a:srgbClr val="A9B7C6"/>
+                </a:solidFill>
+                <a:effectLst/>
+                <a:latin typeface="宋体" panose="02010600030101010101" pitchFamily="2" charset="-122"/>
+              </a:rPr>
+              <a:t>).map { </a:t>
+            </a:r>
+            <a:r>
+              <a:rPr kumimoji="0" lang="zh-CN" altLang="zh-CN" b="1" i="0" u="none" strike="noStrike" cap="none" normalizeH="0" baseline="0" dirty="0" smtClean="0">
+                <a:ln>
+                  <a:noFill/>
+                </a:ln>
+                <a:solidFill>
+                  <a:srgbClr val="CC7832"/>
+                </a:solidFill>
+                <a:effectLst/>
+                <a:latin typeface="宋体" panose="02010600030101010101" pitchFamily="2" charset="-122"/>
+              </a:rPr>
+              <a:t>case </a:t>
+            </a:r>
+            <a:r>
+              <a:rPr kumimoji="0" lang="zh-CN" altLang="zh-CN" b="0" i="0" u="none" strike="noStrike" cap="none" normalizeH="0" baseline="0" dirty="0" smtClean="0">
+                <a:ln>
+                  <a:noFill/>
+                </a:ln>
+                <a:solidFill>
+                  <a:srgbClr val="A9B7C6"/>
+                </a:solidFill>
+                <a:effectLst/>
+                <a:latin typeface="宋体" panose="02010600030101010101" pitchFamily="2" charset="-122"/>
+              </a:rPr>
+              <a:t>(name</a:t>
+            </a:r>
+            <a:r>
+              <a:rPr kumimoji="0" lang="zh-CN" altLang="zh-CN" b="0" i="0" u="none" strike="noStrike" cap="none" normalizeH="0" baseline="0" dirty="0" smtClean="0">
+                <a:ln>
+                  <a:noFill/>
+                </a:ln>
+                <a:solidFill>
+                  <a:srgbClr val="CC7832"/>
+                </a:solidFill>
+                <a:effectLst/>
+                <a:latin typeface="宋体" panose="02010600030101010101" pitchFamily="2" charset="-122"/>
+              </a:rPr>
+              <a:t>, </a:t>
+            </a:r>
+            <a:r>
+              <a:rPr kumimoji="0" lang="zh-CN" altLang="zh-CN" b="0" i="0" u="none" strike="noStrike" cap="none" normalizeH="0" baseline="0" dirty="0" smtClean="0">
+                <a:ln>
+                  <a:noFill/>
+                </a:ln>
+                <a:solidFill>
+                  <a:srgbClr val="A9B7C6"/>
+                </a:solidFill>
+                <a:effectLst/>
+                <a:latin typeface="宋体" panose="02010600030101010101" pitchFamily="2" charset="-122"/>
+              </a:rPr>
+              <a:t>(num</a:t>
+            </a:r>
+            <a:r>
+              <a:rPr kumimoji="0" lang="zh-CN" altLang="zh-CN" b="0" i="0" u="none" strike="noStrike" cap="none" normalizeH="0" baseline="0" dirty="0" smtClean="0">
+                <a:ln>
+                  <a:noFill/>
+                </a:ln>
+                <a:solidFill>
+                  <a:srgbClr val="CC7832"/>
+                </a:solidFill>
+                <a:effectLst/>
+                <a:latin typeface="宋体" panose="02010600030101010101" pitchFamily="2" charset="-122"/>
+              </a:rPr>
+              <a:t>, </a:t>
+            </a:r>
+            <a:r>
+              <a:rPr kumimoji="0" lang="zh-CN" altLang="zh-CN" b="0" i="0" u="none" strike="noStrike" cap="none" normalizeH="0" baseline="0" dirty="0" smtClean="0">
+                <a:ln>
+                  <a:noFill/>
+                </a:ln>
+                <a:solidFill>
+                  <a:srgbClr val="A9B7C6"/>
+                </a:solidFill>
+                <a:effectLst/>
+                <a:latin typeface="宋体" panose="02010600030101010101" pitchFamily="2" charset="-122"/>
+              </a:rPr>
+              <a:t>socre)) =&gt; (name</a:t>
+            </a:r>
+            <a:r>
+              <a:rPr kumimoji="0" lang="zh-CN" altLang="zh-CN" b="0" i="0" u="none" strike="noStrike" cap="none" normalizeH="0" baseline="0" dirty="0" smtClean="0">
+                <a:ln>
+                  <a:noFill/>
+                </a:ln>
+                <a:solidFill>
+                  <a:srgbClr val="CC7832"/>
+                </a:solidFill>
+                <a:effectLst/>
+                <a:latin typeface="宋体" panose="02010600030101010101" pitchFamily="2" charset="-122"/>
+              </a:rPr>
+              <a:t>, </a:t>
+            </a:r>
+            <a:r>
+              <a:rPr kumimoji="0" lang="zh-CN" altLang="zh-CN" b="0" i="0" u="none" strike="noStrike" cap="none" normalizeH="0" baseline="0" dirty="0" smtClean="0">
+                <a:ln>
+                  <a:noFill/>
+                </a:ln>
+                <a:solidFill>
+                  <a:srgbClr val="A9B7C6"/>
+                </a:solidFill>
+                <a:effectLst/>
+                <a:latin typeface="宋体" panose="02010600030101010101" pitchFamily="2" charset="-122"/>
+              </a:rPr>
+              <a:t>s</a:t>
+            </a:r>
+            <a:r>
+              <a:rPr kumimoji="0" lang="en-US" altLang="zh-CN" b="0" i="0" u="none" strike="noStrike" cap="none" normalizeH="0" baseline="0" dirty="0" err="1" smtClean="0">
+                <a:ln>
+                  <a:noFill/>
+                </a:ln>
+                <a:solidFill>
+                  <a:srgbClr val="A9B7C6"/>
+                </a:solidFill>
+                <a:effectLst/>
+                <a:latin typeface="宋体" panose="02010600030101010101" pitchFamily="2" charset="-122"/>
+              </a:rPr>
+              <a:t>cor</a:t>
+            </a:r>
+            <a:r>
+              <a:rPr kumimoji="0" lang="zh-CN" altLang="zh-CN" b="0" i="0" u="none" strike="noStrike" cap="none" normalizeH="0" baseline="0" dirty="0" smtClean="0">
+                <a:ln>
+                  <a:noFill/>
+                </a:ln>
+                <a:solidFill>
+                  <a:srgbClr val="A9B7C6"/>
+                </a:solidFill>
+                <a:effectLst/>
+                <a:latin typeface="宋体" panose="02010600030101010101" pitchFamily="2" charset="-122"/>
+              </a:rPr>
+              <a:t>e / num) }.foreach(</a:t>
+            </a:r>
+            <a:r>
+              <a:rPr kumimoji="0" lang="zh-CN" altLang="zh-CN" b="0" i="1" u="none" strike="noStrike" cap="none" normalizeH="0" baseline="0" dirty="0" smtClean="0">
+                <a:ln>
+                  <a:noFill/>
+                </a:ln>
+                <a:solidFill>
+                  <a:srgbClr val="A9B7C6"/>
+                </a:solidFill>
+                <a:effectLst/>
+                <a:latin typeface="宋体" panose="02010600030101010101" pitchFamily="2" charset="-122"/>
+              </a:rPr>
               <a:t>println</a:t>
             </a:r>
             <a:r>
-              <a:rPr lang="en-US" altLang="zh-CN" dirty="0"/>
+              <a:rPr kumimoji="0" lang="zh-CN" altLang="zh-CN" b="0" i="0" u="none" strike="noStrike" cap="none" normalizeH="0" baseline="0" dirty="0" smtClean="0">
+                <a:ln>
+                  <a:noFill/>
+                </a:ln>
+                <a:solidFill>
+                  <a:srgbClr val="A9B7C6"/>
+                </a:solidFill>
+                <a:effectLst/>
+                <a:latin typeface="宋体" panose="02010600030101010101" pitchFamily="2" charset="-122"/>
+              </a:rPr>
               <a:t>)</a:t>
             </a:r>
-            <a:endParaRPr lang="zh-CN" altLang="en-US" dirty="0"/>
+            <a:endParaRPr kumimoji="0" lang="zh-CN" altLang="zh-CN" b="0" i="0" u="none" strike="noStrike" cap="none" normalizeH="0" baseline="0" dirty="0" smtClean="0">
+              <a:ln>
+                <a:noFill/>
+              </a:ln>
+              <a:solidFill>
+                <a:schemeClr val="tx1"/>
+              </a:solidFill>
+              <a:effectLst/>
+              <a:latin typeface="Arial" panose="020B0604020202020204" pitchFamily="34" charset="0"/>
+            </a:endParaRPr>
           </a:p>
         </p:txBody>
       </p:sp>
@@ -22734,7 +26834,7 @@
 </p:sld>
 </file>
 
-<file path=ppt/slides/slide18.xml><?xml version="1.0" encoding="utf-8"?>
+<file path=ppt/slides/slide23.xml><?xml version="1.0" encoding="utf-8"?>
 <p:sld xmlns:a="http://schemas.openxmlformats.org/drawingml/2006/main" xmlns:r="http://schemas.openxmlformats.org/officeDocument/2006/relationships" xmlns:p="http://schemas.openxmlformats.org/presentationml/2006/main">
   <p:cSld>
     <p:spTree>
@@ -22798,7 +26898,7 @@
         </p:blipFill>
         <p:spPr>
           <a:xfrm>
-            <a:off x="1942809" y="1422721"/>
+            <a:off x="1775541" y="1790711"/>
             <a:ext cx="5040170" cy="4017381"/>
           </a:xfrm>
           <a:prstGeom prst="rect">
@@ -22826,7 +26926,7 @@
 </p:sld>
 </file>
 
-<file path=ppt/slides/slide19.xml><?xml version="1.0" encoding="utf-8"?>
+<file path=ppt/slides/slide24.xml><?xml version="1.0" encoding="utf-8"?>
 <p:sld xmlns:a="http://schemas.openxmlformats.org/drawingml/2006/main" xmlns:r="http://schemas.openxmlformats.org/officeDocument/2006/relationships" xmlns:p="http://schemas.openxmlformats.org/presentationml/2006/main">
   <p:cSld>
     <p:spTree>
@@ -22890,7 +26990,7 @@
         </p:blipFill>
         <p:spPr>
           <a:xfrm>
-            <a:off x="2266898" y="1335268"/>
+            <a:off x="2010834" y="1513686"/>
             <a:ext cx="4724211" cy="4393130"/>
           </a:xfrm>
           <a:prstGeom prst="rect">
@@ -22918,7 +27018,7 @@
 </p:sld>
 </file>
 
-<file path=ppt/slides/slide2.xml><?xml version="1.0" encoding="utf-8"?>
+<file path=ppt/slides/slide25.xml><?xml version="1.0" encoding="utf-8"?>
 <p:sld xmlns:a="http://schemas.openxmlformats.org/drawingml/2006/main" xmlns:r="http://schemas.openxmlformats.org/officeDocument/2006/relationships" xmlns:p="http://schemas.openxmlformats.org/presentationml/2006/main">
   <p:cSld>
     <p:spTree>
@@ -22951,12 +27051,12 @@
           <a:lstStyle/>
           <a:p>
             <a:r>
-              <a:rPr lang="en-US" altLang="zh-CN" dirty="0" smtClean="0">
+              <a:rPr lang="en-US" altLang="zh-CN" b="0" dirty="0" err="1" smtClean="0">
                 <a:solidFill>
                   <a:schemeClr val="tx1"/>
                 </a:solidFill>
               </a:rPr>
-              <a:t>RDD</a:t>
+              <a:t>cogroup</a:t>
             </a:r>
             <a:endParaRPr lang="zh-CN" altLang="en-US" dirty="0">
               <a:solidFill>
@@ -22966,141 +27066,744 @@
           </a:p>
         </p:txBody>
       </p:sp>
-      <p:sp>
-        <p:nvSpPr>
-          <p:cNvPr id="18" name="文本框 17"/>
-          <p:cNvSpPr txBox="1"/>
+      <p:pic>
+        <p:nvPicPr>
+          <p:cNvPr id="5" name="图片 4"/>
+          <p:cNvPicPr>
+            <a:picLocks noChangeAspect="1"/>
+          </p:cNvPicPr>
           <p:nvPr/>
-        </p:nvSpPr>
+        </p:nvPicPr>
+        <p:blipFill>
+          <a:blip r:embed="rId2"/>
+          <a:stretch>
+            <a:fillRect/>
+          </a:stretch>
+        </p:blipFill>
         <p:spPr>
           <a:xfrm>
-            <a:off x="1435410" y="1523945"/>
-            <a:ext cx="4328216" cy="2400657"/>
+            <a:off x="1241868" y="1944414"/>
+            <a:ext cx="6830285" cy="3521517"/>
           </a:xfrm>
           <a:prstGeom prst="rect">
             <a:avLst/>
           </a:prstGeom>
-          <a:noFill/>
+        </p:spPr>
+      </p:pic>
+      <p:sp>
+        <p:nvSpPr>
+          <p:cNvPr id="3" name="Rectangle 1"/>
+          <p:cNvSpPr>
+            <a:spLocks noChangeArrowheads="1"/>
+          </p:cNvSpPr>
+          <p:nvPr/>
+        </p:nvSpPr>
+        <p:spPr bwMode="auto">
+          <a:xfrm>
+            <a:off x="167269" y="866802"/>
+            <a:ext cx="8616461" cy="923330"/>
+          </a:xfrm>
+          <a:prstGeom prst="rect">
+            <a:avLst/>
+          </a:prstGeom>
+          <a:solidFill>
+            <a:srgbClr val="2B2B2B"/>
+          </a:solidFill>
+          <a:ln>
+            <a:noFill/>
+          </a:ln>
+          <a:effectLst/>
+          <a:extLst>
+            <a:ext uri="{91240B29-F687-4F45-9708-019B960494DF}">
+              <a14:hiddenLine xmlns:a14="http://schemas.microsoft.com/office/drawing/2010/main" w="9525">
+                <a:solidFill>
+                  <a:schemeClr val="tx1"/>
+                </a:solidFill>
+                <a:miter lim="800000"/>
+                <a:headEnd/>
+                <a:tailEnd/>
+              </a14:hiddenLine>
+            </a:ext>
+            <a:ext uri="{AF507438-7753-43E0-B8FC-AC1667EBCBE1}">
+              <a14:hiddenEffects xmlns:a14="http://schemas.microsoft.com/office/drawing/2010/main">
+                <a:effectLst>
+                  <a:outerShdw dist="35921" dir="2700000" algn="ctr" rotWithShape="0">
+                    <a:schemeClr val="bg2"/>
+                  </a:outerShdw>
+                </a:effectLst>
+              </a14:hiddenEffects>
+            </a:ext>
+          </a:extLst>
         </p:spPr>
         <p:txBody>
-          <a:bodyPr wrap="square" rtlCol="0">
+          <a:bodyPr vert="horz" wrap="none" lIns="91440" tIns="45720" rIns="91440" bIns="45720" numCol="1" anchor="ctr" anchorCtr="0" compatLnSpc="1">
+            <a:prstTxWarp prst="textNoShape">
+              <a:avLst/>
+            </a:prstTxWarp>
             <a:spAutoFit/>
           </a:bodyPr>
           <a:lstStyle/>
           <a:p>
-            <a:pPr>
+            <a:pPr marL="0" marR="0" lvl="0" indent="0" algn="l" defTabSz="914400" rtl="0" eaLnBrk="0" fontAlgn="base" latinLnBrk="0" hangingPunct="0">
               <a:lnSpc>
-                <a:spcPct val="150000"/>
+                <a:spcPct val="100000"/>
               </a:lnSpc>
+              <a:spcBef>
+                <a:spcPct val="0"/>
+              </a:spcBef>
+              <a:spcAft>
+                <a:spcPct val="0"/>
+              </a:spcAft>
+              <a:buClrTx/>
+              <a:buSzTx/>
+              <a:buFontTx/>
+              <a:buNone/>
+              <a:tabLst/>
             </a:pPr>
             <a:r>
-              <a:rPr lang="en-US" altLang="zh-CN" sz="2000" dirty="0" smtClean="0">
-                <a:latin typeface="微软雅黑" panose="020B0503020204020204" pitchFamily="34" charset="-122"/>
-                <a:ea typeface="微软雅黑" panose="020B0503020204020204" pitchFamily="34" charset="-122"/>
-              </a:rPr>
-              <a:t>Resilient Distributed Dataset</a:t>
-            </a:r>
-            <a:r>
-              <a:rPr lang="zh-CN" altLang="en-US" sz="2000" dirty="0" smtClean="0">
-                <a:latin typeface="微软雅黑" panose="020B0503020204020204" pitchFamily="34" charset="-122"/>
-                <a:ea typeface="微软雅黑" panose="020B0503020204020204" pitchFamily="34" charset="-122"/>
-              </a:rPr>
-              <a:t>， </a:t>
-            </a:r>
-            <a:r>
-              <a:rPr lang="en-US" altLang="zh-CN" sz="2000" dirty="0" smtClean="0">
-                <a:latin typeface="微软雅黑" panose="020B0503020204020204" pitchFamily="34" charset="-122"/>
-                <a:ea typeface="微软雅黑" panose="020B0503020204020204" pitchFamily="34" charset="-122"/>
-              </a:rPr>
-              <a:t>RDD</a:t>
-            </a:r>
-            <a:r>
-              <a:rPr lang="zh-CN" altLang="en-US" sz="2000" dirty="0" smtClean="0">
-                <a:latin typeface="微软雅黑" panose="020B0503020204020204" pitchFamily="34" charset="-122"/>
-                <a:ea typeface="微软雅黑" panose="020B0503020204020204" pitchFamily="34" charset="-122"/>
-              </a:rPr>
-              <a:t>表示分布在多个计算节点上可以并行操作的元素集合，是</a:t>
-            </a:r>
-            <a:r>
-              <a:rPr lang="en-US" altLang="zh-CN" sz="2000" dirty="0" smtClean="0">
-                <a:latin typeface="微软雅黑" panose="020B0503020204020204" pitchFamily="34" charset="-122"/>
-                <a:ea typeface="微软雅黑" panose="020B0503020204020204" pitchFamily="34" charset="-122"/>
-              </a:rPr>
-              <a:t>Spark</a:t>
-            </a:r>
-            <a:r>
-              <a:rPr lang="zh-CN" altLang="en-US" sz="2000" dirty="0" smtClean="0">
-                <a:latin typeface="微软雅黑" panose="020B0503020204020204" pitchFamily="34" charset="-122"/>
-                <a:ea typeface="微软雅黑" panose="020B0503020204020204" pitchFamily="34" charset="-122"/>
-              </a:rPr>
-              <a:t>主要的编程抽象</a:t>
-            </a:r>
-            <a:r>
-              <a:rPr lang="zh-CN" altLang="en-US" sz="2000" dirty="0">
-                <a:latin typeface="微软雅黑" panose="020B0503020204020204" pitchFamily="34" charset="-122"/>
-                <a:ea typeface="微软雅黑" panose="020B0503020204020204" pitchFamily="34" charset="-122"/>
-              </a:rPr>
-              <a:t>。</a:t>
-            </a:r>
-          </a:p>
-          <a:p>
-            <a:pPr>
-              <a:lnSpc>
-                <a:spcPct val="150000"/>
-              </a:lnSpc>
-            </a:pPr>
-            <a:endParaRPr lang="zh-CN" altLang="en-US" sz="2000" dirty="0">
-              <a:latin typeface="微软雅黑" panose="020B0503020204020204" pitchFamily="34" charset="-122"/>
-              <a:ea typeface="微软雅黑" panose="020B0503020204020204" pitchFamily="34" charset="-122"/>
+              <a:rPr kumimoji="0" lang="zh-CN" altLang="zh-CN" b="1" i="0" u="none" strike="noStrike" cap="none" normalizeH="0" baseline="0" dirty="0" smtClean="0">
+                <a:ln>
+                  <a:noFill/>
+                </a:ln>
+                <a:solidFill>
+                  <a:srgbClr val="CC7832"/>
+                </a:solidFill>
+                <a:effectLst/>
+                <a:latin typeface="宋体" panose="02010600030101010101" pitchFamily="2" charset="-122"/>
+              </a:rPr>
+              <a:t>var </a:t>
+            </a:r>
+            <a:r>
+              <a:rPr kumimoji="0" lang="zh-CN" altLang="zh-CN" b="0" i="0" u="none" strike="noStrike" cap="none" normalizeH="0" baseline="0" dirty="0" smtClean="0">
+                <a:ln>
+                  <a:noFill/>
+                </a:ln>
+                <a:solidFill>
+                  <a:srgbClr val="A9B7C6"/>
+                </a:solidFill>
+                <a:effectLst/>
+                <a:latin typeface="宋体" panose="02010600030101010101" pitchFamily="2" charset="-122"/>
+              </a:rPr>
+              <a:t>x = sc.parallelize(</a:t>
+            </a:r>
+            <a:r>
+              <a:rPr kumimoji="0" lang="zh-CN" altLang="zh-CN" b="0" i="1" u="none" strike="noStrike" cap="none" normalizeH="0" baseline="0" dirty="0" smtClean="0">
+                <a:ln>
+                  <a:noFill/>
+                </a:ln>
+                <a:solidFill>
+                  <a:srgbClr val="A9B7C6"/>
+                </a:solidFill>
+                <a:effectLst/>
+                <a:latin typeface="宋体" panose="02010600030101010101" pitchFamily="2" charset="-122"/>
+              </a:rPr>
+              <a:t>Array</a:t>
+            </a:r>
+            <a:r>
+              <a:rPr kumimoji="0" lang="zh-CN" altLang="zh-CN" b="0" i="0" u="none" strike="noStrike" cap="none" normalizeH="0" baseline="0" dirty="0" smtClean="0">
+                <a:ln>
+                  <a:noFill/>
+                </a:ln>
+                <a:solidFill>
+                  <a:srgbClr val="A9B7C6"/>
+                </a:solidFill>
+                <a:effectLst/>
+                <a:latin typeface="宋体" panose="02010600030101010101" pitchFamily="2" charset="-122"/>
+              </a:rPr>
+              <a:t>((</a:t>
+            </a:r>
+            <a:r>
+              <a:rPr kumimoji="0" lang="zh-CN" altLang="zh-CN" b="0" i="0" u="none" strike="noStrike" cap="none" normalizeH="0" baseline="0" dirty="0" smtClean="0">
+                <a:ln>
+                  <a:noFill/>
+                </a:ln>
+                <a:solidFill>
+                  <a:srgbClr val="6897BB"/>
+                </a:solidFill>
+                <a:effectLst/>
+                <a:latin typeface="宋体" panose="02010600030101010101" pitchFamily="2" charset="-122"/>
+              </a:rPr>
+              <a:t>1</a:t>
+            </a:r>
+            <a:r>
+              <a:rPr kumimoji="0" lang="zh-CN" altLang="zh-CN" b="0" i="0" u="none" strike="noStrike" cap="none" normalizeH="0" baseline="0" dirty="0" smtClean="0">
+                <a:ln>
+                  <a:noFill/>
+                </a:ln>
+                <a:solidFill>
+                  <a:srgbClr val="CC7832"/>
+                </a:solidFill>
+                <a:effectLst/>
+                <a:latin typeface="宋体" panose="02010600030101010101" pitchFamily="2" charset="-122"/>
+              </a:rPr>
+              <a:t>, </a:t>
+            </a:r>
+            <a:r>
+              <a:rPr kumimoji="0" lang="zh-CN" altLang="zh-CN" b="0" i="0" u="none" strike="noStrike" cap="none" normalizeH="0" baseline="0" dirty="0" smtClean="0">
+                <a:ln>
+                  <a:noFill/>
+                </a:ln>
+                <a:solidFill>
+                  <a:srgbClr val="6A8759"/>
+                </a:solidFill>
+                <a:effectLst/>
+                <a:latin typeface="宋体" panose="02010600030101010101" pitchFamily="2" charset="-122"/>
+              </a:rPr>
+              <a:t>"tom"</a:t>
+            </a:r>
+            <a:r>
+              <a:rPr kumimoji="0" lang="zh-CN" altLang="zh-CN" b="0" i="0" u="none" strike="noStrike" cap="none" normalizeH="0" baseline="0" dirty="0" smtClean="0">
+                <a:ln>
+                  <a:noFill/>
+                </a:ln>
+                <a:solidFill>
+                  <a:srgbClr val="A9B7C6"/>
+                </a:solidFill>
+                <a:effectLst/>
+                <a:latin typeface="宋体" panose="02010600030101010101" pitchFamily="2" charset="-122"/>
+              </a:rPr>
+              <a:t>)</a:t>
+            </a:r>
+            <a:r>
+              <a:rPr kumimoji="0" lang="zh-CN" altLang="zh-CN" b="0" i="0" u="none" strike="noStrike" cap="none" normalizeH="0" baseline="0" dirty="0" smtClean="0">
+                <a:ln>
+                  <a:noFill/>
+                </a:ln>
+                <a:solidFill>
+                  <a:srgbClr val="CC7832"/>
+                </a:solidFill>
+                <a:effectLst/>
+                <a:latin typeface="宋体" panose="02010600030101010101" pitchFamily="2" charset="-122"/>
+              </a:rPr>
+              <a:t>,</a:t>
+            </a:r>
+            <a:r>
+              <a:rPr kumimoji="0" lang="zh-CN" altLang="zh-CN" b="0" i="0" u="none" strike="noStrike" cap="none" normalizeH="0" baseline="0" dirty="0" smtClean="0">
+                <a:ln>
+                  <a:noFill/>
+                </a:ln>
+                <a:solidFill>
+                  <a:srgbClr val="A9B7C6"/>
+                </a:solidFill>
+                <a:effectLst/>
+                <a:latin typeface="宋体" panose="02010600030101010101" pitchFamily="2" charset="-122"/>
+              </a:rPr>
+              <a:t>(</a:t>
+            </a:r>
+            <a:r>
+              <a:rPr kumimoji="0" lang="zh-CN" altLang="zh-CN" b="0" i="0" u="none" strike="noStrike" cap="none" normalizeH="0" baseline="0" dirty="0" smtClean="0">
+                <a:ln>
+                  <a:noFill/>
+                </a:ln>
+                <a:solidFill>
+                  <a:srgbClr val="6897BB"/>
+                </a:solidFill>
+                <a:effectLst/>
+                <a:latin typeface="宋体" panose="02010600030101010101" pitchFamily="2" charset="-122"/>
+              </a:rPr>
+              <a:t>2</a:t>
+            </a:r>
+            <a:r>
+              <a:rPr kumimoji="0" lang="zh-CN" altLang="zh-CN" b="0" i="0" u="none" strike="noStrike" cap="none" normalizeH="0" baseline="0" dirty="0" smtClean="0">
+                <a:ln>
+                  <a:noFill/>
+                </a:ln>
+                <a:solidFill>
+                  <a:srgbClr val="CC7832"/>
+                </a:solidFill>
+                <a:effectLst/>
+                <a:latin typeface="宋体" panose="02010600030101010101" pitchFamily="2" charset="-122"/>
+              </a:rPr>
+              <a:t>, </a:t>
+            </a:r>
+            <a:r>
+              <a:rPr kumimoji="0" lang="zh-CN" altLang="zh-CN" b="0" i="0" u="none" strike="noStrike" cap="none" normalizeH="0" baseline="0" dirty="0" smtClean="0">
+                <a:ln>
+                  <a:noFill/>
+                </a:ln>
+                <a:solidFill>
+                  <a:srgbClr val="6A8759"/>
+                </a:solidFill>
+                <a:effectLst/>
+                <a:latin typeface="宋体" panose="02010600030101010101" pitchFamily="2" charset="-122"/>
+              </a:rPr>
+              <a:t>"lily"</a:t>
+            </a:r>
+            <a:r>
+              <a:rPr kumimoji="0" lang="zh-CN" altLang="zh-CN" b="0" i="0" u="none" strike="noStrike" cap="none" normalizeH="0" baseline="0" dirty="0" smtClean="0">
+                <a:ln>
+                  <a:noFill/>
+                </a:ln>
+                <a:solidFill>
+                  <a:srgbClr val="A9B7C6"/>
+                </a:solidFill>
+                <a:effectLst/>
+                <a:latin typeface="宋体" panose="02010600030101010101" pitchFamily="2" charset="-122"/>
+              </a:rPr>
+              <a:t>)))</a:t>
+            </a:r>
+            <a:r>
+              <a:rPr kumimoji="0" lang="zh-CN" altLang="zh-CN" b="0" i="0" u="none" strike="noStrike" cap="none" normalizeH="0" baseline="0" dirty="0" smtClean="0">
+                <a:ln>
+                  <a:noFill/>
+                </a:ln>
+                <a:solidFill>
+                  <a:srgbClr val="808080"/>
+                </a:solidFill>
+                <a:effectLst/>
+                <a:latin typeface="宋体" panose="02010600030101010101" pitchFamily="2" charset="-122"/>
+              </a:rPr>
+              <a:t>//(id,name)</a:t>
+            </a:r>
+            <a:br>
+              <a:rPr kumimoji="0" lang="zh-CN" altLang="zh-CN" b="0" i="0" u="none" strike="noStrike" cap="none" normalizeH="0" baseline="0" dirty="0" smtClean="0">
+                <a:ln>
+                  <a:noFill/>
+                </a:ln>
+                <a:solidFill>
+                  <a:srgbClr val="808080"/>
+                </a:solidFill>
+                <a:effectLst/>
+                <a:latin typeface="宋体" panose="02010600030101010101" pitchFamily="2" charset="-122"/>
+              </a:rPr>
+            </a:br>
+            <a:r>
+              <a:rPr kumimoji="0" lang="zh-CN" altLang="zh-CN" b="1" i="0" u="none" strike="noStrike" cap="none" normalizeH="0" baseline="0" dirty="0" smtClean="0">
+                <a:ln>
+                  <a:noFill/>
+                </a:ln>
+                <a:solidFill>
+                  <a:srgbClr val="CC7832"/>
+                </a:solidFill>
+                <a:effectLst/>
+                <a:latin typeface="宋体" panose="02010600030101010101" pitchFamily="2" charset="-122"/>
+              </a:rPr>
+              <a:t>var </a:t>
+            </a:r>
+            <a:r>
+              <a:rPr kumimoji="0" lang="zh-CN" altLang="zh-CN" b="0" i="0" u="none" strike="noStrike" cap="none" normalizeH="0" baseline="0" dirty="0" smtClean="0">
+                <a:ln>
+                  <a:noFill/>
+                </a:ln>
+                <a:solidFill>
+                  <a:srgbClr val="A9B7C6"/>
+                </a:solidFill>
+                <a:effectLst/>
+                <a:latin typeface="宋体" panose="02010600030101010101" pitchFamily="2" charset="-122"/>
+              </a:rPr>
+              <a:t>y = sc.parallelize(</a:t>
+            </a:r>
+            <a:r>
+              <a:rPr kumimoji="0" lang="zh-CN" altLang="zh-CN" b="0" i="1" u="none" strike="noStrike" cap="none" normalizeH="0" baseline="0" dirty="0" smtClean="0">
+                <a:ln>
+                  <a:noFill/>
+                </a:ln>
+                <a:solidFill>
+                  <a:srgbClr val="A9B7C6"/>
+                </a:solidFill>
+                <a:effectLst/>
+                <a:latin typeface="宋体" panose="02010600030101010101" pitchFamily="2" charset="-122"/>
+              </a:rPr>
+              <a:t>Array</a:t>
+            </a:r>
+            <a:r>
+              <a:rPr kumimoji="0" lang="zh-CN" altLang="zh-CN" b="0" i="0" u="none" strike="noStrike" cap="none" normalizeH="0" baseline="0" dirty="0" smtClean="0">
+                <a:ln>
+                  <a:noFill/>
+                </a:ln>
+                <a:solidFill>
+                  <a:srgbClr val="A9B7C6"/>
+                </a:solidFill>
+                <a:effectLst/>
+                <a:latin typeface="宋体" panose="02010600030101010101" pitchFamily="2" charset="-122"/>
+              </a:rPr>
+              <a:t>((</a:t>
+            </a:r>
+            <a:r>
+              <a:rPr kumimoji="0" lang="zh-CN" altLang="zh-CN" b="0" i="0" u="none" strike="noStrike" cap="none" normalizeH="0" baseline="0" dirty="0" smtClean="0">
+                <a:ln>
+                  <a:noFill/>
+                </a:ln>
+                <a:solidFill>
+                  <a:srgbClr val="6897BB"/>
+                </a:solidFill>
+                <a:effectLst/>
+                <a:latin typeface="宋体" panose="02010600030101010101" pitchFamily="2" charset="-122"/>
+              </a:rPr>
+              <a:t>1</a:t>
+            </a:r>
+            <a:r>
+              <a:rPr kumimoji="0" lang="zh-CN" altLang="zh-CN" b="0" i="0" u="none" strike="noStrike" cap="none" normalizeH="0" baseline="0" dirty="0" smtClean="0">
+                <a:ln>
+                  <a:noFill/>
+                </a:ln>
+                <a:solidFill>
+                  <a:srgbClr val="CC7832"/>
+                </a:solidFill>
+                <a:effectLst/>
+                <a:latin typeface="宋体" panose="02010600030101010101" pitchFamily="2" charset="-122"/>
+              </a:rPr>
+              <a:t>, </a:t>
+            </a:r>
+            <a:r>
+              <a:rPr kumimoji="0" lang="zh-CN" altLang="zh-CN" b="0" i="0" u="none" strike="noStrike" cap="none" normalizeH="0" baseline="0" dirty="0" smtClean="0">
+                <a:ln>
+                  <a:noFill/>
+                </a:ln>
+                <a:solidFill>
+                  <a:srgbClr val="6897BB"/>
+                </a:solidFill>
+                <a:effectLst/>
+                <a:latin typeface="宋体" panose="02010600030101010101" pitchFamily="2" charset="-122"/>
+              </a:rPr>
+              <a:t>98</a:t>
+            </a:r>
+            <a:r>
+              <a:rPr kumimoji="0" lang="zh-CN" altLang="zh-CN" b="0" i="0" u="none" strike="noStrike" cap="none" normalizeH="0" baseline="0" dirty="0" smtClean="0">
+                <a:ln>
+                  <a:noFill/>
+                </a:ln>
+                <a:solidFill>
+                  <a:srgbClr val="A9B7C6"/>
+                </a:solidFill>
+                <a:effectLst/>
+                <a:latin typeface="宋体" panose="02010600030101010101" pitchFamily="2" charset="-122"/>
+              </a:rPr>
+              <a:t>)</a:t>
+            </a:r>
+            <a:r>
+              <a:rPr kumimoji="0" lang="zh-CN" altLang="zh-CN" b="0" i="0" u="none" strike="noStrike" cap="none" normalizeH="0" baseline="0" dirty="0" smtClean="0">
+                <a:ln>
+                  <a:noFill/>
+                </a:ln>
+                <a:solidFill>
+                  <a:srgbClr val="CC7832"/>
+                </a:solidFill>
+                <a:effectLst/>
+                <a:latin typeface="宋体" panose="02010600030101010101" pitchFamily="2" charset="-122"/>
+              </a:rPr>
+              <a:t>,</a:t>
+            </a:r>
+            <a:r>
+              <a:rPr kumimoji="0" lang="zh-CN" altLang="zh-CN" b="0" i="0" u="none" strike="noStrike" cap="none" normalizeH="0" baseline="0" dirty="0" smtClean="0">
+                <a:ln>
+                  <a:noFill/>
+                </a:ln>
+                <a:solidFill>
+                  <a:srgbClr val="A9B7C6"/>
+                </a:solidFill>
+                <a:effectLst/>
+                <a:latin typeface="宋体" panose="02010600030101010101" pitchFamily="2" charset="-122"/>
+              </a:rPr>
+              <a:t>(</a:t>
+            </a:r>
+            <a:r>
+              <a:rPr lang="en-US" altLang="zh-CN" dirty="0">
+                <a:solidFill>
+                  <a:srgbClr val="6897BB"/>
+                </a:solidFill>
+                <a:latin typeface="宋体" panose="02010600030101010101" pitchFamily="2" charset="-122"/>
+              </a:rPr>
+              <a:t>1</a:t>
+            </a:r>
+            <a:r>
+              <a:rPr kumimoji="0" lang="zh-CN" altLang="zh-CN" b="0" i="0" u="none" strike="noStrike" cap="none" normalizeH="0" baseline="0" dirty="0" smtClean="0">
+                <a:ln>
+                  <a:noFill/>
+                </a:ln>
+                <a:solidFill>
+                  <a:srgbClr val="CC7832"/>
+                </a:solidFill>
+                <a:effectLst/>
+                <a:latin typeface="宋体" panose="02010600030101010101" pitchFamily="2" charset="-122"/>
+              </a:rPr>
+              <a:t>, </a:t>
+            </a:r>
+            <a:r>
+              <a:rPr kumimoji="0" lang="zh-CN" altLang="zh-CN" b="0" i="0" u="none" strike="noStrike" cap="none" normalizeH="0" baseline="0" dirty="0" smtClean="0">
+                <a:ln>
+                  <a:noFill/>
+                </a:ln>
+                <a:solidFill>
+                  <a:srgbClr val="6897BB"/>
+                </a:solidFill>
+                <a:effectLst/>
+                <a:latin typeface="宋体" panose="02010600030101010101" pitchFamily="2" charset="-122"/>
+              </a:rPr>
+              <a:t>9</a:t>
+            </a:r>
+            <a:r>
+              <a:rPr kumimoji="0" lang="en-US" altLang="zh-CN" b="0" i="0" u="none" strike="noStrike" cap="none" normalizeH="0" baseline="0" dirty="0" smtClean="0">
+                <a:ln>
+                  <a:noFill/>
+                </a:ln>
+                <a:solidFill>
+                  <a:srgbClr val="6897BB"/>
+                </a:solidFill>
+                <a:effectLst/>
+                <a:latin typeface="宋体" panose="02010600030101010101" pitchFamily="2" charset="-122"/>
+              </a:rPr>
+              <a:t>6</a:t>
+            </a:r>
+            <a:r>
+              <a:rPr kumimoji="0" lang="zh-CN" altLang="zh-CN" b="0" i="0" u="none" strike="noStrike" cap="none" normalizeH="0" baseline="0" dirty="0" smtClean="0">
+                <a:ln>
+                  <a:noFill/>
+                </a:ln>
+                <a:solidFill>
+                  <a:srgbClr val="A9B7C6"/>
+                </a:solidFill>
+                <a:effectLst/>
+                <a:latin typeface="宋体" panose="02010600030101010101" pitchFamily="2" charset="-122"/>
+              </a:rPr>
+              <a:t>)</a:t>
+            </a:r>
+            <a:r>
+              <a:rPr kumimoji="0" lang="zh-CN" altLang="zh-CN" b="0" i="0" u="none" strike="noStrike" cap="none" normalizeH="0" baseline="0" dirty="0" smtClean="0">
+                <a:ln>
+                  <a:noFill/>
+                </a:ln>
+                <a:solidFill>
+                  <a:srgbClr val="CC7832"/>
+                </a:solidFill>
+                <a:effectLst/>
+                <a:latin typeface="宋体" panose="02010600030101010101" pitchFamily="2" charset="-122"/>
+              </a:rPr>
+              <a:t>,</a:t>
+            </a:r>
+            <a:r>
+              <a:rPr kumimoji="0" lang="zh-CN" altLang="zh-CN" b="0" i="0" u="none" strike="noStrike" cap="none" normalizeH="0" baseline="0" dirty="0" smtClean="0">
+                <a:ln>
+                  <a:noFill/>
+                </a:ln>
+                <a:solidFill>
+                  <a:srgbClr val="A9B7C6"/>
+                </a:solidFill>
+                <a:effectLst/>
+                <a:latin typeface="宋体" panose="02010600030101010101" pitchFamily="2" charset="-122"/>
+              </a:rPr>
+              <a:t>(</a:t>
+            </a:r>
+            <a:r>
+              <a:rPr lang="en-US" altLang="zh-CN" dirty="0">
+                <a:solidFill>
+                  <a:srgbClr val="6897BB"/>
+                </a:solidFill>
+                <a:latin typeface="宋体" panose="02010600030101010101" pitchFamily="2" charset="-122"/>
+              </a:rPr>
+              <a:t>2</a:t>
+            </a:r>
+            <a:r>
+              <a:rPr kumimoji="0" lang="zh-CN" altLang="zh-CN" b="0" i="0" u="none" strike="noStrike" cap="none" normalizeH="0" baseline="0" dirty="0" smtClean="0">
+                <a:ln>
+                  <a:noFill/>
+                </a:ln>
+                <a:solidFill>
+                  <a:srgbClr val="CC7832"/>
+                </a:solidFill>
+                <a:effectLst/>
+                <a:latin typeface="宋体" panose="02010600030101010101" pitchFamily="2" charset="-122"/>
+              </a:rPr>
+              <a:t>, </a:t>
+            </a:r>
+            <a:r>
+              <a:rPr kumimoji="0" lang="zh-CN" altLang="zh-CN" b="0" i="0" u="none" strike="noStrike" cap="none" normalizeH="0" baseline="0" dirty="0" smtClean="0">
+                <a:ln>
+                  <a:noFill/>
+                </a:ln>
+                <a:solidFill>
+                  <a:srgbClr val="6897BB"/>
+                </a:solidFill>
+                <a:effectLst/>
+                <a:latin typeface="宋体" panose="02010600030101010101" pitchFamily="2" charset="-122"/>
+              </a:rPr>
+              <a:t>9</a:t>
+            </a:r>
+            <a:r>
+              <a:rPr kumimoji="0" lang="en-US" altLang="zh-CN" b="0" i="0" u="none" strike="noStrike" cap="none" normalizeH="0" baseline="0" dirty="0" smtClean="0">
+                <a:ln>
+                  <a:noFill/>
+                </a:ln>
+                <a:solidFill>
+                  <a:srgbClr val="6897BB"/>
+                </a:solidFill>
+                <a:effectLst/>
+                <a:latin typeface="宋体" panose="02010600030101010101" pitchFamily="2" charset="-122"/>
+              </a:rPr>
+              <a:t>2</a:t>
+            </a:r>
+            <a:r>
+              <a:rPr kumimoji="0" lang="zh-CN" altLang="zh-CN" b="0" i="0" u="none" strike="noStrike" cap="none" normalizeH="0" baseline="0" dirty="0" smtClean="0">
+                <a:ln>
+                  <a:noFill/>
+                </a:ln>
+                <a:solidFill>
+                  <a:srgbClr val="A9B7C6"/>
+                </a:solidFill>
+                <a:effectLst/>
+                <a:latin typeface="宋体" panose="02010600030101010101" pitchFamily="2" charset="-122"/>
+              </a:rPr>
+              <a:t>)</a:t>
+            </a:r>
+            <a:r>
+              <a:rPr kumimoji="0" lang="zh-CN" altLang="zh-CN" b="0" i="0" u="none" strike="noStrike" cap="none" normalizeH="0" baseline="0" dirty="0" smtClean="0">
+                <a:ln>
+                  <a:noFill/>
+                </a:ln>
+                <a:solidFill>
+                  <a:srgbClr val="CC7832"/>
+                </a:solidFill>
+                <a:effectLst/>
+                <a:latin typeface="宋体" panose="02010600030101010101" pitchFamily="2" charset="-122"/>
+              </a:rPr>
+              <a:t>,</a:t>
+            </a:r>
+            <a:r>
+              <a:rPr kumimoji="0" lang="zh-CN" altLang="zh-CN" b="0" i="0" u="none" strike="noStrike" cap="none" normalizeH="0" baseline="0" dirty="0" smtClean="0">
+                <a:ln>
+                  <a:noFill/>
+                </a:ln>
+                <a:solidFill>
+                  <a:srgbClr val="A9B7C6"/>
+                </a:solidFill>
+                <a:effectLst/>
+                <a:latin typeface="宋体" panose="02010600030101010101" pitchFamily="2" charset="-122"/>
+              </a:rPr>
+              <a:t>(</a:t>
+            </a:r>
+            <a:r>
+              <a:rPr kumimoji="0" lang="zh-CN" altLang="zh-CN" b="0" i="0" u="none" strike="noStrike" cap="none" normalizeH="0" baseline="0" dirty="0" smtClean="0">
+                <a:ln>
+                  <a:noFill/>
+                </a:ln>
+                <a:solidFill>
+                  <a:srgbClr val="6897BB"/>
+                </a:solidFill>
+                <a:effectLst/>
+                <a:latin typeface="宋体" panose="02010600030101010101" pitchFamily="2" charset="-122"/>
+              </a:rPr>
+              <a:t>2</a:t>
+            </a:r>
+            <a:r>
+              <a:rPr kumimoji="0" lang="zh-CN" altLang="zh-CN" b="0" i="0" u="none" strike="noStrike" cap="none" normalizeH="0" baseline="0" dirty="0" smtClean="0">
+                <a:ln>
+                  <a:noFill/>
+                </a:ln>
+                <a:solidFill>
+                  <a:srgbClr val="CC7832"/>
+                </a:solidFill>
+                <a:effectLst/>
+                <a:latin typeface="宋体" panose="02010600030101010101" pitchFamily="2" charset="-122"/>
+              </a:rPr>
+              <a:t>,</a:t>
+            </a:r>
+            <a:r>
+              <a:rPr kumimoji="0" lang="zh-CN" altLang="zh-CN" b="0" i="0" u="none" strike="noStrike" cap="none" normalizeH="0" baseline="0" dirty="0" smtClean="0">
+                <a:ln>
+                  <a:noFill/>
+                </a:ln>
+                <a:solidFill>
+                  <a:srgbClr val="6897BB"/>
+                </a:solidFill>
+                <a:effectLst/>
+                <a:latin typeface="宋体" panose="02010600030101010101" pitchFamily="2" charset="-122"/>
+              </a:rPr>
+              <a:t>89</a:t>
+            </a:r>
+            <a:r>
+              <a:rPr kumimoji="0" lang="zh-CN" altLang="zh-CN" b="0" i="0" u="none" strike="noStrike" cap="none" normalizeH="0" baseline="0" dirty="0" smtClean="0">
+                <a:ln>
+                  <a:noFill/>
+                </a:ln>
+                <a:solidFill>
+                  <a:srgbClr val="A9B7C6"/>
+                </a:solidFill>
+                <a:effectLst/>
+                <a:latin typeface="宋体" panose="02010600030101010101" pitchFamily="2" charset="-122"/>
+              </a:rPr>
+              <a:t>)))</a:t>
+            </a:r>
+            <a:r>
+              <a:rPr kumimoji="0" lang="zh-CN" altLang="zh-CN" b="0" i="0" u="none" strike="noStrike" cap="none" normalizeH="0" baseline="0" dirty="0" smtClean="0">
+                <a:ln>
+                  <a:noFill/>
+                </a:ln>
+                <a:solidFill>
+                  <a:srgbClr val="808080"/>
+                </a:solidFill>
+                <a:effectLst/>
+                <a:latin typeface="宋体" panose="02010600030101010101" pitchFamily="2" charset="-122"/>
+              </a:rPr>
+              <a:t>//(id,score)</a:t>
+            </a:r>
+            <a:br>
+              <a:rPr kumimoji="0" lang="zh-CN" altLang="zh-CN" b="0" i="0" u="none" strike="noStrike" cap="none" normalizeH="0" baseline="0" dirty="0" smtClean="0">
+                <a:ln>
+                  <a:noFill/>
+                </a:ln>
+                <a:solidFill>
+                  <a:srgbClr val="808080"/>
+                </a:solidFill>
+                <a:effectLst/>
+                <a:latin typeface="宋体" panose="02010600030101010101" pitchFamily="2" charset="-122"/>
+              </a:rPr>
+            </a:br>
+            <a:r>
+              <a:rPr kumimoji="0" lang="zh-CN" altLang="zh-CN" b="0" i="0" u="none" strike="noStrike" cap="none" normalizeH="0" baseline="0" dirty="0" smtClean="0">
+                <a:ln>
+                  <a:noFill/>
+                </a:ln>
+                <a:solidFill>
+                  <a:srgbClr val="A9B7C6"/>
+                </a:solidFill>
+                <a:effectLst/>
+                <a:latin typeface="宋体" panose="02010600030101010101" pitchFamily="2" charset="-122"/>
+              </a:rPr>
+              <a:t>x.cogroup(y).collect().foreach(</a:t>
+            </a:r>
+            <a:r>
+              <a:rPr kumimoji="0" lang="zh-CN" altLang="zh-CN" b="0" i="1" u="none" strike="noStrike" cap="none" normalizeH="0" baseline="0" dirty="0" smtClean="0">
+                <a:ln>
+                  <a:noFill/>
+                </a:ln>
+                <a:solidFill>
+                  <a:srgbClr val="A9B7C6"/>
+                </a:solidFill>
+                <a:effectLst/>
+                <a:latin typeface="宋体" panose="02010600030101010101" pitchFamily="2" charset="-122"/>
+              </a:rPr>
+              <a:t>println</a:t>
+            </a:r>
+            <a:r>
+              <a:rPr kumimoji="0" lang="zh-CN" altLang="zh-CN" b="0" i="0" u="none" strike="noStrike" cap="none" normalizeH="0" baseline="0" dirty="0" smtClean="0">
+                <a:ln>
+                  <a:noFill/>
+                </a:ln>
+                <a:solidFill>
+                  <a:srgbClr val="A9B7C6"/>
+                </a:solidFill>
+                <a:effectLst/>
+                <a:latin typeface="宋体" panose="02010600030101010101" pitchFamily="2" charset="-122"/>
+              </a:rPr>
+              <a:t>)</a:t>
+            </a:r>
+            <a:endParaRPr kumimoji="0" lang="zh-CN" altLang="zh-CN" b="0" i="0" u="none" strike="noStrike" cap="none" normalizeH="0" baseline="0" dirty="0" smtClean="0">
+              <a:ln>
+                <a:noFill/>
+              </a:ln>
+              <a:solidFill>
+                <a:schemeClr val="tx1"/>
+              </a:solidFill>
+              <a:effectLst/>
+              <a:latin typeface="Arial" panose="020B0604020202020204" pitchFamily="34" charset="0"/>
             </a:endParaRPr>
           </a:p>
         </p:txBody>
       </p:sp>
-      <p:pic>
-        <p:nvPicPr>
-          <p:cNvPr id="1026" name="Picture 2" descr="https://ss1.bdstatic.com/70cFuXSh_Q1YnxGkpoWK1HF6hhy/it/u=2293173642,1232128481&amp;fm=27&amp;gp=0.jpg"/>
-          <p:cNvPicPr>
-            <a:picLocks noChangeAspect="1" noChangeArrowheads="1"/>
-          </p:cNvPicPr>
-          <p:nvPr/>
-        </p:nvPicPr>
-        <p:blipFill>
-          <a:blip r:embed="rId3">
-            <a:extLst>
-              <a:ext uri="{28A0092B-C50C-407E-A947-70E740481C1C}">
-                <a14:useLocalDpi xmlns:a14="http://schemas.microsoft.com/office/drawing/2010/main" val="0"/>
-              </a:ext>
-            </a:extLst>
-          </a:blip>
-          <a:srcRect/>
-          <a:stretch>
-            <a:fillRect/>
-          </a:stretch>
-        </p:blipFill>
-        <p:spPr bwMode="auto">
-          <a:xfrm>
-            <a:off x="6446970" y="3159344"/>
-            <a:ext cx="2400313" cy="2400313"/>
-          </a:xfrm>
-          <a:prstGeom prst="rect">
-            <a:avLst/>
-          </a:prstGeom>
-          <a:noFill/>
-          <a:extLst>
-            <a:ext uri="{909E8E84-426E-40DD-AFC4-6F175D3DCCD1}">
-              <a14:hiddenFill xmlns:a14="http://schemas.microsoft.com/office/drawing/2010/main">
-                <a:solidFill>
-                  <a:srgbClr val="FFFFFF"/>
-                </a:solidFill>
-              </a14:hiddenFill>
-            </a:ext>
-          </a:extLst>
-        </p:spPr>
-      </p:pic>
     </p:spTree>
     <p:extLst>
       <p:ext uri="{BB962C8B-B14F-4D97-AF65-F5344CB8AC3E}">
-        <p14:creationId xmlns:p14="http://schemas.microsoft.com/office/powerpoint/2010/main" val="1606824111"/>
+        <p14:creationId xmlns:p14="http://schemas.microsoft.com/office/powerpoint/2010/main" val="3563700851"/>
       </p:ext>
     </p:extLst>
   </p:cSld>
@@ -23117,7 +27820,7 @@
 </p:sld>
 </file>
 
-<file path=ppt/slides/slide20.xml><?xml version="1.0" encoding="utf-8"?>
+<file path=ppt/slides/slide26.xml><?xml version="1.0" encoding="utf-8"?>
 <p:sld xmlns:a="http://schemas.openxmlformats.org/drawingml/2006/main" xmlns:r="http://schemas.openxmlformats.org/officeDocument/2006/relationships" xmlns:p="http://schemas.openxmlformats.org/presentationml/2006/main">
   <p:cSld>
     <p:spTree>
@@ -23150,98 +27853,6 @@
           <a:lstStyle/>
           <a:p>
             <a:r>
-              <a:rPr lang="en-US" altLang="zh-CN" b="0" dirty="0" err="1" smtClean="0">
-                <a:solidFill>
-                  <a:schemeClr val="tx1"/>
-                </a:solidFill>
-              </a:rPr>
-              <a:t>cogroup</a:t>
-            </a:r>
-            <a:endParaRPr lang="zh-CN" altLang="en-US" dirty="0">
-              <a:solidFill>
-                <a:schemeClr val="tx1"/>
-              </a:solidFill>
-            </a:endParaRPr>
-          </a:p>
-        </p:txBody>
-      </p:sp>
-      <p:pic>
-        <p:nvPicPr>
-          <p:cNvPr id="5" name="图片 4"/>
-          <p:cNvPicPr>
-            <a:picLocks noChangeAspect="1"/>
-          </p:cNvPicPr>
-          <p:nvPr/>
-        </p:nvPicPr>
-        <p:blipFill>
-          <a:blip r:embed="rId2"/>
-          <a:stretch>
-            <a:fillRect/>
-          </a:stretch>
-        </p:blipFill>
-        <p:spPr>
-          <a:xfrm>
-            <a:off x="1286473" y="1710238"/>
-            <a:ext cx="6830285" cy="3521517"/>
-          </a:xfrm>
-          <a:prstGeom prst="rect">
-            <a:avLst/>
-          </a:prstGeom>
-        </p:spPr>
-      </p:pic>
-    </p:spTree>
-    <p:extLst>
-      <p:ext uri="{BB962C8B-B14F-4D97-AF65-F5344CB8AC3E}">
-        <p14:creationId xmlns:p14="http://schemas.microsoft.com/office/powerpoint/2010/main" val="3563700851"/>
-      </p:ext>
-    </p:extLst>
-  </p:cSld>
-  <p:clrMapOvr>
-    <a:masterClrMapping/>
-  </p:clrMapOvr>
-  <p:timing>
-    <p:tnLst>
-      <p:par>
-        <p:cTn id="1" dur="indefinite" restart="never" nodeType="tmRoot"/>
-      </p:par>
-    </p:tnLst>
-  </p:timing>
-</p:sld>
-</file>
-
-<file path=ppt/slides/slide21.xml><?xml version="1.0" encoding="utf-8"?>
-<p:sld xmlns:a="http://schemas.openxmlformats.org/drawingml/2006/main" xmlns:r="http://schemas.openxmlformats.org/officeDocument/2006/relationships" xmlns:p="http://schemas.openxmlformats.org/presentationml/2006/main">
-  <p:cSld>
-    <p:spTree>
-      <p:nvGrpSpPr>
-        <p:cNvPr id="1" name=""/>
-        <p:cNvGrpSpPr/>
-        <p:nvPr/>
-      </p:nvGrpSpPr>
-      <p:grpSpPr>
-        <a:xfrm>
-          <a:off x="0" y="0"/>
-          <a:ext cx="0" cy="0"/>
-          <a:chOff x="0" y="0"/>
-          <a:chExt cx="0" cy="0"/>
-        </a:xfrm>
-      </p:grpSpPr>
-      <p:sp>
-        <p:nvSpPr>
-          <p:cNvPr id="2" name="标题 1"/>
-          <p:cNvSpPr>
-            <a:spLocks noGrp="1"/>
-          </p:cNvSpPr>
-          <p:nvPr>
-            <p:ph type="title"/>
-          </p:nvPr>
-        </p:nvSpPr>
-        <p:spPr/>
-        <p:txBody>
-          <a:bodyPr/>
-          <a:lstStyle/>
-          <a:p>
-            <a:r>
               <a:rPr lang="en-US" altLang="zh-CN" dirty="0" err="1" smtClean="0">
                 <a:solidFill>
                   <a:schemeClr val="tx1"/>
@@ -23265,7 +27876,7 @@
         </p:nvSpPr>
         <p:spPr>
           <a:xfrm>
-            <a:off x="828181" y="4995284"/>
+            <a:off x="6375967" y="1945747"/>
             <a:ext cx="4572000" cy="369332"/>
           </a:xfrm>
           <a:prstGeom prst="rect">
@@ -23310,7 +27921,7 @@
         </p:blipFill>
         <p:spPr>
           <a:xfrm>
-            <a:off x="260291" y="969459"/>
+            <a:off x="260291" y="835645"/>
             <a:ext cx="5707780" cy="2942783"/>
           </a:xfrm>
           <a:prstGeom prst="rect">
@@ -23334,7 +27945,7 @@
         </p:blipFill>
         <p:spPr>
           <a:xfrm>
-            <a:off x="3353146" y="3330696"/>
+            <a:off x="3114181" y="3676185"/>
             <a:ext cx="5547786" cy="2860294"/>
           </a:xfrm>
           <a:prstGeom prst="rect">
@@ -23362,7 +27973,7 @@
 </p:sld>
 </file>
 
-<file path=ppt/slides/slide22.xml><?xml version="1.0" encoding="utf-8"?>
+<file path=ppt/slides/slide27.xml><?xml version="1.0" encoding="utf-8"?>
 <p:sld xmlns:a="http://schemas.openxmlformats.org/drawingml/2006/main" xmlns:r="http://schemas.openxmlformats.org/officeDocument/2006/relationships" xmlns:p="http://schemas.openxmlformats.org/presentationml/2006/main">
   <p:cSld>
     <p:spTree>
@@ -23802,7 +28413,7 @@
 </p:sld>
 </file>
 
-<file path=ppt/slides/slide23.xml><?xml version="1.0" encoding="utf-8"?>
+<file path=ppt/slides/slide28.xml><?xml version="1.0" encoding="utf-8"?>
 <p:sld xmlns:a="http://schemas.openxmlformats.org/drawingml/2006/main" xmlns:r="http://schemas.openxmlformats.org/officeDocument/2006/relationships" xmlns:p="http://schemas.openxmlformats.org/presentationml/2006/main">
   <p:cSld>
     <p:spTree>
@@ -23877,7 +28488,7 @@
         </p:blipFill>
         <p:spPr>
           <a:xfrm>
-            <a:off x="2158679" y="2168287"/>
+            <a:off x="1857596" y="2348113"/>
             <a:ext cx="4925028" cy="3530114"/>
           </a:xfrm>
           <a:prstGeom prst="rect">
@@ -23887,69 +28498,239 @@
       </p:pic>
       <p:sp>
         <p:nvSpPr>
-          <p:cNvPr id="6" name="矩形 5"/>
-          <p:cNvSpPr/>
+          <p:cNvPr id="4" name="Rectangle 1"/>
+          <p:cNvSpPr>
+            <a:spLocks noChangeArrowheads="1"/>
+          </p:cNvSpPr>
           <p:nvPr/>
         </p:nvSpPr>
-        <p:spPr>
+        <p:spPr bwMode="auto">
           <a:xfrm>
-            <a:off x="1226401" y="1066076"/>
-            <a:ext cx="4572000" cy="646331"/>
+            <a:off x="1773041" y="1053709"/>
+            <a:ext cx="4551246" cy="707886"/>
           </a:xfrm>
           <a:prstGeom prst="rect">
             <a:avLst/>
           </a:prstGeom>
+          <a:solidFill>
+            <a:srgbClr val="2B2B2B"/>
+          </a:solidFill>
+          <a:ln>
+            <a:noFill/>
+          </a:ln>
+          <a:effectLst/>
+          <a:extLst>
+            <a:ext uri="{91240B29-F687-4F45-9708-019B960494DF}">
+              <a14:hiddenLine xmlns:a14="http://schemas.microsoft.com/office/drawing/2010/main" w="9525">
+                <a:solidFill>
+                  <a:schemeClr val="tx1"/>
+                </a:solidFill>
+                <a:miter lim="800000"/>
+                <a:headEnd/>
+                <a:tailEnd/>
+              </a14:hiddenLine>
+            </a:ext>
+            <a:ext uri="{AF507438-7753-43E0-B8FC-AC1667EBCBE1}">
+              <a14:hiddenEffects xmlns:a14="http://schemas.microsoft.com/office/drawing/2010/main">
+                <a:effectLst>
+                  <a:outerShdw dist="35921" dir="2700000" algn="ctr" rotWithShape="0">
+                    <a:schemeClr val="bg2"/>
+                  </a:outerShdw>
+                </a:effectLst>
+              </a14:hiddenEffects>
+            </a:ext>
+          </a:extLst>
         </p:spPr>
         <p:txBody>
-          <a:bodyPr>
+          <a:bodyPr vert="horz" wrap="none" lIns="91440" tIns="45720" rIns="91440" bIns="45720" numCol="1" anchor="ctr" anchorCtr="0" compatLnSpc="1">
+            <a:prstTxWarp prst="textNoShape">
+              <a:avLst/>
+            </a:prstTxWarp>
             <a:spAutoFit/>
           </a:bodyPr>
           <a:lstStyle/>
           <a:p>
-            <a:r>
-              <a:rPr lang="en-US" altLang="zh-CN" dirty="0" err="1"/>
-              <a:t>var</a:t>
-            </a:r>
-            <a:r>
-              <a:rPr lang="en-US" altLang="zh-CN" dirty="0"/>
-              <a:t> rdd1 = </a:t>
-            </a:r>
-            <a:r>
-              <a:rPr lang="en-US" altLang="zh-CN" dirty="0" err="1"/>
-              <a:t>sc.parallelize</a:t>
-            </a:r>
-            <a:r>
-              <a:rPr lang="en-US" altLang="zh-CN" dirty="0"/>
-              <a:t>(1 to 6</a:t>
-            </a:r>
-            <a:r>
-              <a:rPr lang="en-US" altLang="zh-CN" dirty="0" smtClean="0"/>
-              <a:t>);</a:t>
-            </a:r>
-            <a:endParaRPr lang="en-US" altLang="zh-CN" dirty="0"/>
-          </a:p>
-          <a:p>
-            <a:r>
-              <a:rPr lang="en-US" altLang="zh-CN" dirty="0"/>
-              <a:t>    print(rdd1.reduce((</a:t>
-            </a:r>
-            <a:r>
-              <a:rPr lang="en-US" altLang="zh-CN" dirty="0" err="1"/>
-              <a:t>x,y</a:t>
-            </a:r>
-            <a:r>
-              <a:rPr lang="en-US" altLang="zh-CN" dirty="0"/>
-              <a:t>)=&gt;</a:t>
-            </a:r>
-            <a:r>
-              <a:rPr lang="en-US" altLang="zh-CN" dirty="0" err="1"/>
-              <a:t>x+y</a:t>
-            </a:r>
-            <a:r>
-              <a:rPr lang="en-US" altLang="zh-CN" dirty="0"/>
-              <a:t>))</a:t>
-            </a:r>
-            <a:endParaRPr lang="zh-CN" altLang="en-US" dirty="0"/>
+            <a:pPr marL="0" marR="0" lvl="0" indent="0" algn="l" defTabSz="914400" rtl="0" eaLnBrk="0" fontAlgn="base" latinLnBrk="0" hangingPunct="0">
+              <a:lnSpc>
+                <a:spcPct val="100000"/>
+              </a:lnSpc>
+              <a:spcBef>
+                <a:spcPct val="0"/>
+              </a:spcBef>
+              <a:spcAft>
+                <a:spcPct val="0"/>
+              </a:spcAft>
+              <a:buClrTx/>
+              <a:buSzTx/>
+              <a:buFontTx/>
+              <a:buNone/>
+              <a:tabLst/>
+            </a:pPr>
+            <a:r>
+              <a:rPr kumimoji="0" lang="zh-CN" altLang="zh-CN" sz="2000" b="1" i="0" u="none" strike="noStrike" cap="none" normalizeH="0" baseline="0" dirty="0" smtClean="0">
+                <a:ln>
+                  <a:noFill/>
+                </a:ln>
+                <a:solidFill>
+                  <a:srgbClr val="CC7832"/>
+                </a:solidFill>
+                <a:effectLst/>
+                <a:latin typeface="宋体" panose="02010600030101010101" pitchFamily="2" charset="-122"/>
+              </a:rPr>
+              <a:t>var </a:t>
+            </a:r>
+            <a:r>
+              <a:rPr kumimoji="0" lang="zh-CN" altLang="zh-CN" sz="2000" b="0" i="0" u="none" strike="noStrike" cap="none" normalizeH="0" baseline="0" dirty="0" smtClean="0">
+                <a:ln>
+                  <a:noFill/>
+                </a:ln>
+                <a:solidFill>
+                  <a:srgbClr val="A9B7C6"/>
+                </a:solidFill>
+                <a:effectLst/>
+                <a:latin typeface="宋体" panose="02010600030101010101" pitchFamily="2" charset="-122"/>
+              </a:rPr>
+              <a:t>rdd1 = sc.parallelize(</a:t>
+            </a:r>
+            <a:r>
+              <a:rPr kumimoji="0" lang="zh-CN" altLang="zh-CN" sz="2000" b="0" i="0" u="none" strike="noStrike" cap="none" normalizeH="0" baseline="0" dirty="0" smtClean="0">
+                <a:ln>
+                  <a:noFill/>
+                </a:ln>
+                <a:solidFill>
+                  <a:srgbClr val="6897BB"/>
+                </a:solidFill>
+                <a:effectLst/>
+                <a:latin typeface="宋体" panose="02010600030101010101" pitchFamily="2" charset="-122"/>
+              </a:rPr>
+              <a:t>1 </a:t>
+            </a:r>
+            <a:r>
+              <a:rPr kumimoji="0" lang="zh-CN" altLang="zh-CN" sz="2000" b="0" i="0" u="none" strike="noStrike" cap="none" normalizeH="0" baseline="0" dirty="0" smtClean="0">
+                <a:ln>
+                  <a:noFill/>
+                </a:ln>
+                <a:solidFill>
+                  <a:srgbClr val="A9B7C6"/>
+                </a:solidFill>
+                <a:effectLst/>
+                <a:latin typeface="宋体" panose="02010600030101010101" pitchFamily="2" charset="-122"/>
+              </a:rPr>
+              <a:t>to </a:t>
+            </a:r>
+            <a:r>
+              <a:rPr kumimoji="0" lang="zh-CN" altLang="zh-CN" sz="2000" b="0" i="0" u="none" strike="noStrike" cap="none" normalizeH="0" baseline="0" dirty="0" smtClean="0">
+                <a:ln>
+                  <a:noFill/>
+                </a:ln>
+                <a:solidFill>
+                  <a:srgbClr val="6897BB"/>
+                </a:solidFill>
+                <a:effectLst/>
+                <a:latin typeface="宋体" panose="02010600030101010101" pitchFamily="2" charset="-122"/>
+              </a:rPr>
+              <a:t>6</a:t>
+            </a:r>
+            <a:r>
+              <a:rPr kumimoji="0" lang="zh-CN" altLang="zh-CN" sz="2000" b="0" i="0" u="none" strike="noStrike" cap="none" normalizeH="0" baseline="0" dirty="0" smtClean="0">
+                <a:ln>
+                  <a:noFill/>
+                </a:ln>
+                <a:solidFill>
+                  <a:srgbClr val="A9B7C6"/>
+                </a:solidFill>
+                <a:effectLst/>
+                <a:latin typeface="宋体" panose="02010600030101010101" pitchFamily="2" charset="-122"/>
+              </a:rPr>
+              <a:t>)</a:t>
+            </a:r>
+            <a:r>
+              <a:rPr kumimoji="0" lang="zh-CN" altLang="zh-CN" sz="2000" b="0" i="0" u="none" strike="noStrike" cap="none" normalizeH="0" baseline="0" dirty="0" smtClean="0">
+                <a:ln>
+                  <a:noFill/>
+                </a:ln>
+                <a:solidFill>
+                  <a:srgbClr val="CC7832"/>
+                </a:solidFill>
+                <a:effectLst/>
+                <a:latin typeface="宋体" panose="02010600030101010101" pitchFamily="2" charset="-122"/>
+              </a:rPr>
+              <a:t>;</a:t>
+            </a:r>
+            <a:br>
+              <a:rPr kumimoji="0" lang="zh-CN" altLang="zh-CN" sz="2000" b="0" i="0" u="none" strike="noStrike" cap="none" normalizeH="0" baseline="0" dirty="0" smtClean="0">
+                <a:ln>
+                  <a:noFill/>
+                </a:ln>
+                <a:solidFill>
+                  <a:srgbClr val="CC7832"/>
+                </a:solidFill>
+                <a:effectLst/>
+                <a:latin typeface="宋体" panose="02010600030101010101" pitchFamily="2" charset="-122"/>
+              </a:rPr>
+            </a:br>
+            <a:r>
+              <a:rPr kumimoji="0" lang="zh-CN" altLang="zh-CN" sz="2000" b="0" i="1" u="none" strike="noStrike" cap="none" normalizeH="0" baseline="0" dirty="0" smtClean="0">
+                <a:ln>
+                  <a:noFill/>
+                </a:ln>
+                <a:solidFill>
+                  <a:srgbClr val="A9B7C6"/>
+                </a:solidFill>
+                <a:effectLst/>
+                <a:latin typeface="宋体" panose="02010600030101010101" pitchFamily="2" charset="-122"/>
+              </a:rPr>
+              <a:t>print</a:t>
+            </a:r>
+            <a:r>
+              <a:rPr kumimoji="0" lang="zh-CN" altLang="zh-CN" sz="2000" b="0" i="0" u="none" strike="noStrike" cap="none" normalizeH="0" baseline="0" dirty="0" smtClean="0">
+                <a:ln>
+                  <a:noFill/>
+                </a:ln>
+                <a:solidFill>
+                  <a:srgbClr val="A9B7C6"/>
+                </a:solidFill>
+                <a:effectLst/>
+                <a:latin typeface="宋体" panose="02010600030101010101" pitchFamily="2" charset="-122"/>
+              </a:rPr>
+              <a:t>(rdd1.reduce((x</a:t>
+            </a:r>
+            <a:r>
+              <a:rPr kumimoji="0" lang="zh-CN" altLang="zh-CN" sz="2000" b="0" i="0" u="none" strike="noStrike" cap="none" normalizeH="0" baseline="0" dirty="0" smtClean="0">
+                <a:ln>
+                  <a:noFill/>
+                </a:ln>
+                <a:solidFill>
+                  <a:srgbClr val="CC7832"/>
+                </a:solidFill>
+                <a:effectLst/>
+                <a:latin typeface="宋体" panose="02010600030101010101" pitchFamily="2" charset="-122"/>
+              </a:rPr>
+              <a:t>,</a:t>
+            </a:r>
+            <a:r>
+              <a:rPr kumimoji="0" lang="zh-CN" altLang="zh-CN" sz="2000" b="0" i="0" u="none" strike="noStrike" cap="none" normalizeH="0" baseline="0" dirty="0" smtClean="0">
+                <a:ln>
+                  <a:noFill/>
+                </a:ln>
+                <a:solidFill>
+                  <a:srgbClr val="A9B7C6"/>
+                </a:solidFill>
+                <a:effectLst/>
+                <a:latin typeface="宋体" panose="02010600030101010101" pitchFamily="2" charset="-122"/>
+              </a:rPr>
+              <a:t>y)=&gt;x+y))</a:t>
+            </a:r>
+            <a:endParaRPr kumimoji="0" lang="zh-CN" altLang="zh-CN" sz="2000" b="0" i="0" u="none" strike="noStrike" cap="none" normalizeH="0" baseline="0" dirty="0" smtClean="0">
+              <a:ln>
+                <a:noFill/>
+              </a:ln>
+              <a:solidFill>
+                <a:schemeClr val="tx1"/>
+              </a:solidFill>
+              <a:effectLst/>
+              <a:latin typeface="Arial" panose="020B0604020202020204" pitchFamily="34" charset="0"/>
+            </a:endParaRPr>
           </a:p>
         </p:txBody>
       </p:sp>
@@ -23973,7 +28754,7 @@
 </p:sld>
 </file>
 
-<file path=ppt/slides/slide24.xml><?xml version="1.0" encoding="utf-8"?>
+<file path=ppt/slides/slide29.xml><?xml version="1.0" encoding="utf-8"?>
 <p:sld xmlns:a="http://schemas.openxmlformats.org/drawingml/2006/main" xmlns:r="http://schemas.openxmlformats.org/officeDocument/2006/relationships" xmlns:p="http://schemas.openxmlformats.org/presentationml/2006/main">
   <p:cSld>
     <p:spTree>
@@ -24037,7 +28818,7 @@
         </p:blipFill>
         <p:spPr>
           <a:xfrm>
-            <a:off x="1146523" y="2122631"/>
+            <a:off x="990406" y="2245295"/>
             <a:ext cx="6840007" cy="4049584"/>
           </a:xfrm>
           <a:prstGeom prst="rect">
@@ -24047,110 +28828,556 @@
       </p:pic>
       <p:sp>
         <p:nvSpPr>
-          <p:cNvPr id="4" name="矩形 3"/>
-          <p:cNvSpPr/>
+          <p:cNvPr id="5" name="Rectangle 1"/>
+          <p:cNvSpPr>
+            <a:spLocks noChangeArrowheads="1"/>
+          </p:cNvSpPr>
           <p:nvPr/>
         </p:nvSpPr>
-        <p:spPr>
+        <p:spPr bwMode="auto">
           <a:xfrm>
-            <a:off x="2164780" y="473447"/>
-            <a:ext cx="5520810" cy="1477328"/>
+            <a:off x="869796" y="712520"/>
+            <a:ext cx="6538970" cy="1384995"/>
           </a:xfrm>
           <a:prstGeom prst="rect">
             <a:avLst/>
           </a:prstGeom>
+          <a:solidFill>
+            <a:srgbClr val="2B2B2B"/>
+          </a:solidFill>
+          <a:ln>
+            <a:noFill/>
+          </a:ln>
+          <a:effectLst/>
+          <a:extLst>
+            <a:ext uri="{91240B29-F687-4F45-9708-019B960494DF}">
+              <a14:hiddenLine xmlns:a14="http://schemas.microsoft.com/office/drawing/2010/main" w="9525">
+                <a:solidFill>
+                  <a:schemeClr val="tx1"/>
+                </a:solidFill>
+                <a:miter lim="800000"/>
+                <a:headEnd/>
+                <a:tailEnd/>
+              </a14:hiddenLine>
+            </a:ext>
+            <a:ext uri="{AF507438-7753-43E0-B8FC-AC1667EBCBE1}">
+              <a14:hiddenEffects xmlns:a14="http://schemas.microsoft.com/office/drawing/2010/main">
+                <a:effectLst>
+                  <a:outerShdw dist="35921" dir="2700000" algn="ctr" rotWithShape="0">
+                    <a:schemeClr val="bg2"/>
+                  </a:outerShdw>
+                </a:effectLst>
+              </a14:hiddenEffects>
+            </a:ext>
+          </a:extLst>
         </p:spPr>
         <p:txBody>
-          <a:bodyPr wrap="square">
+          <a:bodyPr vert="horz" wrap="none" lIns="91440" tIns="45720" rIns="91440" bIns="45720" numCol="1" anchor="ctr" anchorCtr="0" compatLnSpc="1">
+            <a:prstTxWarp prst="textNoShape">
+              <a:avLst/>
+            </a:prstTxWarp>
             <a:spAutoFit/>
           </a:bodyPr>
           <a:lstStyle/>
           <a:p>
-            <a:r>
-              <a:rPr lang="en-US" altLang="zh-CN" dirty="0"/>
-              <a:t> </a:t>
-            </a:r>
-            <a:r>
-              <a:rPr lang="en-US" altLang="zh-CN" dirty="0" err="1"/>
-              <a:t>var</a:t>
-            </a:r>
-            <a:r>
-              <a:rPr lang="en-US" altLang="zh-CN" dirty="0"/>
-              <a:t> result = </a:t>
-            </a:r>
-            <a:r>
-              <a:rPr lang="en-US" altLang="zh-CN" dirty="0" err="1" smtClean="0"/>
-              <a:t>sc.parallelize</a:t>
-            </a:r>
-            <a:r>
-              <a:rPr lang="en-US" altLang="zh-CN" dirty="0" smtClean="0"/>
-              <a:t>(List(1,2,3,4,5,6,7,8,9),</a:t>
-            </a:r>
-            <a:r>
-              <a:rPr lang="en-US" altLang="zh-CN" dirty="0"/>
-              <a:t>3)</a:t>
-            </a:r>
-          </a:p>
-          <a:p>
-            <a:r>
-              <a:rPr lang="en-US" altLang="zh-CN" dirty="0"/>
-              <a:t>    .aggregate((0,0))(</a:t>
-            </a:r>
-          </a:p>
-          <a:p>
-            <a:r>
-              <a:rPr lang="en-US" altLang="zh-CN" dirty="0" smtClean="0"/>
-              <a:t>      </a:t>
-            </a:r>
-            <a:r>
-              <a:rPr lang="en-US" altLang="zh-CN" dirty="0"/>
+            <a:pPr marL="0" marR="0" lvl="0" indent="0" algn="l" defTabSz="914400" rtl="0" eaLnBrk="0" fontAlgn="base" latinLnBrk="0" hangingPunct="0">
+              <a:lnSpc>
+                <a:spcPct val="100000"/>
+              </a:lnSpc>
+              <a:spcBef>
+                <a:spcPct val="0"/>
+              </a:spcBef>
+              <a:spcAft>
+                <a:spcPct val="0"/>
+              </a:spcAft>
+              <a:buClrTx/>
+              <a:buSzTx/>
+              <a:buFontTx/>
+              <a:buNone/>
+              <a:tabLst/>
+            </a:pPr>
+            <a:r>
+              <a:rPr kumimoji="0" lang="zh-CN" altLang="zh-CN" b="1" i="0" u="none" strike="noStrike" cap="none" normalizeH="0" baseline="0" dirty="0" smtClean="0">
+                <a:ln>
+                  <a:noFill/>
+                </a:ln>
+                <a:solidFill>
+                  <a:srgbClr val="CC7832"/>
+                </a:solidFill>
+                <a:effectLst/>
+                <a:latin typeface="宋体" panose="02010600030101010101" pitchFamily="2" charset="-122"/>
+                <a:ea typeface="宋体" panose="02010600030101010101" pitchFamily="2" charset="-122"/>
+              </a:rPr>
+              <a:t>var </a:t>
+            </a:r>
+            <a:r>
+              <a:rPr kumimoji="0" lang="zh-CN" altLang="zh-CN" b="0" i="0" u="none" strike="noStrike" cap="none" normalizeH="0" baseline="0" dirty="0" smtClean="0">
+                <a:ln>
+                  <a:noFill/>
+                </a:ln>
+                <a:solidFill>
+                  <a:srgbClr val="A9B7C6"/>
+                </a:solidFill>
+                <a:effectLst/>
+                <a:latin typeface="宋体" panose="02010600030101010101" pitchFamily="2" charset="-122"/>
+                <a:ea typeface="宋体" panose="02010600030101010101" pitchFamily="2" charset="-122"/>
+              </a:rPr>
+              <a:t>result = sc.parallelize(</a:t>
+            </a:r>
+            <a:r>
+              <a:rPr kumimoji="0" lang="zh-CN" altLang="zh-CN" b="0" i="1" u="none" strike="noStrike" cap="none" normalizeH="0" baseline="0" dirty="0" smtClean="0">
+                <a:ln>
+                  <a:noFill/>
+                </a:ln>
+                <a:solidFill>
+                  <a:srgbClr val="9876AA"/>
+                </a:solidFill>
+                <a:effectLst/>
+                <a:latin typeface="宋体" panose="02010600030101010101" pitchFamily="2" charset="-122"/>
+                <a:ea typeface="宋体" panose="02010600030101010101" pitchFamily="2" charset="-122"/>
+              </a:rPr>
+              <a:t>List</a:t>
+            </a:r>
+            <a:r>
+              <a:rPr kumimoji="0" lang="zh-CN" altLang="zh-CN" b="0" i="0" u="none" strike="noStrike" cap="none" normalizeH="0" baseline="0" dirty="0" smtClean="0">
+                <a:ln>
+                  <a:noFill/>
+                </a:ln>
+                <a:solidFill>
+                  <a:srgbClr val="A9B7C6"/>
+                </a:solidFill>
+                <a:effectLst/>
+                <a:latin typeface="宋体" panose="02010600030101010101" pitchFamily="2" charset="-122"/>
+                <a:ea typeface="宋体" panose="02010600030101010101" pitchFamily="2" charset="-122"/>
+              </a:rPr>
               <a:t>(</a:t>
             </a:r>
             <a:r>
-              <a:rPr lang="en-US" altLang="zh-CN" dirty="0" err="1"/>
-              <a:t>acc</a:t>
-            </a:r>
-            <a:r>
-              <a:rPr lang="en-US" altLang="zh-CN" dirty="0"/>
-              <a:t>, number) =&gt; (acc._</a:t>
-            </a:r>
-            <a:r>
-              <a:rPr lang="en-US" altLang="zh-CN" dirty="0" smtClean="0"/>
-              <a:t>1+number,acc</a:t>
-            </a:r>
-            <a:r>
-              <a:rPr lang="en-US" altLang="zh-CN" dirty="0"/>
-              <a:t>._2+1),</a:t>
-            </a:r>
-          </a:p>
-          <a:p>
-            <a:r>
-              <a:rPr lang="en-US" altLang="zh-CN" dirty="0"/>
-              <a:t>      </a:t>
-            </a:r>
-            <a:r>
-              <a:rPr lang="en-US" altLang="zh-CN" dirty="0" smtClean="0"/>
-              <a:t>(</a:t>
-            </a:r>
-            <a:r>
-              <a:rPr lang="en-US" altLang="zh-CN" dirty="0"/>
-              <a:t>par1, par2) =&gt; (par1._1+par2._</a:t>
-            </a:r>
-            <a:r>
-              <a:rPr lang="en-US" altLang="zh-CN" dirty="0" smtClean="0"/>
-              <a:t>1,par1</a:t>
-            </a:r>
-            <a:r>
-              <a:rPr lang="en-US" altLang="zh-CN" dirty="0"/>
-              <a:t>._2+par2._2)</a:t>
-            </a:r>
-          </a:p>
-          <a:p>
-            <a:r>
-              <a:rPr lang="en-US" altLang="zh-CN" dirty="0"/>
-              <a:t>    )</a:t>
-            </a:r>
-            <a:endParaRPr lang="zh-CN" altLang="en-US" dirty="0"/>
+              <a:rPr kumimoji="0" lang="en-US" altLang="zh-CN" b="0" i="0" u="none" strike="noStrike" cap="none" normalizeH="0" baseline="0" dirty="0" smtClean="0">
+                <a:ln>
+                  <a:noFill/>
+                </a:ln>
+                <a:solidFill>
+                  <a:srgbClr val="6897BB"/>
+                </a:solidFill>
+                <a:effectLst/>
+                <a:latin typeface="宋体" panose="02010600030101010101" pitchFamily="2" charset="-122"/>
+                <a:ea typeface="宋体" panose="02010600030101010101" pitchFamily="2" charset="-122"/>
+              </a:rPr>
+              <a:t>1,2,3,4,5,6,7,8,9</a:t>
+            </a:r>
+            <a:r>
+              <a:rPr kumimoji="0" lang="zh-CN" altLang="zh-CN" b="0" i="0" u="none" strike="noStrike" cap="none" normalizeH="0" baseline="0" dirty="0" smtClean="0">
+                <a:ln>
+                  <a:noFill/>
+                </a:ln>
+                <a:solidFill>
+                  <a:srgbClr val="A9B7C6"/>
+                </a:solidFill>
+                <a:effectLst/>
+                <a:latin typeface="宋体" panose="02010600030101010101" pitchFamily="2" charset="-122"/>
+                <a:ea typeface="宋体" panose="02010600030101010101" pitchFamily="2" charset="-122"/>
+              </a:rPr>
+              <a:t>)</a:t>
+            </a:r>
+            <a:r>
+              <a:rPr kumimoji="0" lang="zh-CN" altLang="zh-CN" b="0" i="0" u="none" strike="noStrike" cap="none" normalizeH="0" baseline="0" dirty="0" smtClean="0">
+                <a:ln>
+                  <a:noFill/>
+                </a:ln>
+                <a:solidFill>
+                  <a:srgbClr val="CC7832"/>
+                </a:solidFill>
+                <a:effectLst/>
+                <a:latin typeface="宋体" panose="02010600030101010101" pitchFamily="2" charset="-122"/>
+                <a:ea typeface="宋体" panose="02010600030101010101" pitchFamily="2" charset="-122"/>
+              </a:rPr>
+              <a:t>,</a:t>
+            </a:r>
+            <a:r>
+              <a:rPr kumimoji="0" lang="zh-CN" altLang="zh-CN" b="0" i="0" u="none" strike="noStrike" cap="none" normalizeH="0" baseline="0" dirty="0" smtClean="0">
+                <a:ln>
+                  <a:noFill/>
+                </a:ln>
+                <a:solidFill>
+                  <a:srgbClr val="6897BB"/>
+                </a:solidFill>
+                <a:effectLst/>
+                <a:latin typeface="宋体" panose="02010600030101010101" pitchFamily="2" charset="-122"/>
+                <a:ea typeface="宋体" panose="02010600030101010101" pitchFamily="2" charset="-122"/>
+              </a:rPr>
+              <a:t>3</a:t>
+            </a:r>
+            <a:r>
+              <a:rPr kumimoji="0" lang="zh-CN" altLang="zh-CN" b="0" i="0" u="none" strike="noStrike" cap="none" normalizeH="0" baseline="0" dirty="0" smtClean="0">
+                <a:ln>
+                  <a:noFill/>
+                </a:ln>
+                <a:solidFill>
+                  <a:srgbClr val="A9B7C6"/>
+                </a:solidFill>
+                <a:effectLst/>
+                <a:latin typeface="宋体" panose="02010600030101010101" pitchFamily="2" charset="-122"/>
+                <a:ea typeface="宋体" panose="02010600030101010101" pitchFamily="2" charset="-122"/>
+              </a:rPr>
+              <a:t>)</a:t>
+            </a:r>
+            <a:br>
+              <a:rPr kumimoji="0" lang="zh-CN" altLang="zh-CN" b="0" i="0" u="none" strike="noStrike" cap="none" normalizeH="0" baseline="0" dirty="0" smtClean="0">
+                <a:ln>
+                  <a:noFill/>
+                </a:ln>
+                <a:solidFill>
+                  <a:srgbClr val="A9B7C6"/>
+                </a:solidFill>
+                <a:effectLst/>
+                <a:latin typeface="宋体" panose="02010600030101010101" pitchFamily="2" charset="-122"/>
+                <a:ea typeface="宋体" panose="02010600030101010101" pitchFamily="2" charset="-122"/>
+              </a:rPr>
+            </a:br>
+            <a:r>
+              <a:rPr kumimoji="0" lang="zh-CN" altLang="zh-CN" b="0" i="0" u="none" strike="noStrike" cap="none" normalizeH="0" baseline="0" dirty="0" smtClean="0">
+                <a:ln>
+                  <a:noFill/>
+                </a:ln>
+                <a:solidFill>
+                  <a:srgbClr val="A9B7C6"/>
+                </a:solidFill>
+                <a:effectLst/>
+                <a:latin typeface="宋体" panose="02010600030101010101" pitchFamily="2" charset="-122"/>
+                <a:ea typeface="宋体" panose="02010600030101010101" pitchFamily="2" charset="-122"/>
+              </a:rPr>
+              <a:t>.aggregate((</a:t>
+            </a:r>
+            <a:r>
+              <a:rPr kumimoji="0" lang="zh-CN" altLang="zh-CN" b="0" i="0" u="none" strike="noStrike" cap="none" normalizeH="0" baseline="0" dirty="0" smtClean="0">
+                <a:ln>
+                  <a:noFill/>
+                </a:ln>
+                <a:solidFill>
+                  <a:srgbClr val="6897BB"/>
+                </a:solidFill>
+                <a:effectLst/>
+                <a:latin typeface="宋体" panose="02010600030101010101" pitchFamily="2" charset="-122"/>
+                <a:ea typeface="宋体" panose="02010600030101010101" pitchFamily="2" charset="-122"/>
+              </a:rPr>
+              <a:t>0</a:t>
+            </a:r>
+            <a:r>
+              <a:rPr kumimoji="0" lang="zh-CN" altLang="zh-CN" b="0" i="0" u="none" strike="noStrike" cap="none" normalizeH="0" baseline="0" dirty="0" smtClean="0">
+                <a:ln>
+                  <a:noFill/>
+                </a:ln>
+                <a:solidFill>
+                  <a:srgbClr val="CC7832"/>
+                </a:solidFill>
+                <a:effectLst/>
+                <a:latin typeface="宋体" panose="02010600030101010101" pitchFamily="2" charset="-122"/>
+                <a:ea typeface="宋体" panose="02010600030101010101" pitchFamily="2" charset="-122"/>
+              </a:rPr>
+              <a:t>,</a:t>
+            </a:r>
+            <a:r>
+              <a:rPr kumimoji="0" lang="zh-CN" altLang="zh-CN" b="0" i="0" u="none" strike="noStrike" cap="none" normalizeH="0" baseline="0" dirty="0" smtClean="0">
+                <a:ln>
+                  <a:noFill/>
+                </a:ln>
+                <a:solidFill>
+                  <a:srgbClr val="6897BB"/>
+                </a:solidFill>
+                <a:effectLst/>
+                <a:latin typeface="宋体" panose="02010600030101010101" pitchFamily="2" charset="-122"/>
+                <a:ea typeface="宋体" panose="02010600030101010101" pitchFamily="2" charset="-122"/>
+              </a:rPr>
+              <a:t>0</a:t>
+            </a:r>
+            <a:r>
+              <a:rPr kumimoji="0" lang="zh-CN" altLang="zh-CN" b="0" i="0" u="none" strike="noStrike" cap="none" normalizeH="0" baseline="0" dirty="0" smtClean="0">
+                <a:ln>
+                  <a:noFill/>
+                </a:ln>
+                <a:solidFill>
+                  <a:srgbClr val="A9B7C6"/>
+                </a:solidFill>
+                <a:effectLst/>
+                <a:latin typeface="宋体" panose="02010600030101010101" pitchFamily="2" charset="-122"/>
+                <a:ea typeface="宋体" panose="02010600030101010101" pitchFamily="2" charset="-122"/>
+              </a:rPr>
+              <a:t>))(</a:t>
+            </a:r>
+            <a:br>
+              <a:rPr kumimoji="0" lang="zh-CN" altLang="zh-CN" b="0" i="0" u="none" strike="noStrike" cap="none" normalizeH="0" baseline="0" dirty="0" smtClean="0">
+                <a:ln>
+                  <a:noFill/>
+                </a:ln>
+                <a:solidFill>
+                  <a:srgbClr val="A9B7C6"/>
+                </a:solidFill>
+                <a:effectLst/>
+                <a:latin typeface="宋体" panose="02010600030101010101" pitchFamily="2" charset="-122"/>
+                <a:ea typeface="宋体" panose="02010600030101010101" pitchFamily="2" charset="-122"/>
+              </a:rPr>
+            </a:br>
+            <a:r>
+              <a:rPr kumimoji="0" lang="zh-CN" altLang="zh-CN" b="0" i="0" u="none" strike="noStrike" cap="none" normalizeH="0" baseline="0" dirty="0" smtClean="0">
+                <a:ln>
+                  <a:noFill/>
+                </a:ln>
+                <a:solidFill>
+                  <a:srgbClr val="A9B7C6"/>
+                </a:solidFill>
+                <a:effectLst/>
+                <a:latin typeface="宋体" panose="02010600030101010101" pitchFamily="2" charset="-122"/>
+                <a:ea typeface="宋体" panose="02010600030101010101" pitchFamily="2" charset="-122"/>
+              </a:rPr>
+              <a:t>  (acc</a:t>
+            </a:r>
+            <a:r>
+              <a:rPr kumimoji="0" lang="zh-CN" altLang="zh-CN" b="0" i="0" u="none" strike="noStrike" cap="none" normalizeH="0" baseline="0" dirty="0" smtClean="0">
+                <a:ln>
+                  <a:noFill/>
+                </a:ln>
+                <a:solidFill>
+                  <a:srgbClr val="CC7832"/>
+                </a:solidFill>
+                <a:effectLst/>
+                <a:latin typeface="宋体" panose="02010600030101010101" pitchFamily="2" charset="-122"/>
+                <a:ea typeface="宋体" panose="02010600030101010101" pitchFamily="2" charset="-122"/>
+              </a:rPr>
+              <a:t>, </a:t>
+            </a:r>
+            <a:r>
+              <a:rPr kumimoji="0" lang="zh-CN" altLang="zh-CN" b="0" i="0" u="none" strike="noStrike" cap="none" normalizeH="0" baseline="0" dirty="0" smtClean="0">
+                <a:ln>
+                  <a:noFill/>
+                </a:ln>
+                <a:solidFill>
+                  <a:srgbClr val="A9B7C6"/>
+                </a:solidFill>
+                <a:effectLst/>
+                <a:latin typeface="宋体" panose="02010600030101010101" pitchFamily="2" charset="-122"/>
+                <a:ea typeface="宋体" panose="02010600030101010101" pitchFamily="2" charset="-122"/>
+              </a:rPr>
+              <a:t>number) =&gt; (acc._1+number</a:t>
+            </a:r>
+            <a:r>
+              <a:rPr kumimoji="0" lang="zh-CN" altLang="zh-CN" b="0" i="0" u="none" strike="noStrike" cap="none" normalizeH="0" baseline="0" dirty="0" smtClean="0">
+                <a:ln>
+                  <a:noFill/>
+                </a:ln>
+                <a:solidFill>
+                  <a:srgbClr val="CC7832"/>
+                </a:solidFill>
+                <a:effectLst/>
+                <a:latin typeface="宋体" panose="02010600030101010101" pitchFamily="2" charset="-122"/>
+                <a:ea typeface="宋体" panose="02010600030101010101" pitchFamily="2" charset="-122"/>
+              </a:rPr>
+              <a:t>, </a:t>
+            </a:r>
+            <a:r>
+              <a:rPr kumimoji="0" lang="zh-CN" altLang="zh-CN" b="0" i="0" u="none" strike="noStrike" cap="none" normalizeH="0" baseline="0" dirty="0" smtClean="0">
+                <a:ln>
+                  <a:noFill/>
+                </a:ln>
+                <a:solidFill>
+                  <a:srgbClr val="A9B7C6"/>
+                </a:solidFill>
+                <a:effectLst/>
+                <a:latin typeface="宋体" panose="02010600030101010101" pitchFamily="2" charset="-122"/>
+                <a:ea typeface="宋体" panose="02010600030101010101" pitchFamily="2" charset="-122"/>
+              </a:rPr>
+              <a:t>acc._2+</a:t>
+            </a:r>
+            <a:r>
+              <a:rPr kumimoji="0" lang="zh-CN" altLang="zh-CN" b="0" i="0" u="none" strike="noStrike" cap="none" normalizeH="0" baseline="0" dirty="0" smtClean="0">
+                <a:ln>
+                  <a:noFill/>
+                </a:ln>
+                <a:solidFill>
+                  <a:srgbClr val="6897BB"/>
+                </a:solidFill>
+                <a:effectLst/>
+                <a:latin typeface="宋体" panose="02010600030101010101" pitchFamily="2" charset="-122"/>
+                <a:ea typeface="宋体" panose="02010600030101010101" pitchFamily="2" charset="-122"/>
+              </a:rPr>
+              <a:t>1</a:t>
+            </a:r>
+            <a:r>
+              <a:rPr kumimoji="0" lang="zh-CN" altLang="zh-CN" b="0" i="0" u="none" strike="noStrike" cap="none" normalizeH="0" baseline="0" dirty="0" smtClean="0">
+                <a:ln>
+                  <a:noFill/>
+                </a:ln>
+                <a:solidFill>
+                  <a:srgbClr val="A9B7C6"/>
+                </a:solidFill>
+                <a:effectLst/>
+                <a:latin typeface="宋体" panose="02010600030101010101" pitchFamily="2" charset="-122"/>
+                <a:ea typeface="宋体" panose="02010600030101010101" pitchFamily="2" charset="-122"/>
+              </a:rPr>
+              <a:t>)</a:t>
+            </a:r>
+            <a:r>
+              <a:rPr kumimoji="0" lang="zh-CN" altLang="zh-CN" b="0" i="0" u="none" strike="noStrike" cap="none" normalizeH="0" baseline="0" dirty="0" smtClean="0">
+                <a:ln>
+                  <a:noFill/>
+                </a:ln>
+                <a:solidFill>
+                  <a:srgbClr val="CC7832"/>
+                </a:solidFill>
+                <a:effectLst/>
+                <a:latin typeface="宋体" panose="02010600030101010101" pitchFamily="2" charset="-122"/>
+                <a:ea typeface="宋体" panose="02010600030101010101" pitchFamily="2" charset="-122"/>
+              </a:rPr>
+              <a:t>,</a:t>
+            </a:r>
+            <a:br>
+              <a:rPr kumimoji="0" lang="zh-CN" altLang="zh-CN" b="0" i="0" u="none" strike="noStrike" cap="none" normalizeH="0" baseline="0" dirty="0" smtClean="0">
+                <a:ln>
+                  <a:noFill/>
+                </a:ln>
+                <a:solidFill>
+                  <a:srgbClr val="CC7832"/>
+                </a:solidFill>
+                <a:effectLst/>
+                <a:latin typeface="宋体" panose="02010600030101010101" pitchFamily="2" charset="-122"/>
+                <a:ea typeface="宋体" panose="02010600030101010101" pitchFamily="2" charset="-122"/>
+              </a:rPr>
+            </a:br>
+            <a:r>
+              <a:rPr kumimoji="0" lang="zh-CN" altLang="zh-CN" b="0" i="0" u="none" strike="noStrike" cap="none" normalizeH="0" baseline="0" dirty="0" smtClean="0">
+                <a:ln>
+                  <a:noFill/>
+                </a:ln>
+                <a:solidFill>
+                  <a:srgbClr val="CC7832"/>
+                </a:solidFill>
+                <a:effectLst/>
+                <a:latin typeface="宋体" panose="02010600030101010101" pitchFamily="2" charset="-122"/>
+                <a:ea typeface="宋体" panose="02010600030101010101" pitchFamily="2" charset="-122"/>
+              </a:rPr>
+              <a:t>  </a:t>
+            </a:r>
+            <a:r>
+              <a:rPr kumimoji="0" lang="zh-CN" altLang="zh-CN" b="0" i="0" u="none" strike="noStrike" cap="none" normalizeH="0" baseline="0" dirty="0" smtClean="0">
+                <a:ln>
+                  <a:noFill/>
+                </a:ln>
+                <a:solidFill>
+                  <a:srgbClr val="A9B7C6"/>
+                </a:solidFill>
+                <a:effectLst/>
+                <a:latin typeface="宋体" panose="02010600030101010101" pitchFamily="2" charset="-122"/>
+                <a:ea typeface="宋体" panose="02010600030101010101" pitchFamily="2" charset="-122"/>
+              </a:rPr>
+              <a:t>(par1</a:t>
+            </a:r>
+            <a:r>
+              <a:rPr kumimoji="0" lang="zh-CN" altLang="zh-CN" b="0" i="0" u="none" strike="noStrike" cap="none" normalizeH="0" baseline="0" dirty="0" smtClean="0">
+                <a:ln>
+                  <a:noFill/>
+                </a:ln>
+                <a:solidFill>
+                  <a:srgbClr val="CC7832"/>
+                </a:solidFill>
+                <a:effectLst/>
+                <a:latin typeface="宋体" panose="02010600030101010101" pitchFamily="2" charset="-122"/>
+                <a:ea typeface="宋体" panose="02010600030101010101" pitchFamily="2" charset="-122"/>
+              </a:rPr>
+              <a:t>, </a:t>
+            </a:r>
+            <a:r>
+              <a:rPr kumimoji="0" lang="zh-CN" altLang="zh-CN" b="0" i="0" u="none" strike="noStrike" cap="none" normalizeH="0" baseline="0" dirty="0" smtClean="0">
+                <a:ln>
+                  <a:noFill/>
+                </a:ln>
+                <a:solidFill>
+                  <a:srgbClr val="A9B7C6"/>
+                </a:solidFill>
+                <a:effectLst/>
+                <a:latin typeface="宋体" panose="02010600030101010101" pitchFamily="2" charset="-122"/>
+                <a:ea typeface="宋体" panose="02010600030101010101" pitchFamily="2" charset="-122"/>
+              </a:rPr>
+              <a:t>par2) =&gt; (par1._1+par2._1</a:t>
+            </a:r>
+            <a:r>
+              <a:rPr kumimoji="0" lang="zh-CN" altLang="zh-CN" b="0" i="0" u="none" strike="noStrike" cap="none" normalizeH="0" baseline="0" dirty="0" smtClean="0">
+                <a:ln>
+                  <a:noFill/>
+                </a:ln>
+                <a:solidFill>
+                  <a:srgbClr val="CC7832"/>
+                </a:solidFill>
+                <a:effectLst/>
+                <a:latin typeface="宋体" panose="02010600030101010101" pitchFamily="2" charset="-122"/>
+                <a:ea typeface="宋体" panose="02010600030101010101" pitchFamily="2" charset="-122"/>
+              </a:rPr>
+              <a:t>, </a:t>
+            </a:r>
+            <a:r>
+              <a:rPr kumimoji="0" lang="zh-CN" altLang="zh-CN" b="0" i="0" u="none" strike="noStrike" cap="none" normalizeH="0" baseline="0" dirty="0" smtClean="0">
+                <a:ln>
+                  <a:noFill/>
+                </a:ln>
+                <a:solidFill>
+                  <a:srgbClr val="A9B7C6"/>
+                </a:solidFill>
+                <a:effectLst/>
+                <a:latin typeface="宋体" panose="02010600030101010101" pitchFamily="2" charset="-122"/>
+                <a:ea typeface="宋体" panose="02010600030101010101" pitchFamily="2" charset="-122"/>
+              </a:rPr>
+              <a:t>par1._2+par2._2)</a:t>
+            </a:r>
+            <a:r>
+              <a:rPr kumimoji="0" lang="zh-CN" altLang="zh-CN" sz="1200" b="0" i="0" u="none" strike="noStrike" cap="none" normalizeH="0" baseline="0" dirty="0" smtClean="0">
+                <a:ln>
+                  <a:noFill/>
+                </a:ln>
+                <a:solidFill>
+                  <a:srgbClr val="A9B7C6"/>
+                </a:solidFill>
+                <a:effectLst/>
+                <a:latin typeface="宋体" panose="02010600030101010101" pitchFamily="2" charset="-122"/>
+                <a:ea typeface="宋体" panose="02010600030101010101" pitchFamily="2" charset="-122"/>
+              </a:rPr>
+              <a:t/>
+            </a:r>
+            <a:br>
+              <a:rPr kumimoji="0" lang="zh-CN" altLang="zh-CN" sz="1200" b="0" i="0" u="none" strike="noStrike" cap="none" normalizeH="0" baseline="0" dirty="0" smtClean="0">
+                <a:ln>
+                  <a:noFill/>
+                </a:ln>
+                <a:solidFill>
+                  <a:srgbClr val="A9B7C6"/>
+                </a:solidFill>
+                <a:effectLst/>
+                <a:latin typeface="宋体" panose="02010600030101010101" pitchFamily="2" charset="-122"/>
+                <a:ea typeface="宋体" panose="02010600030101010101" pitchFamily="2" charset="-122"/>
+              </a:rPr>
+            </a:br>
+            <a:r>
+              <a:rPr kumimoji="0" lang="zh-CN" altLang="zh-CN" sz="1200" b="0" i="0" u="none" strike="noStrike" cap="none" normalizeH="0" baseline="0" dirty="0" smtClean="0">
+                <a:ln>
+                  <a:noFill/>
+                </a:ln>
+                <a:solidFill>
+                  <a:srgbClr val="A9B7C6"/>
+                </a:solidFill>
+                <a:effectLst/>
+                <a:latin typeface="宋体" panose="02010600030101010101" pitchFamily="2" charset="-122"/>
+                <a:ea typeface="宋体" panose="02010600030101010101" pitchFamily="2" charset="-122"/>
+              </a:rPr>
+              <a:t>)</a:t>
+            </a:r>
+            <a:endParaRPr kumimoji="0" lang="zh-CN" altLang="zh-CN" sz="1800" b="0" i="0" u="none" strike="noStrike" cap="none" normalizeH="0" baseline="0" dirty="0" smtClean="0">
+              <a:ln>
+                <a:noFill/>
+              </a:ln>
+              <a:solidFill>
+                <a:schemeClr val="tx1"/>
+              </a:solidFill>
+              <a:effectLst/>
+              <a:latin typeface="Arial" panose="020B0604020202020204" pitchFamily="34" charset="0"/>
+            </a:endParaRPr>
           </a:p>
         </p:txBody>
       </p:sp>
@@ -24278,6 +29505,1718 @@
 </file>
 
 <file path=ppt/slides/slide4.xml><?xml version="1.0" encoding="utf-8"?>
+<p:sld xmlns:a="http://schemas.openxmlformats.org/drawingml/2006/main" xmlns:r="http://schemas.openxmlformats.org/officeDocument/2006/relationships" xmlns:p="http://schemas.openxmlformats.org/presentationml/2006/main">
+  <p:cSld>
+    <p:spTree>
+      <p:nvGrpSpPr>
+        <p:cNvPr id="1" name=""/>
+        <p:cNvGrpSpPr/>
+        <p:nvPr/>
+      </p:nvGrpSpPr>
+      <p:grpSpPr>
+        <a:xfrm>
+          <a:off x="0" y="0"/>
+          <a:ext cx="0" cy="0"/>
+          <a:chOff x="0" y="0"/>
+          <a:chExt cx="0" cy="0"/>
+        </a:xfrm>
+      </p:grpSpPr>
+      <p:sp>
+        <p:nvSpPr>
+          <p:cNvPr id="2" name="标题 1"/>
+          <p:cNvSpPr>
+            <a:spLocks noGrp="1"/>
+          </p:cNvSpPr>
+          <p:nvPr>
+            <p:ph type="title"/>
+          </p:nvPr>
+        </p:nvSpPr>
+        <p:spPr/>
+        <p:txBody>
+          <a:bodyPr/>
+          <a:lstStyle/>
+          <a:p>
+            <a:r>
+              <a:rPr lang="zh-CN" altLang="en-US" dirty="0" smtClean="0">
+                <a:solidFill>
+                  <a:schemeClr val="tx1"/>
+                </a:solidFill>
+              </a:rPr>
+              <a:t>分区的概念</a:t>
+            </a:r>
+            <a:endParaRPr lang="zh-CN" altLang="en-US" dirty="0">
+              <a:solidFill>
+                <a:schemeClr val="tx1"/>
+              </a:solidFill>
+            </a:endParaRPr>
+          </a:p>
+        </p:txBody>
+      </p:sp>
+      <p:sp>
+        <p:nvSpPr>
+          <p:cNvPr id="3" name="矩形 2"/>
+          <p:cNvSpPr/>
+          <p:nvPr/>
+        </p:nvSpPr>
+        <p:spPr>
+          <a:xfrm>
+            <a:off x="1360449" y="2145709"/>
+            <a:ext cx="6713034" cy="1477328"/>
+          </a:xfrm>
+          <a:prstGeom prst="rect">
+            <a:avLst/>
+          </a:prstGeom>
+        </p:spPr>
+        <p:txBody>
+          <a:bodyPr wrap="square">
+            <a:spAutoFit/>
+          </a:bodyPr>
+          <a:lstStyle/>
+          <a:p>
+            <a:r>
+              <a:rPr lang="en-US" altLang="zh-CN" dirty="0">
+                <a:solidFill>
+                  <a:srgbClr val="000000"/>
+                </a:solidFill>
+                <a:latin typeface="微软雅黑" panose="020B0503020204020204" pitchFamily="34" charset="-122"/>
+                <a:ea typeface="微软雅黑" panose="020B0503020204020204" pitchFamily="34" charset="-122"/>
+              </a:rPr>
+              <a:t> </a:t>
+            </a:r>
+            <a:r>
+              <a:rPr lang="en-US" altLang="zh-CN" dirty="0" smtClean="0">
+                <a:solidFill>
+                  <a:srgbClr val="000000"/>
+                </a:solidFill>
+                <a:latin typeface="微软雅黑" panose="020B0503020204020204" pitchFamily="34" charset="-122"/>
+                <a:ea typeface="微软雅黑" panose="020B0503020204020204" pitchFamily="34" charset="-122"/>
+              </a:rPr>
+              <a:t>      </a:t>
+            </a:r>
+            <a:r>
+              <a:rPr lang="zh-CN" altLang="en-US" dirty="0" smtClean="0">
+                <a:solidFill>
+                  <a:srgbClr val="000000"/>
+                </a:solidFill>
+                <a:latin typeface="微软雅黑" panose="020B0503020204020204" pitchFamily="34" charset="-122"/>
+                <a:ea typeface="微软雅黑" panose="020B0503020204020204" pitchFamily="34" charset="-122"/>
+              </a:rPr>
+              <a:t>分区</a:t>
+            </a:r>
+            <a:r>
+              <a:rPr lang="zh-CN" altLang="en-US" dirty="0">
+                <a:solidFill>
+                  <a:srgbClr val="000000"/>
+                </a:solidFill>
+                <a:latin typeface="微软雅黑" panose="020B0503020204020204" pitchFamily="34" charset="-122"/>
+                <a:ea typeface="微软雅黑" panose="020B0503020204020204" pitchFamily="34" charset="-122"/>
+              </a:rPr>
+              <a:t>是</a:t>
+            </a:r>
+            <a:r>
+              <a:rPr lang="en-US" altLang="zh-CN" dirty="0">
+                <a:solidFill>
+                  <a:srgbClr val="000000"/>
+                </a:solidFill>
+                <a:latin typeface="微软雅黑" panose="020B0503020204020204" pitchFamily="34" charset="-122"/>
+                <a:ea typeface="微软雅黑" panose="020B0503020204020204" pitchFamily="34" charset="-122"/>
+              </a:rPr>
+              <a:t>RDD</a:t>
+            </a:r>
+            <a:r>
+              <a:rPr lang="zh-CN" altLang="en-US" dirty="0">
+                <a:solidFill>
+                  <a:srgbClr val="000000"/>
+                </a:solidFill>
+                <a:latin typeface="微软雅黑" panose="020B0503020204020204" pitchFamily="34" charset="-122"/>
+                <a:ea typeface="微软雅黑" panose="020B0503020204020204" pitchFamily="34" charset="-122"/>
+              </a:rPr>
+              <a:t>内部并行计算的一个</a:t>
+            </a:r>
+            <a:r>
+              <a:rPr lang="zh-CN" altLang="en-US" dirty="0">
+                <a:solidFill>
+                  <a:srgbClr val="FF0000"/>
+                </a:solidFill>
+                <a:latin typeface="微软雅黑" panose="020B0503020204020204" pitchFamily="34" charset="-122"/>
+                <a:ea typeface="微软雅黑" panose="020B0503020204020204" pitchFamily="34" charset="-122"/>
+              </a:rPr>
+              <a:t>计算单元</a:t>
+            </a:r>
+            <a:r>
+              <a:rPr lang="zh-CN" altLang="en-US" dirty="0">
+                <a:solidFill>
+                  <a:srgbClr val="000000"/>
+                </a:solidFill>
+                <a:latin typeface="微软雅黑" panose="020B0503020204020204" pitchFamily="34" charset="-122"/>
+                <a:ea typeface="微软雅黑" panose="020B0503020204020204" pitchFamily="34" charset="-122"/>
+              </a:rPr>
+              <a:t>，</a:t>
+            </a:r>
+            <a:r>
+              <a:rPr lang="en-US" altLang="zh-CN" dirty="0">
+                <a:solidFill>
+                  <a:srgbClr val="000000"/>
+                </a:solidFill>
+                <a:latin typeface="微软雅黑" panose="020B0503020204020204" pitchFamily="34" charset="-122"/>
+                <a:ea typeface="微软雅黑" panose="020B0503020204020204" pitchFamily="34" charset="-122"/>
+              </a:rPr>
+              <a:t>RDD</a:t>
+            </a:r>
+            <a:r>
+              <a:rPr lang="zh-CN" altLang="en-US" dirty="0">
+                <a:solidFill>
+                  <a:srgbClr val="000000"/>
+                </a:solidFill>
+                <a:latin typeface="微软雅黑" panose="020B0503020204020204" pitchFamily="34" charset="-122"/>
+                <a:ea typeface="微软雅黑" panose="020B0503020204020204" pitchFamily="34" charset="-122"/>
+              </a:rPr>
+              <a:t>的数据集在逻辑上被划分为多个分片，每一个分片称为分区，分区的格式决定了</a:t>
+            </a:r>
+            <a:r>
+              <a:rPr lang="zh-CN" altLang="en-US" dirty="0">
+                <a:solidFill>
+                  <a:srgbClr val="FF0000"/>
+                </a:solidFill>
+                <a:latin typeface="微软雅黑" panose="020B0503020204020204" pitchFamily="34" charset="-122"/>
+                <a:ea typeface="微软雅黑" panose="020B0503020204020204" pitchFamily="34" charset="-122"/>
+              </a:rPr>
+              <a:t>并行计算的粒度</a:t>
+            </a:r>
+            <a:r>
+              <a:rPr lang="zh-CN" altLang="en-US" dirty="0">
+                <a:solidFill>
+                  <a:srgbClr val="000000"/>
+                </a:solidFill>
+                <a:latin typeface="微软雅黑" panose="020B0503020204020204" pitchFamily="34" charset="-122"/>
+                <a:ea typeface="微软雅黑" panose="020B0503020204020204" pitchFamily="34" charset="-122"/>
+              </a:rPr>
+              <a:t>，而每个分区的数值计算都是在一个任务中进行的，因此任务的个数，也是由</a:t>
+            </a:r>
+            <a:r>
+              <a:rPr lang="en-US" altLang="zh-CN" dirty="0">
+                <a:solidFill>
+                  <a:srgbClr val="000000"/>
+                </a:solidFill>
+                <a:latin typeface="微软雅黑" panose="020B0503020204020204" pitchFamily="34" charset="-122"/>
+                <a:ea typeface="微软雅黑" panose="020B0503020204020204" pitchFamily="34" charset="-122"/>
+              </a:rPr>
+              <a:t>RDD(</a:t>
+            </a:r>
+            <a:r>
+              <a:rPr lang="zh-CN" altLang="en-US" dirty="0">
+                <a:solidFill>
+                  <a:srgbClr val="000000"/>
+                </a:solidFill>
+                <a:latin typeface="微软雅黑" panose="020B0503020204020204" pitchFamily="34" charset="-122"/>
+                <a:ea typeface="微软雅黑" panose="020B0503020204020204" pitchFamily="34" charset="-122"/>
+              </a:rPr>
+              <a:t>准确来说是作业最后一个</a:t>
+            </a:r>
+            <a:r>
+              <a:rPr lang="en-US" altLang="zh-CN" dirty="0">
+                <a:solidFill>
+                  <a:srgbClr val="000000"/>
+                </a:solidFill>
+                <a:latin typeface="微软雅黑" panose="020B0503020204020204" pitchFamily="34" charset="-122"/>
+                <a:ea typeface="微软雅黑" panose="020B0503020204020204" pitchFamily="34" charset="-122"/>
+              </a:rPr>
+              <a:t>RDD)</a:t>
+            </a:r>
+            <a:r>
+              <a:rPr lang="zh-CN" altLang="en-US" dirty="0">
+                <a:solidFill>
+                  <a:srgbClr val="000000"/>
+                </a:solidFill>
+                <a:latin typeface="微软雅黑" panose="020B0503020204020204" pitchFamily="34" charset="-122"/>
+                <a:ea typeface="微软雅黑" panose="020B0503020204020204" pitchFamily="34" charset="-122"/>
+              </a:rPr>
+              <a:t>的分区数决定</a:t>
+            </a:r>
+            <a:r>
+              <a:rPr lang="zh-CN" altLang="en-US" dirty="0" smtClean="0">
+                <a:solidFill>
+                  <a:srgbClr val="000000"/>
+                </a:solidFill>
+                <a:latin typeface="微软雅黑" panose="020B0503020204020204" pitchFamily="34" charset="-122"/>
+                <a:ea typeface="微软雅黑" panose="020B0503020204020204" pitchFamily="34" charset="-122"/>
+              </a:rPr>
+              <a:t>。（见</a:t>
+            </a:r>
+            <a:r>
+              <a:rPr lang="en-US" altLang="zh-CN" dirty="0" err="1" smtClean="0">
+                <a:solidFill>
+                  <a:srgbClr val="000000"/>
+                </a:solidFill>
+                <a:latin typeface="微软雅黑" panose="020B0503020204020204" pitchFamily="34" charset="-122"/>
+                <a:ea typeface="微软雅黑" panose="020B0503020204020204" pitchFamily="34" charset="-122"/>
+              </a:rPr>
+              <a:t>onenote</a:t>
+            </a:r>
+            <a:r>
+              <a:rPr lang="zh-CN" altLang="en-US" dirty="0" smtClean="0">
+                <a:solidFill>
+                  <a:srgbClr val="000000"/>
+                </a:solidFill>
+                <a:latin typeface="微软雅黑" panose="020B0503020204020204" pitchFamily="34" charset="-122"/>
+                <a:ea typeface="微软雅黑" panose="020B0503020204020204" pitchFamily="34" charset="-122"/>
+              </a:rPr>
+              <a:t>笔记）</a:t>
+            </a:r>
+            <a:endParaRPr lang="zh-CN" altLang="en-US" dirty="0"/>
+          </a:p>
+        </p:txBody>
+      </p:sp>
+    </p:spTree>
+    <p:extLst>
+      <p:ext uri="{BB962C8B-B14F-4D97-AF65-F5344CB8AC3E}">
+        <p14:creationId xmlns:p14="http://schemas.microsoft.com/office/powerpoint/2010/main" val="3283235889"/>
+      </p:ext>
+    </p:extLst>
+  </p:cSld>
+  <p:clrMapOvr>
+    <a:masterClrMapping/>
+  </p:clrMapOvr>
+</p:sld>
+</file>
+
+<file path=ppt/slides/slide5.xml><?xml version="1.0" encoding="utf-8"?>
+<p:sld xmlns:a="http://schemas.openxmlformats.org/drawingml/2006/main" xmlns:r="http://schemas.openxmlformats.org/officeDocument/2006/relationships" xmlns:p="http://schemas.openxmlformats.org/presentationml/2006/main">
+  <p:cSld>
+    <p:spTree>
+      <p:nvGrpSpPr>
+        <p:cNvPr id="1" name=""/>
+        <p:cNvGrpSpPr/>
+        <p:nvPr/>
+      </p:nvGrpSpPr>
+      <p:grpSpPr>
+        <a:xfrm>
+          <a:off x="0" y="0"/>
+          <a:ext cx="0" cy="0"/>
+          <a:chOff x="0" y="0"/>
+          <a:chExt cx="0" cy="0"/>
+        </a:xfrm>
+      </p:grpSpPr>
+      <p:sp>
+        <p:nvSpPr>
+          <p:cNvPr id="2" name="标题 1"/>
+          <p:cNvSpPr>
+            <a:spLocks noGrp="1"/>
+          </p:cNvSpPr>
+          <p:nvPr>
+            <p:ph type="title"/>
+          </p:nvPr>
+        </p:nvSpPr>
+        <p:spPr/>
+        <p:txBody>
+          <a:bodyPr/>
+          <a:lstStyle/>
+          <a:p>
+            <a:r>
+              <a:rPr lang="zh-CN" altLang="en-US" dirty="0">
+                <a:solidFill>
+                  <a:schemeClr val="tx1"/>
+                </a:solidFill>
+              </a:rPr>
+              <a:t>为什么要分区</a:t>
+            </a:r>
+            <a:r>
+              <a:rPr lang="zh-CN" altLang="en-US" dirty="0" smtClean="0">
+                <a:solidFill>
+                  <a:schemeClr val="tx1"/>
+                </a:solidFill>
+              </a:rPr>
+              <a:t>？</a:t>
+            </a:r>
+            <a:endParaRPr lang="zh-CN" altLang="en-US" dirty="0">
+              <a:solidFill>
+                <a:schemeClr val="tx1"/>
+              </a:solidFill>
+            </a:endParaRPr>
+          </a:p>
+        </p:txBody>
+      </p:sp>
+      <p:sp>
+        <p:nvSpPr>
+          <p:cNvPr id="3" name="矩形 2"/>
+          <p:cNvSpPr/>
+          <p:nvPr/>
+        </p:nvSpPr>
+        <p:spPr>
+          <a:xfrm>
+            <a:off x="1159726" y="1085881"/>
+            <a:ext cx="6378498" cy="3970318"/>
+          </a:xfrm>
+          <a:prstGeom prst="rect">
+            <a:avLst/>
+          </a:prstGeom>
+        </p:spPr>
+        <p:txBody>
+          <a:bodyPr wrap="square">
+            <a:spAutoFit/>
+          </a:bodyPr>
+          <a:lstStyle/>
+          <a:p>
+            <a:r>
+              <a:rPr lang="en-US" altLang="zh-CN" dirty="0" smtClean="0"/>
+              <a:t>        </a:t>
+            </a:r>
+            <a:r>
+              <a:rPr lang="zh-CN" altLang="en-US" dirty="0" smtClean="0"/>
+              <a:t>为了</a:t>
+            </a:r>
+            <a:r>
+              <a:rPr lang="zh-CN" altLang="en-US" dirty="0">
+                <a:solidFill>
+                  <a:srgbClr val="FF0000"/>
+                </a:solidFill>
+              </a:rPr>
+              <a:t>减少网络传输</a:t>
+            </a:r>
+            <a:r>
+              <a:rPr lang="zh-CN" altLang="en-US" dirty="0"/>
+              <a:t>，需要</a:t>
+            </a:r>
+            <a:r>
+              <a:rPr lang="zh-CN" altLang="en-US" dirty="0">
+                <a:solidFill>
+                  <a:srgbClr val="FF0000"/>
+                </a:solidFill>
+              </a:rPr>
+              <a:t>增加</a:t>
+            </a:r>
+            <a:r>
+              <a:rPr lang="en-US" altLang="zh-CN" dirty="0" err="1">
+                <a:solidFill>
+                  <a:srgbClr val="FF0000"/>
+                </a:solidFill>
+              </a:rPr>
+              <a:t>cpu</a:t>
+            </a:r>
+            <a:r>
+              <a:rPr lang="zh-CN" altLang="en-US" dirty="0">
+                <a:solidFill>
+                  <a:srgbClr val="FF0000"/>
+                </a:solidFill>
+              </a:rPr>
+              <a:t>计算负载</a:t>
+            </a:r>
+            <a:r>
+              <a:rPr lang="zh-CN" altLang="en-US" dirty="0"/>
+              <a:t>。数据分区，在分布式集群里，网络通信的代价很大，减少网络传输可以极大提升性能。</a:t>
+            </a:r>
+            <a:r>
+              <a:rPr lang="en-US" altLang="zh-CN" dirty="0" err="1" smtClean="0"/>
+              <a:t>mapReduce</a:t>
+            </a:r>
+            <a:r>
+              <a:rPr lang="zh-CN" altLang="en-US" dirty="0"/>
+              <a:t>框架的性能开支主要</a:t>
+            </a:r>
+            <a:r>
+              <a:rPr lang="zh-CN" altLang="en-US" dirty="0" smtClean="0"/>
+              <a:t>在</a:t>
+            </a:r>
+            <a:r>
+              <a:rPr lang="en-US" altLang="zh-CN" dirty="0" smtClean="0"/>
+              <a:t>IO</a:t>
+            </a:r>
+            <a:r>
+              <a:rPr lang="zh-CN" altLang="en-US" dirty="0" smtClean="0"/>
+              <a:t>和</a:t>
+            </a:r>
+            <a:r>
+              <a:rPr lang="zh-CN" altLang="en-US" dirty="0"/>
+              <a:t>网络传输</a:t>
+            </a:r>
+            <a:r>
+              <a:rPr lang="zh-CN" altLang="en-US" dirty="0" smtClean="0"/>
+              <a:t>，</a:t>
+            </a:r>
+            <a:r>
+              <a:rPr lang="en-US" altLang="zh-CN" dirty="0" smtClean="0"/>
+              <a:t>IO</a:t>
+            </a:r>
+            <a:r>
+              <a:rPr lang="zh-CN" altLang="en-US" dirty="0" smtClean="0"/>
+              <a:t>因为</a:t>
+            </a:r>
+            <a:r>
+              <a:rPr lang="zh-CN" altLang="en-US" dirty="0"/>
+              <a:t>要大量读写文件，它是不可避免的，但是网络传输是可以避免的，把大文件压缩变小文件， 从而减少网络传输，但是增加</a:t>
+            </a:r>
+            <a:r>
+              <a:rPr lang="zh-CN" altLang="en-US" dirty="0" smtClean="0"/>
+              <a:t>了</a:t>
+            </a:r>
+            <a:r>
+              <a:rPr lang="en-US" altLang="zh-CN" dirty="0" smtClean="0"/>
+              <a:t>CPU</a:t>
+            </a:r>
+            <a:r>
+              <a:rPr lang="zh-CN" altLang="en-US" dirty="0" smtClean="0"/>
+              <a:t>的</a:t>
+            </a:r>
+            <a:r>
+              <a:rPr lang="zh-CN" altLang="en-US" dirty="0"/>
+              <a:t>计算负载。</a:t>
+            </a:r>
+          </a:p>
+          <a:p>
+            <a:endParaRPr lang="zh-CN" altLang="en-US" dirty="0"/>
+          </a:p>
+          <a:p>
+            <a:r>
+              <a:rPr lang="en-US" altLang="zh-CN" dirty="0" smtClean="0"/>
+              <a:t>         Spark</a:t>
+            </a:r>
+            <a:r>
+              <a:rPr lang="zh-CN" altLang="en-US" dirty="0" smtClean="0"/>
+              <a:t>里面</a:t>
+            </a:r>
+            <a:r>
+              <a:rPr lang="en-US" altLang="zh-CN" dirty="0" smtClean="0"/>
+              <a:t>IO</a:t>
+            </a:r>
+            <a:r>
+              <a:rPr lang="zh-CN" altLang="en-US" dirty="0" smtClean="0"/>
+              <a:t>也</a:t>
+            </a:r>
+            <a:r>
+              <a:rPr lang="zh-CN" altLang="en-US" dirty="0"/>
+              <a:t>是不可避免的，但是网络传输</a:t>
+            </a:r>
+            <a:r>
+              <a:rPr lang="en-US" altLang="zh-CN" dirty="0"/>
+              <a:t>spark</a:t>
+            </a:r>
+            <a:r>
+              <a:rPr lang="zh-CN" altLang="en-US" dirty="0"/>
+              <a:t>里面进行了优化。</a:t>
+            </a:r>
+            <a:r>
+              <a:rPr lang="en-US" altLang="zh-CN" dirty="0"/>
+              <a:t>spark</a:t>
+            </a:r>
+            <a:r>
+              <a:rPr lang="zh-CN" altLang="en-US" dirty="0" smtClean="0"/>
+              <a:t>把</a:t>
+            </a:r>
+            <a:r>
+              <a:rPr lang="en-US" altLang="zh-CN" dirty="0" smtClean="0"/>
+              <a:t>RDD</a:t>
+            </a:r>
+            <a:r>
+              <a:rPr lang="zh-CN" altLang="en-US" dirty="0" smtClean="0"/>
+              <a:t>进行</a:t>
+            </a:r>
+            <a:r>
+              <a:rPr lang="zh-CN" altLang="en-US" dirty="0"/>
+              <a:t>分区（分片），放在集群上</a:t>
+            </a:r>
+            <a:r>
+              <a:rPr lang="zh-CN" altLang="en-US" dirty="0">
+                <a:solidFill>
+                  <a:srgbClr val="FF0000"/>
+                </a:solidFill>
+              </a:rPr>
+              <a:t>并行计算</a:t>
+            </a:r>
+            <a:r>
+              <a:rPr lang="zh-CN" altLang="en-US" dirty="0"/>
+              <a:t>。同一</a:t>
+            </a:r>
+            <a:r>
+              <a:rPr lang="zh-CN" altLang="en-US" dirty="0" smtClean="0"/>
+              <a:t>个</a:t>
+            </a:r>
+            <a:r>
+              <a:rPr lang="en-US" altLang="zh-CN" smtClean="0"/>
+              <a:t>RDD</a:t>
+            </a:r>
+            <a:r>
+              <a:rPr lang="zh-CN" altLang="en-US" smtClean="0"/>
+              <a:t>分片</a:t>
+            </a:r>
+            <a:r>
+              <a:rPr lang="en-US" altLang="zh-CN" dirty="0"/>
+              <a:t>100</a:t>
+            </a:r>
+            <a:r>
+              <a:rPr lang="zh-CN" altLang="en-US" dirty="0"/>
+              <a:t>个，</a:t>
+            </a:r>
+            <a:r>
+              <a:rPr lang="en-US" altLang="zh-CN" dirty="0"/>
+              <a:t>10</a:t>
+            </a:r>
+            <a:r>
+              <a:rPr lang="zh-CN" altLang="en-US" dirty="0"/>
+              <a:t>个节点，平均一个节点</a:t>
+            </a:r>
+            <a:r>
+              <a:rPr lang="en-US" altLang="zh-CN" dirty="0"/>
+              <a:t>10</a:t>
+            </a:r>
+            <a:r>
+              <a:rPr lang="zh-CN" altLang="en-US" dirty="0"/>
+              <a:t>个分区，当进行</a:t>
+            </a:r>
+            <a:r>
+              <a:rPr lang="en-US" altLang="zh-CN" dirty="0"/>
+              <a:t>sum</a:t>
+            </a:r>
+            <a:r>
+              <a:rPr lang="zh-CN" altLang="en-US" dirty="0"/>
+              <a:t>型的计算的时候，先进行每个分区的</a:t>
+            </a:r>
+            <a:r>
+              <a:rPr lang="en-US" altLang="zh-CN" dirty="0"/>
+              <a:t>sum</a:t>
+            </a:r>
+            <a:r>
+              <a:rPr lang="zh-CN" altLang="en-US" dirty="0"/>
+              <a:t>，然后把</a:t>
+            </a:r>
+            <a:r>
+              <a:rPr lang="en-US" altLang="zh-CN" dirty="0"/>
+              <a:t>sum</a:t>
+            </a:r>
+            <a:r>
+              <a:rPr lang="zh-CN" altLang="en-US" dirty="0"/>
+              <a:t>值</a:t>
+            </a:r>
+            <a:r>
+              <a:rPr lang="en-US" altLang="zh-CN" dirty="0"/>
+              <a:t>shuffle</a:t>
+            </a:r>
+            <a:r>
+              <a:rPr lang="zh-CN" altLang="en-US" dirty="0"/>
+              <a:t>传输到主程序进行全局</a:t>
+            </a:r>
+            <a:r>
+              <a:rPr lang="en-US" altLang="zh-CN" dirty="0"/>
+              <a:t>sum</a:t>
+            </a:r>
+            <a:r>
+              <a:rPr lang="zh-CN" altLang="en-US" dirty="0"/>
+              <a:t>，所以进行</a:t>
+            </a:r>
+            <a:r>
+              <a:rPr lang="en-US" altLang="zh-CN" dirty="0"/>
+              <a:t>sum</a:t>
+            </a:r>
+            <a:r>
+              <a:rPr lang="zh-CN" altLang="en-US" dirty="0"/>
+              <a:t>型计算对网络传输非常小。但对于进行</a:t>
+            </a:r>
+            <a:r>
+              <a:rPr lang="en-US" altLang="zh-CN" dirty="0"/>
+              <a:t>join</a:t>
+            </a:r>
+            <a:r>
+              <a:rPr lang="zh-CN" altLang="en-US" dirty="0"/>
+              <a:t>型的计算的时候，需要把数据本身进行</a:t>
+            </a:r>
+            <a:r>
+              <a:rPr lang="en-US" altLang="zh-CN" dirty="0"/>
+              <a:t>shuffle</a:t>
+            </a:r>
+            <a:r>
+              <a:rPr lang="zh-CN" altLang="en-US" dirty="0"/>
+              <a:t>，网络开销很大。</a:t>
+            </a:r>
+          </a:p>
+        </p:txBody>
+      </p:sp>
+    </p:spTree>
+    <p:extLst>
+      <p:ext uri="{BB962C8B-B14F-4D97-AF65-F5344CB8AC3E}">
+        <p14:creationId xmlns:p14="http://schemas.microsoft.com/office/powerpoint/2010/main" val="3494594152"/>
+      </p:ext>
+    </p:extLst>
+  </p:cSld>
+  <p:clrMapOvr>
+    <a:masterClrMapping/>
+  </p:clrMapOvr>
+</p:sld>
+</file>
+
+<file path=ppt/slides/slide6.xml><?xml version="1.0" encoding="utf-8"?>
+<p:sld xmlns:a="http://schemas.openxmlformats.org/drawingml/2006/main" xmlns:r="http://schemas.openxmlformats.org/officeDocument/2006/relationships" xmlns:p="http://schemas.openxmlformats.org/presentationml/2006/main">
+  <p:cSld>
+    <p:spTree>
+      <p:nvGrpSpPr>
+        <p:cNvPr id="1" name=""/>
+        <p:cNvGrpSpPr/>
+        <p:nvPr/>
+      </p:nvGrpSpPr>
+      <p:grpSpPr>
+        <a:xfrm>
+          <a:off x="0" y="0"/>
+          <a:ext cx="0" cy="0"/>
+          <a:chOff x="0" y="0"/>
+          <a:chExt cx="0" cy="0"/>
+        </a:xfrm>
+      </p:grpSpPr>
+      <p:sp>
+        <p:nvSpPr>
+          <p:cNvPr id="2" name="标题 1"/>
+          <p:cNvSpPr>
+            <a:spLocks noGrp="1"/>
+          </p:cNvSpPr>
+          <p:nvPr>
+            <p:ph type="title"/>
+          </p:nvPr>
+        </p:nvSpPr>
+        <p:spPr/>
+        <p:txBody>
+          <a:bodyPr/>
+          <a:lstStyle/>
+          <a:p>
+            <a:endParaRPr lang="zh-CN" altLang="en-US" dirty="0"/>
+          </a:p>
+        </p:txBody>
+      </p:sp>
+      <p:pic>
+        <p:nvPicPr>
+          <p:cNvPr id="3" name="图片 2"/>
+          <p:cNvPicPr>
+            <a:picLocks noChangeAspect="1"/>
+          </p:cNvPicPr>
+          <p:nvPr/>
+        </p:nvPicPr>
+        <p:blipFill>
+          <a:blip r:embed="rId2"/>
+          <a:stretch>
+            <a:fillRect/>
+          </a:stretch>
+        </p:blipFill>
+        <p:spPr>
+          <a:xfrm>
+            <a:off x="562657" y="824034"/>
+            <a:ext cx="6858957" cy="5163271"/>
+          </a:xfrm>
+          <a:prstGeom prst="rect">
+            <a:avLst/>
+          </a:prstGeom>
+        </p:spPr>
+      </p:pic>
+    </p:spTree>
+    <p:extLst>
+      <p:ext uri="{BB962C8B-B14F-4D97-AF65-F5344CB8AC3E}">
+        <p14:creationId xmlns:p14="http://schemas.microsoft.com/office/powerpoint/2010/main" val="2339112488"/>
+      </p:ext>
+    </p:extLst>
+  </p:cSld>
+  <p:clrMapOvr>
+    <a:masterClrMapping/>
+  </p:clrMapOvr>
+</p:sld>
+</file>
+
+<file path=ppt/slides/slide7.xml><?xml version="1.0" encoding="utf-8"?>
+<p:sld xmlns:a="http://schemas.openxmlformats.org/drawingml/2006/main" xmlns:r="http://schemas.openxmlformats.org/officeDocument/2006/relationships" xmlns:p="http://schemas.openxmlformats.org/presentationml/2006/main">
+  <p:cSld>
+    <p:spTree>
+      <p:nvGrpSpPr>
+        <p:cNvPr id="1" name=""/>
+        <p:cNvGrpSpPr/>
+        <p:nvPr/>
+      </p:nvGrpSpPr>
+      <p:grpSpPr>
+        <a:xfrm>
+          <a:off x="0" y="0"/>
+          <a:ext cx="0" cy="0"/>
+          <a:chOff x="0" y="0"/>
+          <a:chExt cx="0" cy="0"/>
+        </a:xfrm>
+      </p:grpSpPr>
+      <p:sp>
+        <p:nvSpPr>
+          <p:cNvPr id="2" name="标题 1"/>
+          <p:cNvSpPr>
+            <a:spLocks noGrp="1"/>
+          </p:cNvSpPr>
+          <p:nvPr>
+            <p:ph type="title"/>
+          </p:nvPr>
+        </p:nvSpPr>
+        <p:spPr/>
+        <p:txBody>
+          <a:bodyPr/>
+          <a:lstStyle/>
+          <a:p>
+            <a:r>
+              <a:rPr lang="zh-CN" altLang="zh-CN" dirty="0">
+                <a:solidFill>
+                  <a:schemeClr val="tx1"/>
+                </a:solidFill>
+              </a:rPr>
+              <a:t>spark是如何优化这个问题的呢？</a:t>
+            </a:r>
+            <a:endParaRPr lang="zh-CN" altLang="en-US" dirty="0">
+              <a:solidFill>
+                <a:schemeClr val="tx1"/>
+              </a:solidFill>
+            </a:endParaRPr>
+          </a:p>
+        </p:txBody>
+      </p:sp>
+      <p:sp>
+        <p:nvSpPr>
+          <p:cNvPr id="3" name="矩形 2"/>
+          <p:cNvSpPr/>
+          <p:nvPr/>
+        </p:nvSpPr>
+        <p:spPr>
+          <a:xfrm>
+            <a:off x="591014" y="1195150"/>
+            <a:ext cx="7883913" cy="4801314"/>
+          </a:xfrm>
+          <a:prstGeom prst="rect">
+            <a:avLst/>
+          </a:prstGeom>
+        </p:spPr>
+        <p:txBody>
+          <a:bodyPr wrap="square">
+            <a:spAutoFit/>
+          </a:bodyPr>
+          <a:lstStyle/>
+          <a:p>
+            <a:pPr marL="0" marR="0">
+              <a:spcBef>
+                <a:spcPts val="0"/>
+              </a:spcBef>
+              <a:spcAft>
+                <a:spcPts val="0"/>
+              </a:spcAft>
+            </a:pPr>
+            <a:r>
+              <a:rPr lang="zh-CN" altLang="zh-CN" b="1" dirty="0">
+                <a:ea typeface="Calibri" panose="020F0502020204030204" pitchFamily="34" charset="0"/>
+              </a:rPr>
+              <a:t>mapreduce</a:t>
+            </a:r>
+            <a:r>
+              <a:rPr lang="zh-CN" altLang="zh-CN" b="1" dirty="0">
+                <a:ea typeface="Microsoft YaHei" panose="020B0503020204020204" pitchFamily="34" charset="-122"/>
+              </a:rPr>
+              <a:t>分区</a:t>
+            </a:r>
+            <a:r>
+              <a:rPr lang="zh-CN" altLang="zh-CN" dirty="0">
+                <a:ea typeface="Microsoft YaHei" panose="020B0503020204020204" pitchFamily="34" charset="-122"/>
+              </a:rPr>
+              <a:t>：就是说</a:t>
+            </a:r>
+            <a:r>
+              <a:rPr lang="en-US" altLang="zh-CN" dirty="0">
+                <a:ea typeface="Calibri" panose="020F0502020204030204" pitchFamily="34" charset="0"/>
+              </a:rPr>
+              <a:t>mapreduce</a:t>
+            </a:r>
+            <a:r>
+              <a:rPr lang="en-US" altLang="zh-CN" dirty="0">
+                <a:ea typeface="Microsoft YaHei" panose="020B0503020204020204" pitchFamily="34" charset="-122"/>
+              </a:rPr>
+              <a:t>的网络传输主要在</a:t>
+            </a:r>
+            <a:r>
+              <a:rPr lang="en-US" altLang="zh-CN" dirty="0">
+                <a:ea typeface="Calibri" panose="020F0502020204030204" pitchFamily="34" charset="0"/>
+              </a:rPr>
+              <a:t>shuffle</a:t>
+            </a:r>
+            <a:r>
+              <a:rPr lang="en-US" altLang="zh-CN" dirty="0">
+                <a:ea typeface="Microsoft YaHei" panose="020B0503020204020204" pitchFamily="34" charset="-122"/>
+              </a:rPr>
+              <a:t>阶段，</a:t>
+            </a:r>
+            <a:r>
+              <a:rPr lang="en-US" altLang="zh-CN" dirty="0">
+                <a:ea typeface="Calibri" panose="020F0502020204030204" pitchFamily="34" charset="0"/>
+              </a:rPr>
+              <a:t>shuffle</a:t>
+            </a:r>
+            <a:r>
+              <a:rPr lang="en-US" altLang="zh-CN" dirty="0">
+                <a:ea typeface="Microsoft YaHei" panose="020B0503020204020204" pitchFamily="34" charset="-122"/>
+              </a:rPr>
+              <a:t>的根本原因是相同的</a:t>
+            </a:r>
+            <a:r>
+              <a:rPr lang="en-US" altLang="zh-CN" dirty="0">
+                <a:ea typeface="Calibri" panose="020F0502020204030204" pitchFamily="34" charset="0"/>
+              </a:rPr>
+              <a:t>key</a:t>
+            </a:r>
+            <a:r>
+              <a:rPr lang="en-US" altLang="zh-CN" dirty="0">
+                <a:ea typeface="Microsoft YaHei" panose="020B0503020204020204" pitchFamily="34" charset="-122"/>
+              </a:rPr>
+              <a:t>存在不同的节点上，按</a:t>
+            </a:r>
+            <a:r>
+              <a:rPr lang="en-US" altLang="zh-CN" dirty="0">
+                <a:ea typeface="Calibri" panose="020F0502020204030204" pitchFamily="34" charset="0"/>
+              </a:rPr>
+              <a:t>key</a:t>
+            </a:r>
+            <a:r>
+              <a:rPr lang="en-US" altLang="zh-CN" dirty="0">
+                <a:ea typeface="Microsoft YaHei" panose="020B0503020204020204" pitchFamily="34" charset="-122"/>
+              </a:rPr>
+              <a:t>进行聚合的时候不得不进行</a:t>
+            </a:r>
+            <a:r>
+              <a:rPr lang="en-US" altLang="zh-CN" dirty="0">
+                <a:ea typeface="Calibri" panose="020F0502020204030204" pitchFamily="34" charset="0"/>
+              </a:rPr>
+              <a:t>shuffle</a:t>
+            </a:r>
+            <a:r>
+              <a:rPr lang="en-US" altLang="zh-CN" dirty="0">
+                <a:ea typeface="Microsoft YaHei" panose="020B0503020204020204" pitchFamily="34" charset="-122"/>
+              </a:rPr>
+              <a:t>。</a:t>
+            </a:r>
+            <a:r>
+              <a:rPr lang="en-US" altLang="zh-CN" dirty="0">
+                <a:ea typeface="Calibri" panose="020F0502020204030204" pitchFamily="34" charset="0"/>
+              </a:rPr>
+              <a:t>shuffle</a:t>
+            </a:r>
+            <a:r>
+              <a:rPr lang="en-US" altLang="zh-CN" dirty="0">
+                <a:ea typeface="Microsoft YaHei" panose="020B0503020204020204" pitchFamily="34" charset="-122"/>
+              </a:rPr>
+              <a:t>是非常影响网络的，它要把所有的数据混在一起走网络，然后它才能把相同的</a:t>
+            </a:r>
+            <a:r>
+              <a:rPr lang="en-US" altLang="zh-CN" dirty="0">
+                <a:ea typeface="Calibri" panose="020F0502020204030204" pitchFamily="34" charset="0"/>
+              </a:rPr>
+              <a:t>key</a:t>
+            </a:r>
+            <a:r>
+              <a:rPr lang="en-US" altLang="zh-CN" dirty="0">
+                <a:ea typeface="Microsoft YaHei" panose="020B0503020204020204" pitchFamily="34" charset="-122"/>
+              </a:rPr>
+              <a:t>的数据拉到一起。要进行</a:t>
+            </a:r>
+            <a:r>
+              <a:rPr lang="en-US" altLang="zh-CN" dirty="0">
+                <a:ea typeface="Calibri" panose="020F0502020204030204" pitchFamily="34" charset="0"/>
+              </a:rPr>
+              <a:t>shuffle</a:t>
+            </a:r>
+            <a:r>
+              <a:rPr lang="en-US" altLang="zh-CN" dirty="0">
+                <a:ea typeface="Microsoft YaHei" panose="020B0503020204020204" pitchFamily="34" charset="-122"/>
+              </a:rPr>
+              <a:t>是存储决定的。</a:t>
+            </a:r>
+            <a:endParaRPr lang="zh-CN" altLang="zh-CN" dirty="0">
+              <a:ea typeface="Calibri" panose="020F0502020204030204" pitchFamily="34" charset="0"/>
+            </a:endParaRPr>
+          </a:p>
+          <a:p>
+            <a:pPr marL="0" marR="0">
+              <a:spcBef>
+                <a:spcPts val="0"/>
+              </a:spcBef>
+              <a:spcAft>
+                <a:spcPts val="0"/>
+              </a:spcAft>
+            </a:pPr>
+            <a:r>
+              <a:rPr lang="zh-CN" altLang="zh-CN" b="1" dirty="0">
+                <a:ea typeface="Calibri" panose="020F0502020204030204" pitchFamily="34" charset="0"/>
+              </a:rPr>
+              <a:t>spark</a:t>
+            </a:r>
+            <a:r>
+              <a:rPr lang="zh-CN" altLang="zh-CN" b="1" dirty="0">
+                <a:ea typeface="Microsoft YaHei" panose="020B0503020204020204" pitchFamily="34" charset="-122"/>
+              </a:rPr>
+              <a:t>分区</a:t>
+            </a:r>
+            <a:r>
+              <a:rPr lang="zh-CN" altLang="zh-CN" dirty="0">
+                <a:ea typeface="Microsoft YaHei" panose="020B0503020204020204" pitchFamily="34" charset="-122"/>
+              </a:rPr>
+              <a:t>：</a:t>
+            </a:r>
+            <a:r>
+              <a:rPr lang="en-US" altLang="zh-CN" dirty="0" err="1">
+                <a:ea typeface="Calibri" panose="020F0502020204030204" pitchFamily="34" charset="0"/>
+              </a:rPr>
+              <a:t>spark</a:t>
+            </a:r>
+            <a:r>
+              <a:rPr lang="en-US" altLang="zh-CN" dirty="0" err="1">
+                <a:ea typeface="Microsoft YaHei" panose="020B0503020204020204" pitchFamily="34" charset="-122"/>
+              </a:rPr>
+              <a:t>会基于</a:t>
+            </a:r>
+            <a:r>
+              <a:rPr lang="en-US" altLang="zh-CN" dirty="0" err="1">
+                <a:ea typeface="Calibri" panose="020F0502020204030204" pitchFamily="34" charset="0"/>
+              </a:rPr>
+              <a:t>key</a:t>
+            </a:r>
+            <a:r>
+              <a:rPr lang="en-US" altLang="zh-CN" dirty="0" err="1">
+                <a:ea typeface="Microsoft YaHei" panose="020B0503020204020204" pitchFamily="34" charset="-122"/>
+              </a:rPr>
+              <a:t>进行分区，也就是</a:t>
+            </a:r>
+            <a:r>
+              <a:rPr lang="en-US" altLang="zh-CN" dirty="0" err="1">
+                <a:ea typeface="Calibri" panose="020F0502020204030204" pitchFamily="34" charset="0"/>
+              </a:rPr>
+              <a:t>key</a:t>
+            </a:r>
+            <a:r>
+              <a:rPr lang="en-US" altLang="zh-CN" dirty="0" err="1">
+                <a:ea typeface="Microsoft YaHei" panose="020B0503020204020204" pitchFamily="34" charset="-122"/>
+              </a:rPr>
+              <a:t>的</a:t>
+            </a:r>
+            <a:r>
+              <a:rPr lang="en-US" altLang="zh-CN" dirty="0" err="1">
+                <a:ea typeface="Calibri" panose="020F0502020204030204" pitchFamily="34" charset="0"/>
+              </a:rPr>
+              <a:t>hashcode</a:t>
+            </a:r>
+            <a:r>
+              <a:rPr lang="en-US" altLang="zh-CN" dirty="0" err="1">
+                <a:ea typeface="Microsoft YaHei" panose="020B0503020204020204" pitchFamily="34" charset="-122"/>
+              </a:rPr>
+              <a:t>进行分区（相同的</a:t>
+            </a:r>
+            <a:r>
+              <a:rPr lang="en-US" altLang="zh-CN" dirty="0" err="1">
+                <a:ea typeface="Calibri" panose="020F0502020204030204" pitchFamily="34" charset="0"/>
+              </a:rPr>
+              <a:t>key</a:t>
+            </a:r>
+            <a:r>
+              <a:rPr lang="en-US" altLang="zh-CN" dirty="0" err="1">
+                <a:ea typeface="Microsoft YaHei" panose="020B0503020204020204" pitchFamily="34" charset="-122"/>
+              </a:rPr>
+              <a:t>，它的</a:t>
+            </a:r>
+            <a:r>
+              <a:rPr lang="en-US" altLang="zh-CN" dirty="0" err="1">
+                <a:ea typeface="Calibri" panose="020F0502020204030204" pitchFamily="34" charset="0"/>
+              </a:rPr>
+              <a:t>hashcode</a:t>
+            </a:r>
+            <a:r>
+              <a:rPr lang="en-US" altLang="zh-CN" dirty="0" err="1">
+                <a:ea typeface="Microsoft YaHei" panose="020B0503020204020204" pitchFamily="34" charset="-122"/>
+              </a:rPr>
+              <a:t>相同</a:t>
+            </a:r>
+            <a:r>
+              <a:rPr lang="en-US" altLang="zh-CN" dirty="0">
+                <a:ea typeface="Microsoft YaHei" panose="020B0503020204020204" pitchFamily="34" charset="-122"/>
+              </a:rPr>
+              <a:t>）。所以，它进行分区的时候</a:t>
+            </a:r>
+            <a:r>
+              <a:rPr lang="en-US" altLang="zh-CN" dirty="0">
+                <a:ea typeface="Calibri" panose="020F0502020204030204" pitchFamily="34" charset="0"/>
+              </a:rPr>
+              <a:t>100t</a:t>
+            </a:r>
+            <a:r>
+              <a:rPr lang="en-US" altLang="zh-CN" dirty="0">
+                <a:ea typeface="Microsoft YaHei" panose="020B0503020204020204" pitchFamily="34" charset="-122"/>
+              </a:rPr>
+              <a:t>的数据分成</a:t>
+            </a:r>
+            <a:r>
+              <a:rPr lang="en-US" altLang="zh-CN" dirty="0">
+                <a:ea typeface="Calibri" panose="020F0502020204030204" pitchFamily="34" charset="0"/>
+              </a:rPr>
+              <a:t>10</a:t>
+            </a:r>
+            <a:r>
+              <a:rPr lang="en-US" altLang="zh-CN" dirty="0">
+                <a:ea typeface="Microsoft YaHei" panose="020B0503020204020204" pitchFamily="34" charset="-122"/>
+              </a:rPr>
+              <a:t>份，每部分</a:t>
+            </a:r>
+            <a:r>
+              <a:rPr lang="en-US" altLang="zh-CN" dirty="0">
+                <a:ea typeface="Calibri" panose="020F0502020204030204" pitchFamily="34" charset="0"/>
+              </a:rPr>
+              <a:t>10</a:t>
+            </a:r>
+            <a:r>
+              <a:rPr lang="en-US" altLang="zh-CN" dirty="0">
+                <a:ea typeface="Microsoft YaHei" panose="020B0503020204020204" pitchFamily="34" charset="-122"/>
+              </a:rPr>
+              <a:t>个</a:t>
+            </a:r>
+            <a:r>
+              <a:rPr lang="en-US" altLang="zh-CN" dirty="0">
+                <a:ea typeface="Calibri" panose="020F0502020204030204" pitchFamily="34" charset="0"/>
+              </a:rPr>
+              <a:t>t</a:t>
+            </a:r>
+            <a:r>
+              <a:rPr lang="en-US" altLang="zh-CN" dirty="0">
+                <a:ea typeface="Microsoft YaHei" panose="020B0503020204020204" pitchFamily="34" charset="-122"/>
+              </a:rPr>
+              <a:t>，它能确保相同的</a:t>
+            </a:r>
+            <a:r>
+              <a:rPr lang="en-US" altLang="zh-CN" dirty="0">
+                <a:ea typeface="Calibri" panose="020F0502020204030204" pitchFamily="34" charset="0"/>
+              </a:rPr>
+              <a:t>key</a:t>
+            </a:r>
+            <a:r>
+              <a:rPr lang="en-US" altLang="zh-CN" dirty="0">
+                <a:ea typeface="Microsoft YaHei" panose="020B0503020204020204" pitchFamily="34" charset="-122"/>
+              </a:rPr>
+              <a:t>肯定在一个分区里面，</a:t>
+            </a:r>
+            <a:r>
+              <a:rPr lang="en-US" altLang="zh-CN" dirty="0">
+                <a:solidFill>
+                  <a:srgbClr val="FF0000"/>
+                </a:solidFill>
+                <a:ea typeface="Microsoft YaHei" panose="020B0503020204020204" pitchFamily="34" charset="-122"/>
+              </a:rPr>
+              <a:t>而且它能保证存储的时候相同的</a:t>
+            </a:r>
+            <a:r>
+              <a:rPr lang="en-US" altLang="zh-CN" dirty="0">
+                <a:solidFill>
+                  <a:srgbClr val="FF0000"/>
+                </a:solidFill>
+                <a:ea typeface="Calibri" panose="020F0502020204030204" pitchFamily="34" charset="0"/>
+              </a:rPr>
+              <a:t>key</a:t>
+            </a:r>
+            <a:r>
+              <a:rPr lang="en-US" altLang="zh-CN" dirty="0">
+                <a:solidFill>
+                  <a:srgbClr val="FF0000"/>
+                </a:solidFill>
+                <a:ea typeface="Microsoft YaHei" panose="020B0503020204020204" pitchFamily="34" charset="-122"/>
+              </a:rPr>
+              <a:t>能够存在同一个节点上</a:t>
+            </a:r>
+            <a:r>
+              <a:rPr lang="en-US" altLang="zh-CN" dirty="0">
+                <a:ea typeface="Microsoft YaHei" panose="020B0503020204020204" pitchFamily="34" charset="-122"/>
+              </a:rPr>
+              <a:t>。例如，一个</a:t>
+            </a:r>
+            <a:r>
+              <a:rPr lang="en-US" altLang="zh-CN" dirty="0">
+                <a:ea typeface="Calibri" panose="020F0502020204030204" pitchFamily="34" charset="0"/>
+              </a:rPr>
+              <a:t>rdd</a:t>
+            </a:r>
+            <a:r>
+              <a:rPr lang="en-US" altLang="zh-CN" dirty="0">
+                <a:ea typeface="Microsoft YaHei" panose="020B0503020204020204" pitchFamily="34" charset="-122"/>
+              </a:rPr>
+              <a:t>分成了</a:t>
+            </a:r>
+            <a:r>
+              <a:rPr lang="en-US" altLang="zh-CN" dirty="0">
+                <a:ea typeface="Calibri" panose="020F0502020204030204" pitchFamily="34" charset="0"/>
+              </a:rPr>
+              <a:t>100</a:t>
+            </a:r>
+            <a:r>
+              <a:rPr lang="en-US" altLang="zh-CN" dirty="0">
+                <a:ea typeface="Microsoft YaHei" panose="020B0503020204020204" pitchFamily="34" charset="-122"/>
+              </a:rPr>
+              <a:t>份，集群有</a:t>
+            </a:r>
+            <a:r>
+              <a:rPr lang="en-US" altLang="zh-CN" dirty="0">
+                <a:ea typeface="Calibri" panose="020F0502020204030204" pitchFamily="34" charset="0"/>
+              </a:rPr>
+              <a:t>10</a:t>
+            </a:r>
+            <a:r>
+              <a:rPr lang="en-US" altLang="zh-CN" dirty="0">
+                <a:ea typeface="Microsoft YaHei" panose="020B0503020204020204" pitchFamily="34" charset="-122"/>
+              </a:rPr>
+              <a:t>个节点，所以每个节点存</a:t>
+            </a:r>
+            <a:r>
+              <a:rPr lang="en-US" altLang="zh-CN" dirty="0">
+                <a:ea typeface="Calibri" panose="020F0502020204030204" pitchFamily="34" charset="0"/>
+              </a:rPr>
+              <a:t>10</a:t>
+            </a:r>
+            <a:r>
+              <a:rPr lang="en-US" altLang="zh-CN" dirty="0">
+                <a:ea typeface="Microsoft YaHei" panose="020B0503020204020204" pitchFamily="34" charset="-122"/>
+              </a:rPr>
+              <a:t>份，每一份称为一个分区，</a:t>
+            </a:r>
+            <a:r>
+              <a:rPr lang="en-US" altLang="zh-CN" dirty="0">
+                <a:ea typeface="Calibri" panose="020F0502020204030204" pitchFamily="34" charset="0"/>
+              </a:rPr>
+              <a:t>spark</a:t>
+            </a:r>
+            <a:r>
+              <a:rPr lang="en-US" altLang="zh-CN" dirty="0">
+                <a:ea typeface="Microsoft YaHei" panose="020B0503020204020204" pitchFamily="34" charset="-122"/>
+              </a:rPr>
+              <a:t>能保证相同的</a:t>
+            </a:r>
+            <a:r>
+              <a:rPr lang="en-US" altLang="zh-CN" dirty="0">
+                <a:ea typeface="Calibri" panose="020F0502020204030204" pitchFamily="34" charset="0"/>
+              </a:rPr>
+              <a:t>key</a:t>
+            </a:r>
+            <a:r>
+              <a:rPr lang="en-US" altLang="zh-CN" dirty="0">
+                <a:ea typeface="Microsoft YaHei" panose="020B0503020204020204" pitchFamily="34" charset="-122"/>
+              </a:rPr>
+              <a:t>存在同一个节点上，实际上相同的</a:t>
+            </a:r>
+            <a:r>
+              <a:rPr lang="en-US" altLang="zh-CN" dirty="0">
+                <a:ea typeface="Calibri" panose="020F0502020204030204" pitchFamily="34" charset="0"/>
+              </a:rPr>
+              <a:t>key</a:t>
+            </a:r>
+            <a:r>
+              <a:rPr lang="en-US" altLang="zh-CN" dirty="0">
+                <a:ea typeface="Microsoft YaHei" panose="020B0503020204020204" pitchFamily="34" charset="-122"/>
+              </a:rPr>
+              <a:t>存在同一个分区。</a:t>
+            </a:r>
+            <a:endParaRPr lang="zh-CN" altLang="zh-CN" dirty="0">
+              <a:ea typeface="Calibri" panose="020F0502020204030204" pitchFamily="34" charset="0"/>
+            </a:endParaRPr>
+          </a:p>
+          <a:p>
+            <a:pPr marL="0" marR="0">
+              <a:spcBef>
+                <a:spcPts val="0"/>
+              </a:spcBef>
+              <a:spcAft>
+                <a:spcPts val="0"/>
+              </a:spcAft>
+            </a:pPr>
+            <a:r>
+              <a:rPr lang="zh-CN" altLang="zh-CN" dirty="0">
+                <a:ea typeface="Calibri" panose="020F0502020204030204" pitchFamily="34" charset="0"/>
+              </a:rPr>
+              <a:t>key</a:t>
+            </a:r>
+            <a:r>
+              <a:rPr lang="zh-CN" altLang="zh-CN" dirty="0">
+                <a:ea typeface="Microsoft YaHei" panose="020B0503020204020204" pitchFamily="34" charset="-122"/>
+              </a:rPr>
+              <a:t>的分布不均决定了有的分区大有的分区小。没法保证分区数据量完全相等，但它会保证在一个接近的范围。所以对于</a:t>
+            </a:r>
+            <a:r>
+              <a:rPr lang="en-US" altLang="zh-CN" dirty="0" err="1">
+                <a:ea typeface="Calibri" panose="020F0502020204030204" pitchFamily="34" charset="0"/>
+              </a:rPr>
+              <a:t>mapreduce</a:t>
+            </a:r>
+            <a:r>
+              <a:rPr lang="en-US" altLang="zh-CN" dirty="0" err="1">
+                <a:ea typeface="Microsoft YaHei" panose="020B0503020204020204" pitchFamily="34" charset="-122"/>
+              </a:rPr>
+              <a:t>做的某些工作里边，</a:t>
+            </a:r>
+            <a:r>
+              <a:rPr lang="en-US" altLang="zh-CN" dirty="0" err="1">
+                <a:ea typeface="Calibri" panose="020F0502020204030204" pitchFamily="34" charset="0"/>
+              </a:rPr>
+              <a:t>spark</a:t>
+            </a:r>
+            <a:r>
+              <a:rPr lang="en-US" altLang="zh-CN" dirty="0" err="1">
+                <a:ea typeface="Microsoft YaHei" panose="020B0503020204020204" pitchFamily="34" charset="-122"/>
+              </a:rPr>
+              <a:t>就不需要</a:t>
+            </a:r>
+            <a:r>
+              <a:rPr lang="en-US" altLang="zh-CN" dirty="0" err="1">
+                <a:ea typeface="Calibri" panose="020F0502020204030204" pitchFamily="34" charset="0"/>
+              </a:rPr>
+              <a:t>shuffle</a:t>
+            </a:r>
+            <a:r>
+              <a:rPr lang="en-US" altLang="zh-CN" dirty="0" err="1">
+                <a:ea typeface="Microsoft YaHei" panose="020B0503020204020204" pitchFamily="34" charset="-122"/>
+              </a:rPr>
+              <a:t>了，</a:t>
+            </a:r>
+            <a:r>
+              <a:rPr lang="en-US" altLang="zh-CN" dirty="0" err="1">
+                <a:ea typeface="Calibri" panose="020F0502020204030204" pitchFamily="34" charset="0"/>
+              </a:rPr>
+              <a:t>spark</a:t>
+            </a:r>
+            <a:r>
+              <a:rPr lang="en-US" altLang="zh-CN" dirty="0" err="1">
+                <a:ea typeface="Microsoft YaHei" panose="020B0503020204020204" pitchFamily="34" charset="-122"/>
+              </a:rPr>
+              <a:t>解决网络传输这块的根本原理就是这个</a:t>
+            </a:r>
+            <a:r>
+              <a:rPr lang="en-US" altLang="zh-CN" dirty="0">
+                <a:ea typeface="Microsoft YaHei" panose="020B0503020204020204" pitchFamily="34" charset="-122"/>
+              </a:rPr>
+              <a:t>。</a:t>
+            </a:r>
+            <a:endParaRPr lang="zh-CN" altLang="zh-CN" dirty="0">
+              <a:ea typeface="Calibri" panose="020F0502020204030204" pitchFamily="34" charset="0"/>
+            </a:endParaRPr>
+          </a:p>
+          <a:p>
+            <a:pPr marL="0" marR="0">
+              <a:spcBef>
+                <a:spcPts val="0"/>
+              </a:spcBef>
+              <a:spcAft>
+                <a:spcPts val="0"/>
+              </a:spcAft>
+            </a:pPr>
+            <a:r>
+              <a:rPr lang="zh-CN" altLang="zh-CN" dirty="0">
+                <a:ea typeface="Calibri" panose="020F0502020204030204" pitchFamily="34" charset="0"/>
+              </a:rPr>
+              <a:t> </a:t>
+            </a:r>
+            <a:r>
+              <a:rPr lang="zh-CN" altLang="zh-CN" dirty="0">
+                <a:ea typeface="Microsoft YaHei" panose="020B0503020204020204" pitchFamily="34" charset="-122"/>
+              </a:rPr>
+              <a:t>进行</a:t>
+            </a:r>
+            <a:r>
+              <a:rPr lang="en-US" altLang="zh-CN" dirty="0">
+                <a:ea typeface="Calibri" panose="020F0502020204030204" pitchFamily="34" charset="0"/>
+              </a:rPr>
+              <a:t>join</a:t>
+            </a:r>
+            <a:r>
+              <a:rPr lang="en-US" altLang="zh-CN" dirty="0">
+                <a:ea typeface="Microsoft YaHei" panose="020B0503020204020204" pitchFamily="34" charset="-122"/>
+              </a:rPr>
+              <a:t>的时候是两个表，不可能把两个表都分区好，通常情况下是把用的频繁的大表事先进行分区，小表进行关联它的时候小表进行</a:t>
+            </a:r>
+            <a:r>
+              <a:rPr lang="en-US" altLang="zh-CN" dirty="0">
+                <a:ea typeface="Calibri" panose="020F0502020204030204" pitchFamily="34" charset="0"/>
+              </a:rPr>
+              <a:t>shuffle</a:t>
+            </a:r>
+            <a:r>
+              <a:rPr lang="en-US" altLang="zh-CN" dirty="0">
+                <a:ea typeface="Microsoft YaHei" panose="020B0503020204020204" pitchFamily="34" charset="-122"/>
+              </a:rPr>
+              <a:t>过程。</a:t>
+            </a:r>
+            <a:r>
+              <a:rPr lang="zh-CN" altLang="zh-CN" dirty="0">
+                <a:ea typeface="Microsoft YaHei" panose="020B0503020204020204" pitchFamily="34" charset="-122"/>
+              </a:rPr>
+              <a:t>大表不需要</a:t>
+            </a:r>
+            <a:r>
+              <a:rPr lang="en-US" altLang="zh-CN" dirty="0">
+                <a:ea typeface="Calibri" panose="020F0502020204030204" pitchFamily="34" charset="0"/>
+              </a:rPr>
+              <a:t>shuffle</a:t>
+            </a:r>
+            <a:r>
+              <a:rPr lang="en-US" altLang="zh-CN" dirty="0">
+                <a:ea typeface="Microsoft YaHei" panose="020B0503020204020204" pitchFamily="34" charset="-122"/>
+              </a:rPr>
+              <a:t>。</a:t>
+            </a:r>
+            <a:endParaRPr lang="zh-CN" altLang="zh-CN" dirty="0">
+              <a:ea typeface="Calibri" panose="020F0502020204030204" pitchFamily="34" charset="0"/>
+            </a:endParaRPr>
+          </a:p>
+          <a:p>
+            <a:pPr marL="0" marR="0">
+              <a:spcBef>
+                <a:spcPts val="0"/>
+              </a:spcBef>
+              <a:spcAft>
+                <a:spcPts val="0"/>
+              </a:spcAft>
+            </a:pPr>
+            <a:r>
+              <a:rPr lang="en-US" altLang="zh-CN" dirty="0">
+                <a:ea typeface="Calibri" panose="020F0502020204030204" pitchFamily="34" charset="0"/>
+              </a:rPr>
+              <a:t> </a:t>
+            </a:r>
+            <a:endParaRPr lang="en-US" altLang="zh-CN" sz="1800" dirty="0">
+              <a:effectLst/>
+              <a:ea typeface="Calibri" panose="020F0502020204030204" pitchFamily="34" charset="0"/>
+            </a:endParaRPr>
+          </a:p>
+        </p:txBody>
+      </p:sp>
+    </p:spTree>
+    <p:extLst>
+      <p:ext uri="{BB962C8B-B14F-4D97-AF65-F5344CB8AC3E}">
+        <p14:creationId xmlns:p14="http://schemas.microsoft.com/office/powerpoint/2010/main" val="4055242491"/>
+      </p:ext>
+    </p:extLst>
+  </p:cSld>
+  <p:clrMapOvr>
+    <a:masterClrMapping/>
+  </p:clrMapOvr>
+</p:sld>
+</file>
+
+<file path=ppt/slides/slide8.xml><?xml version="1.0" encoding="utf-8"?>
+<p:sld xmlns:a="http://schemas.openxmlformats.org/drawingml/2006/main" xmlns:r="http://schemas.openxmlformats.org/officeDocument/2006/relationships" xmlns:p="http://schemas.openxmlformats.org/presentationml/2006/main">
+  <p:cSld>
+    <p:spTree>
+      <p:nvGrpSpPr>
+        <p:cNvPr id="1" name=""/>
+        <p:cNvGrpSpPr/>
+        <p:nvPr/>
+      </p:nvGrpSpPr>
+      <p:grpSpPr>
+        <a:xfrm>
+          <a:off x="0" y="0"/>
+          <a:ext cx="0" cy="0"/>
+          <a:chOff x="0" y="0"/>
+          <a:chExt cx="0" cy="0"/>
+        </a:xfrm>
+      </p:grpSpPr>
+      <p:sp>
+        <p:nvSpPr>
+          <p:cNvPr id="2" name="标题 1"/>
+          <p:cNvSpPr>
+            <a:spLocks noGrp="1"/>
+          </p:cNvSpPr>
+          <p:nvPr>
+            <p:ph type="title"/>
+          </p:nvPr>
+        </p:nvSpPr>
+        <p:spPr/>
+        <p:txBody>
+          <a:bodyPr/>
+          <a:lstStyle/>
+          <a:p>
+            <a:r>
+              <a:rPr lang="en-US" altLang="zh-CN" dirty="0" err="1" smtClean="0">
+                <a:solidFill>
+                  <a:schemeClr val="tx1"/>
+                </a:solidFill>
+              </a:rPr>
+              <a:t>Spark分区原则</a:t>
+            </a:r>
+            <a:endParaRPr lang="zh-CN" altLang="en-US" dirty="0">
+              <a:solidFill>
+                <a:schemeClr val="tx1"/>
+              </a:solidFill>
+            </a:endParaRPr>
+          </a:p>
+        </p:txBody>
+      </p:sp>
+      <p:sp>
+        <p:nvSpPr>
+          <p:cNvPr id="3" name="矩形 2"/>
+          <p:cNvSpPr/>
+          <p:nvPr/>
+        </p:nvSpPr>
+        <p:spPr>
+          <a:xfrm>
+            <a:off x="880946" y="1682702"/>
+            <a:ext cx="7192536" cy="2308324"/>
+          </a:xfrm>
+          <a:prstGeom prst="rect">
+            <a:avLst/>
+          </a:prstGeom>
+        </p:spPr>
+        <p:txBody>
+          <a:bodyPr wrap="square">
+            <a:spAutoFit/>
+          </a:bodyPr>
+          <a:lstStyle/>
+          <a:p>
+            <a:pPr marL="0" marR="0">
+              <a:spcBef>
+                <a:spcPts val="0"/>
+              </a:spcBef>
+              <a:spcAft>
+                <a:spcPts val="0"/>
+              </a:spcAft>
+            </a:pPr>
+            <a:r>
+              <a:rPr lang="zh-CN" altLang="zh-CN" b="1" dirty="0">
+                <a:ea typeface="Microsoft YaHei" panose="020B0503020204020204" pitchFamily="34" charset="-122"/>
+              </a:rPr>
+              <a:t>本地模式</a:t>
+            </a:r>
+            <a:r>
+              <a:rPr lang="zh-CN" altLang="zh-CN" dirty="0">
+                <a:ea typeface="Microsoft YaHei" panose="020B0503020204020204" pitchFamily="34" charset="-122"/>
+              </a:rPr>
+              <a:t>：默认为本地机器的</a:t>
+            </a:r>
+            <a:r>
+              <a:rPr lang="en-US" altLang="zh-CN" dirty="0" err="1">
+                <a:ea typeface="Calibri" panose="020F0502020204030204" pitchFamily="34" charset="0"/>
+              </a:rPr>
+              <a:t>CPU</a:t>
+            </a:r>
+            <a:r>
+              <a:rPr lang="en-US" altLang="zh-CN" dirty="0" err="1">
+                <a:ea typeface="Microsoft YaHei" panose="020B0503020204020204" pitchFamily="34" charset="-122"/>
+              </a:rPr>
+              <a:t>数目，若设置了</a:t>
+            </a:r>
+            <a:r>
+              <a:rPr lang="en-US" altLang="zh-CN" dirty="0" err="1">
+                <a:ea typeface="Calibri" panose="020F0502020204030204" pitchFamily="34" charset="0"/>
+              </a:rPr>
+              <a:t>local</a:t>
+            </a:r>
+            <a:r>
+              <a:rPr lang="en-US" altLang="zh-CN" dirty="0">
+                <a:ea typeface="Calibri" panose="020F0502020204030204" pitchFamily="34" charset="0"/>
+              </a:rPr>
+              <a:t>[N],</a:t>
+            </a:r>
+            <a:r>
+              <a:rPr lang="en-US" altLang="zh-CN" dirty="0" err="1">
+                <a:ea typeface="Microsoft YaHei" panose="020B0503020204020204" pitchFamily="34" charset="-122"/>
+              </a:rPr>
+              <a:t>则默认为</a:t>
+            </a:r>
+            <a:r>
+              <a:rPr lang="en-US" altLang="zh-CN" dirty="0" err="1">
+                <a:ea typeface="Calibri" panose="020F0502020204030204" pitchFamily="34" charset="0"/>
+              </a:rPr>
+              <a:t>N</a:t>
+            </a:r>
+            <a:endParaRPr lang="zh-CN" altLang="zh-CN" dirty="0">
+              <a:ea typeface="Calibri" panose="020F0502020204030204" pitchFamily="34" charset="0"/>
+            </a:endParaRPr>
+          </a:p>
+          <a:p>
+            <a:pPr marL="0" marR="0">
+              <a:spcBef>
+                <a:spcPts val="0"/>
+              </a:spcBef>
+              <a:spcAft>
+                <a:spcPts val="0"/>
+              </a:spcAft>
+            </a:pPr>
+            <a:r>
+              <a:rPr lang="zh-CN" altLang="zh-CN" b="1" dirty="0">
+                <a:ea typeface="Calibri" panose="020F0502020204030204" pitchFamily="34" charset="0"/>
+              </a:rPr>
+              <a:t>Apache Mesos</a:t>
+            </a:r>
+            <a:r>
+              <a:rPr lang="zh-CN" altLang="zh-CN" dirty="0">
+                <a:ea typeface="Microsoft YaHei" panose="020B0503020204020204" pitchFamily="34" charset="-122"/>
+              </a:rPr>
+              <a:t>：默认的分区数为</a:t>
+            </a:r>
+            <a:r>
+              <a:rPr lang="en-US" altLang="zh-CN" dirty="0">
+                <a:ea typeface="Calibri" panose="020F0502020204030204" pitchFamily="34" charset="0"/>
+              </a:rPr>
+              <a:t>8</a:t>
+            </a:r>
+            <a:endParaRPr lang="zh-CN" altLang="zh-CN" dirty="0">
+              <a:ea typeface="Calibri" panose="020F0502020204030204" pitchFamily="34" charset="0"/>
+            </a:endParaRPr>
+          </a:p>
+          <a:p>
+            <a:pPr marL="0" marR="0">
+              <a:spcBef>
+                <a:spcPts val="0"/>
+              </a:spcBef>
+              <a:spcAft>
+                <a:spcPts val="0"/>
+              </a:spcAft>
+            </a:pPr>
+            <a:r>
+              <a:rPr lang="zh-CN" altLang="zh-CN" b="1" dirty="0">
+                <a:ea typeface="Calibri" panose="020F0502020204030204" pitchFamily="34" charset="0"/>
+              </a:rPr>
+              <a:t>Standalone</a:t>
+            </a:r>
+            <a:r>
+              <a:rPr lang="zh-CN" altLang="zh-CN" b="1" dirty="0">
+                <a:ea typeface="Microsoft YaHei" panose="020B0503020204020204" pitchFamily="34" charset="-122"/>
+              </a:rPr>
+              <a:t>或</a:t>
+            </a:r>
+            <a:r>
+              <a:rPr lang="en-US" altLang="zh-CN" b="1" dirty="0">
+                <a:ea typeface="Calibri" panose="020F0502020204030204" pitchFamily="34" charset="0"/>
+              </a:rPr>
+              <a:t>YARN</a:t>
+            </a:r>
+            <a:r>
+              <a:rPr lang="en-US" altLang="zh-CN" dirty="0">
+                <a:ea typeface="Microsoft YaHei" panose="020B0503020204020204" pitchFamily="34" charset="-122"/>
+              </a:rPr>
+              <a:t>：默认取集群中所有核心数目的总和，或者</a:t>
+            </a:r>
+            <a:r>
+              <a:rPr lang="en-US" altLang="zh-CN" dirty="0">
+                <a:ea typeface="Calibri" panose="020F0502020204030204" pitchFamily="34" charset="0"/>
+              </a:rPr>
+              <a:t>2</a:t>
+            </a:r>
+            <a:r>
+              <a:rPr lang="en-US" altLang="zh-CN" dirty="0">
+                <a:ea typeface="Microsoft YaHei" panose="020B0503020204020204" pitchFamily="34" charset="-122"/>
+              </a:rPr>
+              <a:t>，取二者的较大值。对于</a:t>
+            </a:r>
+            <a:r>
+              <a:rPr lang="en-US" altLang="zh-CN" dirty="0">
+                <a:ea typeface="Calibri" panose="020F0502020204030204" pitchFamily="34" charset="0"/>
+              </a:rPr>
+              <a:t>parallelize</a:t>
+            </a:r>
+            <a:r>
+              <a:rPr lang="en-US" altLang="zh-CN" dirty="0">
+                <a:ea typeface="Microsoft YaHei" panose="020B0503020204020204" pitchFamily="34" charset="-122"/>
+              </a:rPr>
+              <a:t>来说，没有在方法中的指定分区数，则默认为</a:t>
+            </a:r>
+            <a:r>
+              <a:rPr lang="en-US" altLang="zh-CN" dirty="0">
+                <a:ea typeface="Calibri" panose="020F0502020204030204" pitchFamily="34" charset="0"/>
+              </a:rPr>
+              <a:t>spark.default.parallelism</a:t>
+            </a:r>
+            <a:r>
+              <a:rPr lang="en-US" altLang="zh-CN" dirty="0">
+                <a:ea typeface="Microsoft YaHei" panose="020B0503020204020204" pitchFamily="34" charset="-122"/>
+              </a:rPr>
+              <a:t>，对于</a:t>
+            </a:r>
+            <a:r>
+              <a:rPr lang="en-US" altLang="zh-CN" dirty="0">
+                <a:ea typeface="Calibri" panose="020F0502020204030204" pitchFamily="34" charset="0"/>
+              </a:rPr>
+              <a:t>textFile</a:t>
+            </a:r>
+            <a:r>
+              <a:rPr lang="en-US" altLang="zh-CN" dirty="0">
+                <a:ea typeface="Microsoft YaHei" panose="020B0503020204020204" pitchFamily="34" charset="-122"/>
+              </a:rPr>
+              <a:t>来说，没有在方法中的指定分区数，则默认为</a:t>
+            </a:r>
+            <a:r>
+              <a:rPr lang="en-US" altLang="zh-CN" dirty="0">
+                <a:ea typeface="Calibri" panose="020F0502020204030204" pitchFamily="34" charset="0"/>
+              </a:rPr>
+              <a:t>min(defaultParallelism,2)</a:t>
+            </a:r>
+            <a:r>
+              <a:rPr lang="en-US" altLang="zh-CN" dirty="0">
+                <a:ea typeface="Microsoft YaHei" panose="020B0503020204020204" pitchFamily="34" charset="-122"/>
+              </a:rPr>
+              <a:t>，而</a:t>
+            </a:r>
+            <a:r>
+              <a:rPr lang="en-US" altLang="zh-CN" dirty="0">
+                <a:ea typeface="Calibri" panose="020F0502020204030204" pitchFamily="34" charset="0"/>
+              </a:rPr>
+              <a:t>defaultParallelism</a:t>
+            </a:r>
+            <a:r>
+              <a:rPr lang="en-US" altLang="zh-CN" dirty="0">
+                <a:ea typeface="Microsoft YaHei" panose="020B0503020204020204" pitchFamily="34" charset="-122"/>
+              </a:rPr>
+              <a:t>对应的就是</a:t>
+            </a:r>
+            <a:r>
+              <a:rPr lang="en-US" altLang="zh-CN" dirty="0">
+                <a:ea typeface="Calibri" panose="020F0502020204030204" pitchFamily="34" charset="0"/>
+              </a:rPr>
+              <a:t>spark.default.parallelism</a:t>
+            </a:r>
+            <a:r>
+              <a:rPr lang="en-US" altLang="zh-CN" dirty="0">
+                <a:ea typeface="Microsoft YaHei" panose="020B0503020204020204" pitchFamily="34" charset="-122"/>
+              </a:rPr>
+              <a:t>。如果是从</a:t>
+            </a:r>
+            <a:r>
+              <a:rPr lang="en-US" altLang="zh-CN" dirty="0">
+                <a:ea typeface="Calibri" panose="020F0502020204030204" pitchFamily="34" charset="0"/>
+              </a:rPr>
+              <a:t>hdfs</a:t>
+            </a:r>
+            <a:r>
+              <a:rPr lang="en-US" altLang="zh-CN" dirty="0">
+                <a:ea typeface="Microsoft YaHei" panose="020B0503020204020204" pitchFamily="34" charset="-122"/>
+              </a:rPr>
+              <a:t>上面读取文件，其分区数为文件分片数</a:t>
+            </a:r>
+            <a:r>
+              <a:rPr lang="en-US" altLang="zh-CN" dirty="0">
+                <a:ea typeface="Calibri" panose="020F0502020204030204" pitchFamily="34" charset="0"/>
+              </a:rPr>
+              <a:t>(128MB/</a:t>
+            </a:r>
+            <a:r>
+              <a:rPr lang="en-US" altLang="zh-CN" dirty="0">
+                <a:ea typeface="Microsoft YaHei" panose="020B0503020204020204" pitchFamily="34" charset="-122"/>
+              </a:rPr>
+              <a:t>片</a:t>
+            </a:r>
+            <a:r>
+              <a:rPr lang="en-US" altLang="zh-CN" dirty="0">
+                <a:ea typeface="Calibri" panose="020F0502020204030204" pitchFamily="34" charset="0"/>
+              </a:rPr>
+              <a:t>)</a:t>
+            </a:r>
+            <a:endParaRPr lang="zh-CN" altLang="zh-CN" sz="1800" dirty="0">
+              <a:effectLst/>
+              <a:ea typeface="Calibri" panose="020F0502020204030204" pitchFamily="34" charset="0"/>
+            </a:endParaRPr>
+          </a:p>
+        </p:txBody>
+      </p:sp>
+    </p:spTree>
+    <p:extLst>
+      <p:ext uri="{BB962C8B-B14F-4D97-AF65-F5344CB8AC3E}">
+        <p14:creationId xmlns:p14="http://schemas.microsoft.com/office/powerpoint/2010/main" val="2216975366"/>
+      </p:ext>
+    </p:extLst>
+  </p:cSld>
+  <p:clrMapOvr>
+    <a:masterClrMapping/>
+  </p:clrMapOvr>
+</p:sld>
+</file>
+
+<file path=ppt/slides/slide9.xml><?xml version="1.0" encoding="utf-8"?>
 <p:sld xmlns:a="http://schemas.openxmlformats.org/drawingml/2006/main" xmlns:r="http://schemas.openxmlformats.org/officeDocument/2006/relationships" xmlns:p="http://schemas.openxmlformats.org/presentationml/2006/main">
   <p:cSld>
     <p:spTree>
@@ -24841,503 +31780,6 @@
     <p:extLst>
       <p:ext uri="{BB962C8B-B14F-4D97-AF65-F5344CB8AC3E}">
         <p14:creationId xmlns:p14="http://schemas.microsoft.com/office/powerpoint/2010/main" val="2377983453"/>
-      </p:ext>
-    </p:extLst>
-  </p:cSld>
-  <p:clrMapOvr>
-    <a:masterClrMapping/>
-  </p:clrMapOvr>
-  <p:timing>
-    <p:tnLst>
-      <p:par>
-        <p:cTn id="1" dur="indefinite" restart="never" nodeType="tmRoot"/>
-      </p:par>
-    </p:tnLst>
-  </p:timing>
-</p:sld>
-</file>
-
-<file path=ppt/slides/slide5.xml><?xml version="1.0" encoding="utf-8"?>
-<p:sld xmlns:a="http://schemas.openxmlformats.org/drawingml/2006/main" xmlns:r="http://schemas.openxmlformats.org/officeDocument/2006/relationships" xmlns:p="http://schemas.openxmlformats.org/presentationml/2006/main">
-  <p:cSld>
-    <p:spTree>
-      <p:nvGrpSpPr>
-        <p:cNvPr id="1" name=""/>
-        <p:cNvGrpSpPr/>
-        <p:nvPr/>
-      </p:nvGrpSpPr>
-      <p:grpSpPr>
-        <a:xfrm>
-          <a:off x="0" y="0"/>
-          <a:ext cx="0" cy="0"/>
-          <a:chOff x="0" y="0"/>
-          <a:chExt cx="0" cy="0"/>
-        </a:xfrm>
-      </p:grpSpPr>
-      <p:sp>
-        <p:nvSpPr>
-          <p:cNvPr id="4" name="标题 3"/>
-          <p:cNvSpPr>
-            <a:spLocks noGrp="1"/>
-          </p:cNvSpPr>
-          <p:nvPr>
-            <p:ph type="title"/>
-          </p:nvPr>
-        </p:nvSpPr>
-        <p:spPr/>
-        <p:txBody>
-          <a:bodyPr/>
-          <a:lstStyle/>
-          <a:p>
-            <a:r>
-              <a:rPr lang="en-US" altLang="zh-CN" dirty="0">
-                <a:solidFill>
-                  <a:schemeClr val="tx1"/>
-                </a:solidFill>
-              </a:rPr>
-              <a:t>Value</a:t>
-            </a:r>
-            <a:r>
-              <a:rPr lang="zh-CN" altLang="en-US" dirty="0">
-                <a:solidFill>
-                  <a:schemeClr val="tx1"/>
-                </a:solidFill>
-              </a:rPr>
-              <a:t>型</a:t>
-            </a:r>
-            <a:r>
-              <a:rPr lang="en-US" altLang="zh-CN" dirty="0">
-                <a:solidFill>
-                  <a:schemeClr val="tx1"/>
-                </a:solidFill>
-              </a:rPr>
-              <a:t>Transformation</a:t>
-            </a:r>
-            <a:r>
-              <a:rPr lang="zh-CN" altLang="en-US" dirty="0" smtClean="0">
-                <a:solidFill>
-                  <a:schemeClr val="tx1"/>
-                </a:solidFill>
-              </a:rPr>
-              <a:t>算子：</a:t>
-            </a:r>
-            <a:r>
-              <a:rPr lang="en-US" altLang="zh-CN" dirty="0" smtClean="0">
-                <a:solidFill>
-                  <a:schemeClr val="tx1"/>
-                </a:solidFill>
-              </a:rPr>
-              <a:t>map</a:t>
-            </a:r>
-            <a:endParaRPr lang="zh-CN" altLang="en-US" dirty="0">
-              <a:solidFill>
-                <a:schemeClr val="tx1"/>
-              </a:solidFill>
-            </a:endParaRPr>
-          </a:p>
-        </p:txBody>
-      </p:sp>
-      <p:pic>
-        <p:nvPicPr>
-          <p:cNvPr id="23" name="图片 22"/>
-          <p:cNvPicPr>
-            <a:picLocks noChangeAspect="1"/>
-          </p:cNvPicPr>
-          <p:nvPr/>
-        </p:nvPicPr>
-        <p:blipFill>
-          <a:blip r:embed="rId3"/>
-          <a:stretch>
-            <a:fillRect/>
-          </a:stretch>
-        </p:blipFill>
-        <p:spPr>
-          <a:xfrm>
-            <a:off x="2234428" y="1769962"/>
-            <a:ext cx="4617783" cy="3309890"/>
-          </a:xfrm>
-          <a:prstGeom prst="rect">
-            <a:avLst/>
-          </a:prstGeom>
-        </p:spPr>
-      </p:pic>
-    </p:spTree>
-    <p:extLst>
-      <p:ext uri="{BB962C8B-B14F-4D97-AF65-F5344CB8AC3E}">
-        <p14:creationId xmlns:p14="http://schemas.microsoft.com/office/powerpoint/2010/main" val="4272339566"/>
-      </p:ext>
-    </p:extLst>
-  </p:cSld>
-  <p:clrMapOvr>
-    <a:masterClrMapping/>
-  </p:clrMapOvr>
-  <p:timing>
-    <p:tnLst>
-      <p:par>
-        <p:cTn id="1" dur="indefinite" restart="never" nodeType="tmRoot"/>
-      </p:par>
-    </p:tnLst>
-  </p:timing>
-</p:sld>
-</file>
-
-<file path=ppt/slides/slide6.xml><?xml version="1.0" encoding="utf-8"?>
-<p:sld xmlns:a="http://schemas.openxmlformats.org/drawingml/2006/main" xmlns:r="http://schemas.openxmlformats.org/officeDocument/2006/relationships" xmlns:p="http://schemas.openxmlformats.org/presentationml/2006/main">
-  <p:cSld>
-    <p:spTree>
-      <p:nvGrpSpPr>
-        <p:cNvPr id="1" name=""/>
-        <p:cNvGrpSpPr/>
-        <p:nvPr/>
-      </p:nvGrpSpPr>
-      <p:grpSpPr>
-        <a:xfrm>
-          <a:off x="0" y="0"/>
-          <a:ext cx="0" cy="0"/>
-          <a:chOff x="0" y="0"/>
-          <a:chExt cx="0" cy="0"/>
-        </a:xfrm>
-      </p:grpSpPr>
-      <p:sp>
-        <p:nvSpPr>
-          <p:cNvPr id="3" name="标题 2"/>
-          <p:cNvSpPr>
-            <a:spLocks noGrp="1"/>
-          </p:cNvSpPr>
-          <p:nvPr>
-            <p:ph type="title"/>
-          </p:nvPr>
-        </p:nvSpPr>
-        <p:spPr>
-          <a:xfrm>
-            <a:off x="260291" y="234375"/>
-            <a:ext cx="6649794" cy="478145"/>
-          </a:xfrm>
-        </p:spPr>
-        <p:txBody>
-          <a:bodyPr/>
-          <a:lstStyle/>
-          <a:p>
-            <a:r>
-              <a:rPr lang="en-US" altLang="zh-CN" dirty="0" err="1" smtClean="0">
-                <a:solidFill>
-                  <a:schemeClr val="tx1"/>
-                </a:solidFill>
-              </a:rPr>
-              <a:t>flatMap</a:t>
-            </a:r>
-            <a:endParaRPr lang="zh-CN" altLang="en-US" dirty="0">
-              <a:solidFill>
-                <a:schemeClr val="tx1"/>
-              </a:solidFill>
-            </a:endParaRPr>
-          </a:p>
-        </p:txBody>
-      </p:sp>
-      <p:pic>
-        <p:nvPicPr>
-          <p:cNvPr id="35" name="图片 34"/>
-          <p:cNvPicPr>
-            <a:picLocks noChangeAspect="1"/>
-          </p:cNvPicPr>
-          <p:nvPr/>
-        </p:nvPicPr>
-        <p:blipFill>
-          <a:blip r:embed="rId3"/>
-          <a:stretch>
-            <a:fillRect/>
-          </a:stretch>
-        </p:blipFill>
-        <p:spPr>
-          <a:xfrm>
-            <a:off x="2251852" y="1683274"/>
-            <a:ext cx="4658233" cy="3338884"/>
-          </a:xfrm>
-          <a:prstGeom prst="rect">
-            <a:avLst/>
-          </a:prstGeom>
-        </p:spPr>
-      </p:pic>
-    </p:spTree>
-    <p:extLst>
-      <p:ext uri="{BB962C8B-B14F-4D97-AF65-F5344CB8AC3E}">
-        <p14:creationId xmlns:p14="http://schemas.microsoft.com/office/powerpoint/2010/main" val="1619154400"/>
-      </p:ext>
-    </p:extLst>
-  </p:cSld>
-  <p:clrMapOvr>
-    <a:masterClrMapping/>
-  </p:clrMapOvr>
-  <p:timing>
-    <p:tnLst>
-      <p:par>
-        <p:cTn id="1" dur="indefinite" restart="never" nodeType="tmRoot"/>
-      </p:par>
-    </p:tnLst>
-  </p:timing>
-</p:sld>
-</file>
-
-<file path=ppt/slides/slide7.xml><?xml version="1.0" encoding="utf-8"?>
-<p:sld xmlns:a="http://schemas.openxmlformats.org/drawingml/2006/main" xmlns:r="http://schemas.openxmlformats.org/officeDocument/2006/relationships" xmlns:p="http://schemas.openxmlformats.org/presentationml/2006/main">
-  <p:cSld>
-    <p:spTree>
-      <p:nvGrpSpPr>
-        <p:cNvPr id="1" name=""/>
-        <p:cNvGrpSpPr/>
-        <p:nvPr/>
-      </p:nvGrpSpPr>
-      <p:grpSpPr>
-        <a:xfrm>
-          <a:off x="0" y="0"/>
-          <a:ext cx="0" cy="0"/>
-          <a:chOff x="0" y="0"/>
-          <a:chExt cx="0" cy="0"/>
-        </a:xfrm>
-      </p:grpSpPr>
-      <p:sp>
-        <p:nvSpPr>
-          <p:cNvPr id="2" name="标题 1"/>
-          <p:cNvSpPr>
-            <a:spLocks noGrp="1"/>
-          </p:cNvSpPr>
-          <p:nvPr>
-            <p:ph type="title"/>
-          </p:nvPr>
-        </p:nvSpPr>
-        <p:spPr/>
-        <p:txBody>
-          <a:bodyPr/>
-          <a:lstStyle/>
-          <a:p>
-            <a:r>
-              <a:rPr lang="en-US" altLang="zh-CN" b="0" dirty="0" err="1" smtClean="0">
-                <a:solidFill>
-                  <a:schemeClr val="tx1"/>
-                </a:solidFill>
-              </a:rPr>
-              <a:t>mapPartitions</a:t>
-            </a:r>
-            <a:endParaRPr lang="zh-CN" altLang="en-US" dirty="0">
-              <a:solidFill>
-                <a:schemeClr val="tx1"/>
-              </a:solidFill>
-            </a:endParaRPr>
-          </a:p>
-        </p:txBody>
-      </p:sp>
-      <p:pic>
-        <p:nvPicPr>
-          <p:cNvPr id="25" name="图片 24"/>
-          <p:cNvPicPr>
-            <a:picLocks noChangeAspect="1"/>
-          </p:cNvPicPr>
-          <p:nvPr/>
-        </p:nvPicPr>
-        <p:blipFill>
-          <a:blip r:embed="rId2"/>
-          <a:stretch>
-            <a:fillRect/>
-          </a:stretch>
-        </p:blipFill>
-        <p:spPr>
-          <a:xfrm>
-            <a:off x="1923529" y="1567244"/>
-            <a:ext cx="5092943" cy="3745535"/>
-          </a:xfrm>
-          <a:prstGeom prst="rect">
-            <a:avLst/>
-          </a:prstGeom>
-        </p:spPr>
-      </p:pic>
-    </p:spTree>
-    <p:extLst>
-      <p:ext uri="{BB962C8B-B14F-4D97-AF65-F5344CB8AC3E}">
-        <p14:creationId xmlns:p14="http://schemas.microsoft.com/office/powerpoint/2010/main" val="2003544624"/>
-      </p:ext>
-    </p:extLst>
-  </p:cSld>
-  <p:clrMapOvr>
-    <a:masterClrMapping/>
-  </p:clrMapOvr>
-  <p:timing>
-    <p:tnLst>
-      <p:par>
-        <p:cTn id="1" dur="indefinite" restart="never" nodeType="tmRoot"/>
-      </p:par>
-    </p:tnLst>
-  </p:timing>
-</p:sld>
-</file>
-
-<file path=ppt/slides/slide8.xml><?xml version="1.0" encoding="utf-8"?>
-<p:sld xmlns:a="http://schemas.openxmlformats.org/drawingml/2006/main" xmlns:r="http://schemas.openxmlformats.org/officeDocument/2006/relationships" xmlns:p="http://schemas.openxmlformats.org/presentationml/2006/main">
-  <p:cSld>
-    <p:spTree>
-      <p:nvGrpSpPr>
-        <p:cNvPr id="1" name=""/>
-        <p:cNvGrpSpPr/>
-        <p:nvPr/>
-      </p:nvGrpSpPr>
-      <p:grpSpPr>
-        <a:xfrm>
-          <a:off x="0" y="0"/>
-          <a:ext cx="0" cy="0"/>
-          <a:chOff x="0" y="0"/>
-          <a:chExt cx="0" cy="0"/>
-        </a:xfrm>
-      </p:grpSpPr>
-      <p:sp>
-        <p:nvSpPr>
-          <p:cNvPr id="2" name="标题 1"/>
-          <p:cNvSpPr>
-            <a:spLocks noGrp="1"/>
-          </p:cNvSpPr>
-          <p:nvPr>
-            <p:ph type="title"/>
-          </p:nvPr>
-        </p:nvSpPr>
-        <p:spPr/>
-        <p:txBody>
-          <a:bodyPr/>
-          <a:lstStyle/>
-          <a:p>
-            <a:r>
-              <a:rPr lang="en-US" altLang="zh-CN" dirty="0" smtClean="0">
-                <a:solidFill>
-                  <a:schemeClr val="tx1"/>
-                </a:solidFill>
-              </a:rPr>
-              <a:t>glom</a:t>
-            </a:r>
-            <a:endParaRPr lang="zh-CN" altLang="en-US" dirty="0">
-              <a:solidFill>
-                <a:schemeClr val="tx1"/>
-              </a:solidFill>
-            </a:endParaRPr>
-          </a:p>
-        </p:txBody>
-      </p:sp>
-      <p:pic>
-        <p:nvPicPr>
-          <p:cNvPr id="28" name="图片 27"/>
-          <p:cNvPicPr>
-            <a:picLocks noChangeAspect="1"/>
-          </p:cNvPicPr>
-          <p:nvPr/>
-        </p:nvPicPr>
-        <p:blipFill>
-          <a:blip r:embed="rId2"/>
-          <a:stretch>
-            <a:fillRect/>
-          </a:stretch>
-        </p:blipFill>
-        <p:spPr>
-          <a:xfrm>
-            <a:off x="1979786" y="1495143"/>
-            <a:ext cx="5196517" cy="3821707"/>
-          </a:xfrm>
-          <a:prstGeom prst="rect">
-            <a:avLst/>
-          </a:prstGeom>
-        </p:spPr>
-      </p:pic>
-    </p:spTree>
-    <p:extLst>
-      <p:ext uri="{BB962C8B-B14F-4D97-AF65-F5344CB8AC3E}">
-        <p14:creationId xmlns:p14="http://schemas.microsoft.com/office/powerpoint/2010/main" val="1130408027"/>
-      </p:ext>
-    </p:extLst>
-  </p:cSld>
-  <p:clrMapOvr>
-    <a:masterClrMapping/>
-  </p:clrMapOvr>
-  <p:timing>
-    <p:tnLst>
-      <p:par>
-        <p:cTn id="1" dur="indefinite" restart="never" nodeType="tmRoot"/>
-      </p:par>
-    </p:tnLst>
-  </p:timing>
-</p:sld>
-</file>
-
-<file path=ppt/slides/slide9.xml><?xml version="1.0" encoding="utf-8"?>
-<p:sld xmlns:a="http://schemas.openxmlformats.org/drawingml/2006/main" xmlns:r="http://schemas.openxmlformats.org/officeDocument/2006/relationships" xmlns:p="http://schemas.openxmlformats.org/presentationml/2006/main">
-  <p:cSld>
-    <p:spTree>
-      <p:nvGrpSpPr>
-        <p:cNvPr id="1" name=""/>
-        <p:cNvGrpSpPr/>
-        <p:nvPr/>
-      </p:nvGrpSpPr>
-      <p:grpSpPr>
-        <a:xfrm>
-          <a:off x="0" y="0"/>
-          <a:ext cx="0" cy="0"/>
-          <a:chOff x="0" y="0"/>
-          <a:chExt cx="0" cy="0"/>
-        </a:xfrm>
-      </p:grpSpPr>
-      <p:sp>
-        <p:nvSpPr>
-          <p:cNvPr id="2" name="标题 1"/>
-          <p:cNvSpPr>
-            <a:spLocks noGrp="1"/>
-          </p:cNvSpPr>
-          <p:nvPr>
-            <p:ph type="title"/>
-          </p:nvPr>
-        </p:nvSpPr>
-        <p:spPr/>
-        <p:txBody>
-          <a:bodyPr/>
-          <a:lstStyle/>
-          <a:p>
-            <a:r>
-              <a:rPr lang="en-US" altLang="zh-CN" dirty="0" smtClean="0">
-                <a:solidFill>
-                  <a:schemeClr val="tx1"/>
-                </a:solidFill>
-              </a:rPr>
-              <a:t>union</a:t>
-            </a:r>
-            <a:endParaRPr lang="zh-CN" altLang="en-US" dirty="0">
-              <a:solidFill>
-                <a:schemeClr val="tx1"/>
-              </a:solidFill>
-            </a:endParaRPr>
-          </a:p>
-        </p:txBody>
-      </p:sp>
-      <p:pic>
-        <p:nvPicPr>
-          <p:cNvPr id="3" name="图片 2"/>
-          <p:cNvPicPr>
-            <a:picLocks noChangeAspect="1"/>
-          </p:cNvPicPr>
-          <p:nvPr/>
-        </p:nvPicPr>
-        <p:blipFill>
-          <a:blip r:embed="rId2"/>
-          <a:stretch>
-            <a:fillRect/>
-          </a:stretch>
-        </p:blipFill>
-        <p:spPr>
-          <a:xfrm>
-            <a:off x="1990609" y="1582917"/>
-            <a:ext cx="5069947" cy="3623173"/>
-          </a:xfrm>
-          <a:prstGeom prst="rect">
-            <a:avLst/>
-          </a:prstGeom>
-        </p:spPr>
-      </p:pic>
-    </p:spTree>
-    <p:extLst>
-      <p:ext uri="{BB962C8B-B14F-4D97-AF65-F5344CB8AC3E}">
-        <p14:creationId xmlns:p14="http://schemas.microsoft.com/office/powerpoint/2010/main" val="909164799"/>
       </p:ext>
     </p:extLst>
   </p:cSld>
